--- a/resources/diagrams.pptx
+++ b/resources/diagrams.pptx
@@ -11,17 +11,19 @@
     <p:sldMasterId id="2147483741" r:id="rId7"/>
   </p:sldMasterIdLst>
   <p:notesMasterIdLst>
-    <p:notesMasterId r:id="rId11"/>
+    <p:notesMasterId r:id="rId13"/>
   </p:notesMasterIdLst>
   <p:sldIdLst>
     <p:sldId id="592" r:id="rId8"/>
-    <p:sldId id="593" r:id="rId9"/>
-    <p:sldId id="594" r:id="rId10"/>
+    <p:sldId id="595" r:id="rId9"/>
+    <p:sldId id="593" r:id="rId10"/>
+    <p:sldId id="596" r:id="rId11"/>
+    <p:sldId id="594" r:id="rId12"/>
   </p:sldIdLst>
   <p:sldSz cx="12192000" cy="6858000"/>
   <p:notesSz cx="6858000" cy="9144000"/>
   <p:custDataLst>
-    <p:tags r:id="rId12"/>
+    <p:tags r:id="rId14"/>
   </p:custDataLst>
   <p:defaultTextStyle>
     <a:defPPr>
@@ -144,6 +146,10 @@
 </p:cmAuthorLst>
 </file>
 
+<file path=ppt/revisionInfo.xml><?xml version="1.0" encoding="utf-8"?>
+<p1510:revInfo xmlns:a="http://schemas.openxmlformats.org/drawingml/2006/main" xmlns:r="http://schemas.openxmlformats.org/officeDocument/2006/relationships" xmlns:p1510="http://schemas.microsoft.com/office/powerpoint/2015/10/main"/>
+</file>
+
 <file path=ppt/notesMasters/notesMaster1.xml><?xml version="1.0" encoding="utf-8"?>
 <p:notesMaster xmlns:a="http://schemas.openxmlformats.org/drawingml/2006/main" xmlns:r="http://schemas.openxmlformats.org/officeDocument/2006/relationships" xmlns:p="http://schemas.openxmlformats.org/presentationml/2006/main">
   <p:cSld>
@@ -227,7 +233,7 @@
             <a:fld id="{8C4CD305-C8EB-014F-809E-A167267EBAE0}" type="datetimeFigureOut">
               <a:rPr lang="en-US" smtClean="0"/>
               <a:pPr/>
-              <a:t>3/21/17</a:t>
+              <a:t>3/14/2018</a:t>
             </a:fld>
             <a:endParaRPr lang="en-US"/>
           </a:p>
@@ -293,38 +299,37 @@
           <a:p>
             <a:pPr lvl="0"/>
             <a:r>
-              <a:rPr lang="en-US" smtClean="0"/>
+              <a:rPr lang="en-US"/>
               <a:t>Click to edit Master text styles</a:t>
             </a:r>
           </a:p>
           <a:p>
             <a:pPr lvl="1"/>
             <a:r>
-              <a:rPr lang="en-US" smtClean="0"/>
+              <a:rPr lang="en-US"/>
               <a:t>Second level</a:t>
             </a:r>
           </a:p>
           <a:p>
             <a:pPr lvl="2"/>
             <a:r>
-              <a:rPr lang="en-US" smtClean="0"/>
+              <a:rPr lang="en-US"/>
               <a:t>Third level</a:t>
             </a:r>
           </a:p>
           <a:p>
             <a:pPr lvl="3"/>
             <a:r>
-              <a:rPr lang="en-US" smtClean="0"/>
+              <a:rPr lang="en-US"/>
               <a:t>Fourth level</a:t>
             </a:r>
           </a:p>
           <a:p>
             <a:pPr lvl="4"/>
             <a:r>
-              <a:rPr lang="en-US" smtClean="0"/>
+              <a:rPr lang="en-US"/>
               <a:t>Fifth level</a:t>
             </a:r>
-            <a:endParaRPr lang="en-US"/>
           </a:p>
         </p:txBody>
       </p:sp>
@@ -639,7 +644,7 @@
           </a:bodyPr>
           <a:lstStyle/>
           <a:p>
-            <a:endParaRPr lang="en-US" dirty="0"/>
+            <a:endParaRPr lang="en-US"/>
           </a:p>
         </p:txBody>
       </p:sp>
@@ -678,7 +683,7 @@
     </p:spTree>
     <p:extLst>
       <p:ext uri="{BB962C8B-B14F-4D97-AF65-F5344CB8AC3E}">
-        <p14:creationId xmlns:p14="http://schemas.microsoft.com/office/powerpoint/2010/main" val="643510338"/>
+        <p14:creationId xmlns:p14="http://schemas.microsoft.com/office/powerpoint/2010/main" val="3355333211"/>
       </p:ext>
     </p:extLst>
   </p:cSld>
@@ -773,6 +778,101 @@
     </p:spTree>
     <p:extLst>
       <p:ext uri="{BB962C8B-B14F-4D97-AF65-F5344CB8AC3E}">
+        <p14:creationId xmlns:p14="http://schemas.microsoft.com/office/powerpoint/2010/main" val="643510338"/>
+      </p:ext>
+    </p:extLst>
+  </p:cSld>
+  <p:clrMapOvr>
+    <a:masterClrMapping/>
+  </p:clrMapOvr>
+</p:notes>
+</file>
+
+<file path=ppt/notesSlides/notesSlide4.xml><?xml version="1.0" encoding="utf-8"?>
+<p:notes xmlns:a="http://schemas.openxmlformats.org/drawingml/2006/main" xmlns:r="http://schemas.openxmlformats.org/officeDocument/2006/relationships" xmlns:p="http://schemas.openxmlformats.org/presentationml/2006/main">
+  <p:cSld>
+    <p:spTree>
+      <p:nvGrpSpPr>
+        <p:cNvPr id="1" name=""/>
+        <p:cNvGrpSpPr/>
+        <p:nvPr/>
+      </p:nvGrpSpPr>
+      <p:grpSpPr>
+        <a:xfrm>
+          <a:off x="0" y="0"/>
+          <a:ext cx="0" cy="0"/>
+          <a:chOff x="0" y="0"/>
+          <a:chExt cx="0" cy="0"/>
+        </a:xfrm>
+      </p:grpSpPr>
+      <p:sp>
+        <p:nvSpPr>
+          <p:cNvPr id="2" name="Slide Image Placeholder 1"/>
+          <p:cNvSpPr>
+            <a:spLocks noGrp="1" noRot="1" noChangeAspect="1"/>
+          </p:cNvSpPr>
+          <p:nvPr>
+            <p:ph type="sldImg"/>
+          </p:nvPr>
+        </p:nvSpPr>
+        <p:spPr/>
+      </p:sp>
+      <p:sp>
+        <p:nvSpPr>
+          <p:cNvPr id="3" name="Notes Placeholder 2"/>
+          <p:cNvSpPr>
+            <a:spLocks noGrp="1"/>
+          </p:cNvSpPr>
+          <p:nvPr>
+            <p:ph type="body" idx="1"/>
+          </p:nvPr>
+        </p:nvSpPr>
+        <p:spPr/>
+        <p:txBody>
+          <a:bodyPr>
+            <a:normAutofit/>
+          </a:bodyPr>
+          <a:lstStyle/>
+          <a:p>
+            <a:endParaRPr lang="en-US" dirty="0"/>
+          </a:p>
+        </p:txBody>
+      </p:sp>
+      <p:sp>
+        <p:nvSpPr>
+          <p:cNvPr id="4" name="Slide Number Placeholder 3"/>
+          <p:cNvSpPr>
+            <a:spLocks noGrp="1"/>
+          </p:cNvSpPr>
+          <p:nvPr>
+            <p:ph type="sldNum" sz="quarter" idx="10"/>
+          </p:nvPr>
+        </p:nvSpPr>
+        <p:spPr/>
+        <p:txBody>
+          <a:bodyPr/>
+          <a:lstStyle/>
+          <a:p>
+            <a:fld id="{242BA0F2-874B-FE43-A00D-0C6FADBDB50D}" type="slidenum">
+              <a:rPr lang="en-US" smtClean="0">
+                <a:solidFill>
+                  <a:prstClr val="black"/>
+                </a:solidFill>
+              </a:rPr>
+              <a:pPr/>
+              <a:t>5</a:t>
+            </a:fld>
+            <a:endParaRPr lang="en-US">
+              <a:solidFill>
+                <a:prstClr val="black"/>
+              </a:solidFill>
+            </a:endParaRPr>
+          </a:p>
+        </p:txBody>
+      </p:sp>
+    </p:spTree>
+    <p:extLst>
+      <p:ext uri="{BB962C8B-B14F-4D97-AF65-F5344CB8AC3E}">
         <p14:creationId xmlns:p14="http://schemas.microsoft.com/office/powerpoint/2010/main" val="1090452040"/>
       </p:ext>
     </p:extLst>
@@ -891,13 +991,6 @@
   <p:clrMapOvr>
     <a:masterClrMapping/>
   </p:clrMapOvr>
-  <p:timing>
-    <p:tnLst>
-      <p:par>
-        <p:cTn id="1" dur="indefinite" restart="never" nodeType="tmRoot"/>
-      </p:par>
-    </p:tnLst>
-  </p:timing>
 </p:sldLayout>
 </file>
 
@@ -1143,17 +1236,7 @@
                 <a:latin typeface="Calibri Light" panose="020F0302020204030204" pitchFamily="34" charset="0"/>
                 <a:cs typeface="Calibri Light" panose="020F0302020204030204" pitchFamily="34" charset="0"/>
               </a:rPr>
-              <a:t>Copyright </a:t>
-            </a:r>
-            <a:r>
-              <a:rPr lang="en-US" sz="700" dirty="0" smtClean="0">
-                <a:solidFill>
-                  <a:srgbClr val="FFFFFF"/>
-                </a:solidFill>
-                <a:latin typeface="Calibri Light" panose="020F0302020204030204" pitchFamily="34" charset="0"/>
-                <a:cs typeface="Calibri Light" panose="020F0302020204030204" pitchFamily="34" charset="0"/>
-              </a:rPr>
-              <a:t>Solace</a:t>
+              <a:t>Copyright Solace</a:t>
             </a:r>
             <a:endParaRPr lang="en-US" sz="800" dirty="0">
               <a:solidFill>
@@ -1341,13 +1424,6 @@
   <p:clrMapOvr>
     <a:masterClrMapping/>
   </p:clrMapOvr>
-  <p:timing>
-    <p:tnLst>
-      <p:par>
-        <p:cTn id="1" dur="indefinite" restart="never" nodeType="tmRoot"/>
-      </p:par>
-    </p:tnLst>
-  </p:timing>
 </p:sldLayout>
 </file>
 
@@ -1790,13 +1866,6 @@
   <p:clrMapOvr>
     <a:masterClrMapping/>
   </p:clrMapOvr>
-  <p:timing>
-    <p:tnLst>
-      <p:par>
-        <p:cTn id="1" dur="indefinite" restart="never" nodeType="tmRoot"/>
-      </p:par>
-    </p:tnLst>
-  </p:timing>
 </p:sldLayout>
 </file>
 
@@ -1908,13 +1977,6 @@
   <p:clrMapOvr>
     <a:masterClrMapping/>
   </p:clrMapOvr>
-  <p:timing>
-    <p:tnLst>
-      <p:par>
-        <p:cTn id="1" dur="indefinite" restart="never" nodeType="tmRoot"/>
-      </p:par>
-    </p:tnLst>
-  </p:timing>
 </p:sldLayout>
 </file>
 
@@ -2119,13 +2181,6 @@
   <p:clrMapOvr>
     <a:masterClrMapping/>
   </p:clrMapOvr>
-  <p:timing>
-    <p:tnLst>
-      <p:par>
-        <p:cTn id="1" dur="indefinite" restart="never" nodeType="tmRoot"/>
-      </p:par>
-    </p:tnLst>
-  </p:timing>
 </p:sldLayout>
 </file>
 
@@ -2190,13 +2245,6 @@
   <p:clrMapOvr>
     <a:masterClrMapping/>
   </p:clrMapOvr>
-  <p:timing>
-    <p:tnLst>
-      <p:par>
-        <p:cTn id="1" dur="indefinite" restart="never" nodeType="tmRoot"/>
-      </p:par>
-    </p:tnLst>
-  </p:timing>
 </p:sldLayout>
 </file>
 
@@ -2317,7 +2365,7 @@
           </a:lstStyle>
           <a:p>
             <a:r>
-              <a:rPr lang="en-US" smtClean="0"/>
+              <a:rPr lang="en-US"/>
               <a:t>Click to edit Master title style</a:t>
             </a:r>
             <a:endParaRPr lang="en-US" dirty="0"/>
@@ -2489,21 +2537,21 @@
           <a:p>
             <a:pPr lvl="0"/>
             <a:r>
-              <a:rPr lang="en-US" smtClean="0"/>
+              <a:rPr lang="en-US"/>
               <a:t>Click to edit Master text styles</a:t>
             </a:r>
           </a:p>
           <a:p>
             <a:pPr lvl="1"/>
             <a:r>
-              <a:rPr lang="en-US" smtClean="0"/>
+              <a:rPr lang="en-US"/>
               <a:t>Second level</a:t>
             </a:r>
           </a:p>
           <a:p>
             <a:pPr lvl="2"/>
             <a:r>
-              <a:rPr lang="en-US" smtClean="0"/>
+              <a:rPr lang="en-US"/>
               <a:t>Third level</a:t>
             </a:r>
           </a:p>
@@ -2534,21 +2582,21 @@
           <a:p>
             <a:pPr lvl="0"/>
             <a:r>
-              <a:rPr lang="en-US" smtClean="0"/>
+              <a:rPr lang="en-US"/>
               <a:t>Click to edit Master text styles</a:t>
             </a:r>
           </a:p>
           <a:p>
             <a:pPr lvl="1"/>
             <a:r>
-              <a:rPr lang="en-US" smtClean="0"/>
+              <a:rPr lang="en-US"/>
               <a:t>Second level</a:t>
             </a:r>
           </a:p>
           <a:p>
             <a:pPr lvl="2"/>
             <a:r>
-              <a:rPr lang="en-US" smtClean="0"/>
+              <a:rPr lang="en-US"/>
               <a:t>Third level</a:t>
             </a:r>
           </a:p>
@@ -2614,21 +2662,21 @@
           <a:p>
             <a:pPr lvl="0"/>
             <a:r>
-              <a:rPr lang="en-US" smtClean="0"/>
+              <a:rPr lang="en-US"/>
               <a:t>Click to edit Master text styles</a:t>
             </a:r>
           </a:p>
           <a:p>
             <a:pPr lvl="1"/>
             <a:r>
-              <a:rPr lang="en-US" smtClean="0"/>
+              <a:rPr lang="en-US"/>
               <a:t>Second level</a:t>
             </a:r>
           </a:p>
           <a:p>
             <a:pPr lvl="2"/>
             <a:r>
-              <a:rPr lang="en-US" smtClean="0"/>
+              <a:rPr lang="en-US"/>
               <a:t>Third level</a:t>
             </a:r>
           </a:p>
@@ -2644,13 +2692,6 @@
   <p:clrMapOvr>
     <a:masterClrMapping/>
   </p:clrMapOvr>
-  <p:timing>
-    <p:tnLst>
-      <p:par>
-        <p:cTn id="1" dur="indefinite" restart="never" nodeType="tmRoot"/>
-      </p:par>
-    </p:tnLst>
-  </p:timing>
 </p:sldLayout>
 </file>
 
@@ -3139,21 +3180,21 @@
           <a:p>
             <a:pPr lvl="0"/>
             <a:r>
-              <a:rPr lang="en-US" smtClean="0"/>
+              <a:rPr lang="en-US"/>
               <a:t>Click to edit Master text styles</a:t>
             </a:r>
           </a:p>
           <a:p>
             <a:pPr lvl="1"/>
             <a:r>
-              <a:rPr lang="en-US" smtClean="0"/>
+              <a:rPr lang="en-US"/>
               <a:t>Second level</a:t>
             </a:r>
           </a:p>
           <a:p>
             <a:pPr lvl="2"/>
             <a:r>
-              <a:rPr lang="en-US" smtClean="0"/>
+              <a:rPr lang="en-US"/>
               <a:t>Third level</a:t>
             </a:r>
           </a:p>
@@ -3184,21 +3225,21 @@
           <a:p>
             <a:pPr lvl="0"/>
             <a:r>
-              <a:rPr lang="en-US" smtClean="0"/>
+              <a:rPr lang="en-US"/>
               <a:t>Click to edit Master text styles</a:t>
             </a:r>
           </a:p>
           <a:p>
             <a:pPr lvl="1"/>
             <a:r>
-              <a:rPr lang="en-US" smtClean="0"/>
+              <a:rPr lang="en-US"/>
               <a:t>Second level</a:t>
             </a:r>
           </a:p>
           <a:p>
             <a:pPr lvl="2"/>
             <a:r>
-              <a:rPr lang="en-US" smtClean="0"/>
+              <a:rPr lang="en-US"/>
               <a:t>Third level</a:t>
             </a:r>
           </a:p>
@@ -3236,7 +3277,7 @@
           </a:lstStyle>
           <a:p>
             <a:r>
-              <a:rPr lang="en-US" smtClean="0"/>
+              <a:rPr lang="en-US"/>
               <a:t>Click to edit Master title style</a:t>
             </a:r>
             <a:endParaRPr lang="en-US" dirty="0"/>
@@ -3249,13 +3290,6 @@
   <p:clrMapOvr>
     <a:masterClrMapping/>
   </p:clrMapOvr>
-  <p:timing>
-    <p:tnLst>
-      <p:par>
-        <p:cTn id="1" dur="indefinite" restart="never" nodeType="tmRoot"/>
-      </p:par>
-    </p:tnLst>
-  </p:timing>
 </p:sldLayout>
 </file>
 
@@ -6443,7 +6477,7 @@
           </a:lstStyle>
           <a:p>
             <a:r>
-              <a:rPr lang="en-US" smtClean="0"/>
+              <a:rPr lang="en-US"/>
               <a:t>Click to edit Master title style</a:t>
             </a:r>
             <a:endParaRPr lang="en-US" dirty="0"/>
@@ -6456,13 +6490,6 @@
   <p:clrMapOvr>
     <a:masterClrMapping/>
   </p:clrMapOvr>
-  <p:timing>
-    <p:tnLst>
-      <p:par>
-        <p:cTn id="1" dur="indefinite" restart="never" nodeType="tmRoot"/>
-      </p:par>
-    </p:tnLst>
-  </p:timing>
 </p:sldLayout>
 </file>
 
@@ -9714,13 +9741,6 @@
   <p:clrMapOvr>
     <a:masterClrMapping/>
   </p:clrMapOvr>
-  <p:timing>
-    <p:tnLst>
-      <p:par>
-        <p:cTn id="1" dur="indefinite" restart="never" nodeType="tmRoot"/>
-      </p:par>
-    </p:tnLst>
-  </p:timing>
 </p:sldLayout>
 </file>
 
@@ -9841,7 +9861,7 @@
           </a:lstStyle>
           <a:p>
             <a:r>
-              <a:rPr lang="en-US" smtClean="0"/>
+              <a:rPr lang="en-US"/>
               <a:t>Click to edit Master title style</a:t>
             </a:r>
             <a:endParaRPr lang="en-US" dirty="0"/>
@@ -9967,17 +9987,7 @@
                 <a:latin typeface="Calibri Light" panose="020F0302020204030204" pitchFamily="34" charset="0"/>
                 <a:cs typeface="Calibri Light" panose="020F0302020204030204" pitchFamily="34" charset="0"/>
               </a:rPr>
-              <a:t>Copyright </a:t>
-            </a:r>
-            <a:r>
-              <a:rPr lang="en-US" sz="700" dirty="0" smtClean="0">
-                <a:solidFill>
-                  <a:srgbClr val="FFFFFF"/>
-                </a:solidFill>
-                <a:latin typeface="Calibri Light" panose="020F0302020204030204" pitchFamily="34" charset="0"/>
-                <a:cs typeface="Calibri Light" panose="020F0302020204030204" pitchFamily="34" charset="0"/>
-              </a:rPr>
-              <a:t>Solace</a:t>
+              <a:t>Copyright Solace</a:t>
             </a:r>
             <a:endParaRPr lang="en-US" sz="800" dirty="0">
               <a:solidFill>
@@ -10014,21 +10024,21 @@
           <a:p>
             <a:pPr lvl="0"/>
             <a:r>
-              <a:rPr lang="en-US" smtClean="0"/>
+              <a:rPr lang="en-US"/>
               <a:t>Click to edit Master text styles</a:t>
             </a:r>
           </a:p>
           <a:p>
             <a:pPr lvl="1"/>
             <a:r>
-              <a:rPr lang="en-US" smtClean="0"/>
+              <a:rPr lang="en-US"/>
               <a:t>Second level</a:t>
             </a:r>
           </a:p>
           <a:p>
             <a:pPr lvl="2"/>
             <a:r>
-              <a:rPr lang="en-US" smtClean="0"/>
+              <a:rPr lang="en-US"/>
               <a:t>Third level</a:t>
             </a:r>
           </a:p>
@@ -10059,21 +10069,21 @@
           <a:p>
             <a:pPr lvl="0"/>
             <a:r>
-              <a:rPr lang="en-US" smtClean="0"/>
+              <a:rPr lang="en-US"/>
               <a:t>Click to edit Master text styles</a:t>
             </a:r>
           </a:p>
           <a:p>
             <a:pPr lvl="1"/>
             <a:r>
-              <a:rPr lang="en-US" smtClean="0"/>
+              <a:rPr lang="en-US"/>
               <a:t>Second level</a:t>
             </a:r>
           </a:p>
           <a:p>
             <a:pPr lvl="2"/>
             <a:r>
-              <a:rPr lang="en-US" smtClean="0"/>
+              <a:rPr lang="en-US"/>
               <a:t>Third level</a:t>
             </a:r>
           </a:p>
@@ -10139,21 +10149,21 @@
           <a:p>
             <a:pPr lvl="0"/>
             <a:r>
-              <a:rPr lang="en-US" smtClean="0"/>
+              <a:rPr lang="en-US"/>
               <a:t>Click to edit Master text styles</a:t>
             </a:r>
           </a:p>
           <a:p>
             <a:pPr lvl="1"/>
             <a:r>
-              <a:rPr lang="en-US" smtClean="0"/>
+              <a:rPr lang="en-US"/>
               <a:t>Second level</a:t>
             </a:r>
           </a:p>
           <a:p>
             <a:pPr lvl="2"/>
             <a:r>
-              <a:rPr lang="en-US" smtClean="0"/>
+              <a:rPr lang="en-US"/>
               <a:t>Third level</a:t>
             </a:r>
           </a:p>
@@ -10165,13 +10175,6 @@
   <p:clrMapOvr>
     <a:masterClrMapping/>
   </p:clrMapOvr>
-  <p:timing>
-    <p:tnLst>
-      <p:par>
-        <p:cTn id="1" dur="indefinite" restart="never" nodeType="tmRoot"/>
-      </p:par>
-    </p:tnLst>
-  </p:timing>
 </p:sldLayout>
 </file>
 
@@ -10217,21 +10220,21 @@
           <a:p>
             <a:pPr lvl="0"/>
             <a:r>
-              <a:rPr lang="en-US" smtClean="0"/>
+              <a:rPr lang="en-US"/>
               <a:t>Click to edit Master text styles</a:t>
             </a:r>
           </a:p>
           <a:p>
             <a:pPr lvl="1"/>
             <a:r>
-              <a:rPr lang="en-US" smtClean="0"/>
+              <a:rPr lang="en-US"/>
               <a:t>Second level</a:t>
             </a:r>
           </a:p>
           <a:p>
             <a:pPr lvl="2"/>
             <a:r>
-              <a:rPr lang="en-US" smtClean="0"/>
+              <a:rPr lang="en-US"/>
               <a:t>Third level</a:t>
             </a:r>
           </a:p>
@@ -10262,21 +10265,21 @@
           <a:p>
             <a:pPr lvl="0"/>
             <a:r>
-              <a:rPr lang="en-US" smtClean="0"/>
+              <a:rPr lang="en-US"/>
               <a:t>Click to edit Master text styles</a:t>
             </a:r>
           </a:p>
           <a:p>
             <a:pPr lvl="1"/>
             <a:r>
-              <a:rPr lang="en-US" smtClean="0"/>
+              <a:rPr lang="en-US"/>
               <a:t>Second level</a:t>
             </a:r>
           </a:p>
           <a:p>
             <a:pPr lvl="2"/>
             <a:r>
-              <a:rPr lang="en-US" smtClean="0"/>
+              <a:rPr lang="en-US"/>
               <a:t>Third level</a:t>
             </a:r>
           </a:p>
@@ -10314,7 +10317,7 @@
           </a:lstStyle>
           <a:p>
             <a:r>
-              <a:rPr lang="en-US" smtClean="0"/>
+              <a:rPr lang="en-US"/>
               <a:t>Click to edit Master title style</a:t>
             </a:r>
             <a:endParaRPr lang="en-US" dirty="0"/>
@@ -10327,13 +10330,6 @@
   <p:clrMapOvr>
     <a:masterClrMapping/>
   </p:clrMapOvr>
-  <p:timing>
-    <p:tnLst>
-      <p:par>
-        <p:cTn id="1" dur="indefinite" restart="never" nodeType="tmRoot"/>
-      </p:par>
-    </p:tnLst>
-  </p:timing>
 </p:sldLayout>
 </file>
 
@@ -10386,7 +10382,7 @@
           </a:lstStyle>
           <a:p>
             <a:r>
-              <a:rPr lang="en-US" smtClean="0"/>
+              <a:rPr lang="en-US"/>
               <a:t>Click to edit Master title style</a:t>
             </a:r>
             <a:endParaRPr lang="en-US" dirty="0"/>
@@ -10399,13 +10395,6 @@
   <p:clrMapOvr>
     <a:masterClrMapping/>
   </p:clrMapOvr>
-  <p:timing>
-    <p:tnLst>
-      <p:par>
-        <p:cTn id="1" dur="indefinite" restart="never" nodeType="tmRoot"/>
-      </p:par>
-    </p:tnLst>
-  </p:timing>
 </p:sldLayout>
 </file>
 
@@ -10526,7 +10515,7 @@
           </a:lstStyle>
           <a:p>
             <a:r>
-              <a:rPr lang="en-US" smtClean="0"/>
+              <a:rPr lang="en-US"/>
               <a:t>Click to edit Master title style</a:t>
             </a:r>
             <a:endParaRPr lang="en-US" dirty="0"/>
@@ -10652,17 +10641,7 @@
                 <a:latin typeface="Calibri Light" panose="020F0302020204030204" pitchFamily="34" charset="0"/>
                 <a:cs typeface="Calibri Light" panose="020F0302020204030204" pitchFamily="34" charset="0"/>
               </a:rPr>
-              <a:t>Copyright </a:t>
-            </a:r>
-            <a:r>
-              <a:rPr lang="en-US" sz="700" dirty="0" smtClean="0">
-                <a:solidFill>
-                  <a:srgbClr val="FFFFFF"/>
-                </a:solidFill>
-                <a:latin typeface="Calibri Light" panose="020F0302020204030204" pitchFamily="34" charset="0"/>
-                <a:cs typeface="Calibri Light" panose="020F0302020204030204" pitchFamily="34" charset="0"/>
-              </a:rPr>
-              <a:t>Solace</a:t>
+              <a:t>Copyright Solace</a:t>
             </a:r>
             <a:endParaRPr lang="en-US" sz="800" dirty="0">
               <a:solidFill>
@@ -10699,21 +10678,21 @@
           <a:p>
             <a:pPr lvl="0"/>
             <a:r>
-              <a:rPr lang="en-US" smtClean="0"/>
+              <a:rPr lang="en-US"/>
               <a:t>Click to edit Master text styles</a:t>
             </a:r>
           </a:p>
           <a:p>
             <a:pPr lvl="1"/>
             <a:r>
-              <a:rPr lang="en-US" smtClean="0"/>
+              <a:rPr lang="en-US"/>
               <a:t>Second level</a:t>
             </a:r>
           </a:p>
           <a:p>
             <a:pPr lvl="2"/>
             <a:r>
-              <a:rPr lang="en-US" smtClean="0"/>
+              <a:rPr lang="en-US"/>
               <a:t>Third level</a:t>
             </a:r>
           </a:p>
@@ -10744,21 +10723,21 @@
           <a:p>
             <a:pPr lvl="0"/>
             <a:r>
-              <a:rPr lang="en-US" smtClean="0"/>
+              <a:rPr lang="en-US"/>
               <a:t>Click to edit Master text styles</a:t>
             </a:r>
           </a:p>
           <a:p>
             <a:pPr lvl="1"/>
             <a:r>
-              <a:rPr lang="en-US" smtClean="0"/>
+              <a:rPr lang="en-US"/>
               <a:t>Second level</a:t>
             </a:r>
           </a:p>
           <a:p>
             <a:pPr lvl="2"/>
             <a:r>
-              <a:rPr lang="en-US" smtClean="0"/>
+              <a:rPr lang="en-US"/>
               <a:t>Third level</a:t>
             </a:r>
           </a:p>
@@ -10824,21 +10803,21 @@
           <a:p>
             <a:pPr lvl="0"/>
             <a:r>
-              <a:rPr lang="en-US" smtClean="0"/>
+              <a:rPr lang="en-US"/>
               <a:t>Click to edit Master text styles</a:t>
             </a:r>
           </a:p>
           <a:p>
             <a:pPr lvl="1"/>
             <a:r>
-              <a:rPr lang="en-US" smtClean="0"/>
+              <a:rPr lang="en-US"/>
               <a:t>Second level</a:t>
             </a:r>
           </a:p>
           <a:p>
             <a:pPr lvl="2"/>
             <a:r>
-              <a:rPr lang="en-US" smtClean="0"/>
+              <a:rPr lang="en-US"/>
               <a:t>Third level</a:t>
             </a:r>
           </a:p>
@@ -10850,13 +10829,6 @@
   <p:clrMapOvr>
     <a:masterClrMapping/>
   </p:clrMapOvr>
-  <p:timing>
-    <p:tnLst>
-      <p:par>
-        <p:cTn id="1" dur="indefinite" restart="never" nodeType="tmRoot"/>
-      </p:par>
-    </p:tnLst>
-  </p:timing>
 </p:sldLayout>
 </file>
 
@@ -10977,7 +10949,7 @@
           </a:lstStyle>
           <a:p>
             <a:r>
-              <a:rPr lang="en-US" smtClean="0"/>
+              <a:rPr lang="en-US"/>
               <a:t>Click to edit Master title style</a:t>
             </a:r>
             <a:endParaRPr lang="en-US" dirty="0"/>
@@ -11149,21 +11121,21 @@
           <a:p>
             <a:pPr lvl="0"/>
             <a:r>
-              <a:rPr lang="en-US" smtClean="0"/>
+              <a:rPr lang="en-US"/>
               <a:t>Click to edit Master text styles</a:t>
             </a:r>
           </a:p>
           <a:p>
             <a:pPr lvl="1"/>
             <a:r>
-              <a:rPr lang="en-US" smtClean="0"/>
+              <a:rPr lang="en-US"/>
               <a:t>Second level</a:t>
             </a:r>
           </a:p>
           <a:p>
             <a:pPr lvl="2"/>
             <a:r>
-              <a:rPr lang="en-US" smtClean="0"/>
+              <a:rPr lang="en-US"/>
               <a:t>Third level</a:t>
             </a:r>
           </a:p>
@@ -11194,21 +11166,21 @@
           <a:p>
             <a:pPr lvl="0"/>
             <a:r>
-              <a:rPr lang="en-US" smtClean="0"/>
+              <a:rPr lang="en-US"/>
               <a:t>Click to edit Master text styles</a:t>
             </a:r>
           </a:p>
           <a:p>
             <a:pPr lvl="1"/>
             <a:r>
-              <a:rPr lang="en-US" smtClean="0"/>
+              <a:rPr lang="en-US"/>
               <a:t>Second level</a:t>
             </a:r>
           </a:p>
           <a:p>
             <a:pPr lvl="2"/>
             <a:r>
-              <a:rPr lang="en-US" smtClean="0"/>
+              <a:rPr lang="en-US"/>
               <a:t>Third level</a:t>
             </a:r>
           </a:p>
@@ -11274,21 +11246,21 @@
           <a:p>
             <a:pPr lvl="0"/>
             <a:r>
-              <a:rPr lang="en-US" smtClean="0"/>
+              <a:rPr lang="en-US"/>
               <a:t>Click to edit Master text styles</a:t>
             </a:r>
           </a:p>
           <a:p>
             <a:pPr lvl="1"/>
             <a:r>
-              <a:rPr lang="en-US" smtClean="0"/>
+              <a:rPr lang="en-US"/>
               <a:t>Second level</a:t>
             </a:r>
           </a:p>
           <a:p>
             <a:pPr lvl="2"/>
             <a:r>
-              <a:rPr lang="en-US" smtClean="0"/>
+              <a:rPr lang="en-US"/>
               <a:t>Third level</a:t>
             </a:r>
           </a:p>
@@ -11300,13 +11272,6 @@
   <p:clrMapOvr>
     <a:masterClrMapping/>
   </p:clrMapOvr>
-  <p:timing>
-    <p:tnLst>
-      <p:par>
-        <p:cTn id="1" dur="indefinite" restart="never" nodeType="tmRoot"/>
-      </p:par>
-    </p:tnLst>
-  </p:timing>
 </p:sldLayout>
 </file>
 
@@ -11418,13 +11383,6 @@
   <p:clrMapOvr>
     <a:masterClrMapping/>
   </p:clrMapOvr>
-  <p:timing>
-    <p:tnLst>
-      <p:par>
-        <p:cTn id="1" dur="indefinite" restart="never" nodeType="tmRoot"/>
-      </p:par>
-    </p:tnLst>
-  </p:timing>
 </p:sldLayout>
 </file>
 
@@ -11545,7 +11503,7 @@
           </a:lstStyle>
           <a:p>
             <a:r>
-              <a:rPr lang="en-US" smtClean="0"/>
+              <a:rPr lang="en-US"/>
               <a:t>Click to edit Master title style</a:t>
             </a:r>
             <a:endParaRPr lang="en-US" dirty="0"/>
@@ -11717,21 +11675,21 @@
           <a:p>
             <a:pPr lvl="0"/>
             <a:r>
-              <a:rPr lang="en-US" smtClean="0"/>
+              <a:rPr lang="en-US"/>
               <a:t>Click to edit Master text styles</a:t>
             </a:r>
           </a:p>
           <a:p>
             <a:pPr lvl="1"/>
             <a:r>
-              <a:rPr lang="en-US" smtClean="0"/>
+              <a:rPr lang="en-US"/>
               <a:t>Second level</a:t>
             </a:r>
           </a:p>
           <a:p>
             <a:pPr lvl="2"/>
             <a:r>
-              <a:rPr lang="en-US" smtClean="0"/>
+              <a:rPr lang="en-US"/>
               <a:t>Third level</a:t>
             </a:r>
           </a:p>
@@ -11762,21 +11720,21 @@
           <a:p>
             <a:pPr lvl="0"/>
             <a:r>
-              <a:rPr lang="en-US" smtClean="0"/>
+              <a:rPr lang="en-US"/>
               <a:t>Click to edit Master text styles</a:t>
             </a:r>
           </a:p>
           <a:p>
             <a:pPr lvl="1"/>
             <a:r>
-              <a:rPr lang="en-US" smtClean="0"/>
+              <a:rPr lang="en-US"/>
               <a:t>Second level</a:t>
             </a:r>
           </a:p>
           <a:p>
             <a:pPr lvl="2"/>
             <a:r>
-              <a:rPr lang="en-US" smtClean="0"/>
+              <a:rPr lang="en-US"/>
               <a:t>Third level</a:t>
             </a:r>
           </a:p>
@@ -11842,21 +11800,21 @@
           <a:p>
             <a:pPr lvl="0"/>
             <a:r>
-              <a:rPr lang="en-US" smtClean="0"/>
+              <a:rPr lang="en-US"/>
               <a:t>Click to edit Master text styles</a:t>
             </a:r>
           </a:p>
           <a:p>
             <a:pPr lvl="1"/>
             <a:r>
-              <a:rPr lang="en-US" smtClean="0"/>
+              <a:rPr lang="en-US"/>
               <a:t>Second level</a:t>
             </a:r>
           </a:p>
           <a:p>
             <a:pPr lvl="2"/>
             <a:r>
-              <a:rPr lang="en-US" smtClean="0"/>
+              <a:rPr lang="en-US"/>
               <a:t>Third level</a:t>
             </a:r>
           </a:p>
@@ -11868,13 +11826,6 @@
   <p:clrMapOvr>
     <a:masterClrMapping/>
   </p:clrMapOvr>
-  <p:timing>
-    <p:tnLst>
-      <p:par>
-        <p:cTn id="1" dur="indefinite" restart="never" nodeType="tmRoot"/>
-      </p:par>
-    </p:tnLst>
-  </p:timing>
 </p:sldLayout>
 </file>
 
@@ -11990,13 +11941,6 @@
   <p:clrMapOvr>
     <a:masterClrMapping/>
   </p:clrMapOvr>
-  <p:timing>
-    <p:tnLst>
-      <p:par>
-        <p:cTn id="1" dur="indefinite" restart="never" nodeType="tmRoot"/>
-      </p:par>
-    </p:tnLst>
-  </p:timing>
 </p:sldLayout>
 </file>
 
@@ -12108,13 +12052,6 @@
   <p:clrMapOvr>
     <a:masterClrMapping/>
   </p:clrMapOvr>
-  <p:timing>
-    <p:tnLst>
-      <p:par>
-        <p:cTn id="1" dur="indefinite" restart="never" nodeType="tmRoot"/>
-      </p:par>
-    </p:tnLst>
-  </p:timing>
 </p:sldLayout>
 </file>
 
@@ -12269,13 +12206,6 @@
   <p:clrMapOvr>
     <a:masterClrMapping/>
   </p:clrMapOvr>
-  <p:timing>
-    <p:tnLst>
-      <p:par>
-        <p:cTn id="1" dur="indefinite" restart="never" nodeType="tmRoot"/>
-      </p:par>
-    </p:tnLst>
-  </p:timing>
 </p:sldLayout>
 </file>
 
@@ -12340,13 +12270,6 @@
   <p:clrMapOvr>
     <a:masterClrMapping/>
   </p:clrMapOvr>
-  <p:timing>
-    <p:tnLst>
-      <p:par>
-        <p:cTn id="1" dur="indefinite" restart="never" nodeType="tmRoot"/>
-      </p:par>
-    </p:tnLst>
-  </p:timing>
 </p:sldLayout>
 </file>
 
@@ -12502,13 +12425,6 @@
     <p:sldLayoutId id="2147483684" r:id="rId5"/>
     <p:sldLayoutId id="2147483712" r:id="rId6"/>
   </p:sldLayoutIdLst>
-  <p:timing>
-    <p:tnLst>
-      <p:par>
-        <p:cTn id="1" dur="indefinite" restart="never" nodeType="tmRoot"/>
-      </p:par>
-    </p:tnLst>
-  </p:timing>
   <p:hf hdr="0" dt="0"/>
   <p:txStyles>
     <p:titleStyle>
@@ -13256,13 +13172,6 @@
     <p:sldLayoutId id="2147483689" r:id="rId4"/>
     <p:sldLayoutId id="2147483690" r:id="rId5"/>
   </p:sldLayoutIdLst>
-  <p:timing>
-    <p:tnLst>
-      <p:par>
-        <p:cTn id="1" dur="indefinite" restart="never" nodeType="tmRoot"/>
-      </p:par>
-    </p:tnLst>
-  </p:timing>
   <p:hf hdr="0" dt="0"/>
   <p:txStyles>
     <p:titleStyle>
@@ -14009,13 +13918,6 @@
     <p:sldLayoutId id="2147483694" r:id="rId3"/>
     <p:sldLayoutId id="2147483713" r:id="rId4"/>
   </p:sldLayoutIdLst>
-  <p:timing>
-    <p:tnLst>
-      <p:par>
-        <p:cTn id="1" dur="indefinite" restart="never" nodeType="tmRoot"/>
-      </p:par>
-    </p:tnLst>
-  </p:timing>
   <p:hf hdr="0" dt="0"/>
   <p:txStyles>
     <p:titleStyle>
@@ -15471,17 +15373,7 @@
                 <a:latin typeface="Calibri Light" panose="020F0302020204030204" pitchFamily="34" charset="0"/>
                 <a:cs typeface="Calibri Light" panose="020F0302020204030204" pitchFamily="34" charset="0"/>
               </a:rPr>
-              <a:t>Copyright </a:t>
-            </a:r>
-            <a:r>
-              <a:rPr lang="en-US" sz="700" dirty="0" smtClean="0">
-                <a:solidFill>
-                  <a:srgbClr val="FFFFFF"/>
-                </a:solidFill>
-                <a:latin typeface="Calibri Light" panose="020F0302020204030204" pitchFamily="34" charset="0"/>
-                <a:cs typeface="Calibri Light" panose="020F0302020204030204" pitchFamily="34" charset="0"/>
-              </a:rPr>
-              <a:t>Solace</a:t>
+              <a:t>Copyright Solace</a:t>
             </a:r>
             <a:endParaRPr lang="en-US" sz="800" dirty="0">
               <a:solidFill>
@@ -16953,13 +16845,6 @@
     <p:sldLayoutId id="2147483746" r:id="rId5"/>
     <p:sldLayoutId id="2147483747" r:id="rId6"/>
   </p:sldLayoutIdLst>
-  <p:timing>
-    <p:tnLst>
-      <p:par>
-        <p:cTn id="1" dur="indefinite" restart="never" nodeType="tmRoot"/>
-      </p:par>
-    </p:tnLst>
-  </p:timing>
   <p:hf hdr="0" dt="0"/>
   <p:txStyles>
     <p:titleStyle>
@@ -17515,7 +17400,7 @@
               <a:buFont typeface="Arial Narrow" pitchFamily="34" charset="0"/>
               <a:buNone/>
             </a:pPr>
-            <a:endParaRPr lang="en-CA" dirty="0" smtClean="0">
+            <a:endParaRPr lang="en-CA" dirty="0">
               <a:solidFill>
                 <a:srgbClr val="000000"/>
               </a:solidFill>
@@ -17589,7 +17474,7 @@
               <a:buNone/>
             </a:pPr>
             <a:r>
-              <a:rPr lang="en-CA" sz="2000" b="1" dirty="0" err="1" smtClean="0">
+              <a:rPr lang="en-CA" sz="2000" b="1" dirty="0" err="1">
                 <a:solidFill>
                   <a:srgbClr val="000000"/>
                 </a:solidFill>
@@ -17597,7 +17482,7 @@
               <a:t>PCFDev</a:t>
             </a:r>
             <a:r>
-              <a:rPr lang="en-CA" sz="2000" b="1" dirty="0" smtClean="0">
+              <a:rPr lang="en-CA" sz="2000" b="1" dirty="0">
                 <a:solidFill>
                   <a:srgbClr val="000000"/>
                 </a:solidFill>
@@ -17698,7 +17583,7 @@
               <a:buNone/>
             </a:pPr>
             <a:r>
-              <a:rPr lang="en-CA" sz="2000" b="1" dirty="0" smtClean="0">
+              <a:rPr lang="en-CA" sz="2000" b="1" dirty="0">
                 <a:solidFill>
                   <a:srgbClr val="000000"/>
                 </a:solidFill>
@@ -17806,7 +17691,7 @@
                 <a:tabLst/>
               </a:pPr>
               <a:r>
-                <a:rPr kumimoji="0" lang="en-CA" sz="1600" i="0" u="none" strike="noStrike" cap="none" normalizeH="0" baseline="0" dirty="0" smtClean="0">
+                <a:rPr kumimoji="0" lang="en-CA" sz="1600" i="0" u="none" strike="noStrike" cap="none" normalizeH="0" baseline="0" dirty="0">
                   <a:ln>
                     <a:noFill/>
                   </a:ln>
@@ -17839,7 +17724,7 @@
                 <a:tabLst/>
               </a:pPr>
               <a:r>
-                <a:rPr lang="en-CA" sz="1600" dirty="0" smtClean="0">
+                <a:rPr lang="en-CA" sz="1600" dirty="0">
                   <a:latin typeface="Arial" charset="0"/>
                 </a:rPr>
                 <a:t>Service</a:t>
@@ -17865,7 +17750,7 @@
                 <a:tabLst/>
               </a:pPr>
               <a:r>
-                <a:rPr kumimoji="0" lang="en-CA" sz="1600" i="0" u="none" strike="noStrike" cap="none" normalizeH="0" baseline="0" dirty="0" smtClean="0">
+                <a:rPr kumimoji="0" lang="en-CA" sz="1600" i="0" u="none" strike="noStrike" cap="none" normalizeH="0" baseline="0" dirty="0">
                   <a:ln>
                     <a:noFill/>
                   </a:ln>
@@ -17991,7 +17876,7 @@
                 <a:buNone/>
                 <a:tabLst/>
               </a:pPr>
-              <a:endParaRPr kumimoji="0" lang="en-CA" sz="800" i="0" u="none" strike="noStrike" cap="none" normalizeH="0" baseline="0" dirty="0" smtClean="0">
+              <a:endParaRPr kumimoji="0" lang="en-CA" sz="800" i="0" u="none" strike="noStrike" cap="none" normalizeH="0" baseline="0" dirty="0">
                 <a:ln>
                   <a:noFill/>
                 </a:ln>
@@ -18180,7 +18065,7 @@
                 <a:buNone/>
                 <a:tabLst/>
               </a:pPr>
-              <a:endParaRPr kumimoji="0" lang="en-CA" sz="2000" b="1" i="0" u="none" strike="noStrike" cap="none" normalizeH="0" baseline="0" dirty="0" smtClean="0">
+              <a:endParaRPr kumimoji="0" lang="en-CA" sz="2000" b="1" i="0" u="none" strike="noStrike" cap="none" normalizeH="0" baseline="0" dirty="0">
                 <a:ln>
                   <a:noFill/>
                 </a:ln>
@@ -18219,18 +18104,13 @@
             <a:lstStyle/>
             <a:p>
               <a:r>
-                <a:rPr lang="en-CA" dirty="0" smtClean="0">
+                <a:rPr lang="en-CA" dirty="0">
                   <a:solidFill>
                     <a:schemeClr val="bg1"/>
                   </a:solidFill>
                 </a:rPr>
                 <a:t>1</a:t>
               </a:r>
-              <a:endParaRPr lang="en-CA" dirty="0">
-                <a:solidFill>
-                  <a:schemeClr val="bg1"/>
-                </a:solidFill>
-              </a:endParaRPr>
             </a:p>
           </p:txBody>
         </p:sp>
@@ -18333,7 +18213,7 @@
                 <a:tabLst/>
               </a:pPr>
               <a:r>
-                <a:rPr kumimoji="0" lang="en-CA" sz="500" i="0" u="none" strike="noStrike" cap="none" normalizeH="0" baseline="0" dirty="0" smtClean="0">
+                <a:rPr kumimoji="0" lang="en-CA" sz="500" i="0" u="none" strike="noStrike" cap="none" normalizeH="0" baseline="0" dirty="0">
                   <a:ln>
                     <a:noFill/>
                   </a:ln>
@@ -18366,7 +18246,7 @@
                 <a:tabLst/>
               </a:pPr>
               <a:r>
-                <a:rPr lang="en-CA" sz="500" dirty="0" smtClean="0">
+                <a:rPr lang="en-CA" sz="500" dirty="0">
                   <a:latin typeface="Arial" charset="0"/>
                 </a:rPr>
                 <a:t>Service</a:t>
@@ -18392,7 +18272,7 @@
                 <a:tabLst/>
               </a:pPr>
               <a:r>
-                <a:rPr kumimoji="0" lang="en-CA" sz="500" i="0" u="none" strike="noStrike" cap="none" normalizeH="0" baseline="0" dirty="0" smtClean="0">
+                <a:rPr kumimoji="0" lang="en-CA" sz="500" i="0" u="none" strike="noStrike" cap="none" normalizeH="0" baseline="0" dirty="0">
                   <a:ln>
                     <a:noFill/>
                   </a:ln>
@@ -18488,7 +18368,7 @@
                 <a:tabLst/>
               </a:pPr>
               <a:r>
-                <a:rPr kumimoji="0" lang="en-CA" sz="400" i="0" u="none" strike="noStrike" cap="none" normalizeH="0" baseline="0" dirty="0" smtClean="0">
+                <a:rPr kumimoji="0" lang="en-CA" sz="400" i="0" u="none" strike="noStrike" cap="none" normalizeH="0" baseline="0" dirty="0">
                   <a:ln>
                     <a:noFill/>
                   </a:ln>
@@ -18501,7 +18381,7 @@
                 <a:t>BOSH VMR</a:t>
               </a:r>
               <a:r>
-                <a:rPr kumimoji="0" lang="en-CA" sz="400" i="0" u="none" strike="noStrike" cap="none" normalizeH="0" dirty="0" smtClean="0">
+                <a:rPr kumimoji="0" lang="en-CA" sz="400" i="0" u="none" strike="noStrike" cap="none" normalizeH="0" dirty="0">
                   <a:ln>
                     <a:noFill/>
                   </a:ln>
@@ -18692,7 +18572,7 @@
                 <a:buNone/>
                 <a:tabLst/>
               </a:pPr>
-              <a:endParaRPr kumimoji="0" lang="en-CA" sz="2000" b="1" i="0" u="none" strike="noStrike" cap="none" normalizeH="0" baseline="0" dirty="0" smtClean="0">
+              <a:endParaRPr kumimoji="0" lang="en-CA" sz="2000" b="1" i="0" u="none" strike="noStrike" cap="none" normalizeH="0" baseline="0" dirty="0">
                 <a:ln>
                   <a:noFill/>
                 </a:ln>
@@ -18731,7 +18611,7 @@
             <a:lstStyle/>
             <a:p>
               <a:r>
-                <a:rPr lang="en-CA" dirty="0" smtClean="0">
+                <a:rPr lang="en-CA" dirty="0">
                   <a:solidFill>
                     <a:schemeClr val="bg1"/>
                   </a:solidFill>
@@ -18853,7 +18733,7 @@
                 <a:buNone/>
                 <a:tabLst/>
               </a:pPr>
-              <a:endParaRPr kumimoji="0" lang="en-CA" sz="2000" b="1" i="0" u="none" strike="noStrike" cap="none" normalizeH="0" baseline="0" dirty="0" smtClean="0">
+              <a:endParaRPr kumimoji="0" lang="en-CA" sz="2000" b="1" i="0" u="none" strike="noStrike" cap="none" normalizeH="0" baseline="0" dirty="0">
                 <a:ln>
                   <a:noFill/>
                 </a:ln>
@@ -18899,11 +18779,6 @@
                 </a:rPr>
                 <a:t>3</a:t>
               </a:r>
-              <a:endParaRPr lang="en-CA" dirty="0" smtClean="0">
-                <a:solidFill>
-                  <a:schemeClr val="bg1"/>
-                </a:solidFill>
-              </a:endParaRPr>
             </a:p>
           </p:txBody>
         </p:sp>
@@ -19104,7 +18979,7 @@
                 <a:buNone/>
                 <a:tabLst/>
               </a:pPr>
-              <a:endParaRPr kumimoji="0" lang="en-CA" sz="2000" b="1" i="0" u="none" strike="noStrike" cap="none" normalizeH="0" baseline="0" smtClean="0">
+              <a:endParaRPr kumimoji="0" lang="en-CA" sz="2000" b="1" i="0" u="none" strike="noStrike" cap="none" normalizeH="0" baseline="0">
                 <a:ln>
                   <a:noFill/>
                 </a:ln>
@@ -19165,18 +19040,17 @@
             <a:p>
               <a:pPr algn="ctr"/>
               <a:r>
-                <a:rPr lang="en-CA" sz="1400" dirty="0" smtClean="0"/>
+                <a:rPr lang="en-CA" sz="1400" dirty="0"/>
                 <a:t>Solace-messaging-</a:t>
               </a:r>
               <a:r>
-                <a:rPr lang="en-CA" sz="1400" dirty="0" err="1" smtClean="0"/>
+                <a:rPr lang="en-CA" sz="1400" dirty="0" err="1"/>
                 <a:t>cf</a:t>
               </a:r>
               <a:r>
-                <a:rPr lang="en-CA" sz="1400" dirty="0" smtClean="0"/>
+                <a:rPr lang="en-CA" sz="1400" dirty="0"/>
                 <a:t>-dev</a:t>
               </a:r>
-              <a:endParaRPr lang="en-CA" sz="1400" dirty="0" smtClean="0"/>
             </a:p>
           </p:txBody>
         </p:sp>
@@ -19274,20 +19148,15 @@
           <a:lstStyle/>
           <a:p>
             <a:r>
-              <a:rPr lang="en-CA" dirty="0" smtClean="0"/>
-              <a:t>Install </a:t>
-            </a:r>
-            <a:r>
-              <a:rPr lang="en-CA" dirty="0" smtClean="0"/>
-              <a:t>required VMs</a:t>
-            </a:r>
-          </a:p>
-          <a:p>
-            <a:r>
-              <a:rPr lang="en-CA" dirty="0" smtClean="0"/>
+              <a:rPr lang="en-CA" dirty="0"/>
+              <a:t>Install required VMs</a:t>
+            </a:r>
+          </a:p>
+          <a:p>
+            <a:r>
+              <a:rPr lang="en-CA" dirty="0"/>
               <a:t>Deploy Solace Messaging</a:t>
             </a:r>
-            <a:endParaRPr lang="en-CA" dirty="0"/>
           </a:p>
         </p:txBody>
       </p:sp>
@@ -19405,7 +19274,7 @@
                 <a:buNone/>
                 <a:tabLst/>
               </a:pPr>
-              <a:endParaRPr kumimoji="0" lang="en-CA" sz="2000" b="1" i="0" u="none" strike="noStrike" cap="none" normalizeH="0" baseline="0" dirty="0" smtClean="0">
+              <a:endParaRPr kumimoji="0" lang="en-CA" sz="2000" b="1" i="0" u="none" strike="noStrike" cap="none" normalizeH="0" baseline="0" dirty="0">
                 <a:ln>
                   <a:noFill/>
                 </a:ln>
@@ -19444,7 +19313,7 @@
             <a:lstStyle/>
             <a:p>
               <a:r>
-                <a:rPr lang="en-CA" dirty="0" smtClean="0"/>
+                <a:rPr lang="en-CA" dirty="0"/>
                 <a:t>2</a:t>
               </a:r>
             </a:p>
@@ -19531,7 +19400,7 @@
                 <a:buNone/>
                 <a:tabLst/>
               </a:pPr>
-              <a:endParaRPr kumimoji="0" lang="en-CA" sz="2000" b="1" i="0" u="none" strike="noStrike" cap="none" normalizeH="0" baseline="0" dirty="0" smtClean="0">
+              <a:endParaRPr kumimoji="0" lang="en-CA" sz="2000" b="1" i="0" u="none" strike="noStrike" cap="none" normalizeH="0" baseline="0" dirty="0">
                 <a:ln>
                   <a:noFill/>
                 </a:ln>
@@ -19573,7 +19442,6 @@
                 <a:rPr lang="en-CA" dirty="0"/>
                 <a:t>1</a:t>
               </a:r>
-              <a:endParaRPr lang="en-CA" dirty="0" smtClean="0"/>
             </a:p>
           </p:txBody>
         </p:sp>
@@ -19658,7 +19526,7 @@
                 <a:buNone/>
                 <a:tabLst/>
               </a:pPr>
-              <a:endParaRPr kumimoji="0" lang="en-CA" sz="2000" b="1" i="0" u="none" strike="noStrike" cap="none" normalizeH="0" baseline="0" dirty="0" smtClean="0">
+              <a:endParaRPr kumimoji="0" lang="en-CA" sz="2000" b="1" i="0" u="none" strike="noStrike" cap="none" normalizeH="0" baseline="0" dirty="0">
                 <a:ln>
                   <a:noFill/>
                 </a:ln>
@@ -19697,7 +19565,7 @@
             <a:lstStyle/>
             <a:p>
               <a:r>
-                <a:rPr lang="en-CA" dirty="0" smtClean="0"/>
+                <a:rPr lang="en-CA" dirty="0"/>
                 <a:t>3</a:t>
               </a:r>
             </a:p>
@@ -19881,14 +19749,11 @@
               <a:buSzPct val="60000"/>
             </a:pPr>
             <a:r>
-              <a:rPr lang="en-CA" sz="1400" dirty="0" smtClean="0">
+              <a:rPr lang="en-CA" sz="1400" dirty="0">
                 <a:latin typeface="Arial" charset="0"/>
               </a:rPr>
               <a:t>PCF Tile</a:t>
             </a:r>
-            <a:endParaRPr lang="en-CA" sz="1400" dirty="0">
-              <a:latin typeface="Arial" charset="0"/>
-            </a:endParaRPr>
           </a:p>
         </p:txBody>
       </p:sp>
@@ -19972,7 +19837,7 @@
                 <a:tabLst/>
               </a:pPr>
               <a:r>
-                <a:rPr kumimoji="0" lang="en-CA" sz="400" i="0" u="none" strike="noStrike" cap="none" normalizeH="0" baseline="0" dirty="0" smtClean="0">
+                <a:rPr kumimoji="0" lang="en-CA" sz="400" i="0" u="none" strike="noStrike" cap="none" normalizeH="0" baseline="0" dirty="0">
                   <a:ln>
                     <a:noFill/>
                   </a:ln>
@@ -19985,7 +19850,7 @@
                 <a:t>BOSH VMR</a:t>
               </a:r>
               <a:r>
-                <a:rPr kumimoji="0" lang="en-CA" sz="400" i="0" u="none" strike="noStrike" cap="none" normalizeH="0" dirty="0" smtClean="0">
+                <a:rPr kumimoji="0" lang="en-CA" sz="400" i="0" u="none" strike="noStrike" cap="none" normalizeH="0" dirty="0">
                   <a:ln>
                     <a:noFill/>
                   </a:ln>
@@ -20129,7 +19994,7 @@
                 <a:tabLst/>
               </a:pPr>
               <a:r>
-                <a:rPr kumimoji="0" lang="en-CA" sz="700" i="0" u="none" strike="noStrike" cap="none" normalizeH="0" baseline="0" dirty="0" smtClean="0">
+                <a:rPr kumimoji="0" lang="en-CA" sz="700" i="0" u="none" strike="noStrike" cap="none" normalizeH="0" baseline="0" dirty="0">
                   <a:ln>
                     <a:noFill/>
                   </a:ln>
@@ -20162,7 +20027,7 @@
                 <a:tabLst/>
               </a:pPr>
               <a:r>
-                <a:rPr lang="en-CA" sz="700" dirty="0" smtClean="0">
+                <a:rPr lang="en-CA" sz="700" dirty="0">
                   <a:latin typeface="Arial" charset="0"/>
                 </a:rPr>
                 <a:t>Service</a:t>
@@ -20188,7 +20053,7 @@
                 <a:tabLst/>
               </a:pPr>
               <a:r>
-                <a:rPr kumimoji="0" lang="en-CA" sz="700" i="0" u="none" strike="noStrike" cap="none" normalizeH="0" baseline="0" dirty="0" smtClean="0">
+                <a:rPr kumimoji="0" lang="en-CA" sz="700" i="0" u="none" strike="noStrike" cap="none" normalizeH="0" baseline="0" dirty="0">
                   <a:ln>
                     <a:noFill/>
                   </a:ln>
@@ -20298,7 +20163,7 @@
               <a:buNone/>
               <a:tabLst/>
             </a:pPr>
-            <a:endParaRPr kumimoji="0" lang="en-CA" sz="2000" b="1" i="0" u="none" strike="noStrike" cap="none" normalizeH="0" baseline="0" smtClean="0">
+            <a:endParaRPr kumimoji="0" lang="en-CA" sz="2000" b="1" i="0" u="none" strike="noStrike" cap="none" normalizeH="0" baseline="0">
               <a:ln>
                 <a:noFill/>
               </a:ln>
@@ -20387,21 +20252,8 @@
                   <a:srgbClr val="000000"/>
                 </a:solidFill>
               </a:rPr>
-              <a:t>Common Tools </a:t>
-            </a:r>
-            <a:r>
-              <a:rPr lang="en-CA" sz="1400" b="1" dirty="0" smtClean="0">
-                <a:solidFill>
-                  <a:srgbClr val="000000"/>
-                </a:solidFill>
-              </a:rPr>
-              <a:t>VM</a:t>
-            </a:r>
-            <a:endParaRPr lang="en-CA" sz="1400" b="1" dirty="0">
-              <a:solidFill>
-                <a:srgbClr val="000000"/>
-              </a:solidFill>
-            </a:endParaRPr>
+              <a:t>Common Tools VM</a:t>
+            </a:r>
           </a:p>
         </p:txBody>
       </p:sp>
@@ -20454,13 +20306,6 @@
   <p:clrMapOvr>
     <a:masterClrMapping/>
   </p:clrMapOvr>
-  <p:timing>
-    <p:tnLst>
-      <p:par>
-        <p:cTn id="1" dur="indefinite" restart="never" nodeType="tmRoot"/>
-      </p:par>
-    </p:tnLst>
-  </p:timing>
 </p:sld>
 </file>
 
@@ -20489,7 +20334,7 @@
         </p:nvCxnSpPr>
         <p:spPr bwMode="auto">
           <a:xfrm>
-            <a:off x="5093717" y="3762663"/>
+            <a:off x="5432287" y="3761712"/>
             <a:ext cx="1827470" cy="517100"/>
           </a:xfrm>
           <a:prstGeom prst="straightConnector1">
@@ -20523,7 +20368,7 @@
         </p:nvSpPr>
         <p:spPr bwMode="auto">
           <a:xfrm>
-            <a:off x="7018211" y="4252112"/>
+            <a:off x="7319180" y="4225742"/>
             <a:ext cx="2126827" cy="1841039"/>
           </a:xfrm>
           <a:prstGeom prst="rect">
@@ -20580,7 +20425,7 @@
               <a:buFont typeface="Arial Narrow" pitchFamily="34" charset="0"/>
               <a:buNone/>
             </a:pPr>
-            <a:endParaRPr lang="en-CA" dirty="0" smtClean="0">
+            <a:endParaRPr lang="en-CA">
               <a:solidFill>
                 <a:srgbClr val="000000"/>
               </a:solidFill>
@@ -20588,16 +20433,41 @@
           </a:p>
         </p:txBody>
       </p:sp>
+      <p:cxnSp>
+        <p:nvCxnSpPr>
+          <p:cNvPr id="103" name="Straight Arrow Connector 102"/>
+          <p:cNvCxnSpPr/>
+          <p:nvPr/>
+        </p:nvCxnSpPr>
+        <p:spPr bwMode="auto">
+          <a:xfrm>
+            <a:off x="10925521" y="2639452"/>
+            <a:ext cx="914400" cy="914400"/>
+          </a:xfrm>
+          <a:prstGeom prst="straightConnector1">
+            <a:avLst/>
+          </a:prstGeom>
+          <a:noFill/>
+          <a:ln w="9525" cap="flat" cmpd="sng" algn="ctr">
+            <a:noFill/>
+            <a:prstDash val="solid"/>
+            <a:round/>
+            <a:headEnd type="none" w="med" len="med"/>
+            <a:tailEnd type="arrow"/>
+          </a:ln>
+          <a:effectLst/>
+        </p:spPr>
+      </p:cxnSp>
       <p:sp>
         <p:nvSpPr>
-          <p:cNvPr id="86" name="Rectangle 85"/>
+          <p:cNvPr id="57" name="Rectangle 56"/>
           <p:cNvSpPr/>
           <p:nvPr/>
         </p:nvSpPr>
         <p:spPr bwMode="auto">
           <a:xfrm>
-            <a:off x="7014502" y="1715525"/>
-            <a:ext cx="2147554" cy="2012448"/>
+            <a:off x="7134160" y="1615633"/>
+            <a:ext cx="4512847" cy="2023785"/>
           </a:xfrm>
           <a:prstGeom prst="rect">
             <a:avLst/>
@@ -20654,116 +20524,7 @@
               <a:buNone/>
             </a:pPr>
             <a:r>
-              <a:rPr lang="en-CA" sz="2000" b="1" dirty="0" err="1" smtClean="0">
-                <a:solidFill>
-                  <a:srgbClr val="000000"/>
-                </a:solidFill>
-              </a:rPr>
-              <a:t>PCFDev</a:t>
-            </a:r>
-            <a:r>
-              <a:rPr lang="en-CA" sz="2000" b="1" dirty="0" smtClean="0">
-                <a:solidFill>
-                  <a:srgbClr val="000000"/>
-                </a:solidFill>
-              </a:rPr>
-              <a:t> VM</a:t>
-            </a:r>
-          </a:p>
-        </p:txBody>
-      </p:sp>
-      <p:cxnSp>
-        <p:nvCxnSpPr>
-          <p:cNvPr id="103" name="Straight Arrow Connector 102"/>
-          <p:cNvCxnSpPr/>
-          <p:nvPr/>
-        </p:nvCxnSpPr>
-        <p:spPr bwMode="auto">
-          <a:xfrm>
-            <a:off x="10925521" y="2639452"/>
-            <a:ext cx="914400" cy="914400"/>
-          </a:xfrm>
-          <a:prstGeom prst="straightConnector1">
-            <a:avLst/>
-          </a:prstGeom>
-          <a:noFill/>
-          <a:ln w="9525" cap="flat" cmpd="sng" algn="ctr">
-            <a:noFill/>
-            <a:prstDash val="solid"/>
-            <a:round/>
-            <a:headEnd type="none" w="med" len="med"/>
-            <a:tailEnd type="arrow"/>
-          </a:ln>
-          <a:effectLst/>
-        </p:spPr>
-      </p:cxnSp>
-      <p:sp>
-        <p:nvSpPr>
-          <p:cNvPr id="57" name="Rectangle 56"/>
-          <p:cNvSpPr/>
-          <p:nvPr/>
-        </p:nvSpPr>
-        <p:spPr bwMode="auto">
-          <a:xfrm>
-            <a:off x="9531934" y="1704188"/>
-            <a:ext cx="1999124" cy="2023785"/>
-          </a:xfrm>
-          <a:prstGeom prst="rect">
-            <a:avLst/>
-          </a:prstGeom>
-          <a:solidFill>
-            <a:schemeClr val="accent1">
-              <a:lumMod val="20000"/>
-              <a:lumOff val="80000"/>
-            </a:schemeClr>
-          </a:solidFill>
-          <a:ln>
-            <a:headEnd type="none" w="med" len="med"/>
-            <a:tailEnd type="none" w="med" len="med"/>
-          </a:ln>
-        </p:spPr>
-        <p:style>
-          <a:lnRef idx="1">
-            <a:schemeClr val="accent1"/>
-          </a:lnRef>
-          <a:fillRef idx="2">
-            <a:schemeClr val="accent1"/>
-          </a:fillRef>
-          <a:effectRef idx="1">
-            <a:schemeClr val="accent1"/>
-          </a:effectRef>
-          <a:fontRef idx="minor">
-            <a:schemeClr val="dk1"/>
-          </a:fontRef>
-        </p:style>
-        <p:txBody>
-          <a:bodyPr vert="horz" wrap="square" lIns="91440" tIns="45720" rIns="91440" bIns="45720" numCol="1" rtlCol="0" anchor="t" anchorCtr="0" compatLnSpc="1">
-            <a:prstTxWarp prst="textNoShape">
-              <a:avLst/>
-            </a:prstTxWarp>
-            <a:noAutofit/>
-          </a:bodyPr>
-          <a:lstStyle/>
-          <a:p>
-            <a:pPr marL="342900" indent="-342900" algn="ctr" defTabSz="914400" fontAlgn="base">
-              <a:lnSpc>
-                <a:spcPct val="80000"/>
-              </a:lnSpc>
-              <a:spcBef>
-                <a:spcPct val="20000"/>
-              </a:spcBef>
-              <a:spcAft>
-                <a:spcPct val="0"/>
-              </a:spcAft>
-              <a:buClr>
-                <a:srgbClr val="5BBDF9"/>
-              </a:buClr>
-              <a:buSzPct val="60000"/>
-              <a:buFont typeface="Arial Narrow" pitchFamily="34" charset="0"/>
-              <a:buNone/>
-            </a:pPr>
-            <a:r>
-              <a:rPr lang="en-CA" sz="2000" b="1" dirty="0" smtClean="0">
+              <a:rPr lang="en-CA" sz="2000" b="1">
                 <a:solidFill>
                   <a:srgbClr val="000000"/>
                 </a:solidFill>
@@ -20773,6 +20534,1200 @@
           </a:p>
         </p:txBody>
       </p:sp>
+      <p:grpSp>
+        <p:nvGrpSpPr>
+          <p:cNvPr id="59" name="Group 58"/>
+          <p:cNvGrpSpPr/>
+          <p:nvPr/>
+        </p:nvGrpSpPr>
+        <p:grpSpPr>
+          <a:xfrm>
+            <a:off x="8470930" y="2303687"/>
+            <a:ext cx="963575" cy="1025017"/>
+            <a:chOff x="10438103" y="3127870"/>
+            <a:chExt cx="593901" cy="593901"/>
+          </a:xfrm>
+        </p:grpSpPr>
+        <p:pic>
+          <p:nvPicPr>
+            <p:cNvPr id="60" name="Picture 59"/>
+            <p:cNvPicPr>
+              <a:picLocks noChangeAspect="1"/>
+            </p:cNvPicPr>
+            <p:nvPr/>
+          </p:nvPicPr>
+          <p:blipFill>
+            <a:blip r:embed="rId3" cstate="print">
+              <a:extLst>
+                <a:ext uri="{28A0092B-C50C-407E-A947-70E740481C1C}">
+                  <a14:useLocalDpi xmlns:a14="http://schemas.microsoft.com/office/drawing/2010/main"/>
+                </a:ext>
+              </a:extLst>
+            </a:blip>
+            <a:stretch>
+              <a:fillRect/>
+            </a:stretch>
+          </p:blipFill>
+          <p:spPr>
+            <a:xfrm>
+              <a:off x="10438103" y="3127870"/>
+              <a:ext cx="593901" cy="593901"/>
+            </a:xfrm>
+            <a:prstGeom prst="rect">
+              <a:avLst/>
+            </a:prstGeom>
+          </p:spPr>
+        </p:pic>
+        <p:sp>
+          <p:nvSpPr>
+            <p:cNvPr id="61" name="Oval 60"/>
+            <p:cNvSpPr/>
+            <p:nvPr/>
+          </p:nvSpPr>
+          <p:spPr bwMode="auto">
+            <a:xfrm>
+              <a:off x="10456601" y="3153290"/>
+              <a:ext cx="542235" cy="552698"/>
+            </a:xfrm>
+            <a:prstGeom prst="ellipse">
+              <a:avLst/>
+            </a:prstGeom>
+            <a:solidFill>
+              <a:schemeClr val="bg1"/>
+            </a:solidFill>
+            <a:ln w="9525" cap="flat" cmpd="sng" algn="ctr">
+              <a:noFill/>
+              <a:prstDash val="solid"/>
+              <a:round/>
+              <a:headEnd type="none" w="med" len="med"/>
+              <a:tailEnd type="none" w="med" len="med"/>
+            </a:ln>
+            <a:effectLst/>
+          </p:spPr>
+          <p:txBody>
+            <a:bodyPr vert="horz" wrap="none" lIns="91440" tIns="45720" rIns="91440" bIns="45720" numCol="1" rtlCol="0" anchor="ctr" anchorCtr="0" compatLnSpc="1">
+              <a:prstTxWarp prst="textNoShape">
+                <a:avLst/>
+              </a:prstTxWarp>
+              <a:noAutofit/>
+            </a:bodyPr>
+            <a:lstStyle/>
+            <a:p>
+              <a:pPr marL="342900" marR="0" indent="-342900" algn="ctr" defTabSz="914400" rtl="0" eaLnBrk="1" fontAlgn="base" latinLnBrk="0" hangingPunct="1">
+                <a:lnSpc>
+                  <a:spcPct val="80000"/>
+                </a:lnSpc>
+                <a:spcBef>
+                  <a:spcPct val="20000"/>
+                </a:spcBef>
+                <a:spcAft>
+                  <a:spcPct val="0"/>
+                </a:spcAft>
+                <a:buClr>
+                  <a:schemeClr val="hlink"/>
+                </a:buClr>
+                <a:buSzPct val="60000"/>
+                <a:buFont typeface="Arial Narrow" pitchFamily="34" charset="0"/>
+                <a:buNone/>
+                <a:tabLst/>
+              </a:pPr>
+              <a:r>
+                <a:rPr kumimoji="0" lang="en-CA" sz="1600" i="0" u="none" strike="noStrike" cap="none" normalizeH="0" baseline="0">
+                  <a:ln>
+                    <a:noFill/>
+                  </a:ln>
+                  <a:solidFill>
+                    <a:schemeClr val="tx1"/>
+                  </a:solidFill>
+                  <a:effectLst/>
+                  <a:latin typeface="Arial" charset="0"/>
+                </a:rPr>
+                <a:t>Solace</a:t>
+              </a:r>
+            </a:p>
+            <a:p>
+              <a:pPr marL="342900" marR="0" indent="-342900" algn="ctr" defTabSz="914400" rtl="0" eaLnBrk="1" fontAlgn="base" latinLnBrk="0" hangingPunct="1">
+                <a:lnSpc>
+                  <a:spcPct val="80000"/>
+                </a:lnSpc>
+                <a:spcBef>
+                  <a:spcPct val="20000"/>
+                </a:spcBef>
+                <a:spcAft>
+                  <a:spcPct val="0"/>
+                </a:spcAft>
+                <a:buClr>
+                  <a:schemeClr val="hlink"/>
+                </a:buClr>
+                <a:buSzPct val="60000"/>
+                <a:buFont typeface="Arial Narrow" pitchFamily="34" charset="0"/>
+                <a:buNone/>
+                <a:tabLst/>
+              </a:pPr>
+              <a:r>
+                <a:rPr lang="en-CA" sz="1600">
+                  <a:latin typeface="Arial" charset="0"/>
+                </a:rPr>
+                <a:t>Service</a:t>
+              </a:r>
+            </a:p>
+            <a:p>
+              <a:pPr marL="342900" marR="0" indent="-342900" algn="ctr" defTabSz="914400" rtl="0" eaLnBrk="1" fontAlgn="base" latinLnBrk="0" hangingPunct="1">
+                <a:lnSpc>
+                  <a:spcPct val="80000"/>
+                </a:lnSpc>
+                <a:spcBef>
+                  <a:spcPct val="20000"/>
+                </a:spcBef>
+                <a:spcAft>
+                  <a:spcPct val="0"/>
+                </a:spcAft>
+                <a:buClr>
+                  <a:schemeClr val="hlink"/>
+                </a:buClr>
+                <a:buSzPct val="60000"/>
+                <a:buFont typeface="Arial Narrow" pitchFamily="34" charset="0"/>
+                <a:buNone/>
+                <a:tabLst/>
+              </a:pPr>
+              <a:r>
+                <a:rPr kumimoji="0" lang="en-CA" sz="1600" i="0" u="none" strike="noStrike" cap="none" normalizeH="0" baseline="0">
+                  <a:ln>
+                    <a:noFill/>
+                  </a:ln>
+                  <a:solidFill>
+                    <a:schemeClr val="tx1"/>
+                  </a:solidFill>
+                  <a:effectLst/>
+                  <a:latin typeface="Arial" charset="0"/>
+                </a:rPr>
+                <a:t>Broker</a:t>
+              </a:r>
+            </a:p>
+          </p:txBody>
+        </p:sp>
+      </p:grpSp>
+      <p:pic>
+        <p:nvPicPr>
+          <p:cNvPr id="62" name="Picture 61"/>
+          <p:cNvPicPr>
+            <a:picLocks noChangeAspect="1"/>
+          </p:cNvPicPr>
+          <p:nvPr/>
+        </p:nvPicPr>
+        <p:blipFill>
+          <a:blip r:embed="rId3" cstate="print">
+            <a:extLst>
+              <a:ext uri="{28A0092B-C50C-407E-A947-70E740481C1C}">
+                <a14:useLocalDpi xmlns:a14="http://schemas.microsoft.com/office/drawing/2010/main"/>
+              </a:ext>
+            </a:extLst>
+          </a:blip>
+          <a:stretch>
+            <a:fillRect/>
+          </a:stretch>
+        </p:blipFill>
+        <p:spPr>
+          <a:xfrm>
+            <a:off x="10032657" y="2105879"/>
+            <a:ext cx="1167694" cy="1167694"/>
+          </a:xfrm>
+          <a:prstGeom prst="rect">
+            <a:avLst/>
+          </a:prstGeom>
+        </p:spPr>
+      </p:pic>
+      <p:grpSp>
+        <p:nvGrpSpPr>
+          <p:cNvPr id="3" name="Group 2"/>
+          <p:cNvGrpSpPr/>
+          <p:nvPr/>
+        </p:nvGrpSpPr>
+        <p:grpSpPr>
+          <a:xfrm>
+            <a:off x="4355494" y="4346936"/>
+            <a:ext cx="1919409" cy="1579809"/>
+            <a:chOff x="2997629" y="2156466"/>
+            <a:chExt cx="1919409" cy="1579809"/>
+          </a:xfrm>
+        </p:grpSpPr>
+        <p:sp>
+          <p:nvSpPr>
+            <p:cNvPr id="64" name="Rectangle 63"/>
+            <p:cNvSpPr/>
+            <p:nvPr/>
+          </p:nvSpPr>
+          <p:spPr bwMode="auto">
+            <a:xfrm>
+              <a:off x="2997629" y="2156466"/>
+              <a:ext cx="1919409" cy="1579809"/>
+            </a:xfrm>
+            <a:prstGeom prst="rect">
+              <a:avLst/>
+            </a:prstGeom>
+            <a:solidFill>
+              <a:schemeClr val="bg1"/>
+            </a:solidFill>
+            <a:ln>
+              <a:solidFill>
+                <a:schemeClr val="tx1"/>
+              </a:solidFill>
+              <a:headEnd type="none" w="med" len="med"/>
+              <a:tailEnd type="none" w="med" len="med"/>
+            </a:ln>
+          </p:spPr>
+          <p:style>
+            <a:lnRef idx="1">
+              <a:schemeClr val="accent2"/>
+            </a:lnRef>
+            <a:fillRef idx="2">
+              <a:schemeClr val="accent2"/>
+            </a:fillRef>
+            <a:effectRef idx="1">
+              <a:schemeClr val="accent2"/>
+            </a:effectRef>
+            <a:fontRef idx="minor">
+              <a:schemeClr val="dk1"/>
+            </a:fontRef>
+          </p:style>
+          <p:txBody>
+            <a:bodyPr vert="horz" wrap="none" lIns="91440" tIns="45720" rIns="91440" bIns="45720" numCol="1" rtlCol="0" anchor="b" anchorCtr="0" compatLnSpc="1">
+              <a:prstTxWarp prst="textNoShape">
+                <a:avLst/>
+              </a:prstTxWarp>
+              <a:noAutofit/>
+            </a:bodyPr>
+            <a:lstStyle/>
+            <a:p>
+              <a:pPr marL="342900" marR="0" indent="-342900" algn="ctr" defTabSz="914400" rtl="0" eaLnBrk="1" fontAlgn="base" latinLnBrk="0" hangingPunct="1">
+                <a:lnSpc>
+                  <a:spcPct val="80000"/>
+                </a:lnSpc>
+                <a:spcBef>
+                  <a:spcPct val="20000"/>
+                </a:spcBef>
+                <a:spcAft>
+                  <a:spcPct val="0"/>
+                </a:spcAft>
+                <a:buClr>
+                  <a:schemeClr val="hlink"/>
+                </a:buClr>
+                <a:buSzPct val="60000"/>
+                <a:buFont typeface="Arial Narrow" pitchFamily="34" charset="0"/>
+                <a:buNone/>
+                <a:tabLst/>
+              </a:pPr>
+              <a:endParaRPr kumimoji="0" lang="en-CA" sz="800" i="0" u="none" strike="noStrike" cap="none" normalizeH="0" baseline="0">
+                <a:ln>
+                  <a:noFill/>
+                </a:ln>
+                <a:solidFill>
+                  <a:schemeClr val="tx1"/>
+                </a:solidFill>
+                <a:effectLst/>
+                <a:latin typeface="Arial" charset="0"/>
+              </a:endParaRPr>
+            </a:p>
+          </p:txBody>
+        </p:sp>
+        <p:pic>
+          <p:nvPicPr>
+            <p:cNvPr id="65" name="Picture 64"/>
+            <p:cNvPicPr>
+              <a:picLocks noChangeAspect="1"/>
+            </p:cNvPicPr>
+            <p:nvPr/>
+          </p:nvPicPr>
+          <p:blipFill>
+            <a:blip r:embed="rId4" cstate="screen">
+              <a:extLst>
+                <a:ext uri="{28A0092B-C50C-407E-A947-70E740481C1C}">
+                  <a14:useLocalDpi xmlns:a14="http://schemas.microsoft.com/office/drawing/2010/main"/>
+                </a:ext>
+              </a:extLst>
+            </a:blip>
+            <a:stretch>
+              <a:fillRect/>
+            </a:stretch>
+          </p:blipFill>
+          <p:spPr>
+            <a:xfrm>
+              <a:off x="3076006" y="2225252"/>
+              <a:ext cx="1016611" cy="508305"/>
+            </a:xfrm>
+            <a:prstGeom prst="rect">
+              <a:avLst/>
+            </a:prstGeom>
+          </p:spPr>
+        </p:pic>
+      </p:grpSp>
+      <p:cxnSp>
+        <p:nvCxnSpPr>
+          <p:cNvPr id="5" name="Straight Arrow Connector 4"/>
+          <p:cNvCxnSpPr>
+            <a:cxnSpLocks/>
+          </p:cNvCxnSpPr>
+          <p:nvPr/>
+        </p:nvCxnSpPr>
+        <p:spPr bwMode="auto">
+          <a:xfrm>
+            <a:off x="6430093" y="5039672"/>
+            <a:ext cx="551052" cy="8219"/>
+          </a:xfrm>
+          <a:prstGeom prst="straightConnector1">
+            <a:avLst/>
+          </a:prstGeom>
+          <a:ln>
+            <a:headEnd type="none" w="med" len="med"/>
+            <a:tailEnd type="triangle"/>
+          </a:ln>
+        </p:spPr>
+        <p:style>
+          <a:lnRef idx="3">
+            <a:schemeClr val="accent2"/>
+          </a:lnRef>
+          <a:fillRef idx="0">
+            <a:schemeClr val="accent2"/>
+          </a:fillRef>
+          <a:effectRef idx="2">
+            <a:schemeClr val="accent2"/>
+          </a:effectRef>
+          <a:fontRef idx="minor">
+            <a:schemeClr val="tx1"/>
+          </a:fontRef>
+        </p:style>
+      </p:cxnSp>
+      <p:cxnSp>
+        <p:nvCxnSpPr>
+          <p:cNvPr id="70" name="Straight Arrow Connector 69"/>
+          <p:cNvCxnSpPr>
+            <a:cxnSpLocks/>
+          </p:cNvCxnSpPr>
+          <p:nvPr/>
+        </p:nvCxnSpPr>
+        <p:spPr bwMode="auto">
+          <a:xfrm flipV="1">
+            <a:off x="8470930" y="3517372"/>
+            <a:ext cx="469886" cy="815735"/>
+          </a:xfrm>
+          <a:prstGeom prst="straightConnector1">
+            <a:avLst/>
+          </a:prstGeom>
+          <a:ln>
+            <a:headEnd type="none" w="med" len="med"/>
+            <a:tailEnd type="triangle"/>
+          </a:ln>
+        </p:spPr>
+        <p:style>
+          <a:lnRef idx="3">
+            <a:schemeClr val="accent2"/>
+          </a:lnRef>
+          <a:fillRef idx="0">
+            <a:schemeClr val="accent2"/>
+          </a:fillRef>
+          <a:effectRef idx="2">
+            <a:schemeClr val="accent2"/>
+          </a:effectRef>
+          <a:fontRef idx="minor">
+            <a:schemeClr val="tx1"/>
+          </a:fontRef>
+        </p:style>
+      </p:cxnSp>
+      <p:grpSp>
+        <p:nvGrpSpPr>
+          <p:cNvPr id="73" name="Group 72"/>
+          <p:cNvGrpSpPr/>
+          <p:nvPr/>
+        </p:nvGrpSpPr>
+        <p:grpSpPr>
+          <a:xfrm>
+            <a:off x="7120452" y="4848462"/>
+            <a:ext cx="318324" cy="369332"/>
+            <a:chOff x="2790018" y="5090145"/>
+            <a:chExt cx="318324" cy="369332"/>
+          </a:xfrm>
+        </p:grpSpPr>
+        <p:sp>
+          <p:nvSpPr>
+            <p:cNvPr id="74" name="Oval 73"/>
+            <p:cNvSpPr/>
+            <p:nvPr/>
+          </p:nvSpPr>
+          <p:spPr bwMode="auto">
+            <a:xfrm>
+              <a:off x="2790018" y="5116682"/>
+              <a:ext cx="318324" cy="316259"/>
+            </a:xfrm>
+            <a:prstGeom prst="ellipse">
+              <a:avLst/>
+            </a:prstGeom>
+            <a:solidFill>
+              <a:srgbClr val="C00000"/>
+            </a:solidFill>
+            <a:ln>
+              <a:headEnd type="none" w="med" len="med"/>
+              <a:tailEnd type="none" w="med" len="med"/>
+            </a:ln>
+          </p:spPr>
+          <p:style>
+            <a:lnRef idx="0">
+              <a:schemeClr val="accent2"/>
+            </a:lnRef>
+            <a:fillRef idx="3">
+              <a:schemeClr val="accent2"/>
+            </a:fillRef>
+            <a:effectRef idx="3">
+              <a:schemeClr val="accent2"/>
+            </a:effectRef>
+            <a:fontRef idx="minor">
+              <a:schemeClr val="lt1"/>
+            </a:fontRef>
+          </p:style>
+          <p:txBody>
+            <a:bodyPr vert="horz" wrap="square" lIns="91440" tIns="45720" rIns="91440" bIns="45720" numCol="1" rtlCol="0" anchor="t" anchorCtr="0" compatLnSpc="1">
+              <a:prstTxWarp prst="textNoShape">
+                <a:avLst/>
+              </a:prstTxWarp>
+              <a:noAutofit/>
+            </a:bodyPr>
+            <a:lstStyle/>
+            <a:p>
+              <a:pPr marL="342900" marR="0" indent="-342900" algn="l" defTabSz="914400" rtl="0" eaLnBrk="1" fontAlgn="base" latinLnBrk="0" hangingPunct="1">
+                <a:lnSpc>
+                  <a:spcPct val="80000"/>
+                </a:lnSpc>
+                <a:spcBef>
+                  <a:spcPct val="20000"/>
+                </a:spcBef>
+                <a:spcAft>
+                  <a:spcPct val="0"/>
+                </a:spcAft>
+                <a:buClr>
+                  <a:schemeClr val="hlink"/>
+                </a:buClr>
+                <a:buSzPct val="60000"/>
+                <a:buFont typeface="Arial Narrow" pitchFamily="34" charset="0"/>
+                <a:buNone/>
+                <a:tabLst/>
+              </a:pPr>
+              <a:endParaRPr kumimoji="0" lang="en-CA" sz="2000" b="1" i="0" u="none" strike="noStrike" cap="none" normalizeH="0" baseline="0">
+                <a:ln>
+                  <a:noFill/>
+                </a:ln>
+                <a:solidFill>
+                  <a:schemeClr val="accent4">
+                    <a:lumMod val="95000"/>
+                    <a:lumOff val="5000"/>
+                  </a:schemeClr>
+                </a:solidFill>
+                <a:effectLst/>
+                <a:latin typeface="Arial" charset="0"/>
+              </a:endParaRPr>
+            </a:p>
+          </p:txBody>
+        </p:sp>
+        <p:sp>
+          <p:nvSpPr>
+            <p:cNvPr id="93" name="TextBox 92"/>
+            <p:cNvSpPr txBox="1"/>
+            <p:nvPr/>
+          </p:nvSpPr>
+          <p:spPr>
+            <a:xfrm>
+              <a:off x="2790018" y="5090145"/>
+              <a:ext cx="312906" cy="369332"/>
+            </a:xfrm>
+            <a:prstGeom prst="rect">
+              <a:avLst/>
+            </a:prstGeom>
+            <a:noFill/>
+          </p:spPr>
+          <p:txBody>
+            <a:bodyPr wrap="none" rtlCol="0">
+              <a:spAutoFit/>
+            </a:bodyPr>
+            <a:lstStyle/>
+            <a:p>
+              <a:r>
+                <a:rPr lang="en-CA">
+                  <a:solidFill>
+                    <a:schemeClr val="bg1"/>
+                  </a:solidFill>
+                </a:rPr>
+                <a:t>1</a:t>
+              </a:r>
+            </a:p>
+          </p:txBody>
+        </p:sp>
+      </p:grpSp>
+      <p:grpSp>
+        <p:nvGrpSpPr>
+          <p:cNvPr id="120" name="Group 119"/>
+          <p:cNvGrpSpPr/>
+          <p:nvPr/>
+        </p:nvGrpSpPr>
+        <p:grpSpPr>
+          <a:xfrm>
+            <a:off x="8220489" y="4391884"/>
+            <a:ext cx="345913" cy="345913"/>
+            <a:chOff x="10438103" y="3127870"/>
+            <a:chExt cx="593901" cy="593901"/>
+          </a:xfrm>
+        </p:grpSpPr>
+        <p:pic>
+          <p:nvPicPr>
+            <p:cNvPr id="121" name="Picture 120"/>
+            <p:cNvPicPr>
+              <a:picLocks noChangeAspect="1"/>
+            </p:cNvPicPr>
+            <p:nvPr/>
+          </p:nvPicPr>
+          <p:blipFill>
+            <a:blip r:embed="rId3" cstate="print">
+              <a:extLst>
+                <a:ext uri="{28A0092B-C50C-407E-A947-70E740481C1C}">
+                  <a14:useLocalDpi xmlns:a14="http://schemas.microsoft.com/office/drawing/2010/main"/>
+                </a:ext>
+              </a:extLst>
+            </a:blip>
+            <a:stretch>
+              <a:fillRect/>
+            </a:stretch>
+          </p:blipFill>
+          <p:spPr>
+            <a:xfrm>
+              <a:off x="10438103" y="3127870"/>
+              <a:ext cx="593901" cy="593901"/>
+            </a:xfrm>
+            <a:prstGeom prst="rect">
+              <a:avLst/>
+            </a:prstGeom>
+          </p:spPr>
+        </p:pic>
+        <p:sp>
+          <p:nvSpPr>
+            <p:cNvPr id="122" name="Oval 121"/>
+            <p:cNvSpPr/>
+            <p:nvPr/>
+          </p:nvSpPr>
+          <p:spPr bwMode="auto">
+            <a:xfrm>
+              <a:off x="10475124" y="3155649"/>
+              <a:ext cx="517525" cy="531851"/>
+            </a:xfrm>
+            <a:prstGeom prst="ellipse">
+              <a:avLst/>
+            </a:prstGeom>
+            <a:solidFill>
+              <a:schemeClr val="bg1"/>
+            </a:solidFill>
+            <a:ln w="9525" cap="flat" cmpd="sng" algn="ctr">
+              <a:noFill/>
+              <a:prstDash val="solid"/>
+              <a:round/>
+              <a:headEnd type="none" w="med" len="med"/>
+              <a:tailEnd type="none" w="med" len="med"/>
+            </a:ln>
+            <a:effectLst/>
+          </p:spPr>
+          <p:txBody>
+            <a:bodyPr vert="horz" wrap="none" lIns="91440" tIns="45720" rIns="91440" bIns="45720" numCol="1" rtlCol="0" anchor="ctr" anchorCtr="0" compatLnSpc="1">
+              <a:prstTxWarp prst="textNoShape">
+                <a:avLst/>
+              </a:prstTxWarp>
+              <a:noAutofit/>
+            </a:bodyPr>
+            <a:lstStyle/>
+            <a:p>
+              <a:pPr marL="342900" marR="0" indent="-342900" algn="ctr" defTabSz="914400" rtl="0" eaLnBrk="1" fontAlgn="base" latinLnBrk="0" hangingPunct="1">
+                <a:lnSpc>
+                  <a:spcPct val="80000"/>
+                </a:lnSpc>
+                <a:spcBef>
+                  <a:spcPct val="20000"/>
+                </a:spcBef>
+                <a:spcAft>
+                  <a:spcPct val="0"/>
+                </a:spcAft>
+                <a:buClr>
+                  <a:schemeClr val="hlink"/>
+                </a:buClr>
+                <a:buSzPct val="60000"/>
+                <a:buFont typeface="Arial Narrow" pitchFamily="34" charset="0"/>
+                <a:buNone/>
+                <a:tabLst/>
+              </a:pPr>
+              <a:r>
+                <a:rPr kumimoji="0" lang="en-CA" sz="500" i="0" u="none" strike="noStrike" cap="none" normalizeH="0" baseline="0">
+                  <a:ln>
+                    <a:noFill/>
+                  </a:ln>
+                  <a:solidFill>
+                    <a:schemeClr val="tx1"/>
+                  </a:solidFill>
+                  <a:effectLst/>
+                  <a:latin typeface="Arial" charset="0"/>
+                </a:rPr>
+                <a:t>Solace</a:t>
+              </a:r>
+            </a:p>
+            <a:p>
+              <a:pPr marL="342900" marR="0" indent="-342900" algn="ctr" defTabSz="914400" rtl="0" eaLnBrk="1" fontAlgn="base" latinLnBrk="0" hangingPunct="1">
+                <a:lnSpc>
+                  <a:spcPct val="80000"/>
+                </a:lnSpc>
+                <a:spcBef>
+                  <a:spcPct val="20000"/>
+                </a:spcBef>
+                <a:spcAft>
+                  <a:spcPct val="0"/>
+                </a:spcAft>
+                <a:buClr>
+                  <a:schemeClr val="hlink"/>
+                </a:buClr>
+                <a:buSzPct val="60000"/>
+                <a:buFont typeface="Arial Narrow" pitchFamily="34" charset="0"/>
+                <a:buNone/>
+                <a:tabLst/>
+              </a:pPr>
+              <a:r>
+                <a:rPr lang="en-CA" sz="500">
+                  <a:latin typeface="Arial" charset="0"/>
+                </a:rPr>
+                <a:t>Service</a:t>
+              </a:r>
+            </a:p>
+            <a:p>
+              <a:pPr marL="342900" marR="0" indent="-342900" algn="ctr" defTabSz="914400" rtl="0" eaLnBrk="1" fontAlgn="base" latinLnBrk="0" hangingPunct="1">
+                <a:lnSpc>
+                  <a:spcPct val="80000"/>
+                </a:lnSpc>
+                <a:spcBef>
+                  <a:spcPct val="20000"/>
+                </a:spcBef>
+                <a:spcAft>
+                  <a:spcPct val="0"/>
+                </a:spcAft>
+                <a:buClr>
+                  <a:schemeClr val="hlink"/>
+                </a:buClr>
+                <a:buSzPct val="60000"/>
+                <a:buFont typeface="Arial Narrow" pitchFamily="34" charset="0"/>
+                <a:buNone/>
+                <a:tabLst/>
+              </a:pPr>
+              <a:r>
+                <a:rPr kumimoji="0" lang="en-CA" sz="500" i="0" u="none" strike="noStrike" cap="none" normalizeH="0" baseline="0">
+                  <a:ln>
+                    <a:noFill/>
+                  </a:ln>
+                  <a:solidFill>
+                    <a:schemeClr val="tx1"/>
+                  </a:solidFill>
+                  <a:effectLst/>
+                  <a:latin typeface="Arial" charset="0"/>
+                </a:rPr>
+                <a:t>Broker</a:t>
+              </a:r>
+            </a:p>
+          </p:txBody>
+        </p:sp>
+      </p:grpSp>
+      <p:grpSp>
+        <p:nvGrpSpPr>
+          <p:cNvPr id="11" name="Group 10"/>
+          <p:cNvGrpSpPr/>
+          <p:nvPr/>
+        </p:nvGrpSpPr>
+        <p:grpSpPr>
+          <a:xfrm>
+            <a:off x="8227720" y="4943887"/>
+            <a:ext cx="590410" cy="524361"/>
+            <a:chOff x="9753600" y="5620662"/>
+            <a:chExt cx="590410" cy="524361"/>
+          </a:xfrm>
+        </p:grpSpPr>
+        <p:sp>
+          <p:nvSpPr>
+            <p:cNvPr id="126" name="Rectangle 125"/>
+            <p:cNvSpPr/>
+            <p:nvPr/>
+          </p:nvSpPr>
+          <p:spPr bwMode="auto">
+            <a:xfrm>
+              <a:off x="9753600" y="5620662"/>
+              <a:ext cx="590410" cy="524361"/>
+            </a:xfrm>
+            <a:prstGeom prst="rect">
+              <a:avLst/>
+            </a:prstGeom>
+            <a:ln w="3175">
+              <a:solidFill>
+                <a:schemeClr val="accent1"/>
+              </a:solidFill>
+              <a:headEnd type="none" w="med" len="med"/>
+              <a:tailEnd type="none" w="med" len="med"/>
+            </a:ln>
+          </p:spPr>
+          <p:style>
+            <a:lnRef idx="2">
+              <a:schemeClr val="accent1">
+                <a:shade val="50000"/>
+              </a:schemeClr>
+            </a:lnRef>
+            <a:fillRef idx="1">
+              <a:schemeClr val="accent1"/>
+            </a:fillRef>
+            <a:effectRef idx="0">
+              <a:schemeClr val="accent1"/>
+            </a:effectRef>
+            <a:fontRef idx="minor">
+              <a:schemeClr val="lt1"/>
+            </a:fontRef>
+          </p:style>
+          <p:txBody>
+            <a:bodyPr vert="horz" wrap="none" lIns="91440" tIns="45720" rIns="91440" bIns="45720" numCol="1" rtlCol="0" anchor="t" anchorCtr="0" compatLnSpc="1">
+              <a:prstTxWarp prst="textNoShape">
+                <a:avLst/>
+              </a:prstTxWarp>
+              <a:noAutofit/>
+            </a:bodyPr>
+            <a:lstStyle/>
+            <a:p>
+              <a:pPr marL="342900" marR="0" indent="-342900" algn="ctr" defTabSz="914400" rtl="0" eaLnBrk="1" fontAlgn="base" latinLnBrk="0" hangingPunct="1">
+                <a:lnSpc>
+                  <a:spcPct val="80000"/>
+                </a:lnSpc>
+                <a:spcBef>
+                  <a:spcPct val="20000"/>
+                </a:spcBef>
+                <a:spcAft>
+                  <a:spcPct val="0"/>
+                </a:spcAft>
+                <a:buClr>
+                  <a:schemeClr val="hlink"/>
+                </a:buClr>
+                <a:buSzPct val="60000"/>
+                <a:buFont typeface="Arial Narrow" pitchFamily="34" charset="0"/>
+                <a:buNone/>
+                <a:tabLst/>
+              </a:pPr>
+              <a:r>
+                <a:rPr kumimoji="0" lang="en-CA" sz="400" i="0" u="none" strike="noStrike" cap="none" normalizeH="0" baseline="0">
+                  <a:ln>
+                    <a:noFill/>
+                  </a:ln>
+                  <a:solidFill>
+                    <a:schemeClr val="bg1"/>
+                  </a:solidFill>
+                  <a:effectLst/>
+                  <a:latin typeface="Arial" charset="0"/>
+                </a:rPr>
+                <a:t>BOSH VMR</a:t>
+              </a:r>
+              <a:r>
+                <a:rPr kumimoji="0" lang="en-CA" sz="400" i="0" u="none" strike="noStrike" cap="none" normalizeH="0">
+                  <a:ln>
+                    <a:noFill/>
+                  </a:ln>
+                  <a:solidFill>
+                    <a:schemeClr val="bg1"/>
+                  </a:solidFill>
+                  <a:effectLst/>
+                  <a:latin typeface="Arial" charset="0"/>
+                </a:rPr>
+                <a:t> Release</a:t>
+              </a:r>
+            </a:p>
+          </p:txBody>
+        </p:sp>
+        <p:pic>
+          <p:nvPicPr>
+            <p:cNvPr id="123" name="Picture 122"/>
+            <p:cNvPicPr>
+              <a:picLocks noChangeAspect="1"/>
+            </p:cNvPicPr>
+            <p:nvPr/>
+          </p:nvPicPr>
+          <p:blipFill>
+            <a:blip r:embed="rId3" cstate="print">
+              <a:extLst>
+                <a:ext uri="{28A0092B-C50C-407E-A947-70E740481C1C}">
+                  <a14:useLocalDpi xmlns:a14="http://schemas.microsoft.com/office/drawing/2010/main"/>
+                </a:ext>
+              </a:extLst>
+            </a:blip>
+            <a:stretch>
+              <a:fillRect/>
+            </a:stretch>
+          </p:blipFill>
+          <p:spPr>
+            <a:xfrm>
+              <a:off x="9871252" y="5752866"/>
+              <a:ext cx="355106" cy="355106"/>
+            </a:xfrm>
+            <a:prstGeom prst="rect">
+              <a:avLst/>
+            </a:prstGeom>
+          </p:spPr>
+        </p:pic>
+      </p:grpSp>
+      <p:cxnSp>
+        <p:nvCxnSpPr>
+          <p:cNvPr id="127" name="Straight Arrow Connector 126"/>
+          <p:cNvCxnSpPr/>
+          <p:nvPr/>
+        </p:nvCxnSpPr>
+        <p:spPr bwMode="auto">
+          <a:xfrm flipV="1">
+            <a:off x="7498943" y="4558610"/>
+            <a:ext cx="693731" cy="333124"/>
+          </a:xfrm>
+          <a:prstGeom prst="straightConnector1">
+            <a:avLst/>
+          </a:prstGeom>
+          <a:ln>
+            <a:headEnd type="none" w="med" len="med"/>
+            <a:tailEnd type="triangle"/>
+          </a:ln>
+        </p:spPr>
+        <p:style>
+          <a:lnRef idx="3">
+            <a:schemeClr val="accent2"/>
+          </a:lnRef>
+          <a:fillRef idx="0">
+            <a:schemeClr val="accent2"/>
+          </a:fillRef>
+          <a:effectRef idx="2">
+            <a:schemeClr val="accent2"/>
+          </a:effectRef>
+          <a:fontRef idx="minor">
+            <a:schemeClr val="tx1"/>
+          </a:fontRef>
+        </p:style>
+      </p:cxnSp>
+      <p:cxnSp>
+        <p:nvCxnSpPr>
+          <p:cNvPr id="133" name="Straight Arrow Connector 132"/>
+          <p:cNvCxnSpPr/>
+          <p:nvPr/>
+        </p:nvCxnSpPr>
+        <p:spPr bwMode="auto">
+          <a:xfrm>
+            <a:off x="7515146" y="5039672"/>
+            <a:ext cx="631659" cy="3508"/>
+          </a:xfrm>
+          <a:prstGeom prst="straightConnector1">
+            <a:avLst/>
+          </a:prstGeom>
+          <a:ln>
+            <a:headEnd type="none" w="med" len="med"/>
+            <a:tailEnd type="triangle"/>
+          </a:ln>
+        </p:spPr>
+        <p:style>
+          <a:lnRef idx="3">
+            <a:schemeClr val="accent2"/>
+          </a:lnRef>
+          <a:fillRef idx="0">
+            <a:schemeClr val="accent2"/>
+          </a:fillRef>
+          <a:effectRef idx="2">
+            <a:schemeClr val="accent2"/>
+          </a:effectRef>
+          <a:fontRef idx="minor">
+            <a:schemeClr val="tx1"/>
+          </a:fontRef>
+        </p:style>
+      </p:cxnSp>
+      <p:grpSp>
+        <p:nvGrpSpPr>
+          <p:cNvPr id="134" name="Group 133"/>
+          <p:cNvGrpSpPr/>
+          <p:nvPr/>
+        </p:nvGrpSpPr>
+        <p:grpSpPr>
+          <a:xfrm>
+            <a:off x="8537089" y="3782261"/>
+            <a:ext cx="318324" cy="369332"/>
+            <a:chOff x="2790018" y="5090145"/>
+            <a:chExt cx="318324" cy="369332"/>
+          </a:xfrm>
+        </p:grpSpPr>
+        <p:sp>
+          <p:nvSpPr>
+            <p:cNvPr id="135" name="Oval 134"/>
+            <p:cNvSpPr/>
+            <p:nvPr/>
+          </p:nvSpPr>
+          <p:spPr bwMode="auto">
+            <a:xfrm>
+              <a:off x="2790018" y="5116682"/>
+              <a:ext cx="318324" cy="316259"/>
+            </a:xfrm>
+            <a:prstGeom prst="ellipse">
+              <a:avLst/>
+            </a:prstGeom>
+            <a:solidFill>
+              <a:srgbClr val="C00000"/>
+            </a:solidFill>
+            <a:ln>
+              <a:headEnd type="none" w="med" len="med"/>
+              <a:tailEnd type="none" w="med" len="med"/>
+            </a:ln>
+          </p:spPr>
+          <p:style>
+            <a:lnRef idx="0">
+              <a:schemeClr val="accent2"/>
+            </a:lnRef>
+            <a:fillRef idx="3">
+              <a:schemeClr val="accent2"/>
+            </a:fillRef>
+            <a:effectRef idx="3">
+              <a:schemeClr val="accent2"/>
+            </a:effectRef>
+            <a:fontRef idx="minor">
+              <a:schemeClr val="lt1"/>
+            </a:fontRef>
+          </p:style>
+          <p:txBody>
+            <a:bodyPr vert="horz" wrap="square" lIns="91440" tIns="45720" rIns="91440" bIns="45720" numCol="1" rtlCol="0" anchor="t" anchorCtr="0" compatLnSpc="1">
+              <a:prstTxWarp prst="textNoShape">
+                <a:avLst/>
+              </a:prstTxWarp>
+              <a:noAutofit/>
+            </a:bodyPr>
+            <a:lstStyle/>
+            <a:p>
+              <a:pPr marL="342900" marR="0" indent="-342900" algn="l" defTabSz="914400" rtl="0" eaLnBrk="1" fontAlgn="base" latinLnBrk="0" hangingPunct="1">
+                <a:lnSpc>
+                  <a:spcPct val="80000"/>
+                </a:lnSpc>
+                <a:spcBef>
+                  <a:spcPct val="20000"/>
+                </a:spcBef>
+                <a:spcAft>
+                  <a:spcPct val="0"/>
+                </a:spcAft>
+                <a:buClr>
+                  <a:schemeClr val="hlink"/>
+                </a:buClr>
+                <a:buSzPct val="60000"/>
+                <a:buFont typeface="Arial Narrow" pitchFamily="34" charset="0"/>
+                <a:buNone/>
+                <a:tabLst/>
+              </a:pPr>
+              <a:endParaRPr kumimoji="0" lang="en-CA" sz="2000" b="1" i="0" u="none" strike="noStrike" cap="none" normalizeH="0" baseline="0">
+                <a:ln>
+                  <a:noFill/>
+                </a:ln>
+                <a:solidFill>
+                  <a:schemeClr val="accent4">
+                    <a:lumMod val="95000"/>
+                    <a:lumOff val="5000"/>
+                  </a:schemeClr>
+                </a:solidFill>
+                <a:effectLst/>
+                <a:latin typeface="Arial" charset="0"/>
+              </a:endParaRPr>
+            </a:p>
+          </p:txBody>
+        </p:sp>
+        <p:sp>
+          <p:nvSpPr>
+            <p:cNvPr id="136" name="TextBox 135"/>
+            <p:cNvSpPr txBox="1"/>
+            <p:nvPr/>
+          </p:nvSpPr>
+          <p:spPr>
+            <a:xfrm>
+              <a:off x="2790018" y="5090145"/>
+              <a:ext cx="312906" cy="369332"/>
+            </a:xfrm>
+            <a:prstGeom prst="rect">
+              <a:avLst/>
+            </a:prstGeom>
+            <a:noFill/>
+          </p:spPr>
+          <p:txBody>
+            <a:bodyPr wrap="none" rtlCol="0">
+              <a:spAutoFit/>
+            </a:bodyPr>
+            <a:lstStyle/>
+            <a:p>
+              <a:r>
+                <a:rPr lang="en-CA">
+                  <a:solidFill>
+                    <a:schemeClr val="bg1"/>
+                  </a:solidFill>
+                </a:rPr>
+                <a:t>2</a:t>
+              </a:r>
+            </a:p>
+          </p:txBody>
+        </p:sp>
+      </p:grpSp>
+      <p:cxnSp>
+        <p:nvCxnSpPr>
+          <p:cNvPr id="137" name="Straight Arrow Connector 136"/>
+          <p:cNvCxnSpPr/>
+          <p:nvPr/>
+        </p:nvCxnSpPr>
+        <p:spPr bwMode="auto">
+          <a:xfrm flipV="1">
+            <a:off x="8884809" y="3342765"/>
+            <a:ext cx="1589628" cy="1532234"/>
+          </a:xfrm>
+          <a:prstGeom prst="straightConnector1">
+            <a:avLst/>
+          </a:prstGeom>
+          <a:ln>
+            <a:headEnd type="none" w="med" len="med"/>
+            <a:tailEnd type="triangle"/>
+          </a:ln>
+        </p:spPr>
+        <p:style>
+          <a:lnRef idx="3">
+            <a:schemeClr val="accent2"/>
+          </a:lnRef>
+          <a:fillRef idx="0">
+            <a:schemeClr val="accent2"/>
+          </a:fillRef>
+          <a:effectRef idx="2">
+            <a:schemeClr val="accent2"/>
+          </a:effectRef>
+          <a:fontRef idx="minor">
+            <a:schemeClr val="tx1"/>
+          </a:fontRef>
+        </p:style>
+      </p:cxnSp>
+      <p:grpSp>
+        <p:nvGrpSpPr>
+          <p:cNvPr id="138" name="Group 137"/>
+          <p:cNvGrpSpPr/>
+          <p:nvPr/>
+        </p:nvGrpSpPr>
+        <p:grpSpPr>
+          <a:xfrm>
+            <a:off x="9643425" y="3836069"/>
+            <a:ext cx="318324" cy="369332"/>
+            <a:chOff x="2790018" y="5090145"/>
+            <a:chExt cx="318324" cy="369332"/>
+          </a:xfrm>
+        </p:grpSpPr>
+        <p:sp>
+          <p:nvSpPr>
+            <p:cNvPr id="139" name="Oval 138"/>
+            <p:cNvSpPr/>
+            <p:nvPr/>
+          </p:nvSpPr>
+          <p:spPr bwMode="auto">
+            <a:xfrm>
+              <a:off x="2790018" y="5116682"/>
+              <a:ext cx="318324" cy="316259"/>
+            </a:xfrm>
+            <a:prstGeom prst="ellipse">
+              <a:avLst/>
+            </a:prstGeom>
+            <a:solidFill>
+              <a:srgbClr val="C00000"/>
+            </a:solidFill>
+            <a:ln>
+              <a:headEnd type="none" w="med" len="med"/>
+              <a:tailEnd type="none" w="med" len="med"/>
+            </a:ln>
+          </p:spPr>
+          <p:style>
+            <a:lnRef idx="0">
+              <a:schemeClr val="accent2"/>
+            </a:lnRef>
+            <a:fillRef idx="3">
+              <a:schemeClr val="accent2"/>
+            </a:fillRef>
+            <a:effectRef idx="3">
+              <a:schemeClr val="accent2"/>
+            </a:effectRef>
+            <a:fontRef idx="minor">
+              <a:schemeClr val="lt1"/>
+            </a:fontRef>
+          </p:style>
+          <p:txBody>
+            <a:bodyPr vert="horz" wrap="square" lIns="91440" tIns="45720" rIns="91440" bIns="45720" numCol="1" rtlCol="0" anchor="t" anchorCtr="0" compatLnSpc="1">
+              <a:prstTxWarp prst="textNoShape">
+                <a:avLst/>
+              </a:prstTxWarp>
+              <a:noAutofit/>
+            </a:bodyPr>
+            <a:lstStyle/>
+            <a:p>
+              <a:pPr marL="342900" marR="0" indent="-342900" algn="l" defTabSz="914400" rtl="0" eaLnBrk="1" fontAlgn="base" latinLnBrk="0" hangingPunct="1">
+                <a:lnSpc>
+                  <a:spcPct val="80000"/>
+                </a:lnSpc>
+                <a:spcBef>
+                  <a:spcPct val="20000"/>
+                </a:spcBef>
+                <a:spcAft>
+                  <a:spcPct val="0"/>
+                </a:spcAft>
+                <a:buClr>
+                  <a:schemeClr val="hlink"/>
+                </a:buClr>
+                <a:buSzPct val="60000"/>
+                <a:buFont typeface="Arial Narrow" pitchFamily="34" charset="0"/>
+                <a:buNone/>
+                <a:tabLst/>
+              </a:pPr>
+              <a:endParaRPr kumimoji="0" lang="en-CA" sz="2000" b="1" i="0" u="none" strike="noStrike" cap="none" normalizeH="0" baseline="0">
+                <a:ln>
+                  <a:noFill/>
+                </a:ln>
+                <a:solidFill>
+                  <a:schemeClr val="accent4">
+                    <a:lumMod val="95000"/>
+                    <a:lumOff val="5000"/>
+                  </a:schemeClr>
+                </a:solidFill>
+                <a:effectLst/>
+                <a:latin typeface="Arial" charset="0"/>
+              </a:endParaRPr>
+            </a:p>
+          </p:txBody>
+        </p:sp>
+        <p:sp>
+          <p:nvSpPr>
+            <p:cNvPr id="140" name="TextBox 139"/>
+            <p:cNvSpPr txBox="1"/>
+            <p:nvPr/>
+          </p:nvSpPr>
+          <p:spPr>
+            <a:xfrm>
+              <a:off x="2790018" y="5090145"/>
+              <a:ext cx="312906" cy="369332"/>
+            </a:xfrm>
+            <a:prstGeom prst="rect">
+              <a:avLst/>
+            </a:prstGeom>
+            <a:noFill/>
+          </p:spPr>
+          <p:txBody>
+            <a:bodyPr wrap="none" rtlCol="0">
+              <a:spAutoFit/>
+            </a:bodyPr>
+            <a:lstStyle/>
+            <a:p>
+              <a:r>
+                <a:rPr lang="en-CA">
+                  <a:solidFill>
+                    <a:schemeClr val="bg1"/>
+                  </a:solidFill>
+                </a:rPr>
+                <a:t>3</a:t>
+              </a:r>
+            </a:p>
+          </p:txBody>
+        </p:sp>
+      </p:grpSp>
       <p:pic>
         <p:nvPicPr>
           <p:cNvPr id="21" name="Picture 20"/>
@@ -20782,7 +21737,7 @@
           <p:nvPr/>
         </p:nvPicPr>
         <p:blipFill>
-          <a:blip r:embed="rId3"/>
+          <a:blip r:embed="rId5"/>
           <a:stretch>
             <a:fillRect/>
           </a:stretch>
@@ -20797,6 +21752,104 @@
           </a:prstGeom>
         </p:spPr>
       </p:pic>
+      <p:pic>
+        <p:nvPicPr>
+          <p:cNvPr id="24" name="Picture 23"/>
+          <p:cNvPicPr>
+            <a:picLocks noChangeAspect="1"/>
+          </p:cNvPicPr>
+          <p:nvPr/>
+        </p:nvPicPr>
+        <p:blipFill>
+          <a:blip r:embed="rId6">
+            <a:extLst>
+              <a:ext uri="{28A0092B-C50C-407E-A947-70E740481C1C}">
+                <a14:useLocalDpi xmlns:a14="http://schemas.microsoft.com/office/drawing/2010/main" val="0"/>
+              </a:ext>
+            </a:extLst>
+          </a:blip>
+          <a:stretch>
+            <a:fillRect/>
+          </a:stretch>
+        </p:blipFill>
+        <p:spPr>
+          <a:xfrm>
+            <a:off x="2092589" y="5109717"/>
+            <a:ext cx="1575804" cy="386375"/>
+          </a:xfrm>
+          <a:prstGeom prst="rect">
+            <a:avLst/>
+          </a:prstGeom>
+        </p:spPr>
+      </p:pic>
+      <p:cxnSp>
+        <p:nvCxnSpPr>
+          <p:cNvPr id="142" name="Straight Arrow Connector 141"/>
+          <p:cNvCxnSpPr/>
+          <p:nvPr/>
+        </p:nvCxnSpPr>
+        <p:spPr bwMode="auto">
+          <a:xfrm>
+            <a:off x="1243474" y="4568800"/>
+            <a:ext cx="768812" cy="633556"/>
+          </a:xfrm>
+          <a:prstGeom prst="straightConnector1">
+            <a:avLst/>
+          </a:prstGeom>
+          <a:ln>
+            <a:headEnd type="none" w="med" len="med"/>
+            <a:tailEnd type="triangle"/>
+          </a:ln>
+        </p:spPr>
+        <p:style>
+          <a:lnRef idx="3">
+            <a:schemeClr val="accent2"/>
+          </a:lnRef>
+          <a:fillRef idx="0">
+            <a:schemeClr val="accent2"/>
+          </a:fillRef>
+          <a:effectRef idx="2">
+            <a:schemeClr val="accent2"/>
+          </a:effectRef>
+          <a:fontRef idx="minor">
+            <a:schemeClr val="tx1"/>
+          </a:fontRef>
+        </p:style>
+      </p:cxnSp>
+      <p:cxnSp>
+        <p:nvCxnSpPr>
+          <p:cNvPr id="143" name="Straight Arrow Connector 142"/>
+          <p:cNvCxnSpPr/>
+          <p:nvPr/>
+        </p:nvCxnSpPr>
+        <p:spPr bwMode="auto">
+          <a:xfrm>
+            <a:off x="3792356" y="5266425"/>
+            <a:ext cx="490228" cy="4950"/>
+          </a:xfrm>
+          <a:prstGeom prst="straightConnector1">
+            <a:avLst/>
+          </a:prstGeom>
+          <a:ln>
+            <a:headEnd type="none" w="med" len="med"/>
+            <a:tailEnd type="triangle"/>
+          </a:ln>
+        </p:spPr>
+        <p:style>
+          <a:lnRef idx="3">
+            <a:schemeClr val="accent2"/>
+          </a:lnRef>
+          <a:fillRef idx="0">
+            <a:schemeClr val="accent2"/>
+          </a:fillRef>
+          <a:effectRef idx="2">
+            <a:schemeClr val="accent2"/>
+          </a:effectRef>
+          <a:fontRef idx="minor">
+            <a:schemeClr val="tx1"/>
+          </a:fontRef>
+        </p:style>
+      </p:cxnSp>
       <p:grpSp>
         <p:nvGrpSpPr>
           <p:cNvPr id="10" name="Group 9"/>
@@ -20805,10 +21858,10 @@
         </p:nvGrpSpPr>
         <p:grpSpPr>
           <a:xfrm>
-            <a:off x="2146845" y="3139317"/>
-            <a:ext cx="2577993" cy="982329"/>
-            <a:chOff x="1415068" y="2667764"/>
-            <a:chExt cx="2577993" cy="982329"/>
+            <a:off x="2078071" y="2639452"/>
+            <a:ext cx="2882004" cy="1153195"/>
+            <a:chOff x="1413937" y="2651985"/>
+            <a:chExt cx="2513344" cy="982329"/>
           </a:xfrm>
         </p:grpSpPr>
         <p:sp>
@@ -20819,7 +21872,7 @@
           </p:nvSpPr>
           <p:spPr bwMode="auto">
             <a:xfrm>
-              <a:off x="1415068" y="2667764"/>
+              <a:off x="1413937" y="2651985"/>
               <a:ext cx="2513344" cy="982329"/>
             </a:xfrm>
             <a:prstGeom prst="rect">
@@ -20871,7 +21924,7 @@
                 <a:buNone/>
                 <a:tabLst/>
               </a:pPr>
-              <a:endParaRPr kumimoji="0" lang="en-CA" sz="2000" b="1" i="0" u="none" strike="noStrike" cap="none" normalizeH="0" baseline="0" smtClean="0">
+              <a:endParaRPr kumimoji="0" lang="en-CA" sz="2000" b="1" i="0" u="none" strike="noStrike" cap="none" normalizeH="0" baseline="0">
                 <a:ln>
                   <a:noFill/>
                 </a:ln>
@@ -20884,30 +21937,6 @@
             </a:p>
           </p:txBody>
         </p:sp>
-        <p:pic>
-          <p:nvPicPr>
-            <p:cNvPr id="58" name="Picture 57"/>
-            <p:cNvPicPr>
-              <a:picLocks noChangeAspect="1"/>
-            </p:cNvPicPr>
-            <p:nvPr/>
-          </p:nvPicPr>
-          <p:blipFill>
-            <a:blip r:embed="rId4"/>
-            <a:stretch>
-              <a:fillRect/>
-            </a:stretch>
-          </p:blipFill>
-          <p:spPr>
-            <a:xfrm>
-              <a:off x="1971645" y="3105231"/>
-              <a:ext cx="1227927" cy="466612"/>
-            </a:xfrm>
-            <a:prstGeom prst="rect">
-              <a:avLst/>
-            </a:prstGeom>
-          </p:spPr>
-        </p:pic>
         <p:sp>
           <p:nvSpPr>
             <p:cNvPr id="63" name="TextBox 62"/>
@@ -20916,7 +21945,7 @@
           </p:nvSpPr>
           <p:spPr>
             <a:xfrm>
-              <a:off x="1729920" y="2754858"/>
+              <a:off x="1512453" y="2682689"/>
               <a:ext cx="2263141" cy="307777"/>
             </a:xfrm>
             <a:prstGeom prst="rect">
@@ -20932,21 +21961,36 @@
             <a:p>
               <a:pPr algn="ctr"/>
               <a:r>
-                <a:rPr lang="en-CA" sz="1400" dirty="0" smtClean="0"/>
-                <a:t>Solace-messaging-</a:t>
+                <a:rPr lang="en-CA" sz="1400"/>
+                <a:t>solace-messaging-cf-dev</a:t>
               </a:r>
-              <a:r>
-                <a:rPr lang="en-CA" sz="1400" dirty="0" err="1" smtClean="0"/>
-                <a:t>cf</a:t>
-              </a:r>
-              <a:r>
-                <a:rPr lang="en-CA" sz="1400" dirty="0" smtClean="0"/>
-                <a:t>-dev</a:t>
-              </a:r>
-              <a:endParaRPr lang="en-CA" sz="1400" dirty="0" smtClean="0"/>
             </a:p>
           </p:txBody>
         </p:sp>
+        <p:pic>
+          <p:nvPicPr>
+            <p:cNvPr id="58" name="Picture 57"/>
+            <p:cNvPicPr>
+              <a:picLocks noChangeAspect="1"/>
+            </p:cNvPicPr>
+            <p:nvPr/>
+          </p:nvPicPr>
+          <p:blipFill>
+            <a:blip r:embed="rId7"/>
+            <a:stretch>
+              <a:fillRect/>
+            </a:stretch>
+          </p:blipFill>
+          <p:spPr>
+            <a:xfrm>
+              <a:off x="1812193" y="3333947"/>
+              <a:ext cx="753787" cy="286439"/>
+            </a:xfrm>
+            <a:prstGeom prst="rect">
+              <a:avLst/>
+            </a:prstGeom>
+          </p:spPr>
+        </p:pic>
       </p:grpSp>
       <p:cxnSp>
         <p:nvCxnSpPr>
@@ -20982,18 +22026,51 @@
           </a:fontRef>
         </p:style>
       </p:cxnSp>
+      <p:sp>
+        <p:nvSpPr>
+          <p:cNvPr id="23" name="TextBox 22"/>
+          <p:cNvSpPr txBox="1"/>
+          <p:nvPr/>
+        </p:nvSpPr>
+        <p:spPr>
+          <a:xfrm>
+            <a:off x="1243474" y="783152"/>
+            <a:ext cx="3385307" cy="646331"/>
+          </a:xfrm>
+          <a:prstGeom prst="rect">
+            <a:avLst/>
+          </a:prstGeom>
+          <a:noFill/>
+        </p:spPr>
+        <p:txBody>
+          <a:bodyPr wrap="square" rtlCol="0">
+            <a:spAutoFit/>
+          </a:bodyPr>
+          <a:lstStyle/>
+          <a:p>
+            <a:r>
+              <a:rPr lang="en-CA"/>
+              <a:t>Prepare required deployments</a:t>
+            </a:r>
+          </a:p>
+          <a:p>
+            <a:r>
+              <a:rPr lang="en-CA"/>
+              <a:t>Deploy Solace Messaging</a:t>
+            </a:r>
+          </a:p>
+        </p:txBody>
+      </p:sp>
       <p:cxnSp>
         <p:nvCxnSpPr>
-          <p:cNvPr id="68" name="Straight Arrow Connector 67"/>
-          <p:cNvCxnSpPr>
-            <a:stCxn id="84" idx="1"/>
-          </p:cNvCxnSpPr>
+          <p:cNvPr id="80" name="Straight Arrow Connector 79"/>
+          <p:cNvCxnSpPr/>
           <p:nvPr/>
         </p:nvCxnSpPr>
         <p:spPr bwMode="auto">
           <a:xfrm>
-            <a:off x="5082047" y="2794638"/>
-            <a:ext cx="1854815" cy="11693"/>
+            <a:off x="610934" y="1252820"/>
+            <a:ext cx="632541" cy="2335"/>
           </a:xfrm>
           <a:prstGeom prst="straightConnector1">
             <a:avLst/>
@@ -21005,13 +22082,13 @@
         </p:spPr>
         <p:style>
           <a:lnRef idx="3">
-            <a:schemeClr val="accent5"/>
+            <a:schemeClr val="accent2"/>
           </a:lnRef>
           <a:fillRef idx="0">
-            <a:schemeClr val="accent5"/>
+            <a:schemeClr val="accent2"/>
           </a:fillRef>
           <a:effectRef idx="2">
-            <a:schemeClr val="accent5"/>
+            <a:schemeClr val="accent2"/>
           </a:effectRef>
           <a:fontRef idx="minor">
             <a:schemeClr val="tx1"/>
@@ -21026,10 +22103,10 @@
         </p:nvGrpSpPr>
         <p:grpSpPr>
           <a:xfrm>
-            <a:off x="4763723" y="2609972"/>
-            <a:ext cx="318324" cy="369332"/>
-            <a:chOff x="2790018" y="5072988"/>
-            <a:chExt cx="318324" cy="369332"/>
+            <a:off x="5074835" y="2096857"/>
+            <a:ext cx="329994" cy="369332"/>
+            <a:chOff x="2790018" y="5082735"/>
+            <a:chExt cx="329994" cy="369332"/>
           </a:xfrm>
         </p:grpSpPr>
         <p:sp>
@@ -21098,7 +22175,7 @@
                 <a:buNone/>
                 <a:tabLst/>
               </a:pPr>
-              <a:endParaRPr kumimoji="0" lang="en-CA" sz="2000" b="1" i="0" u="none" strike="noStrike" cap="none" normalizeH="0" baseline="0" dirty="0" smtClean="0">
+              <a:endParaRPr kumimoji="0" lang="en-CA" sz="2000" b="1" i="0" u="none" strike="noStrike" cap="none" normalizeH="0" baseline="0">
                 <a:ln>
                   <a:noFill/>
                 </a:ln>
@@ -21122,7 +22199,7 @@
           </p:nvSpPr>
           <p:spPr>
             <a:xfrm flipH="1">
-              <a:off x="2792489" y="5072988"/>
+              <a:off x="2804159" y="5082735"/>
               <a:ext cx="315853" cy="369332"/>
             </a:xfrm>
             <a:prstGeom prst="rect">
@@ -21137,7 +22214,7 @@
             <a:lstStyle/>
             <a:p>
               <a:r>
-                <a:rPr lang="en-CA" dirty="0" smtClean="0"/>
+                <a:rPr lang="en-CA"/>
                 <a:t>2</a:t>
               </a:r>
             </a:p>
@@ -21152,7 +22229,7 @@
         </p:nvGrpSpPr>
         <p:grpSpPr>
           <a:xfrm>
-            <a:off x="4764399" y="3489924"/>
+            <a:off x="5074835" y="3414299"/>
             <a:ext cx="318324" cy="369332"/>
             <a:chOff x="2790018" y="5072988"/>
             <a:chExt cx="318324" cy="369332"/>
@@ -21224,7 +22301,7 @@
                 <a:buNone/>
                 <a:tabLst/>
               </a:pPr>
-              <a:endParaRPr kumimoji="0" lang="en-CA" sz="2000" b="1" i="0" u="none" strike="noStrike" cap="none" normalizeH="0" baseline="0" dirty="0" smtClean="0">
+              <a:endParaRPr kumimoji="0" lang="en-CA" sz="2000" b="1" i="0" u="none" strike="noStrike" cap="none" normalizeH="0" baseline="0">
                 <a:ln>
                   <a:noFill/>
                 </a:ln>
@@ -21263,10 +22340,9 @@
             <a:lstStyle/>
             <a:p>
               <a:r>
-                <a:rPr lang="en-CA" dirty="0"/>
+                <a:rPr lang="en-CA"/>
                 <a:t>1</a:t>
               </a:r>
-              <a:endParaRPr lang="en-CA" dirty="0" smtClean="0"/>
             </a:p>
           </p:txBody>
         </p:sp>
@@ -21279,7 +22355,7 @@
         </p:nvGrpSpPr>
         <p:grpSpPr>
           <a:xfrm>
-            <a:off x="4763723" y="2141775"/>
+            <a:off x="5093717" y="2943991"/>
             <a:ext cx="318324" cy="369332"/>
             <a:chOff x="2790018" y="5072988"/>
             <a:chExt cx="318324" cy="369332"/>
@@ -21351,7 +22427,7 @@
                 <a:buNone/>
                 <a:tabLst/>
               </a:pPr>
-              <a:endParaRPr kumimoji="0" lang="en-CA" sz="2000" b="1" i="0" u="none" strike="noStrike" cap="none" normalizeH="0" baseline="0" dirty="0" smtClean="0">
+              <a:endParaRPr kumimoji="0" lang="en-CA" sz="2000" b="1" i="0" u="none" strike="noStrike" cap="none" normalizeH="0" baseline="0">
                 <a:ln>
                   <a:noFill/>
                 </a:ln>
@@ -21390,7 +22466,2164 @@
             <a:lstStyle/>
             <a:p>
               <a:r>
-                <a:rPr lang="en-CA" dirty="0" smtClean="0"/>
+                <a:rPr lang="en-CA"/>
+                <a:t>3</a:t>
+              </a:r>
+            </a:p>
+          </p:txBody>
+        </p:sp>
+      </p:grpSp>
+      <p:pic>
+        <p:nvPicPr>
+          <p:cNvPr id="81" name="Picture 80"/>
+          <p:cNvPicPr>
+            <a:picLocks noChangeAspect="1"/>
+          </p:cNvPicPr>
+          <p:nvPr/>
+        </p:nvPicPr>
+        <p:blipFill>
+          <a:blip r:embed="rId7"/>
+          <a:stretch>
+            <a:fillRect/>
+          </a:stretch>
+        </p:blipFill>
+        <p:spPr>
+          <a:xfrm>
+            <a:off x="3714249" y="2047193"/>
+            <a:ext cx="1227927" cy="466612"/>
+          </a:xfrm>
+          <a:prstGeom prst="rect">
+            <a:avLst/>
+          </a:prstGeom>
+          <a:ln>
+            <a:solidFill>
+              <a:schemeClr val="tx1"/>
+            </a:solidFill>
+          </a:ln>
+        </p:spPr>
+      </p:pic>
+      <p:cxnSp>
+        <p:nvCxnSpPr>
+          <p:cNvPr id="92" name="Straight Arrow Connector 91"/>
+          <p:cNvCxnSpPr/>
+          <p:nvPr/>
+        </p:nvCxnSpPr>
+        <p:spPr bwMode="auto">
+          <a:xfrm>
+            <a:off x="610934" y="995942"/>
+            <a:ext cx="632541" cy="2335"/>
+          </a:xfrm>
+          <a:prstGeom prst="straightConnector1">
+            <a:avLst/>
+          </a:prstGeom>
+          <a:ln>
+            <a:headEnd type="none" w="med" len="med"/>
+            <a:tailEnd type="triangle"/>
+          </a:ln>
+        </p:spPr>
+        <p:style>
+          <a:lnRef idx="3">
+            <a:schemeClr val="accent5"/>
+          </a:lnRef>
+          <a:fillRef idx="0">
+            <a:schemeClr val="accent5"/>
+          </a:fillRef>
+          <a:effectRef idx="2">
+            <a:schemeClr val="accent5"/>
+          </a:effectRef>
+          <a:fontRef idx="minor">
+            <a:schemeClr val="tx1"/>
+          </a:fontRef>
+        </p:style>
+      </p:cxnSp>
+      <p:sp>
+        <p:nvSpPr>
+          <p:cNvPr id="36" name="TextBox 35"/>
+          <p:cNvSpPr txBox="1"/>
+          <p:nvPr/>
+        </p:nvSpPr>
+        <p:spPr>
+          <a:xfrm>
+            <a:off x="4456362" y="5136840"/>
+            <a:ext cx="1050288" cy="695575"/>
+          </a:xfrm>
+          <a:prstGeom prst="rect">
+            <a:avLst/>
+          </a:prstGeom>
+          <a:noFill/>
+        </p:spPr>
+        <p:txBody>
+          <a:bodyPr wrap="none" rtlCol="0">
+            <a:spAutoFit/>
+          </a:bodyPr>
+          <a:lstStyle/>
+          <a:p>
+            <a:pPr marL="342900" indent="-342900" algn="ctr" defTabSz="914400" fontAlgn="base">
+              <a:lnSpc>
+                <a:spcPct val="80000"/>
+              </a:lnSpc>
+              <a:spcBef>
+                <a:spcPct val="20000"/>
+              </a:spcBef>
+              <a:spcAft>
+                <a:spcPct val="0"/>
+              </a:spcAft>
+              <a:buClr>
+                <a:schemeClr val="hlink"/>
+              </a:buClr>
+              <a:buSzPct val="60000"/>
+            </a:pPr>
+            <a:r>
+              <a:rPr lang="en-CA" sz="1400">
+                <a:latin typeface="Arial" charset="0"/>
+              </a:rPr>
+              <a:t>Solace</a:t>
+            </a:r>
+          </a:p>
+          <a:p>
+            <a:pPr marL="342900" indent="-342900" algn="ctr" defTabSz="914400" fontAlgn="base">
+              <a:lnSpc>
+                <a:spcPct val="80000"/>
+              </a:lnSpc>
+              <a:spcBef>
+                <a:spcPct val="20000"/>
+              </a:spcBef>
+              <a:spcAft>
+                <a:spcPct val="0"/>
+              </a:spcAft>
+              <a:buClr>
+                <a:schemeClr val="hlink"/>
+              </a:buClr>
+              <a:buSzPct val="60000"/>
+            </a:pPr>
+            <a:r>
+              <a:rPr lang="en-CA" sz="1400">
+                <a:latin typeface="Arial" charset="0"/>
+              </a:rPr>
+              <a:t>Messaging</a:t>
+            </a:r>
+          </a:p>
+          <a:p>
+            <a:pPr marL="342900" indent="-342900" algn="ctr" defTabSz="914400" fontAlgn="base">
+              <a:lnSpc>
+                <a:spcPct val="80000"/>
+              </a:lnSpc>
+              <a:spcBef>
+                <a:spcPct val="20000"/>
+              </a:spcBef>
+              <a:spcAft>
+                <a:spcPct val="0"/>
+              </a:spcAft>
+              <a:buClr>
+                <a:schemeClr val="hlink"/>
+              </a:buClr>
+              <a:buSzPct val="60000"/>
+            </a:pPr>
+            <a:r>
+              <a:rPr lang="en-CA" sz="1400">
+                <a:latin typeface="Arial" charset="0"/>
+              </a:rPr>
+              <a:t>PCF Tile</a:t>
+            </a:r>
+          </a:p>
+        </p:txBody>
+      </p:sp>
+      <p:grpSp>
+        <p:nvGrpSpPr>
+          <p:cNvPr id="95" name="Group 94"/>
+          <p:cNvGrpSpPr/>
+          <p:nvPr/>
+        </p:nvGrpSpPr>
+        <p:grpSpPr>
+          <a:xfrm>
+            <a:off x="5696788" y="5333776"/>
+            <a:ext cx="514575" cy="457010"/>
+            <a:chOff x="9753600" y="5620662"/>
+            <a:chExt cx="590410" cy="524361"/>
+          </a:xfrm>
+        </p:grpSpPr>
+        <p:sp>
+          <p:nvSpPr>
+            <p:cNvPr id="96" name="Rectangle 95"/>
+            <p:cNvSpPr/>
+            <p:nvPr/>
+          </p:nvSpPr>
+          <p:spPr bwMode="auto">
+            <a:xfrm>
+              <a:off x="9753600" y="5620662"/>
+              <a:ext cx="590410" cy="524361"/>
+            </a:xfrm>
+            <a:prstGeom prst="rect">
+              <a:avLst/>
+            </a:prstGeom>
+            <a:ln w="3175">
+              <a:solidFill>
+                <a:schemeClr val="accent1"/>
+              </a:solidFill>
+              <a:headEnd type="none" w="med" len="med"/>
+              <a:tailEnd type="none" w="med" len="med"/>
+            </a:ln>
+          </p:spPr>
+          <p:style>
+            <a:lnRef idx="2">
+              <a:schemeClr val="accent1">
+                <a:shade val="50000"/>
+              </a:schemeClr>
+            </a:lnRef>
+            <a:fillRef idx="1">
+              <a:schemeClr val="accent1"/>
+            </a:fillRef>
+            <a:effectRef idx="0">
+              <a:schemeClr val="accent1"/>
+            </a:effectRef>
+            <a:fontRef idx="minor">
+              <a:schemeClr val="lt1"/>
+            </a:fontRef>
+          </p:style>
+          <p:txBody>
+            <a:bodyPr vert="horz" wrap="none" lIns="91440" tIns="45720" rIns="91440" bIns="45720" numCol="1" rtlCol="0" anchor="t" anchorCtr="0" compatLnSpc="1">
+              <a:prstTxWarp prst="textNoShape">
+                <a:avLst/>
+              </a:prstTxWarp>
+              <a:noAutofit/>
+            </a:bodyPr>
+            <a:lstStyle/>
+            <a:p>
+              <a:pPr marL="342900" marR="0" indent="-342900" algn="ctr" defTabSz="914400" rtl="0" eaLnBrk="1" fontAlgn="base" latinLnBrk="0" hangingPunct="1">
+                <a:lnSpc>
+                  <a:spcPct val="80000"/>
+                </a:lnSpc>
+                <a:spcBef>
+                  <a:spcPct val="20000"/>
+                </a:spcBef>
+                <a:spcAft>
+                  <a:spcPct val="0"/>
+                </a:spcAft>
+                <a:buClr>
+                  <a:schemeClr val="hlink"/>
+                </a:buClr>
+                <a:buSzPct val="60000"/>
+                <a:buFont typeface="Arial Narrow" pitchFamily="34" charset="0"/>
+                <a:buNone/>
+                <a:tabLst/>
+              </a:pPr>
+              <a:r>
+                <a:rPr kumimoji="0" lang="en-CA" sz="400" i="0" u="none" strike="noStrike" cap="none" normalizeH="0" baseline="0">
+                  <a:ln>
+                    <a:noFill/>
+                  </a:ln>
+                  <a:solidFill>
+                    <a:schemeClr val="bg1"/>
+                  </a:solidFill>
+                  <a:effectLst/>
+                  <a:latin typeface="Arial" charset="0"/>
+                </a:rPr>
+                <a:t>BOSH VMR</a:t>
+              </a:r>
+              <a:r>
+                <a:rPr kumimoji="0" lang="en-CA" sz="400" i="0" u="none" strike="noStrike" cap="none" normalizeH="0">
+                  <a:ln>
+                    <a:noFill/>
+                  </a:ln>
+                  <a:solidFill>
+                    <a:schemeClr val="bg1"/>
+                  </a:solidFill>
+                  <a:effectLst/>
+                  <a:latin typeface="Arial" charset="0"/>
+                </a:rPr>
+                <a:t> Release</a:t>
+              </a:r>
+            </a:p>
+          </p:txBody>
+        </p:sp>
+        <p:pic>
+          <p:nvPicPr>
+            <p:cNvPr id="97" name="Picture 96"/>
+            <p:cNvPicPr>
+              <a:picLocks noChangeAspect="1"/>
+            </p:cNvPicPr>
+            <p:nvPr/>
+          </p:nvPicPr>
+          <p:blipFill>
+            <a:blip r:embed="rId3" cstate="print">
+              <a:extLst>
+                <a:ext uri="{28A0092B-C50C-407E-A947-70E740481C1C}">
+                  <a14:useLocalDpi xmlns:a14="http://schemas.microsoft.com/office/drawing/2010/main"/>
+                </a:ext>
+              </a:extLst>
+            </a:blip>
+            <a:stretch>
+              <a:fillRect/>
+            </a:stretch>
+          </p:blipFill>
+          <p:spPr>
+            <a:xfrm>
+              <a:off x="9871252" y="5752866"/>
+              <a:ext cx="355106" cy="355106"/>
+            </a:xfrm>
+            <a:prstGeom prst="rect">
+              <a:avLst/>
+            </a:prstGeom>
+          </p:spPr>
+        </p:pic>
+      </p:grpSp>
+      <p:grpSp>
+        <p:nvGrpSpPr>
+          <p:cNvPr id="98" name="Group 97"/>
+          <p:cNvGrpSpPr/>
+          <p:nvPr/>
+        </p:nvGrpSpPr>
+        <p:grpSpPr>
+          <a:xfrm>
+            <a:off x="5699379" y="4612431"/>
+            <a:ext cx="496055" cy="496055"/>
+            <a:chOff x="10438103" y="3127870"/>
+            <a:chExt cx="593901" cy="593901"/>
+          </a:xfrm>
+        </p:grpSpPr>
+        <p:pic>
+          <p:nvPicPr>
+            <p:cNvPr id="99" name="Picture 98"/>
+            <p:cNvPicPr>
+              <a:picLocks noChangeAspect="1"/>
+            </p:cNvPicPr>
+            <p:nvPr/>
+          </p:nvPicPr>
+          <p:blipFill>
+            <a:blip r:embed="rId3" cstate="print">
+              <a:extLst>
+                <a:ext uri="{28A0092B-C50C-407E-A947-70E740481C1C}">
+                  <a14:useLocalDpi xmlns:a14="http://schemas.microsoft.com/office/drawing/2010/main"/>
+                </a:ext>
+              </a:extLst>
+            </a:blip>
+            <a:stretch>
+              <a:fillRect/>
+            </a:stretch>
+          </p:blipFill>
+          <p:spPr>
+            <a:xfrm>
+              <a:off x="10438103" y="3127870"/>
+              <a:ext cx="593901" cy="593901"/>
+            </a:xfrm>
+            <a:prstGeom prst="rect">
+              <a:avLst/>
+            </a:prstGeom>
+          </p:spPr>
+        </p:pic>
+        <p:sp>
+          <p:nvSpPr>
+            <p:cNvPr id="100" name="Oval 99"/>
+            <p:cNvSpPr/>
+            <p:nvPr/>
+          </p:nvSpPr>
+          <p:spPr bwMode="auto">
+            <a:xfrm>
+              <a:off x="10475124" y="3155649"/>
+              <a:ext cx="517525" cy="531851"/>
+            </a:xfrm>
+            <a:prstGeom prst="ellipse">
+              <a:avLst/>
+            </a:prstGeom>
+            <a:solidFill>
+              <a:schemeClr val="bg1"/>
+            </a:solidFill>
+            <a:ln w="9525" cap="flat" cmpd="sng" algn="ctr">
+              <a:noFill/>
+              <a:prstDash val="solid"/>
+              <a:round/>
+              <a:headEnd type="none" w="med" len="med"/>
+              <a:tailEnd type="none" w="med" len="med"/>
+            </a:ln>
+            <a:effectLst/>
+          </p:spPr>
+          <p:txBody>
+            <a:bodyPr vert="horz" wrap="none" lIns="91440" tIns="45720" rIns="91440" bIns="45720" numCol="1" rtlCol="0" anchor="ctr" anchorCtr="0" compatLnSpc="1">
+              <a:prstTxWarp prst="textNoShape">
+                <a:avLst/>
+              </a:prstTxWarp>
+              <a:noAutofit/>
+            </a:bodyPr>
+            <a:lstStyle/>
+            <a:p>
+              <a:pPr marL="342900" marR="0" indent="-342900" algn="ctr" defTabSz="914400" rtl="0" eaLnBrk="1" fontAlgn="base" latinLnBrk="0" hangingPunct="1">
+                <a:lnSpc>
+                  <a:spcPct val="80000"/>
+                </a:lnSpc>
+                <a:spcBef>
+                  <a:spcPct val="20000"/>
+                </a:spcBef>
+                <a:spcAft>
+                  <a:spcPct val="0"/>
+                </a:spcAft>
+                <a:buClr>
+                  <a:schemeClr val="hlink"/>
+                </a:buClr>
+                <a:buSzPct val="60000"/>
+                <a:buFont typeface="Arial Narrow" pitchFamily="34" charset="0"/>
+                <a:buNone/>
+                <a:tabLst/>
+              </a:pPr>
+              <a:r>
+                <a:rPr kumimoji="0" lang="en-CA" sz="700" i="0" u="none" strike="noStrike" cap="none" normalizeH="0" baseline="0">
+                  <a:ln>
+                    <a:noFill/>
+                  </a:ln>
+                  <a:solidFill>
+                    <a:schemeClr val="tx1"/>
+                  </a:solidFill>
+                  <a:effectLst/>
+                  <a:latin typeface="Arial" charset="0"/>
+                </a:rPr>
+                <a:t>Solace</a:t>
+              </a:r>
+            </a:p>
+            <a:p>
+              <a:pPr marL="342900" marR="0" indent="-342900" algn="ctr" defTabSz="914400" rtl="0" eaLnBrk="1" fontAlgn="base" latinLnBrk="0" hangingPunct="1">
+                <a:lnSpc>
+                  <a:spcPct val="80000"/>
+                </a:lnSpc>
+                <a:spcBef>
+                  <a:spcPct val="20000"/>
+                </a:spcBef>
+                <a:spcAft>
+                  <a:spcPct val="0"/>
+                </a:spcAft>
+                <a:buClr>
+                  <a:schemeClr val="hlink"/>
+                </a:buClr>
+                <a:buSzPct val="60000"/>
+                <a:buFont typeface="Arial Narrow" pitchFamily="34" charset="0"/>
+                <a:buNone/>
+                <a:tabLst/>
+              </a:pPr>
+              <a:r>
+                <a:rPr lang="en-CA" sz="700">
+                  <a:latin typeface="Arial" charset="0"/>
+                </a:rPr>
+                <a:t>Service</a:t>
+              </a:r>
+            </a:p>
+            <a:p>
+              <a:pPr marL="342900" marR="0" indent="-342900" algn="ctr" defTabSz="914400" rtl="0" eaLnBrk="1" fontAlgn="base" latinLnBrk="0" hangingPunct="1">
+                <a:lnSpc>
+                  <a:spcPct val="80000"/>
+                </a:lnSpc>
+                <a:spcBef>
+                  <a:spcPct val="20000"/>
+                </a:spcBef>
+                <a:spcAft>
+                  <a:spcPct val="0"/>
+                </a:spcAft>
+                <a:buClr>
+                  <a:schemeClr val="hlink"/>
+                </a:buClr>
+                <a:buSzPct val="60000"/>
+                <a:buFont typeface="Arial Narrow" pitchFamily="34" charset="0"/>
+                <a:buNone/>
+                <a:tabLst/>
+              </a:pPr>
+              <a:r>
+                <a:rPr kumimoji="0" lang="en-CA" sz="700" i="0" u="none" strike="noStrike" cap="none" normalizeH="0" baseline="0">
+                  <a:ln>
+                    <a:noFill/>
+                  </a:ln>
+                  <a:solidFill>
+                    <a:schemeClr val="tx1"/>
+                  </a:solidFill>
+                  <a:effectLst/>
+                  <a:latin typeface="Arial" charset="0"/>
+                </a:rPr>
+                <a:t>Broker</a:t>
+              </a:r>
+            </a:p>
+          </p:txBody>
+        </p:sp>
+      </p:grpSp>
+      <p:cxnSp>
+        <p:nvCxnSpPr>
+          <p:cNvPr id="39" name="Straight Connector 38"/>
+          <p:cNvCxnSpPr/>
+          <p:nvPr/>
+        </p:nvCxnSpPr>
+        <p:spPr bwMode="auto">
+          <a:xfrm>
+            <a:off x="5628932" y="4426750"/>
+            <a:ext cx="0" cy="1439024"/>
+          </a:xfrm>
+          <a:prstGeom prst="line">
+            <a:avLst/>
+          </a:prstGeom>
+          <a:ln w="19050">
+            <a:solidFill>
+              <a:schemeClr val="tx1">
+                <a:lumMod val="75000"/>
+                <a:lumOff val="25000"/>
+              </a:schemeClr>
+            </a:solidFill>
+            <a:prstDash val="sysDot"/>
+            <a:headEnd type="none" w="med" len="med"/>
+            <a:tailEnd type="none" w="med" len="med"/>
+          </a:ln>
+        </p:spPr>
+        <p:style>
+          <a:lnRef idx="3">
+            <a:schemeClr val="dk1"/>
+          </a:lnRef>
+          <a:fillRef idx="0">
+            <a:schemeClr val="dk1"/>
+          </a:fillRef>
+          <a:effectRef idx="2">
+            <a:schemeClr val="dk1"/>
+          </a:effectRef>
+          <a:fontRef idx="minor">
+            <a:schemeClr val="tx1"/>
+          </a:fontRef>
+        </p:style>
+      </p:cxnSp>
+      <p:sp>
+        <p:nvSpPr>
+          <p:cNvPr id="44" name="Rectangle 43"/>
+          <p:cNvSpPr/>
+          <p:nvPr/>
+        </p:nvSpPr>
+        <p:spPr bwMode="auto">
+          <a:xfrm>
+            <a:off x="398213" y="639336"/>
+            <a:ext cx="4058149" cy="981307"/>
+          </a:xfrm>
+          <a:prstGeom prst="rect">
+            <a:avLst/>
+          </a:prstGeom>
+          <a:noFill/>
+          <a:ln w="9525" cap="flat" cmpd="sng" algn="ctr">
+            <a:solidFill>
+              <a:schemeClr val="tx1"/>
+            </a:solidFill>
+            <a:prstDash val="solid"/>
+            <a:round/>
+            <a:headEnd type="none" w="med" len="med"/>
+            <a:tailEnd type="none" w="med" len="med"/>
+          </a:ln>
+          <a:effectLst/>
+        </p:spPr>
+        <p:txBody>
+          <a:bodyPr vert="horz" wrap="square" lIns="91440" tIns="45720" rIns="91440" bIns="45720" numCol="1" rtlCol="0" anchor="t" anchorCtr="0" compatLnSpc="1">
+            <a:prstTxWarp prst="textNoShape">
+              <a:avLst/>
+            </a:prstTxWarp>
+            <a:spAutoFit/>
+          </a:bodyPr>
+          <a:lstStyle/>
+          <a:p>
+            <a:pPr marL="342900" marR="0" indent="-342900" algn="l" defTabSz="914400" rtl="0" eaLnBrk="1" fontAlgn="base" latinLnBrk="0" hangingPunct="1">
+              <a:lnSpc>
+                <a:spcPct val="80000"/>
+              </a:lnSpc>
+              <a:spcBef>
+                <a:spcPct val="20000"/>
+              </a:spcBef>
+              <a:spcAft>
+                <a:spcPct val="0"/>
+              </a:spcAft>
+              <a:buClr>
+                <a:schemeClr val="hlink"/>
+              </a:buClr>
+              <a:buSzPct val="60000"/>
+              <a:buFont typeface="Arial Narrow" pitchFamily="34" charset="0"/>
+              <a:buNone/>
+              <a:tabLst/>
+            </a:pPr>
+            <a:endParaRPr kumimoji="0" lang="en-CA" sz="2000" b="1" i="0" u="none" strike="noStrike" cap="none" normalizeH="0" baseline="0">
+              <a:ln>
+                <a:noFill/>
+              </a:ln>
+              <a:solidFill>
+                <a:schemeClr val="tx1"/>
+              </a:solidFill>
+              <a:effectLst/>
+              <a:latin typeface="Arial" charset="0"/>
+            </a:endParaRPr>
+          </a:p>
+        </p:txBody>
+      </p:sp>
+      <p:pic>
+        <p:nvPicPr>
+          <p:cNvPr id="46" name="Picture 45"/>
+          <p:cNvPicPr>
+            <a:picLocks noChangeAspect="1"/>
+          </p:cNvPicPr>
+          <p:nvPr/>
+        </p:nvPicPr>
+        <p:blipFill>
+          <a:blip r:embed="rId8"/>
+          <a:stretch>
+            <a:fillRect/>
+          </a:stretch>
+        </p:blipFill>
+        <p:spPr>
+          <a:xfrm>
+            <a:off x="2143068" y="3415257"/>
+            <a:ext cx="354135" cy="381080"/>
+          </a:xfrm>
+          <a:prstGeom prst="rect">
+            <a:avLst/>
+          </a:prstGeom>
+        </p:spPr>
+      </p:pic>
+      <p:pic>
+        <p:nvPicPr>
+          <p:cNvPr id="110" name="Picture 109"/>
+          <p:cNvPicPr>
+            <a:picLocks noChangeAspect="1"/>
+          </p:cNvPicPr>
+          <p:nvPr/>
+        </p:nvPicPr>
+        <p:blipFill>
+          <a:blip r:embed="rId8"/>
+          <a:stretch>
+            <a:fillRect/>
+          </a:stretch>
+        </p:blipFill>
+        <p:spPr>
+          <a:xfrm>
+            <a:off x="7357074" y="5627381"/>
+            <a:ext cx="354135" cy="381080"/>
+          </a:xfrm>
+          <a:prstGeom prst="rect">
+            <a:avLst/>
+          </a:prstGeom>
+        </p:spPr>
+      </p:pic>
+      <p:sp>
+        <p:nvSpPr>
+          <p:cNvPr id="47" name="TextBox 46"/>
+          <p:cNvSpPr txBox="1"/>
+          <p:nvPr/>
+        </p:nvSpPr>
+        <p:spPr>
+          <a:xfrm>
+            <a:off x="7662379" y="5664032"/>
+            <a:ext cx="1793633" cy="307777"/>
+          </a:xfrm>
+          <a:prstGeom prst="rect">
+            <a:avLst/>
+          </a:prstGeom>
+          <a:noFill/>
+        </p:spPr>
+        <p:txBody>
+          <a:bodyPr wrap="none" rtlCol="0">
+            <a:spAutoFit/>
+          </a:bodyPr>
+          <a:lstStyle/>
+          <a:p>
+            <a:r>
+              <a:rPr lang="en-CA" sz="1400" b="1">
+                <a:solidFill>
+                  <a:srgbClr val="000000"/>
+                </a:solidFill>
+              </a:rPr>
+              <a:t>Common Tools VM</a:t>
+            </a:r>
+          </a:p>
+        </p:txBody>
+      </p:sp>
+      <p:cxnSp>
+        <p:nvCxnSpPr>
+          <p:cNvPr id="114" name="Elbow Connector 113"/>
+          <p:cNvCxnSpPr>
+            <a:cxnSpLocks/>
+            <a:stCxn id="84" idx="0"/>
+            <a:endCxn id="57" idx="0"/>
+          </p:cNvCxnSpPr>
+          <p:nvPr/>
+        </p:nvCxnSpPr>
+        <p:spPr bwMode="auto">
+          <a:xfrm rot="5400000" flipH="1" flipV="1">
+            <a:off x="7078131" y="-215596"/>
+            <a:ext cx="481224" cy="4143682"/>
+          </a:xfrm>
+          <a:prstGeom prst="bentConnector3">
+            <a:avLst>
+              <a:gd name="adj1" fmla="val 147504"/>
+            </a:avLst>
+          </a:prstGeom>
+          <a:ln>
+            <a:headEnd type="none" w="med" len="med"/>
+            <a:tailEnd type="triangle"/>
+          </a:ln>
+        </p:spPr>
+        <p:style>
+          <a:lnRef idx="3">
+            <a:schemeClr val="accent5"/>
+          </a:lnRef>
+          <a:fillRef idx="0">
+            <a:schemeClr val="accent5"/>
+          </a:fillRef>
+          <a:effectRef idx="2">
+            <a:schemeClr val="accent5"/>
+          </a:effectRef>
+          <a:fontRef idx="minor">
+            <a:schemeClr val="tx1"/>
+          </a:fontRef>
+        </p:style>
+      </p:cxnSp>
+      <p:sp>
+        <p:nvSpPr>
+          <p:cNvPr id="6" name="Rectangle 5">
+            <a:extLst>
+              <a:ext uri="{FF2B5EF4-FFF2-40B4-BE49-F238E27FC236}">
+                <a16:creationId xmlns:a16="http://schemas.microsoft.com/office/drawing/2014/main" id="{BDAFD141-FDB7-49E3-A676-58A7E3209ED1}"/>
+              </a:ext>
+            </a:extLst>
+          </p:cNvPr>
+          <p:cNvSpPr/>
+          <p:nvPr/>
+        </p:nvSpPr>
+        <p:spPr bwMode="auto">
+          <a:xfrm>
+            <a:off x="3377781" y="3418257"/>
+            <a:ext cx="1132623" cy="398421"/>
+          </a:xfrm>
+          <a:prstGeom prst="rect">
+            <a:avLst/>
+          </a:prstGeom>
+          <a:noFill/>
+          <a:ln w="9525" cap="flat" cmpd="sng" algn="ctr">
+            <a:noFill/>
+            <a:prstDash val="solid"/>
+            <a:round/>
+            <a:headEnd type="none" w="med" len="med"/>
+            <a:tailEnd type="none" w="med" len="med"/>
+          </a:ln>
+          <a:effectLst/>
+        </p:spPr>
+        <p:txBody>
+          <a:bodyPr vert="horz" wrap="square" lIns="91440" tIns="45720" rIns="91440" bIns="45720" numCol="1" rtlCol="0" anchor="t" anchorCtr="0" compatLnSpc="1">
+            <a:prstTxWarp prst="textNoShape">
+              <a:avLst/>
+            </a:prstTxWarp>
+            <a:spAutoFit/>
+          </a:bodyPr>
+          <a:lstStyle/>
+          <a:p>
+            <a:pPr marL="342900" marR="0" indent="-342900" algn="l" defTabSz="914400" rtl="0" eaLnBrk="1" fontAlgn="base" latinLnBrk="0" hangingPunct="1">
+              <a:lnSpc>
+                <a:spcPct val="80000"/>
+              </a:lnSpc>
+              <a:spcBef>
+                <a:spcPct val="20000"/>
+              </a:spcBef>
+              <a:spcAft>
+                <a:spcPct val="0"/>
+              </a:spcAft>
+              <a:buClr>
+                <a:schemeClr val="hlink"/>
+              </a:buClr>
+              <a:buSzPct val="60000"/>
+              <a:buFont typeface="Arial Narrow" pitchFamily="34" charset="0"/>
+              <a:buNone/>
+              <a:tabLst/>
+            </a:pPr>
+            <a:endParaRPr kumimoji="0" lang="en-US" sz="2000" b="1" i="0" u="none" strike="noStrike" cap="none" normalizeH="0" baseline="0">
+              <a:ln>
+                <a:noFill/>
+              </a:ln>
+              <a:solidFill>
+                <a:schemeClr val="tx1"/>
+              </a:solidFill>
+              <a:effectLst/>
+              <a:latin typeface="Arial" charset="0"/>
+            </a:endParaRPr>
+          </a:p>
+        </p:txBody>
+      </p:sp>
+      <p:sp>
+        <p:nvSpPr>
+          <p:cNvPr id="7" name="Rectangle 6">
+            <a:extLst>
+              <a:ext uri="{FF2B5EF4-FFF2-40B4-BE49-F238E27FC236}">
+                <a16:creationId xmlns:a16="http://schemas.microsoft.com/office/drawing/2014/main" id="{C5AF59DF-9222-4206-9B1D-23D50F21E709}"/>
+              </a:ext>
+            </a:extLst>
+          </p:cNvPr>
+          <p:cNvSpPr/>
+          <p:nvPr/>
+        </p:nvSpPr>
+        <p:spPr bwMode="auto">
+          <a:xfrm>
+            <a:off x="2255138" y="2994215"/>
+            <a:ext cx="2528033" cy="424732"/>
+          </a:xfrm>
+          <a:prstGeom prst="rect">
+            <a:avLst/>
+          </a:prstGeom>
+          <a:ln>
+            <a:headEnd type="none" w="med" len="med"/>
+            <a:tailEnd type="none" w="med" len="med"/>
+          </a:ln>
+        </p:spPr>
+        <p:style>
+          <a:lnRef idx="2">
+            <a:schemeClr val="accent5"/>
+          </a:lnRef>
+          <a:fillRef idx="1">
+            <a:schemeClr val="lt1"/>
+          </a:fillRef>
+          <a:effectRef idx="0">
+            <a:schemeClr val="accent5"/>
+          </a:effectRef>
+          <a:fontRef idx="minor">
+            <a:schemeClr val="dk1"/>
+          </a:fontRef>
+        </p:style>
+        <p:txBody>
+          <a:bodyPr vert="horz" wrap="square" lIns="91440" tIns="45720" rIns="91440" bIns="45720" numCol="1" rtlCol="0" anchor="t" anchorCtr="0" compatLnSpc="1">
+            <a:prstTxWarp prst="textNoShape">
+              <a:avLst/>
+            </a:prstTxWarp>
+            <a:spAutoFit/>
+          </a:bodyPr>
+          <a:lstStyle/>
+          <a:p>
+            <a:pPr marL="342900" marR="0" indent="-342900" algn="ctr" defTabSz="914400" rtl="0" eaLnBrk="1" fontAlgn="base" latinLnBrk="0" hangingPunct="1">
+              <a:lnSpc>
+                <a:spcPct val="80000"/>
+              </a:lnSpc>
+              <a:spcBef>
+                <a:spcPct val="20000"/>
+              </a:spcBef>
+              <a:spcAft>
+                <a:spcPct val="0"/>
+              </a:spcAft>
+              <a:buClr>
+                <a:schemeClr val="hlink"/>
+              </a:buClr>
+              <a:buSzPct val="60000"/>
+              <a:buFont typeface="Arial Narrow" pitchFamily="34" charset="0"/>
+              <a:buNone/>
+              <a:tabLst/>
+            </a:pPr>
+            <a:r>
+              <a:rPr kumimoji="0" lang="en-US" sz="1200" b="1" i="0" u="none" strike="noStrike" cap="none" normalizeH="0" baseline="0">
+                <a:ln>
+                  <a:noFill/>
+                </a:ln>
+                <a:solidFill>
+                  <a:schemeClr val="tx1"/>
+                </a:solidFill>
+                <a:effectLst/>
+                <a:latin typeface="Arial" charset="0"/>
+              </a:rPr>
+              <a:t>cf-solace-messaging</a:t>
+            </a:r>
+          </a:p>
+          <a:p>
+            <a:pPr marL="342900" marR="0" indent="-342900" algn="ctr" defTabSz="914400" rtl="0" eaLnBrk="1" fontAlgn="base" latinLnBrk="0" hangingPunct="1">
+              <a:lnSpc>
+                <a:spcPct val="80000"/>
+              </a:lnSpc>
+              <a:spcBef>
+                <a:spcPct val="20000"/>
+              </a:spcBef>
+              <a:spcAft>
+                <a:spcPct val="0"/>
+              </a:spcAft>
+              <a:buClr>
+                <a:schemeClr val="hlink"/>
+              </a:buClr>
+              <a:buSzPct val="60000"/>
+              <a:buFont typeface="Arial Narrow" pitchFamily="34" charset="0"/>
+              <a:buNone/>
+              <a:tabLst/>
+            </a:pPr>
+            <a:r>
+              <a:rPr kumimoji="0" lang="en-US" sz="1200" b="1" i="0" u="none" strike="noStrike" cap="none" normalizeH="0" baseline="0">
+                <a:ln>
+                  <a:noFill/>
+                </a:ln>
+                <a:solidFill>
+                  <a:schemeClr val="tx1"/>
+                </a:solidFill>
+                <a:effectLst/>
+                <a:latin typeface="Arial" charset="0"/>
+              </a:rPr>
+              <a:t>deployment</a:t>
+            </a:r>
+            <a:r>
+              <a:rPr lang="en-US" sz="1200" b="1">
+                <a:solidFill>
+                  <a:schemeClr val="tx1"/>
+                </a:solidFill>
+                <a:latin typeface="Arial" charset="0"/>
+              </a:rPr>
+              <a:t> (submodule)</a:t>
+            </a:r>
+          </a:p>
+        </p:txBody>
+      </p:sp>
+      <p:cxnSp>
+        <p:nvCxnSpPr>
+          <p:cNvPr id="78" name="Straight Arrow Connector 77">
+            <a:extLst>
+              <a:ext uri="{FF2B5EF4-FFF2-40B4-BE49-F238E27FC236}">
+                <a16:creationId xmlns:a16="http://schemas.microsoft.com/office/drawing/2014/main" id="{04C51742-5012-41B3-BAEB-782C2904094A}"/>
+              </a:ext>
+            </a:extLst>
+          </p:cNvPr>
+          <p:cNvCxnSpPr>
+            <a:cxnSpLocks/>
+          </p:cNvCxnSpPr>
+          <p:nvPr/>
+        </p:nvCxnSpPr>
+        <p:spPr bwMode="auto">
+          <a:xfrm flipV="1">
+            <a:off x="5506650" y="3096288"/>
+            <a:ext cx="2703202" cy="77263"/>
+          </a:xfrm>
+          <a:prstGeom prst="straightConnector1">
+            <a:avLst/>
+          </a:prstGeom>
+          <a:ln>
+            <a:headEnd type="none" w="med" len="med"/>
+            <a:tailEnd type="triangle"/>
+          </a:ln>
+        </p:spPr>
+        <p:style>
+          <a:lnRef idx="3">
+            <a:schemeClr val="accent5"/>
+          </a:lnRef>
+          <a:fillRef idx="0">
+            <a:schemeClr val="accent5"/>
+          </a:fillRef>
+          <a:effectRef idx="2">
+            <a:schemeClr val="accent5"/>
+          </a:effectRef>
+          <a:fontRef idx="minor">
+            <a:schemeClr val="tx1"/>
+          </a:fontRef>
+        </p:style>
+      </p:cxnSp>
+      <p:sp>
+        <p:nvSpPr>
+          <p:cNvPr id="26" name="Rectangle 25">
+            <a:extLst>
+              <a:ext uri="{FF2B5EF4-FFF2-40B4-BE49-F238E27FC236}">
+                <a16:creationId xmlns:a16="http://schemas.microsoft.com/office/drawing/2014/main" id="{E81ADFC3-9692-4D3F-AE3B-EBE879532513}"/>
+              </a:ext>
+            </a:extLst>
+          </p:cNvPr>
+          <p:cNvSpPr/>
+          <p:nvPr/>
+        </p:nvSpPr>
+        <p:spPr bwMode="auto">
+          <a:xfrm>
+            <a:off x="8280508" y="2012731"/>
+            <a:ext cx="1412296" cy="1436204"/>
+          </a:xfrm>
+          <a:prstGeom prst="rect">
+            <a:avLst/>
+          </a:prstGeom>
+          <a:noFill/>
+          <a:ln>
+            <a:headEnd type="none" w="med" len="med"/>
+            <a:tailEnd type="none" w="med" len="med"/>
+          </a:ln>
+        </p:spPr>
+        <p:style>
+          <a:lnRef idx="2">
+            <a:schemeClr val="dk1"/>
+          </a:lnRef>
+          <a:fillRef idx="1">
+            <a:schemeClr val="lt1"/>
+          </a:fillRef>
+          <a:effectRef idx="0">
+            <a:schemeClr val="dk1"/>
+          </a:effectRef>
+          <a:fontRef idx="minor">
+            <a:schemeClr val="dk1"/>
+          </a:fontRef>
+        </p:style>
+        <p:txBody>
+          <a:bodyPr vert="horz" wrap="square" lIns="91440" tIns="45720" rIns="91440" bIns="45720" numCol="1" rtlCol="0" anchor="t" anchorCtr="0" compatLnSpc="1">
+            <a:prstTxWarp prst="textNoShape">
+              <a:avLst/>
+            </a:prstTxWarp>
+            <a:spAutoFit/>
+          </a:bodyPr>
+          <a:lstStyle/>
+          <a:p>
+            <a:pPr marL="342900" marR="0" indent="-342900" algn="l" defTabSz="914400" rtl="0" eaLnBrk="1" fontAlgn="base" latinLnBrk="0" hangingPunct="1">
+              <a:lnSpc>
+                <a:spcPct val="80000"/>
+              </a:lnSpc>
+              <a:spcBef>
+                <a:spcPct val="20000"/>
+              </a:spcBef>
+              <a:spcAft>
+                <a:spcPct val="0"/>
+              </a:spcAft>
+              <a:buClr>
+                <a:schemeClr val="hlink"/>
+              </a:buClr>
+              <a:buSzPct val="60000"/>
+              <a:buFont typeface="Arial Narrow" pitchFamily="34" charset="0"/>
+              <a:buNone/>
+              <a:tabLst/>
+            </a:pPr>
+            <a:endParaRPr kumimoji="0" lang="en-US" sz="2000" b="1" i="0" u="none" strike="noStrike" cap="none" normalizeH="0" baseline="0">
+              <a:ln>
+                <a:noFill/>
+              </a:ln>
+              <a:solidFill>
+                <a:schemeClr val="tx1"/>
+              </a:solidFill>
+              <a:effectLst/>
+              <a:latin typeface="Arial" charset="0"/>
+            </a:endParaRPr>
+          </a:p>
+        </p:txBody>
+      </p:sp>
+      <p:sp>
+        <p:nvSpPr>
+          <p:cNvPr id="30" name="TextBox 29">
+            <a:extLst>
+              <a:ext uri="{FF2B5EF4-FFF2-40B4-BE49-F238E27FC236}">
+                <a16:creationId xmlns:a16="http://schemas.microsoft.com/office/drawing/2014/main" id="{245943FF-E6BA-4C83-9FBA-BE6E1E1D021E}"/>
+              </a:ext>
+            </a:extLst>
+          </p:cNvPr>
+          <p:cNvSpPr txBox="1"/>
+          <p:nvPr/>
+        </p:nvSpPr>
+        <p:spPr>
+          <a:xfrm>
+            <a:off x="8278901" y="1969030"/>
+            <a:ext cx="1925015" cy="369332"/>
+          </a:xfrm>
+          <a:prstGeom prst="rect">
+            <a:avLst/>
+          </a:prstGeom>
+          <a:noFill/>
+        </p:spPr>
+        <p:txBody>
+          <a:bodyPr wrap="square" rtlCol="0">
+            <a:spAutoFit/>
+          </a:bodyPr>
+          <a:lstStyle/>
+          <a:p>
+            <a:r>
+              <a:rPr lang="en-US" sz="1400"/>
+              <a:t>CF</a:t>
+            </a:r>
+            <a:r>
+              <a:rPr lang="en-US"/>
+              <a:t> </a:t>
+            </a:r>
+            <a:r>
+              <a:rPr lang="en-US" sz="1400"/>
+              <a:t>Deployment</a:t>
+            </a:r>
+          </a:p>
+        </p:txBody>
+      </p:sp>
+      <p:sp>
+        <p:nvSpPr>
+          <p:cNvPr id="32" name="Rectangle 31">
+            <a:extLst>
+              <a:ext uri="{FF2B5EF4-FFF2-40B4-BE49-F238E27FC236}">
+                <a16:creationId xmlns:a16="http://schemas.microsoft.com/office/drawing/2014/main" id="{99BCCEF6-67AA-4E19-8A72-355029309405}"/>
+              </a:ext>
+            </a:extLst>
+          </p:cNvPr>
+          <p:cNvSpPr/>
+          <p:nvPr/>
+        </p:nvSpPr>
+        <p:spPr bwMode="auto">
+          <a:xfrm>
+            <a:off x="7289600" y="2488778"/>
+            <a:ext cx="856393" cy="264688"/>
+          </a:xfrm>
+          <a:prstGeom prst="rect">
+            <a:avLst/>
+          </a:prstGeom>
+          <a:solidFill>
+            <a:schemeClr val="bg1"/>
+          </a:solidFill>
+          <a:ln>
+            <a:solidFill>
+              <a:schemeClr val="accent1">
+                <a:lumMod val="60000"/>
+                <a:lumOff val="40000"/>
+              </a:schemeClr>
+            </a:solidFill>
+            <a:headEnd type="none" w="med" len="med"/>
+            <a:tailEnd type="none" w="med" len="med"/>
+          </a:ln>
+        </p:spPr>
+        <p:style>
+          <a:lnRef idx="2">
+            <a:schemeClr val="accent4"/>
+          </a:lnRef>
+          <a:fillRef idx="1">
+            <a:schemeClr val="lt1"/>
+          </a:fillRef>
+          <a:effectRef idx="0">
+            <a:schemeClr val="accent4"/>
+          </a:effectRef>
+          <a:fontRef idx="minor">
+            <a:schemeClr val="dk1"/>
+          </a:fontRef>
+        </p:style>
+        <p:txBody>
+          <a:bodyPr vert="horz" wrap="square" lIns="91440" tIns="45720" rIns="91440" bIns="45720" numCol="1" rtlCol="0" anchor="t" anchorCtr="0" compatLnSpc="1">
+            <a:prstTxWarp prst="textNoShape">
+              <a:avLst/>
+            </a:prstTxWarp>
+            <a:spAutoFit/>
+          </a:bodyPr>
+          <a:lstStyle/>
+          <a:p>
+            <a:pPr marL="342900" marR="0" indent="-342900" algn="l" defTabSz="914400" rtl="0" eaLnBrk="1" fontAlgn="base" latinLnBrk="0" hangingPunct="1">
+              <a:lnSpc>
+                <a:spcPct val="80000"/>
+              </a:lnSpc>
+              <a:spcBef>
+                <a:spcPct val="20000"/>
+              </a:spcBef>
+              <a:spcAft>
+                <a:spcPct val="0"/>
+              </a:spcAft>
+              <a:buClr>
+                <a:schemeClr val="hlink"/>
+              </a:buClr>
+              <a:buSzPct val="60000"/>
+              <a:buFont typeface="Arial Narrow" pitchFamily="34" charset="0"/>
+              <a:buNone/>
+              <a:tabLst/>
+            </a:pPr>
+            <a:r>
+              <a:rPr kumimoji="0" lang="en-US" sz="1300" b="1" i="0" u="none" strike="noStrike" cap="none" normalizeH="0" baseline="0">
+                <a:ln>
+                  <a:noFill/>
+                </a:ln>
+                <a:solidFill>
+                  <a:schemeClr val="tx1"/>
+                </a:solidFill>
+                <a:effectLst/>
+                <a:latin typeface="Arial" charset="0"/>
+              </a:rPr>
+              <a:t>p-</a:t>
+            </a:r>
+            <a:r>
+              <a:rPr kumimoji="0" lang="en-US" sz="1300" b="1" i="0" u="none" strike="noStrike" cap="none" normalizeH="0" baseline="0" err="1">
+                <a:ln>
+                  <a:noFill/>
+                </a:ln>
+                <a:solidFill>
+                  <a:schemeClr val="tx1"/>
+                </a:solidFill>
+                <a:effectLst/>
+                <a:latin typeface="Arial" charset="0"/>
+              </a:rPr>
+              <a:t>mysql</a:t>
+            </a:r>
+            <a:r>
+              <a:rPr kumimoji="0" lang="en-US" sz="1400" b="1" i="0" u="none" strike="noStrike" cap="none" normalizeH="0" baseline="0">
+                <a:ln>
+                  <a:noFill/>
+                </a:ln>
+                <a:solidFill>
+                  <a:schemeClr val="tx1"/>
+                </a:solidFill>
+                <a:effectLst/>
+                <a:latin typeface="Arial" charset="0"/>
+              </a:rPr>
+              <a:t> </a:t>
+            </a:r>
+          </a:p>
+        </p:txBody>
+      </p:sp>
+      <p:cxnSp>
+        <p:nvCxnSpPr>
+          <p:cNvPr id="101" name="Straight Arrow Connector 100">
+            <a:extLst>
+              <a:ext uri="{FF2B5EF4-FFF2-40B4-BE49-F238E27FC236}">
+                <a16:creationId xmlns:a16="http://schemas.microsoft.com/office/drawing/2014/main" id="{8890B327-3A85-48B5-ABAF-F9253535BCB6}"/>
+              </a:ext>
+            </a:extLst>
+          </p:cNvPr>
+          <p:cNvCxnSpPr>
+            <a:cxnSpLocks/>
+          </p:cNvCxnSpPr>
+          <p:nvPr/>
+        </p:nvCxnSpPr>
+        <p:spPr bwMode="auto">
+          <a:xfrm flipV="1">
+            <a:off x="5479650" y="2730833"/>
+            <a:ext cx="1752277" cy="300165"/>
+          </a:xfrm>
+          <a:prstGeom prst="straightConnector1">
+            <a:avLst/>
+          </a:prstGeom>
+          <a:ln>
+            <a:headEnd type="none" w="med" len="med"/>
+            <a:tailEnd type="triangle"/>
+          </a:ln>
+        </p:spPr>
+        <p:style>
+          <a:lnRef idx="3">
+            <a:schemeClr val="accent5"/>
+          </a:lnRef>
+          <a:fillRef idx="0">
+            <a:schemeClr val="accent5"/>
+          </a:fillRef>
+          <a:effectRef idx="2">
+            <a:schemeClr val="accent5"/>
+          </a:effectRef>
+          <a:fontRef idx="minor">
+            <a:schemeClr val="tx1"/>
+          </a:fontRef>
+        </p:style>
+      </p:cxnSp>
+    </p:spTree>
+    <p:extLst>
+      <p:ext uri="{BB962C8B-B14F-4D97-AF65-F5344CB8AC3E}">
+        <p14:creationId xmlns:p14="http://schemas.microsoft.com/office/powerpoint/2010/main" val="2125769982"/>
+      </p:ext>
+    </p:extLst>
+  </p:cSld>
+  <p:clrMapOvr>
+    <a:masterClrMapping/>
+  </p:clrMapOvr>
+</p:sld>
+</file>
+
+<file path=ppt/slides/slide3.xml><?xml version="1.0" encoding="utf-8"?>
+<p:sld xmlns:a="http://schemas.openxmlformats.org/drawingml/2006/main" xmlns:r="http://schemas.openxmlformats.org/officeDocument/2006/relationships" xmlns:p="http://schemas.openxmlformats.org/presentationml/2006/main">
+  <p:cSld>
+    <p:spTree>
+      <p:nvGrpSpPr>
+        <p:cNvPr id="1" name=""/>
+        <p:cNvGrpSpPr/>
+        <p:nvPr/>
+      </p:nvGrpSpPr>
+      <p:grpSpPr>
+        <a:xfrm>
+          <a:off x="0" y="0"/>
+          <a:ext cx="0" cy="0"/>
+          <a:chOff x="0" y="0"/>
+          <a:chExt cx="0" cy="0"/>
+        </a:xfrm>
+      </p:grpSpPr>
+      <p:cxnSp>
+        <p:nvCxnSpPr>
+          <p:cNvPr id="71" name="Straight Arrow Connector 70"/>
+          <p:cNvCxnSpPr/>
+          <p:nvPr/>
+        </p:nvCxnSpPr>
+        <p:spPr bwMode="auto">
+          <a:xfrm>
+            <a:off x="5093717" y="3762663"/>
+            <a:ext cx="1827470" cy="517100"/>
+          </a:xfrm>
+          <a:prstGeom prst="straightConnector1">
+            <a:avLst/>
+          </a:prstGeom>
+          <a:ln>
+            <a:headEnd type="none" w="med" len="med"/>
+            <a:tailEnd type="triangle"/>
+          </a:ln>
+        </p:spPr>
+        <p:style>
+          <a:lnRef idx="3">
+            <a:schemeClr val="accent5"/>
+          </a:lnRef>
+          <a:fillRef idx="0">
+            <a:schemeClr val="accent5"/>
+          </a:fillRef>
+          <a:effectRef idx="2">
+            <a:schemeClr val="accent5"/>
+          </a:effectRef>
+          <a:fontRef idx="minor">
+            <a:schemeClr val="tx1"/>
+          </a:fontRef>
+        </p:style>
+      </p:cxnSp>
+      <p:sp>
+        <p:nvSpPr>
+          <p:cNvPr id="75" name="Rectangle 74"/>
+          <p:cNvSpPr/>
+          <p:nvPr/>
+        </p:nvSpPr>
+        <p:spPr bwMode="auto">
+          <a:xfrm>
+            <a:off x="7018211" y="4252112"/>
+            <a:ext cx="2126827" cy="1841039"/>
+          </a:xfrm>
+          <a:prstGeom prst="rect">
+            <a:avLst/>
+          </a:prstGeom>
+          <a:solidFill>
+            <a:schemeClr val="accent1">
+              <a:lumMod val="20000"/>
+              <a:lumOff val="80000"/>
+            </a:schemeClr>
+          </a:solidFill>
+          <a:ln>
+            <a:headEnd type="none" w="med" len="med"/>
+            <a:tailEnd type="none" w="med" len="med"/>
+          </a:ln>
+        </p:spPr>
+        <p:style>
+          <a:lnRef idx="1">
+            <a:schemeClr val="accent1"/>
+          </a:lnRef>
+          <a:fillRef idx="2">
+            <a:schemeClr val="accent1"/>
+          </a:fillRef>
+          <a:effectRef idx="1">
+            <a:schemeClr val="accent1"/>
+          </a:effectRef>
+          <a:fontRef idx="minor">
+            <a:schemeClr val="dk1"/>
+          </a:fontRef>
+        </p:style>
+        <p:txBody>
+          <a:bodyPr vert="horz" wrap="square" lIns="91440" tIns="45720" rIns="91440" bIns="45720" numCol="1" rtlCol="0" anchor="b" anchorCtr="0" compatLnSpc="1">
+            <a:prstTxWarp prst="textNoShape">
+              <a:avLst/>
+            </a:prstTxWarp>
+            <a:noAutofit/>
+          </a:bodyPr>
+          <a:lstStyle/>
+          <a:p>
+            <a:pPr marL="342900" indent="-342900" algn="ctr" defTabSz="914400" fontAlgn="base">
+              <a:lnSpc>
+                <a:spcPct val="80000"/>
+              </a:lnSpc>
+              <a:spcBef>
+                <a:spcPct val="20000"/>
+              </a:spcBef>
+              <a:spcAft>
+                <a:spcPct val="0"/>
+              </a:spcAft>
+              <a:buClr>
+                <a:srgbClr val="5BBDF9"/>
+              </a:buClr>
+              <a:buSzPct val="60000"/>
+              <a:buFont typeface="Arial Narrow" pitchFamily="34" charset="0"/>
+              <a:buNone/>
+            </a:pPr>
+            <a:endParaRPr lang="en-CA" dirty="0">
+              <a:solidFill>
+                <a:srgbClr val="000000"/>
+              </a:solidFill>
+            </a:endParaRPr>
+          </a:p>
+        </p:txBody>
+      </p:sp>
+      <p:sp>
+        <p:nvSpPr>
+          <p:cNvPr id="86" name="Rectangle 85"/>
+          <p:cNvSpPr/>
+          <p:nvPr/>
+        </p:nvSpPr>
+        <p:spPr bwMode="auto">
+          <a:xfrm>
+            <a:off x="7014502" y="1715525"/>
+            <a:ext cx="2147554" cy="2012448"/>
+          </a:xfrm>
+          <a:prstGeom prst="rect">
+            <a:avLst/>
+          </a:prstGeom>
+          <a:solidFill>
+            <a:schemeClr val="accent1">
+              <a:lumMod val="20000"/>
+              <a:lumOff val="80000"/>
+            </a:schemeClr>
+          </a:solidFill>
+          <a:ln>
+            <a:headEnd type="none" w="med" len="med"/>
+            <a:tailEnd type="none" w="med" len="med"/>
+          </a:ln>
+        </p:spPr>
+        <p:style>
+          <a:lnRef idx="1">
+            <a:schemeClr val="accent1"/>
+          </a:lnRef>
+          <a:fillRef idx="2">
+            <a:schemeClr val="accent1"/>
+          </a:fillRef>
+          <a:effectRef idx="1">
+            <a:schemeClr val="accent1"/>
+          </a:effectRef>
+          <a:fontRef idx="minor">
+            <a:schemeClr val="dk1"/>
+          </a:fontRef>
+        </p:style>
+        <p:txBody>
+          <a:bodyPr vert="horz" wrap="square" lIns="91440" tIns="45720" rIns="91440" bIns="45720" numCol="1" rtlCol="0" anchor="t" anchorCtr="0" compatLnSpc="1">
+            <a:prstTxWarp prst="textNoShape">
+              <a:avLst/>
+            </a:prstTxWarp>
+            <a:noAutofit/>
+          </a:bodyPr>
+          <a:lstStyle/>
+          <a:p>
+            <a:pPr marL="342900" indent="-342900" algn="ctr" defTabSz="914400" fontAlgn="base">
+              <a:lnSpc>
+                <a:spcPct val="80000"/>
+              </a:lnSpc>
+              <a:spcBef>
+                <a:spcPct val="20000"/>
+              </a:spcBef>
+              <a:spcAft>
+                <a:spcPct val="0"/>
+              </a:spcAft>
+              <a:buClr>
+                <a:srgbClr val="5BBDF9"/>
+              </a:buClr>
+              <a:buSzPct val="60000"/>
+              <a:buFont typeface="Arial Narrow" pitchFamily="34" charset="0"/>
+              <a:buNone/>
+            </a:pPr>
+            <a:r>
+              <a:rPr lang="en-CA" sz="2000" b="1" dirty="0" err="1">
+                <a:solidFill>
+                  <a:srgbClr val="000000"/>
+                </a:solidFill>
+              </a:rPr>
+              <a:t>PCFDev</a:t>
+            </a:r>
+            <a:r>
+              <a:rPr lang="en-CA" sz="2000" b="1" dirty="0">
+                <a:solidFill>
+                  <a:srgbClr val="000000"/>
+                </a:solidFill>
+              </a:rPr>
+              <a:t> VM</a:t>
+            </a:r>
+          </a:p>
+        </p:txBody>
+      </p:sp>
+      <p:cxnSp>
+        <p:nvCxnSpPr>
+          <p:cNvPr id="103" name="Straight Arrow Connector 102"/>
+          <p:cNvCxnSpPr/>
+          <p:nvPr/>
+        </p:nvCxnSpPr>
+        <p:spPr bwMode="auto">
+          <a:xfrm>
+            <a:off x="10925521" y="2639452"/>
+            <a:ext cx="914400" cy="914400"/>
+          </a:xfrm>
+          <a:prstGeom prst="straightConnector1">
+            <a:avLst/>
+          </a:prstGeom>
+          <a:noFill/>
+          <a:ln w="9525" cap="flat" cmpd="sng" algn="ctr">
+            <a:noFill/>
+            <a:prstDash val="solid"/>
+            <a:round/>
+            <a:headEnd type="none" w="med" len="med"/>
+            <a:tailEnd type="arrow"/>
+          </a:ln>
+          <a:effectLst/>
+        </p:spPr>
+      </p:cxnSp>
+      <p:sp>
+        <p:nvSpPr>
+          <p:cNvPr id="57" name="Rectangle 56"/>
+          <p:cNvSpPr/>
+          <p:nvPr/>
+        </p:nvSpPr>
+        <p:spPr bwMode="auto">
+          <a:xfrm>
+            <a:off x="9531934" y="1704188"/>
+            <a:ext cx="1999124" cy="2023785"/>
+          </a:xfrm>
+          <a:prstGeom prst="rect">
+            <a:avLst/>
+          </a:prstGeom>
+          <a:solidFill>
+            <a:schemeClr val="accent1">
+              <a:lumMod val="20000"/>
+              <a:lumOff val="80000"/>
+            </a:schemeClr>
+          </a:solidFill>
+          <a:ln>
+            <a:headEnd type="none" w="med" len="med"/>
+            <a:tailEnd type="none" w="med" len="med"/>
+          </a:ln>
+        </p:spPr>
+        <p:style>
+          <a:lnRef idx="1">
+            <a:schemeClr val="accent1"/>
+          </a:lnRef>
+          <a:fillRef idx="2">
+            <a:schemeClr val="accent1"/>
+          </a:fillRef>
+          <a:effectRef idx="1">
+            <a:schemeClr val="accent1"/>
+          </a:effectRef>
+          <a:fontRef idx="minor">
+            <a:schemeClr val="dk1"/>
+          </a:fontRef>
+        </p:style>
+        <p:txBody>
+          <a:bodyPr vert="horz" wrap="square" lIns="91440" tIns="45720" rIns="91440" bIns="45720" numCol="1" rtlCol="0" anchor="t" anchorCtr="0" compatLnSpc="1">
+            <a:prstTxWarp prst="textNoShape">
+              <a:avLst/>
+            </a:prstTxWarp>
+            <a:noAutofit/>
+          </a:bodyPr>
+          <a:lstStyle/>
+          <a:p>
+            <a:pPr marL="342900" indent="-342900" algn="ctr" defTabSz="914400" fontAlgn="base">
+              <a:lnSpc>
+                <a:spcPct val="80000"/>
+              </a:lnSpc>
+              <a:spcBef>
+                <a:spcPct val="20000"/>
+              </a:spcBef>
+              <a:spcAft>
+                <a:spcPct val="0"/>
+              </a:spcAft>
+              <a:buClr>
+                <a:srgbClr val="5BBDF9"/>
+              </a:buClr>
+              <a:buSzPct val="60000"/>
+              <a:buFont typeface="Arial Narrow" pitchFamily="34" charset="0"/>
+              <a:buNone/>
+            </a:pPr>
+            <a:r>
+              <a:rPr lang="en-CA" sz="2000" b="1" dirty="0">
+                <a:solidFill>
+                  <a:srgbClr val="000000"/>
+                </a:solidFill>
+              </a:rPr>
+              <a:t>BOSH Lite VM</a:t>
+            </a:r>
+          </a:p>
+        </p:txBody>
+      </p:sp>
+      <p:pic>
+        <p:nvPicPr>
+          <p:cNvPr id="21" name="Picture 20"/>
+          <p:cNvPicPr>
+            <a:picLocks noChangeAspect="1"/>
+          </p:cNvPicPr>
+          <p:nvPr/>
+        </p:nvPicPr>
+        <p:blipFill>
+          <a:blip r:embed="rId3"/>
+          <a:stretch>
+            <a:fillRect/>
+          </a:stretch>
+        </p:blipFill>
+        <p:spPr>
+          <a:xfrm>
+            <a:off x="322698" y="3273741"/>
+            <a:ext cx="983480" cy="1446293"/>
+          </a:xfrm>
+          <a:prstGeom prst="rect">
+            <a:avLst/>
+          </a:prstGeom>
+        </p:spPr>
+      </p:pic>
+      <p:grpSp>
+        <p:nvGrpSpPr>
+          <p:cNvPr id="10" name="Group 9"/>
+          <p:cNvGrpSpPr/>
+          <p:nvPr/>
+        </p:nvGrpSpPr>
+        <p:grpSpPr>
+          <a:xfrm>
+            <a:off x="2146845" y="3139317"/>
+            <a:ext cx="2577993" cy="982329"/>
+            <a:chOff x="1415068" y="2667764"/>
+            <a:chExt cx="2577993" cy="982329"/>
+          </a:xfrm>
+        </p:grpSpPr>
+        <p:sp>
+          <p:nvSpPr>
+            <p:cNvPr id="9" name="Rectangle 8"/>
+            <p:cNvSpPr/>
+            <p:nvPr/>
+          </p:nvSpPr>
+          <p:spPr bwMode="auto">
+            <a:xfrm>
+              <a:off x="1415068" y="2667764"/>
+              <a:ext cx="2513344" cy="982329"/>
+            </a:xfrm>
+            <a:prstGeom prst="rect">
+              <a:avLst/>
+            </a:prstGeom>
+            <a:ln>
+              <a:headEnd type="none" w="med" len="med"/>
+              <a:tailEnd type="none" w="med" len="med"/>
+            </a:ln>
+          </p:spPr>
+          <p:style>
+            <a:lnRef idx="1">
+              <a:schemeClr val="accent3"/>
+            </a:lnRef>
+            <a:fillRef idx="3">
+              <a:schemeClr val="accent3"/>
+            </a:fillRef>
+            <a:effectRef idx="2">
+              <a:schemeClr val="accent3"/>
+            </a:effectRef>
+            <a:fontRef idx="minor">
+              <a:schemeClr val="lt1"/>
+            </a:fontRef>
+          </p:style>
+          <p:txBody>
+            <a:bodyPr vert="horz" wrap="square" lIns="91440" tIns="45720" rIns="91440" bIns="45720" numCol="1" rtlCol="0" anchor="t" anchorCtr="0" compatLnSpc="1">
+              <a:prstTxWarp prst="textNoShape">
+                <a:avLst/>
+              </a:prstTxWarp>
+              <a:noAutofit/>
+            </a:bodyPr>
+            <a:lstStyle/>
+            <a:p>
+              <a:pPr marL="342900" marR="0" indent="-342900" algn="l" defTabSz="914400" rtl="0" eaLnBrk="1" fontAlgn="base" latinLnBrk="0" hangingPunct="1">
+                <a:lnSpc>
+                  <a:spcPct val="80000"/>
+                </a:lnSpc>
+                <a:spcBef>
+                  <a:spcPct val="20000"/>
+                </a:spcBef>
+                <a:spcAft>
+                  <a:spcPct val="0"/>
+                </a:spcAft>
+                <a:buClr>
+                  <a:schemeClr val="hlink"/>
+                </a:buClr>
+                <a:buSzPct val="60000"/>
+                <a:buFont typeface="Arial Narrow" pitchFamily="34" charset="0"/>
+                <a:buNone/>
+                <a:tabLst/>
+              </a:pPr>
+              <a:endParaRPr kumimoji="0" lang="en-CA" sz="2000" b="1" i="0" u="none" strike="noStrike" cap="none" normalizeH="0" baseline="0">
+                <a:ln>
+                  <a:noFill/>
+                </a:ln>
+                <a:solidFill>
+                  <a:schemeClr val="tx1"/>
+                </a:solidFill>
+                <a:effectLst/>
+                <a:latin typeface="Arial" charset="0"/>
+              </a:endParaRPr>
+            </a:p>
+          </p:txBody>
+        </p:sp>
+        <p:pic>
+          <p:nvPicPr>
+            <p:cNvPr id="58" name="Picture 57"/>
+            <p:cNvPicPr>
+              <a:picLocks noChangeAspect="1"/>
+            </p:cNvPicPr>
+            <p:nvPr/>
+          </p:nvPicPr>
+          <p:blipFill>
+            <a:blip r:embed="rId4"/>
+            <a:stretch>
+              <a:fillRect/>
+            </a:stretch>
+          </p:blipFill>
+          <p:spPr>
+            <a:xfrm>
+              <a:off x="1971645" y="3105231"/>
+              <a:ext cx="1227927" cy="466612"/>
+            </a:xfrm>
+            <a:prstGeom prst="rect">
+              <a:avLst/>
+            </a:prstGeom>
+          </p:spPr>
+        </p:pic>
+        <p:sp>
+          <p:nvSpPr>
+            <p:cNvPr id="63" name="TextBox 62"/>
+            <p:cNvSpPr txBox="1"/>
+            <p:nvPr/>
+          </p:nvSpPr>
+          <p:spPr>
+            <a:xfrm>
+              <a:off x="1729920" y="2754858"/>
+              <a:ext cx="2263141" cy="307777"/>
+            </a:xfrm>
+            <a:prstGeom prst="rect">
+              <a:avLst/>
+            </a:prstGeom>
+            <a:noFill/>
+          </p:spPr>
+          <p:txBody>
+            <a:bodyPr wrap="square" rtlCol="0">
+              <a:spAutoFit/>
+            </a:bodyPr>
+            <a:lstStyle/>
+            <a:p>
+              <a:pPr algn="ctr"/>
+              <a:r>
+                <a:rPr lang="en-CA" sz="1400" dirty="0"/>
+                <a:t>Solace-messaging-</a:t>
+              </a:r>
+              <a:r>
+                <a:rPr lang="en-CA" sz="1400" dirty="0" err="1"/>
+                <a:t>cf</a:t>
+              </a:r>
+              <a:r>
+                <a:rPr lang="en-CA" sz="1400" dirty="0"/>
+                <a:t>-dev</a:t>
+              </a:r>
+            </a:p>
+          </p:txBody>
+        </p:sp>
+      </p:grpSp>
+      <p:cxnSp>
+        <p:nvCxnSpPr>
+          <p:cNvPr id="66" name="Straight Arrow Connector 65"/>
+          <p:cNvCxnSpPr/>
+          <p:nvPr/>
+        </p:nvCxnSpPr>
+        <p:spPr bwMode="auto">
+          <a:xfrm flipV="1">
+            <a:off x="1222851" y="3418257"/>
+            <a:ext cx="816063" cy="429606"/>
+          </a:xfrm>
+          <a:prstGeom prst="straightConnector1">
+            <a:avLst/>
+          </a:prstGeom>
+          <a:ln>
+            <a:headEnd type="none" w="med" len="med"/>
+            <a:tailEnd type="triangle"/>
+          </a:ln>
+        </p:spPr>
+        <p:style>
+          <a:lnRef idx="3">
+            <a:schemeClr val="accent5"/>
+          </a:lnRef>
+          <a:fillRef idx="0">
+            <a:schemeClr val="accent5"/>
+          </a:fillRef>
+          <a:effectRef idx="2">
+            <a:schemeClr val="accent5"/>
+          </a:effectRef>
+          <a:fontRef idx="minor">
+            <a:schemeClr val="tx1"/>
+          </a:fontRef>
+        </p:style>
+      </p:cxnSp>
+      <p:cxnSp>
+        <p:nvCxnSpPr>
+          <p:cNvPr id="68" name="Straight Arrow Connector 67"/>
+          <p:cNvCxnSpPr>
+            <a:stCxn id="84" idx="1"/>
+          </p:cNvCxnSpPr>
+          <p:nvPr/>
+        </p:nvCxnSpPr>
+        <p:spPr bwMode="auto">
+          <a:xfrm>
+            <a:off x="5082047" y="2794638"/>
+            <a:ext cx="1854815" cy="11693"/>
+          </a:xfrm>
+          <a:prstGeom prst="straightConnector1">
+            <a:avLst/>
+          </a:prstGeom>
+          <a:ln>
+            <a:headEnd type="none" w="med" len="med"/>
+            <a:tailEnd type="triangle"/>
+          </a:ln>
+        </p:spPr>
+        <p:style>
+          <a:lnRef idx="3">
+            <a:schemeClr val="accent5"/>
+          </a:lnRef>
+          <a:fillRef idx="0">
+            <a:schemeClr val="accent5"/>
+          </a:fillRef>
+          <a:effectRef idx="2">
+            <a:schemeClr val="accent5"/>
+          </a:effectRef>
+          <a:fontRef idx="minor">
+            <a:schemeClr val="tx1"/>
+          </a:fontRef>
+        </p:style>
+      </p:cxnSp>
+      <p:grpSp>
+        <p:nvGrpSpPr>
+          <p:cNvPr id="82" name="Group 81"/>
+          <p:cNvGrpSpPr/>
+          <p:nvPr/>
+        </p:nvGrpSpPr>
+        <p:grpSpPr>
+          <a:xfrm>
+            <a:off x="4763723" y="2609972"/>
+            <a:ext cx="318324" cy="369332"/>
+            <a:chOff x="2790018" y="5072988"/>
+            <a:chExt cx="318324" cy="369332"/>
+          </a:xfrm>
+        </p:grpSpPr>
+        <p:sp>
+          <p:nvSpPr>
+            <p:cNvPr id="83" name="Oval 82"/>
+            <p:cNvSpPr/>
+            <p:nvPr/>
+          </p:nvSpPr>
+          <p:spPr bwMode="auto">
+            <a:xfrm>
+              <a:off x="2790018" y="5116682"/>
+              <a:ext cx="318324" cy="316259"/>
+            </a:xfrm>
+            <a:prstGeom prst="ellipse">
+              <a:avLst/>
+            </a:prstGeom>
+            <a:solidFill>
+              <a:schemeClr val="accent5">
+                <a:lumMod val="60000"/>
+                <a:lumOff val="40000"/>
+              </a:schemeClr>
+            </a:solidFill>
+            <a:ln>
+              <a:headEnd type="none" w="med" len="med"/>
+              <a:tailEnd type="none" w="med" len="med"/>
+            </a:ln>
+          </p:spPr>
+          <p:style>
+            <a:lnRef idx="0">
+              <a:schemeClr val="accent2"/>
+            </a:lnRef>
+            <a:fillRef idx="3">
+              <a:schemeClr val="accent2"/>
+            </a:fillRef>
+            <a:effectRef idx="3">
+              <a:schemeClr val="accent2"/>
+            </a:effectRef>
+            <a:fontRef idx="minor">
+              <a:schemeClr val="lt1"/>
+            </a:fontRef>
+          </p:style>
+          <p:txBody>
+            <a:bodyPr vert="horz" wrap="square" lIns="91440" tIns="45720" rIns="91440" bIns="45720" numCol="1" rtlCol="0" anchor="t" anchorCtr="0" compatLnSpc="1">
+              <a:prstTxWarp prst="textNoShape">
+                <a:avLst/>
+              </a:prstTxWarp>
+              <a:noAutofit/>
+            </a:bodyPr>
+            <a:lstStyle/>
+            <a:p>
+              <a:pPr marL="342900" marR="0" indent="-342900" algn="l" defTabSz="914400" rtl="0" eaLnBrk="1" fontAlgn="base" latinLnBrk="0" hangingPunct="1">
+                <a:lnSpc>
+                  <a:spcPct val="80000"/>
+                </a:lnSpc>
+                <a:spcBef>
+                  <a:spcPct val="20000"/>
+                </a:spcBef>
+                <a:spcAft>
+                  <a:spcPct val="0"/>
+                </a:spcAft>
+                <a:buClr>
+                  <a:schemeClr val="hlink"/>
+                </a:buClr>
+                <a:buSzPct val="60000"/>
+                <a:buFont typeface="Arial Narrow" pitchFamily="34" charset="0"/>
+                <a:buNone/>
+                <a:tabLst/>
+              </a:pPr>
+              <a:endParaRPr kumimoji="0" lang="en-CA" sz="2000" b="1" i="0" u="none" strike="noStrike" cap="none" normalizeH="0" baseline="0" dirty="0">
+                <a:ln>
+                  <a:noFill/>
+                </a:ln>
+                <a:solidFill>
+                  <a:schemeClr val="accent4">
+                    <a:lumMod val="95000"/>
+                    <a:lumOff val="5000"/>
+                  </a:schemeClr>
+                </a:solidFill>
+                <a:effectLst/>
+                <a:latin typeface="Arial" charset="0"/>
+              </a:endParaRPr>
+            </a:p>
+          </p:txBody>
+        </p:sp>
+        <p:sp>
+          <p:nvSpPr>
+            <p:cNvPr id="84" name="TextBox 83"/>
+            <p:cNvSpPr txBox="1"/>
+            <p:nvPr/>
+          </p:nvSpPr>
+          <p:spPr>
+            <a:xfrm flipH="1">
+              <a:off x="2792489" y="5072988"/>
+              <a:ext cx="315853" cy="369332"/>
+            </a:xfrm>
+            <a:prstGeom prst="rect">
+              <a:avLst/>
+            </a:prstGeom>
+            <a:noFill/>
+          </p:spPr>
+          <p:txBody>
+            <a:bodyPr wrap="square" rtlCol="0">
+              <a:spAutoFit/>
+            </a:bodyPr>
+            <a:lstStyle/>
+            <a:p>
+              <a:r>
+                <a:rPr lang="en-CA" dirty="0"/>
+                <a:t>2</a:t>
+              </a:r>
+            </a:p>
+          </p:txBody>
+        </p:sp>
+      </p:grpSp>
+      <p:grpSp>
+        <p:nvGrpSpPr>
+          <p:cNvPr id="53" name="Group 52"/>
+          <p:cNvGrpSpPr/>
+          <p:nvPr/>
+        </p:nvGrpSpPr>
+        <p:grpSpPr>
+          <a:xfrm>
+            <a:off x="4764399" y="3489924"/>
+            <a:ext cx="318324" cy="369332"/>
+            <a:chOff x="2790018" y="5072988"/>
+            <a:chExt cx="318324" cy="369332"/>
+          </a:xfrm>
+        </p:grpSpPr>
+        <p:sp>
+          <p:nvSpPr>
+            <p:cNvPr id="54" name="Oval 53"/>
+            <p:cNvSpPr/>
+            <p:nvPr/>
+          </p:nvSpPr>
+          <p:spPr bwMode="auto">
+            <a:xfrm>
+              <a:off x="2790018" y="5116682"/>
+              <a:ext cx="318324" cy="316259"/>
+            </a:xfrm>
+            <a:prstGeom prst="ellipse">
+              <a:avLst/>
+            </a:prstGeom>
+            <a:solidFill>
+              <a:schemeClr val="accent5">
+                <a:lumMod val="60000"/>
+                <a:lumOff val="40000"/>
+              </a:schemeClr>
+            </a:solidFill>
+            <a:ln>
+              <a:headEnd type="none" w="med" len="med"/>
+              <a:tailEnd type="none" w="med" len="med"/>
+            </a:ln>
+          </p:spPr>
+          <p:style>
+            <a:lnRef idx="0">
+              <a:schemeClr val="accent2"/>
+            </a:lnRef>
+            <a:fillRef idx="3">
+              <a:schemeClr val="accent2"/>
+            </a:fillRef>
+            <a:effectRef idx="3">
+              <a:schemeClr val="accent2"/>
+            </a:effectRef>
+            <a:fontRef idx="minor">
+              <a:schemeClr val="lt1"/>
+            </a:fontRef>
+          </p:style>
+          <p:txBody>
+            <a:bodyPr vert="horz" wrap="square" lIns="91440" tIns="45720" rIns="91440" bIns="45720" numCol="1" rtlCol="0" anchor="t" anchorCtr="0" compatLnSpc="1">
+              <a:prstTxWarp prst="textNoShape">
+                <a:avLst/>
+              </a:prstTxWarp>
+              <a:noAutofit/>
+            </a:bodyPr>
+            <a:lstStyle/>
+            <a:p>
+              <a:pPr marL="342900" marR="0" indent="-342900" algn="l" defTabSz="914400" rtl="0" eaLnBrk="1" fontAlgn="base" latinLnBrk="0" hangingPunct="1">
+                <a:lnSpc>
+                  <a:spcPct val="80000"/>
+                </a:lnSpc>
+                <a:spcBef>
+                  <a:spcPct val="20000"/>
+                </a:spcBef>
+                <a:spcAft>
+                  <a:spcPct val="0"/>
+                </a:spcAft>
+                <a:buClr>
+                  <a:schemeClr val="hlink"/>
+                </a:buClr>
+                <a:buSzPct val="60000"/>
+                <a:buFont typeface="Arial Narrow" pitchFamily="34" charset="0"/>
+                <a:buNone/>
+                <a:tabLst/>
+              </a:pPr>
+              <a:endParaRPr kumimoji="0" lang="en-CA" sz="2000" b="1" i="0" u="none" strike="noStrike" cap="none" normalizeH="0" baseline="0" dirty="0">
+                <a:ln>
+                  <a:noFill/>
+                </a:ln>
+                <a:solidFill>
+                  <a:schemeClr val="accent4">
+                    <a:lumMod val="95000"/>
+                    <a:lumOff val="5000"/>
+                  </a:schemeClr>
+                </a:solidFill>
+                <a:effectLst/>
+                <a:latin typeface="Arial" charset="0"/>
+              </a:endParaRPr>
+            </a:p>
+          </p:txBody>
+        </p:sp>
+        <p:sp>
+          <p:nvSpPr>
+            <p:cNvPr id="55" name="TextBox 54"/>
+            <p:cNvSpPr txBox="1"/>
+            <p:nvPr/>
+          </p:nvSpPr>
+          <p:spPr>
+            <a:xfrm flipH="1">
+              <a:off x="2792489" y="5072988"/>
+              <a:ext cx="315853" cy="369332"/>
+            </a:xfrm>
+            <a:prstGeom prst="rect">
+              <a:avLst/>
+            </a:prstGeom>
+            <a:noFill/>
+          </p:spPr>
+          <p:txBody>
+            <a:bodyPr wrap="square" rtlCol="0">
+              <a:spAutoFit/>
+            </a:bodyPr>
+            <a:lstStyle/>
+            <a:p>
+              <a:r>
+                <a:rPr lang="en-CA" dirty="0"/>
+                <a:t>1</a:t>
+              </a:r>
+            </a:p>
+          </p:txBody>
+        </p:sp>
+      </p:grpSp>
+      <p:grpSp>
+        <p:nvGrpSpPr>
+          <p:cNvPr id="56" name="Group 55"/>
+          <p:cNvGrpSpPr/>
+          <p:nvPr/>
+        </p:nvGrpSpPr>
+        <p:grpSpPr>
+          <a:xfrm>
+            <a:off x="4763723" y="2141775"/>
+            <a:ext cx="318324" cy="369332"/>
+            <a:chOff x="2790018" y="5072988"/>
+            <a:chExt cx="318324" cy="369332"/>
+          </a:xfrm>
+        </p:grpSpPr>
+        <p:sp>
+          <p:nvSpPr>
+            <p:cNvPr id="67" name="Oval 66"/>
+            <p:cNvSpPr/>
+            <p:nvPr/>
+          </p:nvSpPr>
+          <p:spPr bwMode="auto">
+            <a:xfrm>
+              <a:off x="2790018" y="5116682"/>
+              <a:ext cx="318324" cy="316259"/>
+            </a:xfrm>
+            <a:prstGeom prst="ellipse">
+              <a:avLst/>
+            </a:prstGeom>
+            <a:solidFill>
+              <a:schemeClr val="accent5">
+                <a:lumMod val="60000"/>
+                <a:lumOff val="40000"/>
+              </a:schemeClr>
+            </a:solidFill>
+            <a:ln>
+              <a:headEnd type="none" w="med" len="med"/>
+              <a:tailEnd type="none" w="med" len="med"/>
+            </a:ln>
+          </p:spPr>
+          <p:style>
+            <a:lnRef idx="0">
+              <a:schemeClr val="accent2"/>
+            </a:lnRef>
+            <a:fillRef idx="3">
+              <a:schemeClr val="accent2"/>
+            </a:fillRef>
+            <a:effectRef idx="3">
+              <a:schemeClr val="accent2"/>
+            </a:effectRef>
+            <a:fontRef idx="minor">
+              <a:schemeClr val="lt1"/>
+            </a:fontRef>
+          </p:style>
+          <p:txBody>
+            <a:bodyPr vert="horz" wrap="square" lIns="91440" tIns="45720" rIns="91440" bIns="45720" numCol="1" rtlCol="0" anchor="t" anchorCtr="0" compatLnSpc="1">
+              <a:prstTxWarp prst="textNoShape">
+                <a:avLst/>
+              </a:prstTxWarp>
+              <a:noAutofit/>
+            </a:bodyPr>
+            <a:lstStyle/>
+            <a:p>
+              <a:pPr marL="342900" marR="0" indent="-342900" algn="l" defTabSz="914400" rtl="0" eaLnBrk="1" fontAlgn="base" latinLnBrk="0" hangingPunct="1">
+                <a:lnSpc>
+                  <a:spcPct val="80000"/>
+                </a:lnSpc>
+                <a:spcBef>
+                  <a:spcPct val="20000"/>
+                </a:spcBef>
+                <a:spcAft>
+                  <a:spcPct val="0"/>
+                </a:spcAft>
+                <a:buClr>
+                  <a:schemeClr val="hlink"/>
+                </a:buClr>
+                <a:buSzPct val="60000"/>
+                <a:buFont typeface="Arial Narrow" pitchFamily="34" charset="0"/>
+                <a:buNone/>
+                <a:tabLst/>
+              </a:pPr>
+              <a:endParaRPr kumimoji="0" lang="en-CA" sz="2000" b="1" i="0" u="none" strike="noStrike" cap="none" normalizeH="0" baseline="0" dirty="0">
+                <a:ln>
+                  <a:noFill/>
+                </a:ln>
+                <a:solidFill>
+                  <a:schemeClr val="accent4">
+                    <a:lumMod val="95000"/>
+                    <a:lumOff val="5000"/>
+                  </a:schemeClr>
+                </a:solidFill>
+                <a:effectLst/>
+                <a:latin typeface="Arial" charset="0"/>
+              </a:endParaRPr>
+            </a:p>
+          </p:txBody>
+        </p:sp>
+        <p:sp>
+          <p:nvSpPr>
+            <p:cNvPr id="69" name="TextBox 68"/>
+            <p:cNvSpPr txBox="1"/>
+            <p:nvPr/>
+          </p:nvSpPr>
+          <p:spPr>
+            <a:xfrm flipH="1">
+              <a:off x="2792489" y="5072988"/>
+              <a:ext cx="315853" cy="369332"/>
+            </a:xfrm>
+            <a:prstGeom prst="rect">
+              <a:avLst/>
+            </a:prstGeom>
+            <a:noFill/>
+          </p:spPr>
+          <p:txBody>
+            <a:bodyPr wrap="square" rtlCol="0">
+              <a:spAutoFit/>
+            </a:bodyPr>
+            <a:lstStyle/>
+            <a:p>
+              <a:r>
+                <a:rPr lang="en-CA" dirty="0"/>
                 <a:t>3</a:t>
               </a:r>
             </a:p>
@@ -21532,21 +24765,8 @@
                   <a:srgbClr val="000000"/>
                 </a:solidFill>
               </a:rPr>
-              <a:t>Common Tools </a:t>
-            </a:r>
-            <a:r>
-              <a:rPr lang="en-CA" sz="1400" b="1" dirty="0" smtClean="0">
-                <a:solidFill>
-                  <a:srgbClr val="000000"/>
-                </a:solidFill>
-              </a:rPr>
-              <a:t>VM</a:t>
-            </a:r>
-            <a:endParaRPr lang="en-CA" sz="1400" b="1" dirty="0">
-              <a:solidFill>
-                <a:srgbClr val="000000"/>
-              </a:solidFill>
-            </a:endParaRPr>
+              <a:t>Common Tools VM</a:t>
+            </a:r>
           </a:p>
         </p:txBody>
       </p:sp>
@@ -21599,17 +24819,1606 @@
   <p:clrMapOvr>
     <a:masterClrMapping/>
   </p:clrMapOvr>
-  <p:timing>
-    <p:tnLst>
-      <p:par>
-        <p:cTn id="1" dur="indefinite" restart="never" nodeType="tmRoot"/>
-      </p:par>
-    </p:tnLst>
-  </p:timing>
 </p:sld>
 </file>
 
-<file path=ppt/slides/slide3.xml><?xml version="1.0" encoding="utf-8"?>
+<file path=ppt/slides/slide4.xml><?xml version="1.0" encoding="utf-8"?>
+<p:sld xmlns:a="http://schemas.openxmlformats.org/drawingml/2006/main" xmlns:r="http://schemas.openxmlformats.org/officeDocument/2006/relationships" xmlns:p="http://schemas.openxmlformats.org/presentationml/2006/main">
+  <p:cSld>
+    <p:spTree>
+      <p:nvGrpSpPr>
+        <p:cNvPr id="1" name=""/>
+        <p:cNvGrpSpPr/>
+        <p:nvPr/>
+      </p:nvGrpSpPr>
+      <p:grpSpPr>
+        <a:xfrm>
+          <a:off x="0" y="0"/>
+          <a:ext cx="0" cy="0"/>
+          <a:chOff x="0" y="0"/>
+          <a:chExt cx="0" cy="0"/>
+        </a:xfrm>
+      </p:grpSpPr>
+      <p:sp>
+        <p:nvSpPr>
+          <p:cNvPr id="67" name="Rectangle 66">
+            <a:extLst>
+              <a:ext uri="{FF2B5EF4-FFF2-40B4-BE49-F238E27FC236}">
+                <a16:creationId xmlns:a16="http://schemas.microsoft.com/office/drawing/2014/main" id="{B4483781-0628-45AC-ACB2-CF1EBF116E3E}"/>
+              </a:ext>
+            </a:extLst>
+          </p:cNvPr>
+          <p:cNvSpPr/>
+          <p:nvPr/>
+        </p:nvSpPr>
+        <p:spPr bwMode="auto">
+          <a:xfrm>
+            <a:off x="7134160" y="1615633"/>
+            <a:ext cx="4512847" cy="2023785"/>
+          </a:xfrm>
+          <a:prstGeom prst="rect">
+            <a:avLst/>
+          </a:prstGeom>
+          <a:solidFill>
+            <a:schemeClr val="accent1">
+              <a:lumMod val="20000"/>
+              <a:lumOff val="80000"/>
+            </a:schemeClr>
+          </a:solidFill>
+          <a:ln>
+            <a:headEnd type="none" w="med" len="med"/>
+            <a:tailEnd type="none" w="med" len="med"/>
+          </a:ln>
+        </p:spPr>
+        <p:style>
+          <a:lnRef idx="1">
+            <a:schemeClr val="accent1"/>
+          </a:lnRef>
+          <a:fillRef idx="2">
+            <a:schemeClr val="accent1"/>
+          </a:fillRef>
+          <a:effectRef idx="1">
+            <a:schemeClr val="accent1"/>
+          </a:effectRef>
+          <a:fontRef idx="minor">
+            <a:schemeClr val="dk1"/>
+          </a:fontRef>
+        </p:style>
+        <p:txBody>
+          <a:bodyPr vert="horz" wrap="square" lIns="91440" tIns="45720" rIns="91440" bIns="45720" numCol="1" rtlCol="0" anchor="t" anchorCtr="0" compatLnSpc="1">
+            <a:prstTxWarp prst="textNoShape">
+              <a:avLst/>
+            </a:prstTxWarp>
+            <a:noAutofit/>
+          </a:bodyPr>
+          <a:lstStyle/>
+          <a:p>
+            <a:pPr marL="342900" indent="-342900" algn="ctr" defTabSz="914400" fontAlgn="base">
+              <a:lnSpc>
+                <a:spcPct val="80000"/>
+              </a:lnSpc>
+              <a:spcBef>
+                <a:spcPct val="20000"/>
+              </a:spcBef>
+              <a:spcAft>
+                <a:spcPct val="0"/>
+              </a:spcAft>
+              <a:buClr>
+                <a:srgbClr val="5BBDF9"/>
+              </a:buClr>
+              <a:buSzPct val="60000"/>
+              <a:buFont typeface="Arial Narrow" pitchFamily="34" charset="0"/>
+              <a:buNone/>
+            </a:pPr>
+            <a:r>
+              <a:rPr lang="en-CA" sz="2000" b="1">
+                <a:solidFill>
+                  <a:srgbClr val="000000"/>
+                </a:solidFill>
+              </a:rPr>
+              <a:t>BOSH Lite VM</a:t>
+            </a:r>
+          </a:p>
+        </p:txBody>
+      </p:sp>
+      <p:grpSp>
+        <p:nvGrpSpPr>
+          <p:cNvPr id="63" name="Group 62">
+            <a:extLst>
+              <a:ext uri="{FF2B5EF4-FFF2-40B4-BE49-F238E27FC236}">
+                <a16:creationId xmlns:a16="http://schemas.microsoft.com/office/drawing/2014/main" id="{CD1B6681-F714-4700-83B8-200BBF0BEED2}"/>
+              </a:ext>
+            </a:extLst>
+          </p:cNvPr>
+          <p:cNvGrpSpPr/>
+          <p:nvPr/>
+        </p:nvGrpSpPr>
+        <p:grpSpPr>
+          <a:xfrm>
+            <a:off x="2078071" y="2639452"/>
+            <a:ext cx="2882004" cy="1153195"/>
+            <a:chOff x="1413937" y="2651985"/>
+            <a:chExt cx="2513344" cy="982329"/>
+          </a:xfrm>
+        </p:grpSpPr>
+        <p:sp>
+          <p:nvSpPr>
+            <p:cNvPr id="64" name="Rectangle 63">
+              <a:extLst>
+                <a:ext uri="{FF2B5EF4-FFF2-40B4-BE49-F238E27FC236}">
+                  <a16:creationId xmlns:a16="http://schemas.microsoft.com/office/drawing/2014/main" id="{03F62B1A-D8B5-47B4-827F-1C0EE26F56F3}"/>
+                </a:ext>
+              </a:extLst>
+            </p:cNvPr>
+            <p:cNvSpPr/>
+            <p:nvPr/>
+          </p:nvSpPr>
+          <p:spPr bwMode="auto">
+            <a:xfrm>
+              <a:off x="1413937" y="2651985"/>
+              <a:ext cx="2513344" cy="982329"/>
+            </a:xfrm>
+            <a:prstGeom prst="rect">
+              <a:avLst/>
+            </a:prstGeom>
+            <a:ln>
+              <a:headEnd type="none" w="med" len="med"/>
+              <a:tailEnd type="none" w="med" len="med"/>
+            </a:ln>
+          </p:spPr>
+          <p:style>
+            <a:lnRef idx="1">
+              <a:schemeClr val="accent3"/>
+            </a:lnRef>
+            <a:fillRef idx="3">
+              <a:schemeClr val="accent3"/>
+            </a:fillRef>
+            <a:effectRef idx="2">
+              <a:schemeClr val="accent3"/>
+            </a:effectRef>
+            <a:fontRef idx="minor">
+              <a:schemeClr val="lt1"/>
+            </a:fontRef>
+          </p:style>
+          <p:txBody>
+            <a:bodyPr vert="horz" wrap="square" lIns="91440" tIns="45720" rIns="91440" bIns="45720" numCol="1" rtlCol="0" anchor="t" anchorCtr="0" compatLnSpc="1">
+              <a:prstTxWarp prst="textNoShape">
+                <a:avLst/>
+              </a:prstTxWarp>
+              <a:noAutofit/>
+            </a:bodyPr>
+            <a:lstStyle/>
+            <a:p>
+              <a:pPr marL="342900" marR="0" indent="-342900" algn="l" defTabSz="914400" rtl="0" eaLnBrk="1" fontAlgn="base" latinLnBrk="0" hangingPunct="1">
+                <a:lnSpc>
+                  <a:spcPct val="80000"/>
+                </a:lnSpc>
+                <a:spcBef>
+                  <a:spcPct val="20000"/>
+                </a:spcBef>
+                <a:spcAft>
+                  <a:spcPct val="0"/>
+                </a:spcAft>
+                <a:buClr>
+                  <a:schemeClr val="hlink"/>
+                </a:buClr>
+                <a:buSzPct val="60000"/>
+                <a:buFont typeface="Arial Narrow" pitchFamily="34" charset="0"/>
+                <a:buNone/>
+                <a:tabLst/>
+              </a:pPr>
+              <a:endParaRPr kumimoji="0" lang="en-CA" sz="2000" b="1" i="0" u="none" strike="noStrike" cap="none" normalizeH="0" baseline="0">
+                <a:ln>
+                  <a:noFill/>
+                </a:ln>
+                <a:solidFill>
+                  <a:schemeClr val="tx1"/>
+                </a:solidFill>
+                <a:effectLst/>
+                <a:latin typeface="Arial" charset="0"/>
+              </a:endParaRPr>
+            </a:p>
+          </p:txBody>
+        </p:sp>
+        <p:sp>
+          <p:nvSpPr>
+            <p:cNvPr id="65" name="TextBox 64">
+              <a:extLst>
+                <a:ext uri="{FF2B5EF4-FFF2-40B4-BE49-F238E27FC236}">
+                  <a16:creationId xmlns:a16="http://schemas.microsoft.com/office/drawing/2014/main" id="{363CCE8B-6F58-48B3-9E7C-9E4BCDA5DC18}"/>
+                </a:ext>
+              </a:extLst>
+            </p:cNvPr>
+            <p:cNvSpPr txBox="1"/>
+            <p:nvPr/>
+          </p:nvSpPr>
+          <p:spPr>
+            <a:xfrm>
+              <a:off x="1512453" y="2682689"/>
+              <a:ext cx="2263141" cy="307777"/>
+            </a:xfrm>
+            <a:prstGeom prst="rect">
+              <a:avLst/>
+            </a:prstGeom>
+            <a:noFill/>
+          </p:spPr>
+          <p:txBody>
+            <a:bodyPr wrap="square" rtlCol="0">
+              <a:spAutoFit/>
+            </a:bodyPr>
+            <a:lstStyle/>
+            <a:p>
+              <a:pPr algn="ctr"/>
+              <a:r>
+                <a:rPr lang="en-CA" sz="1400"/>
+                <a:t>solace-messaging-cf-dev</a:t>
+              </a:r>
+            </a:p>
+          </p:txBody>
+        </p:sp>
+        <p:pic>
+          <p:nvPicPr>
+            <p:cNvPr id="66" name="Picture 65">
+              <a:extLst>
+                <a:ext uri="{FF2B5EF4-FFF2-40B4-BE49-F238E27FC236}">
+                  <a16:creationId xmlns:a16="http://schemas.microsoft.com/office/drawing/2014/main" id="{990FE416-3C44-4A07-A03B-2E89B1C43C83}"/>
+                </a:ext>
+              </a:extLst>
+            </p:cNvPr>
+            <p:cNvPicPr>
+              <a:picLocks noChangeAspect="1"/>
+            </p:cNvPicPr>
+            <p:nvPr/>
+          </p:nvPicPr>
+          <p:blipFill>
+            <a:blip r:embed="rId2"/>
+            <a:stretch>
+              <a:fillRect/>
+            </a:stretch>
+          </p:blipFill>
+          <p:spPr>
+            <a:xfrm>
+              <a:off x="1812193" y="3333947"/>
+              <a:ext cx="753787" cy="286439"/>
+            </a:xfrm>
+            <a:prstGeom prst="rect">
+              <a:avLst/>
+            </a:prstGeom>
+          </p:spPr>
+        </p:pic>
+      </p:grpSp>
+      <p:cxnSp>
+        <p:nvCxnSpPr>
+          <p:cNvPr id="3" name="Straight Arrow Connector 2">
+            <a:extLst>
+              <a:ext uri="{FF2B5EF4-FFF2-40B4-BE49-F238E27FC236}">
+                <a16:creationId xmlns:a16="http://schemas.microsoft.com/office/drawing/2014/main" id="{8813ED74-4DA1-483B-9CDD-89C78E74F3DF}"/>
+              </a:ext>
+            </a:extLst>
+          </p:cNvPr>
+          <p:cNvCxnSpPr/>
+          <p:nvPr/>
+        </p:nvCxnSpPr>
+        <p:spPr bwMode="auto">
+          <a:xfrm>
+            <a:off x="5432287" y="3761712"/>
+            <a:ext cx="1827470" cy="517100"/>
+          </a:xfrm>
+          <a:prstGeom prst="straightConnector1">
+            <a:avLst/>
+          </a:prstGeom>
+          <a:ln>
+            <a:headEnd type="none" w="med" len="med"/>
+            <a:tailEnd type="triangle"/>
+          </a:ln>
+        </p:spPr>
+        <p:style>
+          <a:lnRef idx="3">
+            <a:schemeClr val="accent5"/>
+          </a:lnRef>
+          <a:fillRef idx="0">
+            <a:schemeClr val="accent5"/>
+          </a:fillRef>
+          <a:effectRef idx="2">
+            <a:schemeClr val="accent5"/>
+          </a:effectRef>
+          <a:fontRef idx="minor">
+            <a:schemeClr val="tx1"/>
+          </a:fontRef>
+        </p:style>
+      </p:cxnSp>
+      <p:sp>
+        <p:nvSpPr>
+          <p:cNvPr id="4" name="Rectangle 3">
+            <a:extLst>
+              <a:ext uri="{FF2B5EF4-FFF2-40B4-BE49-F238E27FC236}">
+                <a16:creationId xmlns:a16="http://schemas.microsoft.com/office/drawing/2014/main" id="{309979AD-EC0C-4512-9F80-933F1C1469D2}"/>
+              </a:ext>
+            </a:extLst>
+          </p:cNvPr>
+          <p:cNvSpPr/>
+          <p:nvPr/>
+        </p:nvSpPr>
+        <p:spPr bwMode="auto">
+          <a:xfrm>
+            <a:off x="7319180" y="4225742"/>
+            <a:ext cx="2126827" cy="1841039"/>
+          </a:xfrm>
+          <a:prstGeom prst="rect">
+            <a:avLst/>
+          </a:prstGeom>
+          <a:solidFill>
+            <a:schemeClr val="accent1">
+              <a:lumMod val="20000"/>
+              <a:lumOff val="80000"/>
+            </a:schemeClr>
+          </a:solidFill>
+          <a:ln>
+            <a:headEnd type="none" w="med" len="med"/>
+            <a:tailEnd type="none" w="med" len="med"/>
+          </a:ln>
+        </p:spPr>
+        <p:style>
+          <a:lnRef idx="1">
+            <a:schemeClr val="accent1"/>
+          </a:lnRef>
+          <a:fillRef idx="2">
+            <a:schemeClr val="accent1"/>
+          </a:fillRef>
+          <a:effectRef idx="1">
+            <a:schemeClr val="accent1"/>
+          </a:effectRef>
+          <a:fontRef idx="minor">
+            <a:schemeClr val="dk1"/>
+          </a:fontRef>
+        </p:style>
+        <p:txBody>
+          <a:bodyPr vert="horz" wrap="square" lIns="91440" tIns="45720" rIns="91440" bIns="45720" numCol="1" rtlCol="0" anchor="b" anchorCtr="0" compatLnSpc="1">
+            <a:prstTxWarp prst="textNoShape">
+              <a:avLst/>
+            </a:prstTxWarp>
+            <a:noAutofit/>
+          </a:bodyPr>
+          <a:lstStyle/>
+          <a:p>
+            <a:pPr marL="342900" indent="-342900" algn="ctr" defTabSz="914400" fontAlgn="base">
+              <a:lnSpc>
+                <a:spcPct val="80000"/>
+              </a:lnSpc>
+              <a:spcBef>
+                <a:spcPct val="20000"/>
+              </a:spcBef>
+              <a:spcAft>
+                <a:spcPct val="0"/>
+              </a:spcAft>
+              <a:buClr>
+                <a:srgbClr val="5BBDF9"/>
+              </a:buClr>
+              <a:buSzPct val="60000"/>
+              <a:buFont typeface="Arial Narrow" pitchFamily="34" charset="0"/>
+              <a:buNone/>
+            </a:pPr>
+            <a:endParaRPr lang="en-CA">
+              <a:solidFill>
+                <a:srgbClr val="000000"/>
+              </a:solidFill>
+            </a:endParaRPr>
+          </a:p>
+        </p:txBody>
+      </p:sp>
+      <p:grpSp>
+        <p:nvGrpSpPr>
+          <p:cNvPr id="33" name="Group 32">
+            <a:extLst>
+              <a:ext uri="{FF2B5EF4-FFF2-40B4-BE49-F238E27FC236}">
+                <a16:creationId xmlns:a16="http://schemas.microsoft.com/office/drawing/2014/main" id="{E890FBE5-34E5-4CC5-9EDC-4F08AE95726A}"/>
+              </a:ext>
+            </a:extLst>
+          </p:cNvPr>
+          <p:cNvGrpSpPr/>
+          <p:nvPr/>
+        </p:nvGrpSpPr>
+        <p:grpSpPr>
+          <a:xfrm>
+            <a:off x="5074835" y="2096857"/>
+            <a:ext cx="329994" cy="369332"/>
+            <a:chOff x="2790018" y="5082735"/>
+            <a:chExt cx="329994" cy="369332"/>
+          </a:xfrm>
+        </p:grpSpPr>
+        <p:sp>
+          <p:nvSpPr>
+            <p:cNvPr id="34" name="Oval 33">
+              <a:extLst>
+                <a:ext uri="{FF2B5EF4-FFF2-40B4-BE49-F238E27FC236}">
+                  <a16:creationId xmlns:a16="http://schemas.microsoft.com/office/drawing/2014/main" id="{C15A2DEE-2D17-4985-931D-5E97A1C08CD5}"/>
+                </a:ext>
+              </a:extLst>
+            </p:cNvPr>
+            <p:cNvSpPr/>
+            <p:nvPr/>
+          </p:nvSpPr>
+          <p:spPr bwMode="auto">
+            <a:xfrm>
+              <a:off x="2790018" y="5116682"/>
+              <a:ext cx="318324" cy="316259"/>
+            </a:xfrm>
+            <a:prstGeom prst="ellipse">
+              <a:avLst/>
+            </a:prstGeom>
+            <a:solidFill>
+              <a:schemeClr val="accent5">
+                <a:lumMod val="60000"/>
+                <a:lumOff val="40000"/>
+              </a:schemeClr>
+            </a:solidFill>
+            <a:ln>
+              <a:headEnd type="none" w="med" len="med"/>
+              <a:tailEnd type="none" w="med" len="med"/>
+            </a:ln>
+          </p:spPr>
+          <p:style>
+            <a:lnRef idx="0">
+              <a:schemeClr val="accent2"/>
+            </a:lnRef>
+            <a:fillRef idx="3">
+              <a:schemeClr val="accent2"/>
+            </a:fillRef>
+            <a:effectRef idx="3">
+              <a:schemeClr val="accent2"/>
+            </a:effectRef>
+            <a:fontRef idx="minor">
+              <a:schemeClr val="lt1"/>
+            </a:fontRef>
+          </p:style>
+          <p:txBody>
+            <a:bodyPr vert="horz" wrap="square" lIns="91440" tIns="45720" rIns="91440" bIns="45720" numCol="1" rtlCol="0" anchor="t" anchorCtr="0" compatLnSpc="1">
+              <a:prstTxWarp prst="textNoShape">
+                <a:avLst/>
+              </a:prstTxWarp>
+              <a:noAutofit/>
+            </a:bodyPr>
+            <a:lstStyle/>
+            <a:p>
+              <a:pPr marL="342900" marR="0" indent="-342900" algn="l" defTabSz="914400" rtl="0" eaLnBrk="1" fontAlgn="base" latinLnBrk="0" hangingPunct="1">
+                <a:lnSpc>
+                  <a:spcPct val="80000"/>
+                </a:lnSpc>
+                <a:spcBef>
+                  <a:spcPct val="20000"/>
+                </a:spcBef>
+                <a:spcAft>
+                  <a:spcPct val="0"/>
+                </a:spcAft>
+                <a:buClr>
+                  <a:schemeClr val="hlink"/>
+                </a:buClr>
+                <a:buSzPct val="60000"/>
+                <a:buFont typeface="Arial Narrow" pitchFamily="34" charset="0"/>
+                <a:buNone/>
+                <a:tabLst/>
+              </a:pPr>
+              <a:endParaRPr kumimoji="0" lang="en-CA" sz="2000" b="1" i="0" u="none" strike="noStrike" cap="none" normalizeH="0" baseline="0">
+                <a:ln>
+                  <a:noFill/>
+                </a:ln>
+                <a:solidFill>
+                  <a:schemeClr val="accent4">
+                    <a:lumMod val="95000"/>
+                    <a:lumOff val="5000"/>
+                  </a:schemeClr>
+                </a:solidFill>
+                <a:effectLst/>
+                <a:latin typeface="Arial" charset="0"/>
+              </a:endParaRPr>
+            </a:p>
+          </p:txBody>
+        </p:sp>
+        <p:sp>
+          <p:nvSpPr>
+            <p:cNvPr id="35" name="TextBox 34">
+              <a:extLst>
+                <a:ext uri="{FF2B5EF4-FFF2-40B4-BE49-F238E27FC236}">
+                  <a16:creationId xmlns:a16="http://schemas.microsoft.com/office/drawing/2014/main" id="{1C536E59-23DA-446D-B48C-F3A4BD048695}"/>
+                </a:ext>
+              </a:extLst>
+            </p:cNvPr>
+            <p:cNvSpPr txBox="1"/>
+            <p:nvPr/>
+          </p:nvSpPr>
+          <p:spPr>
+            <a:xfrm flipH="1">
+              <a:off x="2804159" y="5082735"/>
+              <a:ext cx="315853" cy="369332"/>
+            </a:xfrm>
+            <a:prstGeom prst="rect">
+              <a:avLst/>
+            </a:prstGeom>
+            <a:noFill/>
+          </p:spPr>
+          <p:txBody>
+            <a:bodyPr wrap="square" rtlCol="0">
+              <a:spAutoFit/>
+            </a:bodyPr>
+            <a:lstStyle/>
+            <a:p>
+              <a:r>
+                <a:rPr lang="en-CA"/>
+                <a:t>2</a:t>
+              </a:r>
+            </a:p>
+          </p:txBody>
+        </p:sp>
+      </p:grpSp>
+      <p:grpSp>
+        <p:nvGrpSpPr>
+          <p:cNvPr id="36" name="Group 35">
+            <a:extLst>
+              <a:ext uri="{FF2B5EF4-FFF2-40B4-BE49-F238E27FC236}">
+                <a16:creationId xmlns:a16="http://schemas.microsoft.com/office/drawing/2014/main" id="{3C81B786-EB68-4EA6-9F7F-4C5C89250BC0}"/>
+              </a:ext>
+            </a:extLst>
+          </p:cNvPr>
+          <p:cNvGrpSpPr/>
+          <p:nvPr/>
+        </p:nvGrpSpPr>
+        <p:grpSpPr>
+          <a:xfrm>
+            <a:off x="5074835" y="3414299"/>
+            <a:ext cx="318324" cy="369332"/>
+            <a:chOff x="2790018" y="5072988"/>
+            <a:chExt cx="318324" cy="369332"/>
+          </a:xfrm>
+        </p:grpSpPr>
+        <p:sp>
+          <p:nvSpPr>
+            <p:cNvPr id="37" name="Oval 36">
+              <a:extLst>
+                <a:ext uri="{FF2B5EF4-FFF2-40B4-BE49-F238E27FC236}">
+                  <a16:creationId xmlns:a16="http://schemas.microsoft.com/office/drawing/2014/main" id="{6A3FD9BD-AC7C-4E82-A2E0-8F940698C0C8}"/>
+                </a:ext>
+              </a:extLst>
+            </p:cNvPr>
+            <p:cNvSpPr/>
+            <p:nvPr/>
+          </p:nvSpPr>
+          <p:spPr bwMode="auto">
+            <a:xfrm>
+              <a:off x="2790018" y="5116682"/>
+              <a:ext cx="318324" cy="316259"/>
+            </a:xfrm>
+            <a:prstGeom prst="ellipse">
+              <a:avLst/>
+            </a:prstGeom>
+            <a:solidFill>
+              <a:schemeClr val="accent5">
+                <a:lumMod val="60000"/>
+                <a:lumOff val="40000"/>
+              </a:schemeClr>
+            </a:solidFill>
+            <a:ln>
+              <a:headEnd type="none" w="med" len="med"/>
+              <a:tailEnd type="none" w="med" len="med"/>
+            </a:ln>
+          </p:spPr>
+          <p:style>
+            <a:lnRef idx="0">
+              <a:schemeClr val="accent2"/>
+            </a:lnRef>
+            <a:fillRef idx="3">
+              <a:schemeClr val="accent2"/>
+            </a:fillRef>
+            <a:effectRef idx="3">
+              <a:schemeClr val="accent2"/>
+            </a:effectRef>
+            <a:fontRef idx="minor">
+              <a:schemeClr val="lt1"/>
+            </a:fontRef>
+          </p:style>
+          <p:txBody>
+            <a:bodyPr vert="horz" wrap="square" lIns="91440" tIns="45720" rIns="91440" bIns="45720" numCol="1" rtlCol="0" anchor="t" anchorCtr="0" compatLnSpc="1">
+              <a:prstTxWarp prst="textNoShape">
+                <a:avLst/>
+              </a:prstTxWarp>
+              <a:noAutofit/>
+            </a:bodyPr>
+            <a:lstStyle/>
+            <a:p>
+              <a:pPr marL="342900" marR="0" indent="-342900" algn="l" defTabSz="914400" rtl="0" eaLnBrk="1" fontAlgn="base" latinLnBrk="0" hangingPunct="1">
+                <a:lnSpc>
+                  <a:spcPct val="80000"/>
+                </a:lnSpc>
+                <a:spcBef>
+                  <a:spcPct val="20000"/>
+                </a:spcBef>
+                <a:spcAft>
+                  <a:spcPct val="0"/>
+                </a:spcAft>
+                <a:buClr>
+                  <a:schemeClr val="hlink"/>
+                </a:buClr>
+                <a:buSzPct val="60000"/>
+                <a:buFont typeface="Arial Narrow" pitchFamily="34" charset="0"/>
+                <a:buNone/>
+                <a:tabLst/>
+              </a:pPr>
+              <a:endParaRPr kumimoji="0" lang="en-CA" sz="2000" b="1" i="0" u="none" strike="noStrike" cap="none" normalizeH="0" baseline="0">
+                <a:ln>
+                  <a:noFill/>
+                </a:ln>
+                <a:solidFill>
+                  <a:schemeClr val="accent4">
+                    <a:lumMod val="95000"/>
+                    <a:lumOff val="5000"/>
+                  </a:schemeClr>
+                </a:solidFill>
+                <a:effectLst/>
+                <a:latin typeface="Arial" charset="0"/>
+              </a:endParaRPr>
+            </a:p>
+          </p:txBody>
+        </p:sp>
+        <p:sp>
+          <p:nvSpPr>
+            <p:cNvPr id="38" name="TextBox 37">
+              <a:extLst>
+                <a:ext uri="{FF2B5EF4-FFF2-40B4-BE49-F238E27FC236}">
+                  <a16:creationId xmlns:a16="http://schemas.microsoft.com/office/drawing/2014/main" id="{DC315CDA-7F48-4B66-9FC3-0E0BB55A8155}"/>
+                </a:ext>
+              </a:extLst>
+            </p:cNvPr>
+            <p:cNvSpPr txBox="1"/>
+            <p:nvPr/>
+          </p:nvSpPr>
+          <p:spPr>
+            <a:xfrm flipH="1">
+              <a:off x="2792489" y="5072988"/>
+              <a:ext cx="315853" cy="369332"/>
+            </a:xfrm>
+            <a:prstGeom prst="rect">
+              <a:avLst/>
+            </a:prstGeom>
+            <a:noFill/>
+          </p:spPr>
+          <p:txBody>
+            <a:bodyPr wrap="square" rtlCol="0">
+              <a:spAutoFit/>
+            </a:bodyPr>
+            <a:lstStyle/>
+            <a:p>
+              <a:r>
+                <a:rPr lang="en-CA"/>
+                <a:t>1</a:t>
+              </a:r>
+            </a:p>
+          </p:txBody>
+        </p:sp>
+      </p:grpSp>
+      <p:grpSp>
+        <p:nvGrpSpPr>
+          <p:cNvPr id="39" name="Group 38">
+            <a:extLst>
+              <a:ext uri="{FF2B5EF4-FFF2-40B4-BE49-F238E27FC236}">
+                <a16:creationId xmlns:a16="http://schemas.microsoft.com/office/drawing/2014/main" id="{F21797EB-1E99-4893-A56D-2C6B6C0FF814}"/>
+              </a:ext>
+            </a:extLst>
+          </p:cNvPr>
+          <p:cNvGrpSpPr/>
+          <p:nvPr/>
+        </p:nvGrpSpPr>
+        <p:grpSpPr>
+          <a:xfrm>
+            <a:off x="5093717" y="2943991"/>
+            <a:ext cx="318324" cy="369332"/>
+            <a:chOff x="2790018" y="5072988"/>
+            <a:chExt cx="318324" cy="369332"/>
+          </a:xfrm>
+        </p:grpSpPr>
+        <p:sp>
+          <p:nvSpPr>
+            <p:cNvPr id="40" name="Oval 39">
+              <a:extLst>
+                <a:ext uri="{FF2B5EF4-FFF2-40B4-BE49-F238E27FC236}">
+                  <a16:creationId xmlns:a16="http://schemas.microsoft.com/office/drawing/2014/main" id="{F1712A0D-09AF-474B-8168-9E3CAE31A032}"/>
+                </a:ext>
+              </a:extLst>
+            </p:cNvPr>
+            <p:cNvSpPr/>
+            <p:nvPr/>
+          </p:nvSpPr>
+          <p:spPr bwMode="auto">
+            <a:xfrm>
+              <a:off x="2790018" y="5116682"/>
+              <a:ext cx="318324" cy="316259"/>
+            </a:xfrm>
+            <a:prstGeom prst="ellipse">
+              <a:avLst/>
+            </a:prstGeom>
+            <a:solidFill>
+              <a:schemeClr val="accent5">
+                <a:lumMod val="60000"/>
+                <a:lumOff val="40000"/>
+              </a:schemeClr>
+            </a:solidFill>
+            <a:ln>
+              <a:headEnd type="none" w="med" len="med"/>
+              <a:tailEnd type="none" w="med" len="med"/>
+            </a:ln>
+          </p:spPr>
+          <p:style>
+            <a:lnRef idx="0">
+              <a:schemeClr val="accent2"/>
+            </a:lnRef>
+            <a:fillRef idx="3">
+              <a:schemeClr val="accent2"/>
+            </a:fillRef>
+            <a:effectRef idx="3">
+              <a:schemeClr val="accent2"/>
+            </a:effectRef>
+            <a:fontRef idx="minor">
+              <a:schemeClr val="lt1"/>
+            </a:fontRef>
+          </p:style>
+          <p:txBody>
+            <a:bodyPr vert="horz" wrap="square" lIns="91440" tIns="45720" rIns="91440" bIns="45720" numCol="1" rtlCol="0" anchor="t" anchorCtr="0" compatLnSpc="1">
+              <a:prstTxWarp prst="textNoShape">
+                <a:avLst/>
+              </a:prstTxWarp>
+              <a:noAutofit/>
+            </a:bodyPr>
+            <a:lstStyle/>
+            <a:p>
+              <a:pPr marL="342900" marR="0" indent="-342900" algn="l" defTabSz="914400" rtl="0" eaLnBrk="1" fontAlgn="base" latinLnBrk="0" hangingPunct="1">
+                <a:lnSpc>
+                  <a:spcPct val="80000"/>
+                </a:lnSpc>
+                <a:spcBef>
+                  <a:spcPct val="20000"/>
+                </a:spcBef>
+                <a:spcAft>
+                  <a:spcPct val="0"/>
+                </a:spcAft>
+                <a:buClr>
+                  <a:schemeClr val="hlink"/>
+                </a:buClr>
+                <a:buSzPct val="60000"/>
+                <a:buFont typeface="Arial Narrow" pitchFamily="34" charset="0"/>
+                <a:buNone/>
+                <a:tabLst/>
+              </a:pPr>
+              <a:endParaRPr kumimoji="0" lang="en-CA" sz="2000" b="1" i="0" u="none" strike="noStrike" cap="none" normalizeH="0" baseline="0">
+                <a:ln>
+                  <a:noFill/>
+                </a:ln>
+                <a:solidFill>
+                  <a:schemeClr val="accent4">
+                    <a:lumMod val="95000"/>
+                    <a:lumOff val="5000"/>
+                  </a:schemeClr>
+                </a:solidFill>
+                <a:effectLst/>
+                <a:latin typeface="Arial" charset="0"/>
+              </a:endParaRPr>
+            </a:p>
+          </p:txBody>
+        </p:sp>
+        <p:sp>
+          <p:nvSpPr>
+            <p:cNvPr id="41" name="TextBox 40">
+              <a:extLst>
+                <a:ext uri="{FF2B5EF4-FFF2-40B4-BE49-F238E27FC236}">
+                  <a16:creationId xmlns:a16="http://schemas.microsoft.com/office/drawing/2014/main" id="{A968649F-1586-49DC-B2F1-A421D732FFF4}"/>
+                </a:ext>
+              </a:extLst>
+            </p:cNvPr>
+            <p:cNvSpPr txBox="1"/>
+            <p:nvPr/>
+          </p:nvSpPr>
+          <p:spPr>
+            <a:xfrm flipH="1">
+              <a:off x="2792489" y="5072988"/>
+              <a:ext cx="315853" cy="369332"/>
+            </a:xfrm>
+            <a:prstGeom prst="rect">
+              <a:avLst/>
+            </a:prstGeom>
+            <a:noFill/>
+          </p:spPr>
+          <p:txBody>
+            <a:bodyPr wrap="square" rtlCol="0">
+              <a:spAutoFit/>
+            </a:bodyPr>
+            <a:lstStyle/>
+            <a:p>
+              <a:r>
+                <a:rPr lang="en-CA"/>
+                <a:t>3</a:t>
+              </a:r>
+            </a:p>
+          </p:txBody>
+        </p:sp>
+      </p:grpSp>
+      <p:pic>
+        <p:nvPicPr>
+          <p:cNvPr id="42" name="Picture 41">
+            <a:extLst>
+              <a:ext uri="{FF2B5EF4-FFF2-40B4-BE49-F238E27FC236}">
+                <a16:creationId xmlns:a16="http://schemas.microsoft.com/office/drawing/2014/main" id="{AACA8A2B-EE0E-40DD-819B-C138EE555F5D}"/>
+              </a:ext>
+            </a:extLst>
+          </p:cNvPr>
+          <p:cNvPicPr>
+            <a:picLocks noChangeAspect="1"/>
+          </p:cNvPicPr>
+          <p:nvPr/>
+        </p:nvPicPr>
+        <p:blipFill>
+          <a:blip r:embed="rId2"/>
+          <a:stretch>
+            <a:fillRect/>
+          </a:stretch>
+        </p:blipFill>
+        <p:spPr>
+          <a:xfrm>
+            <a:off x="3714249" y="2047193"/>
+            <a:ext cx="1227927" cy="466612"/>
+          </a:xfrm>
+          <a:prstGeom prst="rect">
+            <a:avLst/>
+          </a:prstGeom>
+          <a:ln>
+            <a:solidFill>
+              <a:schemeClr val="tx1"/>
+            </a:solidFill>
+          </a:ln>
+        </p:spPr>
+      </p:pic>
+      <p:pic>
+        <p:nvPicPr>
+          <p:cNvPr id="51" name="Picture 50">
+            <a:extLst>
+              <a:ext uri="{FF2B5EF4-FFF2-40B4-BE49-F238E27FC236}">
+                <a16:creationId xmlns:a16="http://schemas.microsoft.com/office/drawing/2014/main" id="{A097568C-9C3B-4CA9-ABB9-124B4001D7BE}"/>
+              </a:ext>
+            </a:extLst>
+          </p:cNvPr>
+          <p:cNvPicPr>
+            <a:picLocks noChangeAspect="1"/>
+          </p:cNvPicPr>
+          <p:nvPr/>
+        </p:nvPicPr>
+        <p:blipFill>
+          <a:blip r:embed="rId3"/>
+          <a:stretch>
+            <a:fillRect/>
+          </a:stretch>
+        </p:blipFill>
+        <p:spPr>
+          <a:xfrm>
+            <a:off x="7357074" y="5627381"/>
+            <a:ext cx="354135" cy="381080"/>
+          </a:xfrm>
+          <a:prstGeom prst="rect">
+            <a:avLst/>
+          </a:prstGeom>
+        </p:spPr>
+      </p:pic>
+      <p:sp>
+        <p:nvSpPr>
+          <p:cNvPr id="52" name="TextBox 51">
+            <a:extLst>
+              <a:ext uri="{FF2B5EF4-FFF2-40B4-BE49-F238E27FC236}">
+                <a16:creationId xmlns:a16="http://schemas.microsoft.com/office/drawing/2014/main" id="{F5204333-1804-43DF-A40C-91B8250B95D2}"/>
+              </a:ext>
+            </a:extLst>
+          </p:cNvPr>
+          <p:cNvSpPr txBox="1"/>
+          <p:nvPr/>
+        </p:nvSpPr>
+        <p:spPr>
+          <a:xfrm>
+            <a:off x="7662379" y="5664032"/>
+            <a:ext cx="1793633" cy="307777"/>
+          </a:xfrm>
+          <a:prstGeom prst="rect">
+            <a:avLst/>
+          </a:prstGeom>
+          <a:noFill/>
+        </p:spPr>
+        <p:txBody>
+          <a:bodyPr wrap="none" rtlCol="0">
+            <a:spAutoFit/>
+          </a:bodyPr>
+          <a:lstStyle/>
+          <a:p>
+            <a:r>
+              <a:rPr lang="en-CA" sz="1400" b="1">
+                <a:solidFill>
+                  <a:srgbClr val="000000"/>
+                </a:solidFill>
+              </a:rPr>
+              <a:t>Common Tools VM</a:t>
+            </a:r>
+          </a:p>
+        </p:txBody>
+      </p:sp>
+      <p:cxnSp>
+        <p:nvCxnSpPr>
+          <p:cNvPr id="53" name="Elbow Connector 113">
+            <a:extLst>
+              <a:ext uri="{FF2B5EF4-FFF2-40B4-BE49-F238E27FC236}">
+                <a16:creationId xmlns:a16="http://schemas.microsoft.com/office/drawing/2014/main" id="{2363F870-CA3D-44D6-A4C5-496C59530EC9}"/>
+              </a:ext>
+            </a:extLst>
+          </p:cNvPr>
+          <p:cNvCxnSpPr>
+            <a:cxnSpLocks/>
+            <a:stCxn id="35" idx="0"/>
+          </p:cNvCxnSpPr>
+          <p:nvPr/>
+        </p:nvCxnSpPr>
+        <p:spPr bwMode="auto">
+          <a:xfrm rot="5400000" flipH="1" flipV="1">
+            <a:off x="7078131" y="-215596"/>
+            <a:ext cx="481224" cy="4143682"/>
+          </a:xfrm>
+          <a:prstGeom prst="bentConnector3">
+            <a:avLst>
+              <a:gd name="adj1" fmla="val 147504"/>
+            </a:avLst>
+          </a:prstGeom>
+          <a:ln>
+            <a:headEnd type="none" w="med" len="med"/>
+            <a:tailEnd type="triangle"/>
+          </a:ln>
+        </p:spPr>
+        <p:style>
+          <a:lnRef idx="3">
+            <a:schemeClr val="accent5"/>
+          </a:lnRef>
+          <a:fillRef idx="0">
+            <a:schemeClr val="accent5"/>
+          </a:fillRef>
+          <a:effectRef idx="2">
+            <a:schemeClr val="accent5"/>
+          </a:effectRef>
+          <a:fontRef idx="minor">
+            <a:schemeClr val="tx1"/>
+          </a:fontRef>
+        </p:style>
+      </p:cxnSp>
+      <p:sp>
+        <p:nvSpPr>
+          <p:cNvPr id="54" name="Rectangle 53">
+            <a:extLst>
+              <a:ext uri="{FF2B5EF4-FFF2-40B4-BE49-F238E27FC236}">
+                <a16:creationId xmlns:a16="http://schemas.microsoft.com/office/drawing/2014/main" id="{6035A5FB-803E-424B-BF4D-77A9D8983B4C}"/>
+              </a:ext>
+            </a:extLst>
+          </p:cNvPr>
+          <p:cNvSpPr/>
+          <p:nvPr/>
+        </p:nvSpPr>
+        <p:spPr bwMode="auto">
+          <a:xfrm>
+            <a:off x="3377781" y="3418257"/>
+            <a:ext cx="1132623" cy="398421"/>
+          </a:xfrm>
+          <a:prstGeom prst="rect">
+            <a:avLst/>
+          </a:prstGeom>
+          <a:noFill/>
+          <a:ln w="9525" cap="flat" cmpd="sng" algn="ctr">
+            <a:noFill/>
+            <a:prstDash val="solid"/>
+            <a:round/>
+            <a:headEnd type="none" w="med" len="med"/>
+            <a:tailEnd type="none" w="med" len="med"/>
+          </a:ln>
+          <a:effectLst/>
+        </p:spPr>
+        <p:txBody>
+          <a:bodyPr vert="horz" wrap="square" lIns="91440" tIns="45720" rIns="91440" bIns="45720" numCol="1" rtlCol="0" anchor="t" anchorCtr="0" compatLnSpc="1">
+            <a:prstTxWarp prst="textNoShape">
+              <a:avLst/>
+            </a:prstTxWarp>
+            <a:spAutoFit/>
+          </a:bodyPr>
+          <a:lstStyle/>
+          <a:p>
+            <a:pPr marL="342900" marR="0" indent="-342900" algn="l" defTabSz="914400" rtl="0" eaLnBrk="1" fontAlgn="base" latinLnBrk="0" hangingPunct="1">
+              <a:lnSpc>
+                <a:spcPct val="80000"/>
+              </a:lnSpc>
+              <a:spcBef>
+                <a:spcPct val="20000"/>
+              </a:spcBef>
+              <a:spcAft>
+                <a:spcPct val="0"/>
+              </a:spcAft>
+              <a:buClr>
+                <a:schemeClr val="hlink"/>
+              </a:buClr>
+              <a:buSzPct val="60000"/>
+              <a:buFont typeface="Arial Narrow" pitchFamily="34" charset="0"/>
+              <a:buNone/>
+              <a:tabLst/>
+            </a:pPr>
+            <a:endParaRPr kumimoji="0" lang="en-US" sz="2000" b="1" i="0" u="none" strike="noStrike" cap="none" normalizeH="0" baseline="0">
+              <a:ln>
+                <a:noFill/>
+              </a:ln>
+              <a:solidFill>
+                <a:schemeClr val="tx1"/>
+              </a:solidFill>
+              <a:effectLst/>
+              <a:latin typeface="Arial" charset="0"/>
+            </a:endParaRPr>
+          </a:p>
+        </p:txBody>
+      </p:sp>
+      <p:sp>
+        <p:nvSpPr>
+          <p:cNvPr id="55" name="Rectangle 54">
+            <a:extLst>
+              <a:ext uri="{FF2B5EF4-FFF2-40B4-BE49-F238E27FC236}">
+                <a16:creationId xmlns:a16="http://schemas.microsoft.com/office/drawing/2014/main" id="{A50695D7-6FD5-4CF6-AD3C-1BC5149D5DBB}"/>
+              </a:ext>
+            </a:extLst>
+          </p:cNvPr>
+          <p:cNvSpPr/>
+          <p:nvPr/>
+        </p:nvSpPr>
+        <p:spPr bwMode="auto">
+          <a:xfrm>
+            <a:off x="2255138" y="2994215"/>
+            <a:ext cx="2528033" cy="424732"/>
+          </a:xfrm>
+          <a:prstGeom prst="rect">
+            <a:avLst/>
+          </a:prstGeom>
+          <a:ln>
+            <a:headEnd type="none" w="med" len="med"/>
+            <a:tailEnd type="none" w="med" len="med"/>
+          </a:ln>
+        </p:spPr>
+        <p:style>
+          <a:lnRef idx="2">
+            <a:schemeClr val="accent5"/>
+          </a:lnRef>
+          <a:fillRef idx="1">
+            <a:schemeClr val="lt1"/>
+          </a:fillRef>
+          <a:effectRef idx="0">
+            <a:schemeClr val="accent5"/>
+          </a:effectRef>
+          <a:fontRef idx="minor">
+            <a:schemeClr val="dk1"/>
+          </a:fontRef>
+        </p:style>
+        <p:txBody>
+          <a:bodyPr vert="horz" wrap="square" lIns="91440" tIns="45720" rIns="91440" bIns="45720" numCol="1" rtlCol="0" anchor="t" anchorCtr="0" compatLnSpc="1">
+            <a:prstTxWarp prst="textNoShape">
+              <a:avLst/>
+            </a:prstTxWarp>
+            <a:spAutoFit/>
+          </a:bodyPr>
+          <a:lstStyle/>
+          <a:p>
+            <a:pPr marL="342900" marR="0" indent="-342900" algn="ctr" defTabSz="914400" rtl="0" eaLnBrk="1" fontAlgn="base" latinLnBrk="0" hangingPunct="1">
+              <a:lnSpc>
+                <a:spcPct val="80000"/>
+              </a:lnSpc>
+              <a:spcBef>
+                <a:spcPct val="20000"/>
+              </a:spcBef>
+              <a:spcAft>
+                <a:spcPct val="0"/>
+              </a:spcAft>
+              <a:buClr>
+                <a:schemeClr val="hlink"/>
+              </a:buClr>
+              <a:buSzPct val="60000"/>
+              <a:buFont typeface="Arial Narrow" pitchFamily="34" charset="0"/>
+              <a:buNone/>
+              <a:tabLst/>
+            </a:pPr>
+            <a:r>
+              <a:rPr kumimoji="0" lang="en-US" sz="1200" b="1" i="0" u="none" strike="noStrike" cap="none" normalizeH="0" baseline="0">
+                <a:ln>
+                  <a:noFill/>
+                </a:ln>
+                <a:solidFill>
+                  <a:schemeClr val="tx1"/>
+                </a:solidFill>
+                <a:effectLst/>
+                <a:latin typeface="Arial" charset="0"/>
+              </a:rPr>
+              <a:t>cf-solace-messaging</a:t>
+            </a:r>
+          </a:p>
+          <a:p>
+            <a:pPr marL="342900" marR="0" indent="-342900" algn="ctr" defTabSz="914400" rtl="0" eaLnBrk="1" fontAlgn="base" latinLnBrk="0" hangingPunct="1">
+              <a:lnSpc>
+                <a:spcPct val="80000"/>
+              </a:lnSpc>
+              <a:spcBef>
+                <a:spcPct val="20000"/>
+              </a:spcBef>
+              <a:spcAft>
+                <a:spcPct val="0"/>
+              </a:spcAft>
+              <a:buClr>
+                <a:schemeClr val="hlink"/>
+              </a:buClr>
+              <a:buSzPct val="60000"/>
+              <a:buFont typeface="Arial Narrow" pitchFamily="34" charset="0"/>
+              <a:buNone/>
+              <a:tabLst/>
+            </a:pPr>
+            <a:r>
+              <a:rPr kumimoji="0" lang="en-US" sz="1200" b="1" i="0" u="none" strike="noStrike" cap="none" normalizeH="0" baseline="0">
+                <a:ln>
+                  <a:noFill/>
+                </a:ln>
+                <a:solidFill>
+                  <a:schemeClr val="tx1"/>
+                </a:solidFill>
+                <a:effectLst/>
+                <a:latin typeface="Arial" charset="0"/>
+              </a:rPr>
+              <a:t>deployment</a:t>
+            </a:r>
+            <a:r>
+              <a:rPr lang="en-US" sz="1200" b="1">
+                <a:solidFill>
+                  <a:schemeClr val="tx1"/>
+                </a:solidFill>
+                <a:latin typeface="Arial" charset="0"/>
+              </a:rPr>
+              <a:t> (submodule)</a:t>
+            </a:r>
+          </a:p>
+        </p:txBody>
+      </p:sp>
+      <p:cxnSp>
+        <p:nvCxnSpPr>
+          <p:cNvPr id="56" name="Straight Arrow Connector 55">
+            <a:extLst>
+              <a:ext uri="{FF2B5EF4-FFF2-40B4-BE49-F238E27FC236}">
+                <a16:creationId xmlns:a16="http://schemas.microsoft.com/office/drawing/2014/main" id="{22A88802-C558-42E8-B6A2-2C36F7A28495}"/>
+              </a:ext>
+            </a:extLst>
+          </p:cNvPr>
+          <p:cNvCxnSpPr>
+            <a:cxnSpLocks/>
+          </p:cNvCxnSpPr>
+          <p:nvPr/>
+        </p:nvCxnSpPr>
+        <p:spPr bwMode="auto">
+          <a:xfrm flipV="1">
+            <a:off x="5506650" y="3096288"/>
+            <a:ext cx="2703202" cy="77263"/>
+          </a:xfrm>
+          <a:prstGeom prst="straightConnector1">
+            <a:avLst/>
+          </a:prstGeom>
+          <a:ln>
+            <a:headEnd type="none" w="med" len="med"/>
+            <a:tailEnd type="triangle"/>
+          </a:ln>
+        </p:spPr>
+        <p:style>
+          <a:lnRef idx="3">
+            <a:schemeClr val="accent5"/>
+          </a:lnRef>
+          <a:fillRef idx="0">
+            <a:schemeClr val="accent5"/>
+          </a:fillRef>
+          <a:effectRef idx="2">
+            <a:schemeClr val="accent5"/>
+          </a:effectRef>
+          <a:fontRef idx="minor">
+            <a:schemeClr val="tx1"/>
+          </a:fontRef>
+        </p:style>
+      </p:cxnSp>
+      <p:sp>
+        <p:nvSpPr>
+          <p:cNvPr id="57" name="Rectangle 56">
+            <a:extLst>
+              <a:ext uri="{FF2B5EF4-FFF2-40B4-BE49-F238E27FC236}">
+                <a16:creationId xmlns:a16="http://schemas.microsoft.com/office/drawing/2014/main" id="{C0247565-C00F-4427-8F15-E309C5FAD322}"/>
+              </a:ext>
+            </a:extLst>
+          </p:cNvPr>
+          <p:cNvSpPr/>
+          <p:nvPr/>
+        </p:nvSpPr>
+        <p:spPr bwMode="auto">
+          <a:xfrm>
+            <a:off x="8280508" y="2012731"/>
+            <a:ext cx="1412296" cy="1436204"/>
+          </a:xfrm>
+          <a:prstGeom prst="rect">
+            <a:avLst/>
+          </a:prstGeom>
+          <a:noFill/>
+          <a:ln>
+            <a:headEnd type="none" w="med" len="med"/>
+            <a:tailEnd type="none" w="med" len="med"/>
+          </a:ln>
+        </p:spPr>
+        <p:style>
+          <a:lnRef idx="2">
+            <a:schemeClr val="dk1"/>
+          </a:lnRef>
+          <a:fillRef idx="1">
+            <a:schemeClr val="lt1"/>
+          </a:fillRef>
+          <a:effectRef idx="0">
+            <a:schemeClr val="dk1"/>
+          </a:effectRef>
+          <a:fontRef idx="minor">
+            <a:schemeClr val="dk1"/>
+          </a:fontRef>
+        </p:style>
+        <p:txBody>
+          <a:bodyPr vert="horz" wrap="square" lIns="91440" tIns="45720" rIns="91440" bIns="45720" numCol="1" rtlCol="0" anchor="t" anchorCtr="0" compatLnSpc="1">
+            <a:prstTxWarp prst="textNoShape">
+              <a:avLst/>
+            </a:prstTxWarp>
+            <a:spAutoFit/>
+          </a:bodyPr>
+          <a:lstStyle/>
+          <a:p>
+            <a:pPr marL="342900" marR="0" indent="-342900" algn="l" defTabSz="914400" rtl="0" eaLnBrk="1" fontAlgn="base" latinLnBrk="0" hangingPunct="1">
+              <a:lnSpc>
+                <a:spcPct val="80000"/>
+              </a:lnSpc>
+              <a:spcBef>
+                <a:spcPct val="20000"/>
+              </a:spcBef>
+              <a:spcAft>
+                <a:spcPct val="0"/>
+              </a:spcAft>
+              <a:buClr>
+                <a:schemeClr val="hlink"/>
+              </a:buClr>
+              <a:buSzPct val="60000"/>
+              <a:buFont typeface="Arial Narrow" pitchFamily="34" charset="0"/>
+              <a:buNone/>
+              <a:tabLst/>
+            </a:pPr>
+            <a:endParaRPr kumimoji="0" lang="en-US" sz="2000" b="1" i="0" u="none" strike="noStrike" cap="none" normalizeH="0" baseline="0">
+              <a:ln>
+                <a:noFill/>
+              </a:ln>
+              <a:solidFill>
+                <a:schemeClr val="tx1"/>
+              </a:solidFill>
+              <a:effectLst/>
+              <a:latin typeface="Arial" charset="0"/>
+            </a:endParaRPr>
+          </a:p>
+        </p:txBody>
+      </p:sp>
+      <p:sp>
+        <p:nvSpPr>
+          <p:cNvPr id="58" name="TextBox 57">
+            <a:extLst>
+              <a:ext uri="{FF2B5EF4-FFF2-40B4-BE49-F238E27FC236}">
+                <a16:creationId xmlns:a16="http://schemas.microsoft.com/office/drawing/2014/main" id="{210B1777-4E1A-4D84-8BBD-9E88F557E5E4}"/>
+              </a:ext>
+            </a:extLst>
+          </p:cNvPr>
+          <p:cNvSpPr txBox="1"/>
+          <p:nvPr/>
+        </p:nvSpPr>
+        <p:spPr>
+          <a:xfrm>
+            <a:off x="8278901" y="1969030"/>
+            <a:ext cx="1925015" cy="369332"/>
+          </a:xfrm>
+          <a:prstGeom prst="rect">
+            <a:avLst/>
+          </a:prstGeom>
+          <a:noFill/>
+        </p:spPr>
+        <p:txBody>
+          <a:bodyPr wrap="square" rtlCol="0">
+            <a:spAutoFit/>
+          </a:bodyPr>
+          <a:lstStyle/>
+          <a:p>
+            <a:r>
+              <a:rPr lang="en-US" sz="1400"/>
+              <a:t>CF</a:t>
+            </a:r>
+            <a:r>
+              <a:rPr lang="en-US"/>
+              <a:t> </a:t>
+            </a:r>
+            <a:r>
+              <a:rPr lang="en-US" sz="1400"/>
+              <a:t>Deployment</a:t>
+            </a:r>
+          </a:p>
+        </p:txBody>
+      </p:sp>
+      <p:sp>
+        <p:nvSpPr>
+          <p:cNvPr id="59" name="Rectangle 58">
+            <a:extLst>
+              <a:ext uri="{FF2B5EF4-FFF2-40B4-BE49-F238E27FC236}">
+                <a16:creationId xmlns:a16="http://schemas.microsoft.com/office/drawing/2014/main" id="{3B3F741D-7036-4CCC-9AA6-CF888822C4D7}"/>
+              </a:ext>
+            </a:extLst>
+          </p:cNvPr>
+          <p:cNvSpPr/>
+          <p:nvPr/>
+        </p:nvSpPr>
+        <p:spPr bwMode="auto">
+          <a:xfrm>
+            <a:off x="7289600" y="2488778"/>
+            <a:ext cx="856393" cy="264688"/>
+          </a:xfrm>
+          <a:prstGeom prst="rect">
+            <a:avLst/>
+          </a:prstGeom>
+          <a:solidFill>
+            <a:schemeClr val="bg1"/>
+          </a:solidFill>
+          <a:ln>
+            <a:solidFill>
+              <a:schemeClr val="accent1">
+                <a:lumMod val="60000"/>
+                <a:lumOff val="40000"/>
+              </a:schemeClr>
+            </a:solidFill>
+            <a:headEnd type="none" w="med" len="med"/>
+            <a:tailEnd type="none" w="med" len="med"/>
+          </a:ln>
+        </p:spPr>
+        <p:style>
+          <a:lnRef idx="2">
+            <a:schemeClr val="accent4"/>
+          </a:lnRef>
+          <a:fillRef idx="1">
+            <a:schemeClr val="lt1"/>
+          </a:fillRef>
+          <a:effectRef idx="0">
+            <a:schemeClr val="accent4"/>
+          </a:effectRef>
+          <a:fontRef idx="minor">
+            <a:schemeClr val="dk1"/>
+          </a:fontRef>
+        </p:style>
+        <p:txBody>
+          <a:bodyPr vert="horz" wrap="square" lIns="91440" tIns="45720" rIns="91440" bIns="45720" numCol="1" rtlCol="0" anchor="t" anchorCtr="0" compatLnSpc="1">
+            <a:prstTxWarp prst="textNoShape">
+              <a:avLst/>
+            </a:prstTxWarp>
+            <a:spAutoFit/>
+          </a:bodyPr>
+          <a:lstStyle/>
+          <a:p>
+            <a:pPr marL="342900" marR="0" indent="-342900" algn="l" defTabSz="914400" rtl="0" eaLnBrk="1" fontAlgn="base" latinLnBrk="0" hangingPunct="1">
+              <a:lnSpc>
+                <a:spcPct val="80000"/>
+              </a:lnSpc>
+              <a:spcBef>
+                <a:spcPct val="20000"/>
+              </a:spcBef>
+              <a:spcAft>
+                <a:spcPct val="0"/>
+              </a:spcAft>
+              <a:buClr>
+                <a:schemeClr val="hlink"/>
+              </a:buClr>
+              <a:buSzPct val="60000"/>
+              <a:buFont typeface="Arial Narrow" pitchFamily="34" charset="0"/>
+              <a:buNone/>
+              <a:tabLst/>
+            </a:pPr>
+            <a:r>
+              <a:rPr kumimoji="0" lang="en-US" sz="1300" b="1" i="0" u="none" strike="noStrike" cap="none" normalizeH="0" baseline="0">
+                <a:ln>
+                  <a:noFill/>
+                </a:ln>
+                <a:solidFill>
+                  <a:schemeClr val="tx1"/>
+                </a:solidFill>
+                <a:effectLst/>
+                <a:latin typeface="Arial" charset="0"/>
+              </a:rPr>
+              <a:t>p-</a:t>
+            </a:r>
+            <a:r>
+              <a:rPr kumimoji="0" lang="en-US" sz="1300" b="1" i="0" u="none" strike="noStrike" cap="none" normalizeH="0" baseline="0" err="1">
+                <a:ln>
+                  <a:noFill/>
+                </a:ln>
+                <a:solidFill>
+                  <a:schemeClr val="tx1"/>
+                </a:solidFill>
+                <a:effectLst/>
+                <a:latin typeface="Arial" charset="0"/>
+              </a:rPr>
+              <a:t>mysql</a:t>
+            </a:r>
+            <a:r>
+              <a:rPr kumimoji="0" lang="en-US" sz="1400" b="1" i="0" u="none" strike="noStrike" cap="none" normalizeH="0" baseline="0">
+                <a:ln>
+                  <a:noFill/>
+                </a:ln>
+                <a:solidFill>
+                  <a:schemeClr val="tx1"/>
+                </a:solidFill>
+                <a:effectLst/>
+                <a:latin typeface="Arial" charset="0"/>
+              </a:rPr>
+              <a:t> </a:t>
+            </a:r>
+          </a:p>
+        </p:txBody>
+      </p:sp>
+      <p:cxnSp>
+        <p:nvCxnSpPr>
+          <p:cNvPr id="60" name="Straight Arrow Connector 59">
+            <a:extLst>
+              <a:ext uri="{FF2B5EF4-FFF2-40B4-BE49-F238E27FC236}">
+                <a16:creationId xmlns:a16="http://schemas.microsoft.com/office/drawing/2014/main" id="{255D9C90-7218-431C-B310-43ED35408785}"/>
+              </a:ext>
+            </a:extLst>
+          </p:cNvPr>
+          <p:cNvCxnSpPr>
+            <a:cxnSpLocks/>
+          </p:cNvCxnSpPr>
+          <p:nvPr/>
+        </p:nvCxnSpPr>
+        <p:spPr bwMode="auto">
+          <a:xfrm flipV="1">
+            <a:off x="5479650" y="2730833"/>
+            <a:ext cx="1752277" cy="300165"/>
+          </a:xfrm>
+          <a:prstGeom prst="straightConnector1">
+            <a:avLst/>
+          </a:prstGeom>
+          <a:ln>
+            <a:headEnd type="none" w="med" len="med"/>
+            <a:tailEnd type="triangle"/>
+          </a:ln>
+        </p:spPr>
+        <p:style>
+          <a:lnRef idx="3">
+            <a:schemeClr val="accent5"/>
+          </a:lnRef>
+          <a:fillRef idx="0">
+            <a:schemeClr val="accent5"/>
+          </a:fillRef>
+          <a:effectRef idx="2">
+            <a:schemeClr val="accent5"/>
+          </a:effectRef>
+          <a:fontRef idx="minor">
+            <a:schemeClr val="tx1"/>
+          </a:fontRef>
+        </p:style>
+      </p:cxnSp>
+      <p:cxnSp>
+        <p:nvCxnSpPr>
+          <p:cNvPr id="61" name="Straight Arrow Connector 60">
+            <a:extLst>
+              <a:ext uri="{FF2B5EF4-FFF2-40B4-BE49-F238E27FC236}">
+                <a16:creationId xmlns:a16="http://schemas.microsoft.com/office/drawing/2014/main" id="{B85B0896-47CC-43A4-B4A1-465CC5E802D9}"/>
+              </a:ext>
+            </a:extLst>
+          </p:cNvPr>
+          <p:cNvCxnSpPr/>
+          <p:nvPr/>
+        </p:nvCxnSpPr>
+        <p:spPr bwMode="auto">
+          <a:xfrm flipV="1">
+            <a:off x="1222851" y="3418257"/>
+            <a:ext cx="816063" cy="429606"/>
+          </a:xfrm>
+          <a:prstGeom prst="straightConnector1">
+            <a:avLst/>
+          </a:prstGeom>
+          <a:ln>
+            <a:headEnd type="none" w="med" len="med"/>
+            <a:tailEnd type="triangle"/>
+          </a:ln>
+        </p:spPr>
+        <p:style>
+          <a:lnRef idx="3">
+            <a:schemeClr val="accent5"/>
+          </a:lnRef>
+          <a:fillRef idx="0">
+            <a:schemeClr val="accent5"/>
+          </a:fillRef>
+          <a:effectRef idx="2">
+            <a:schemeClr val="accent5"/>
+          </a:effectRef>
+          <a:fontRef idx="minor">
+            <a:schemeClr val="tx1"/>
+          </a:fontRef>
+        </p:style>
+      </p:cxnSp>
+      <p:pic>
+        <p:nvPicPr>
+          <p:cNvPr id="62" name="Picture 61">
+            <a:extLst>
+              <a:ext uri="{FF2B5EF4-FFF2-40B4-BE49-F238E27FC236}">
+                <a16:creationId xmlns:a16="http://schemas.microsoft.com/office/drawing/2014/main" id="{001D2C3D-DE16-47A3-97BB-B7B0742E9804}"/>
+              </a:ext>
+            </a:extLst>
+          </p:cNvPr>
+          <p:cNvPicPr>
+            <a:picLocks noChangeAspect="1"/>
+          </p:cNvPicPr>
+          <p:nvPr/>
+        </p:nvPicPr>
+        <p:blipFill>
+          <a:blip r:embed="rId3"/>
+          <a:stretch>
+            <a:fillRect/>
+          </a:stretch>
+        </p:blipFill>
+        <p:spPr>
+          <a:xfrm>
+            <a:off x="2143068" y="3415257"/>
+            <a:ext cx="354135" cy="381080"/>
+          </a:xfrm>
+          <a:prstGeom prst="rect">
+            <a:avLst/>
+          </a:prstGeom>
+        </p:spPr>
+      </p:pic>
+      <p:pic>
+        <p:nvPicPr>
+          <p:cNvPr id="68" name="Picture 67">
+            <a:extLst>
+              <a:ext uri="{FF2B5EF4-FFF2-40B4-BE49-F238E27FC236}">
+                <a16:creationId xmlns:a16="http://schemas.microsoft.com/office/drawing/2014/main" id="{005B1B56-1DEC-465C-983C-353EF8C5C839}"/>
+              </a:ext>
+            </a:extLst>
+          </p:cNvPr>
+          <p:cNvPicPr>
+            <a:picLocks noChangeAspect="1"/>
+          </p:cNvPicPr>
+          <p:nvPr/>
+        </p:nvPicPr>
+        <p:blipFill>
+          <a:blip r:embed="rId4"/>
+          <a:stretch>
+            <a:fillRect/>
+          </a:stretch>
+        </p:blipFill>
+        <p:spPr>
+          <a:xfrm>
+            <a:off x="322698" y="3273741"/>
+            <a:ext cx="983480" cy="1446293"/>
+          </a:xfrm>
+          <a:prstGeom prst="rect">
+            <a:avLst/>
+          </a:prstGeom>
+        </p:spPr>
+      </p:pic>
+    </p:spTree>
+    <p:extLst>
+      <p:ext uri="{BB962C8B-B14F-4D97-AF65-F5344CB8AC3E}">
+        <p14:creationId xmlns:p14="http://schemas.microsoft.com/office/powerpoint/2010/main" val="3880591250"/>
+      </p:ext>
+    </p:extLst>
+  </p:cSld>
+  <p:clrMapOvr>
+    <a:masterClrMapping/>
+  </p:clrMapOvr>
+</p:sld>
+</file>
+
+<file path=ppt/slides/slide5.xml><?xml version="1.0" encoding="utf-8"?>
 <p:sld xmlns:a="http://schemas.openxmlformats.org/drawingml/2006/main" xmlns:r="http://schemas.openxmlformats.org/officeDocument/2006/relationships" xmlns:p="http://schemas.openxmlformats.org/presentationml/2006/main">
   <p:cSld>
     <p:spTree>
@@ -21691,7 +26500,7 @@
               <a:buFont typeface="Arial Narrow" pitchFamily="34" charset="0"/>
               <a:buNone/>
             </a:pPr>
-            <a:endParaRPr lang="en-CA" dirty="0" smtClean="0">
+            <a:endParaRPr lang="en-CA" dirty="0">
               <a:solidFill>
                 <a:srgbClr val="000000"/>
               </a:solidFill>
@@ -21765,20 +26574,12 @@
               <a:buNone/>
             </a:pPr>
             <a:r>
-              <a:rPr lang="en-CA" sz="2000" b="1" dirty="0" err="1" smtClean="0">
+              <a:rPr lang="en-CA" sz="2000" b="1">
                 <a:solidFill>
                   <a:srgbClr val="000000"/>
                 </a:solidFill>
               </a:rPr>
-              <a:t>PCFDev</a:t>
-            </a:r>
-            <a:r>
-              <a:rPr lang="en-CA" sz="2000" b="1" dirty="0" smtClean="0">
-                <a:solidFill>
-                  <a:srgbClr val="000000"/>
-                </a:solidFill>
-              </a:rPr>
-              <a:t> VM</a:t>
+              <a:t>CF Deployment</a:t>
             </a:r>
           </a:p>
         </p:txBody>
@@ -21874,7 +26675,7 @@
               <a:buNone/>
             </a:pPr>
             <a:r>
-              <a:rPr lang="en-CA" sz="2000" b="1" dirty="0" smtClean="0">
+              <a:rPr lang="en-CA" sz="2000" b="1" dirty="0">
                 <a:solidFill>
                   <a:srgbClr val="000000"/>
                 </a:solidFill>
@@ -21892,7 +26693,7 @@
         </p:nvGrpSpPr>
         <p:grpSpPr>
           <a:xfrm>
-            <a:off x="7519723" y="2246658"/>
+            <a:off x="7519723" y="2203083"/>
             <a:ext cx="1171599" cy="1171599"/>
             <a:chOff x="10438103" y="3127870"/>
             <a:chExt cx="593901" cy="593901"/>
@@ -21982,7 +26783,7 @@
                 <a:tabLst/>
               </a:pPr>
               <a:r>
-                <a:rPr kumimoji="0" lang="en-CA" sz="1600" i="0" u="none" strike="noStrike" cap="none" normalizeH="0" baseline="0" dirty="0" smtClean="0">
+                <a:rPr kumimoji="0" lang="en-CA" sz="1600" i="0" u="none" strike="noStrike" cap="none" normalizeH="0" baseline="0" dirty="0">
                   <a:ln>
                     <a:noFill/>
                   </a:ln>
@@ -22015,7 +26816,7 @@
                 <a:tabLst/>
               </a:pPr>
               <a:r>
-                <a:rPr lang="en-CA" sz="1600" dirty="0" smtClean="0">
+                <a:rPr lang="en-CA" sz="1600" dirty="0">
                   <a:latin typeface="Arial" charset="0"/>
                 </a:rPr>
                 <a:t>Service</a:t>
@@ -22041,7 +26842,7 @@
                 <a:tabLst/>
               </a:pPr>
               <a:r>
-                <a:rPr kumimoji="0" lang="en-CA" sz="1600" i="0" u="none" strike="noStrike" cap="none" normalizeH="0" baseline="0" dirty="0" smtClean="0">
+                <a:rPr kumimoji="0" lang="en-CA" sz="1600" i="0" u="none" strike="noStrike" cap="none" normalizeH="0" baseline="0" dirty="0">
                   <a:ln>
                     <a:noFill/>
                   </a:ln>
@@ -22167,7 +26968,7 @@
                 <a:buNone/>
                 <a:tabLst/>
               </a:pPr>
-              <a:endParaRPr kumimoji="0" lang="en-CA" sz="800" i="0" u="none" strike="noStrike" cap="none" normalizeH="0" baseline="0" dirty="0" smtClean="0">
+              <a:endParaRPr kumimoji="0" lang="en-CA" sz="800" i="0" u="none" strike="noStrike" cap="none" normalizeH="0" baseline="0" dirty="0">
                 <a:ln>
                   <a:noFill/>
                 </a:ln>
@@ -22356,7 +27157,7 @@
                 <a:buNone/>
                 <a:tabLst/>
               </a:pPr>
-              <a:endParaRPr kumimoji="0" lang="en-CA" sz="2000" b="1" i="0" u="none" strike="noStrike" cap="none" normalizeH="0" baseline="0" dirty="0" smtClean="0">
+              <a:endParaRPr kumimoji="0" lang="en-CA" sz="2000" b="1" i="0" u="none" strike="noStrike" cap="none" normalizeH="0" baseline="0" dirty="0">
                 <a:ln>
                   <a:noFill/>
                 </a:ln>
@@ -22395,18 +27196,13 @@
             <a:lstStyle/>
             <a:p>
               <a:r>
-                <a:rPr lang="en-CA" dirty="0" smtClean="0">
+                <a:rPr lang="en-CA" dirty="0">
                   <a:solidFill>
                     <a:schemeClr val="bg1"/>
                   </a:solidFill>
                 </a:rPr>
                 <a:t>1</a:t>
               </a:r>
-              <a:endParaRPr lang="en-CA" dirty="0">
-                <a:solidFill>
-                  <a:schemeClr val="bg1"/>
-                </a:solidFill>
-              </a:endParaRPr>
             </a:p>
           </p:txBody>
         </p:sp>
@@ -22509,7 +27305,7 @@
                 <a:tabLst/>
               </a:pPr>
               <a:r>
-                <a:rPr kumimoji="0" lang="en-CA" sz="500" i="0" u="none" strike="noStrike" cap="none" normalizeH="0" baseline="0" dirty="0" smtClean="0">
+                <a:rPr kumimoji="0" lang="en-CA" sz="500" i="0" u="none" strike="noStrike" cap="none" normalizeH="0" baseline="0" dirty="0">
                   <a:ln>
                     <a:noFill/>
                   </a:ln>
@@ -22542,7 +27338,7 @@
                 <a:tabLst/>
               </a:pPr>
               <a:r>
-                <a:rPr lang="en-CA" sz="500" dirty="0" smtClean="0">
+                <a:rPr lang="en-CA" sz="500" dirty="0">
                   <a:latin typeface="Arial" charset="0"/>
                 </a:rPr>
                 <a:t>Service</a:t>
@@ -22568,7 +27364,7 @@
                 <a:tabLst/>
               </a:pPr>
               <a:r>
-                <a:rPr kumimoji="0" lang="en-CA" sz="500" i="0" u="none" strike="noStrike" cap="none" normalizeH="0" baseline="0" dirty="0" smtClean="0">
+                <a:rPr kumimoji="0" lang="en-CA" sz="500" i="0" u="none" strike="noStrike" cap="none" normalizeH="0" baseline="0" dirty="0">
                   <a:ln>
                     <a:noFill/>
                   </a:ln>
@@ -22664,7 +27460,7 @@
                 <a:tabLst/>
               </a:pPr>
               <a:r>
-                <a:rPr kumimoji="0" lang="en-CA" sz="400" i="0" u="none" strike="noStrike" cap="none" normalizeH="0" baseline="0" dirty="0" smtClean="0">
+                <a:rPr kumimoji="0" lang="en-CA" sz="400" i="0" u="none" strike="noStrike" cap="none" normalizeH="0" baseline="0" dirty="0">
                   <a:ln>
                     <a:noFill/>
                   </a:ln>
@@ -22677,7 +27473,7 @@
                 <a:t>BOSH VMR</a:t>
               </a:r>
               <a:r>
-                <a:rPr kumimoji="0" lang="en-CA" sz="400" i="0" u="none" strike="noStrike" cap="none" normalizeH="0" dirty="0" smtClean="0">
+                <a:rPr kumimoji="0" lang="en-CA" sz="400" i="0" u="none" strike="noStrike" cap="none" normalizeH="0" dirty="0">
                   <a:ln>
                     <a:noFill/>
                   </a:ln>
@@ -22868,7 +27664,7 @@
                 <a:buNone/>
                 <a:tabLst/>
               </a:pPr>
-              <a:endParaRPr kumimoji="0" lang="en-CA" sz="2000" b="1" i="0" u="none" strike="noStrike" cap="none" normalizeH="0" baseline="0" dirty="0" smtClean="0">
+              <a:endParaRPr kumimoji="0" lang="en-CA" sz="2000" b="1" i="0" u="none" strike="noStrike" cap="none" normalizeH="0" baseline="0" dirty="0">
                 <a:ln>
                   <a:noFill/>
                 </a:ln>
@@ -22907,7 +27703,7 @@
             <a:lstStyle/>
             <a:p>
               <a:r>
-                <a:rPr lang="en-CA" dirty="0" smtClean="0">
+                <a:rPr lang="en-CA" dirty="0">
                   <a:solidFill>
                     <a:schemeClr val="bg1"/>
                   </a:solidFill>
@@ -23029,7 +27825,7 @@
                 <a:buNone/>
                 <a:tabLst/>
               </a:pPr>
-              <a:endParaRPr kumimoji="0" lang="en-CA" sz="2000" b="1" i="0" u="none" strike="noStrike" cap="none" normalizeH="0" baseline="0" dirty="0" smtClean="0">
+              <a:endParaRPr kumimoji="0" lang="en-CA" sz="2000" b="1" i="0" u="none" strike="noStrike" cap="none" normalizeH="0" baseline="0" dirty="0">
                 <a:ln>
                   <a:noFill/>
                 </a:ln>
@@ -23075,11 +27871,6 @@
                 </a:rPr>
                 <a:t>3</a:t>
               </a:r>
-              <a:endParaRPr lang="en-CA" dirty="0" smtClean="0">
-                <a:solidFill>
-                  <a:schemeClr val="bg1"/>
-                </a:solidFill>
-              </a:endParaRPr>
             </a:p>
           </p:txBody>
         </p:sp>
@@ -23290,14 +28081,11 @@
               <a:buSzPct val="60000"/>
             </a:pPr>
             <a:r>
-              <a:rPr lang="en-CA" sz="1400" dirty="0" smtClean="0">
+              <a:rPr lang="en-CA" sz="1400" dirty="0">
                 <a:latin typeface="Arial" charset="0"/>
               </a:rPr>
               <a:t>PCF Tile</a:t>
             </a:r>
-            <a:endParaRPr lang="en-CA" sz="1400" dirty="0">
-              <a:latin typeface="Arial" charset="0"/>
-            </a:endParaRPr>
           </a:p>
         </p:txBody>
       </p:sp>
@@ -23381,7 +28169,7 @@
                 <a:tabLst/>
               </a:pPr>
               <a:r>
-                <a:rPr kumimoji="0" lang="en-CA" sz="400" i="0" u="none" strike="noStrike" cap="none" normalizeH="0" baseline="0" dirty="0" smtClean="0">
+                <a:rPr kumimoji="0" lang="en-CA" sz="400" i="0" u="none" strike="noStrike" cap="none" normalizeH="0" baseline="0" dirty="0">
                   <a:ln>
                     <a:noFill/>
                   </a:ln>
@@ -23394,7 +28182,7 @@
                 <a:t>BOSH VMR</a:t>
               </a:r>
               <a:r>
-                <a:rPr kumimoji="0" lang="en-CA" sz="400" i="0" u="none" strike="noStrike" cap="none" normalizeH="0" dirty="0" smtClean="0">
+                <a:rPr kumimoji="0" lang="en-CA" sz="400" i="0" u="none" strike="noStrike" cap="none" normalizeH="0" dirty="0">
                   <a:ln>
                     <a:noFill/>
                   </a:ln>
@@ -23538,7 +28326,7 @@
                 <a:tabLst/>
               </a:pPr>
               <a:r>
-                <a:rPr kumimoji="0" lang="en-CA" sz="700" i="0" u="none" strike="noStrike" cap="none" normalizeH="0" baseline="0" dirty="0" smtClean="0">
+                <a:rPr kumimoji="0" lang="en-CA" sz="700" i="0" u="none" strike="noStrike" cap="none" normalizeH="0" baseline="0" dirty="0">
                   <a:ln>
                     <a:noFill/>
                   </a:ln>
@@ -23571,7 +28359,7 @@
                 <a:tabLst/>
               </a:pPr>
               <a:r>
-                <a:rPr lang="en-CA" sz="700" dirty="0" smtClean="0">
+                <a:rPr lang="en-CA" sz="700" dirty="0">
                   <a:latin typeface="Arial" charset="0"/>
                 </a:rPr>
                 <a:t>Service</a:t>
@@ -23597,7 +28385,7 @@
                 <a:tabLst/>
               </a:pPr>
               <a:r>
-                <a:rPr kumimoji="0" lang="en-CA" sz="700" i="0" u="none" strike="noStrike" cap="none" normalizeH="0" baseline="0" dirty="0" smtClean="0">
+                <a:rPr kumimoji="0" lang="en-CA" sz="700" i="0" u="none" strike="noStrike" cap="none" normalizeH="0" baseline="0" dirty="0">
                   <a:ln>
                     <a:noFill/>
                   </a:ln>
@@ -23706,21 +28494,8 @@
                   <a:srgbClr val="000000"/>
                 </a:solidFill>
               </a:rPr>
-              <a:t>Common Tools </a:t>
-            </a:r>
-            <a:r>
-              <a:rPr lang="en-CA" sz="1400" b="1" dirty="0" smtClean="0">
-                <a:solidFill>
-                  <a:srgbClr val="000000"/>
-                </a:solidFill>
-              </a:rPr>
-              <a:t>VM</a:t>
-            </a:r>
-            <a:endParaRPr lang="en-CA" sz="1400" b="1" dirty="0">
-              <a:solidFill>
-                <a:srgbClr val="000000"/>
-              </a:solidFill>
-            </a:endParaRPr>
+              <a:t>Common Tools VM</a:t>
+            </a:r>
           </a:p>
         </p:txBody>
       </p:sp>
@@ -23734,13 +28509,6 @@
   <p:clrMapOvr>
     <a:masterClrMapping/>
   </p:clrMapOvr>
-  <p:timing>
-    <p:tnLst>
-      <p:par>
-        <p:cTn id="1" dur="indefinite" restart="never" nodeType="tmRoot"/>
-      </p:par>
-    </p:tnLst>
-  </p:timing>
 </p:sld>
 </file>
 

--- a/resources/diagrams.pptx
+++ b/resources/diagrams.pptx
@@ -11,19 +11,20 @@
     <p:sldMasterId id="2147483741" r:id="rId7"/>
   </p:sldMasterIdLst>
   <p:notesMasterIdLst>
-    <p:notesMasterId r:id="rId13"/>
+    <p:notesMasterId r:id="rId14"/>
   </p:notesMasterIdLst>
   <p:sldIdLst>
     <p:sldId id="592" r:id="rId8"/>
     <p:sldId id="595" r:id="rId9"/>
     <p:sldId id="593" r:id="rId10"/>
     <p:sldId id="596" r:id="rId11"/>
-    <p:sldId id="594" r:id="rId12"/>
+    <p:sldId id="597" r:id="rId12"/>
+    <p:sldId id="594" r:id="rId13"/>
   </p:sldIdLst>
   <p:sldSz cx="12192000" cy="6858000"/>
   <p:notesSz cx="6858000" cy="9144000"/>
   <p:custDataLst>
-    <p:tags r:id="rId14"/>
+    <p:tags r:id="rId15"/>
   </p:custDataLst>
   <p:defaultTextStyle>
     <a:defPPr>
@@ -146,10 +147,6 @@
 </p:cmAuthorLst>
 </file>
 
-<file path=ppt/revisionInfo.xml><?xml version="1.0" encoding="utf-8"?>
-<p1510:revInfo xmlns:a="http://schemas.openxmlformats.org/drawingml/2006/main" xmlns:r="http://schemas.openxmlformats.org/officeDocument/2006/relationships" xmlns:p1510="http://schemas.microsoft.com/office/powerpoint/2015/10/main"/>
-</file>
-
 <file path=ppt/notesMasters/notesMaster1.xml><?xml version="1.0" encoding="utf-8"?>
 <p:notesMaster xmlns:a="http://schemas.openxmlformats.org/drawingml/2006/main" xmlns:r="http://schemas.openxmlformats.org/officeDocument/2006/relationships" xmlns:p="http://schemas.openxmlformats.org/presentationml/2006/main">
   <p:cSld>
@@ -233,7 +230,7 @@
             <a:fld id="{8C4CD305-C8EB-014F-809E-A167267EBAE0}" type="datetimeFigureOut">
               <a:rPr lang="en-US" smtClean="0"/>
               <a:pPr/>
-              <a:t>3/14/2018</a:t>
+              <a:t>9/11/2018</a:t>
             </a:fld>
             <a:endParaRPr lang="en-US"/>
           </a:p>
@@ -860,7 +857,7 @@
                 </a:solidFill>
               </a:rPr>
               <a:pPr/>
-              <a:t>5</a:t>
+              <a:t>6</a:t>
             </a:fld>
             <a:endParaRPr lang="en-US">
               <a:solidFill>
@@ -26419,6 +26416,1378 @@
 </file>
 
 <file path=ppt/slides/slide5.xml><?xml version="1.0" encoding="utf-8"?>
+<p:sld xmlns:a="http://schemas.openxmlformats.org/drawingml/2006/main" xmlns:r="http://schemas.openxmlformats.org/officeDocument/2006/relationships" xmlns:p="http://schemas.openxmlformats.org/presentationml/2006/main">
+  <p:cSld>
+    <p:spTree>
+      <p:nvGrpSpPr>
+        <p:cNvPr id="1" name=""/>
+        <p:cNvGrpSpPr/>
+        <p:nvPr/>
+      </p:nvGrpSpPr>
+      <p:grpSpPr>
+        <a:xfrm>
+          <a:off x="0" y="0"/>
+          <a:ext cx="0" cy="0"/>
+          <a:chOff x="0" y="0"/>
+          <a:chExt cx="0" cy="0"/>
+        </a:xfrm>
+      </p:grpSpPr>
+      <p:sp>
+        <p:nvSpPr>
+          <p:cNvPr id="67" name="Rectangle 66">
+            <a:extLst>
+              <a:ext uri="{FF2B5EF4-FFF2-40B4-BE49-F238E27FC236}">
+                <a16:creationId xmlns:a16="http://schemas.microsoft.com/office/drawing/2014/main" id="{B4483781-0628-45AC-ACB2-CF1EBF116E3E}"/>
+              </a:ext>
+            </a:extLst>
+          </p:cNvPr>
+          <p:cNvSpPr/>
+          <p:nvPr/>
+        </p:nvSpPr>
+        <p:spPr bwMode="auto">
+          <a:xfrm>
+            <a:off x="7134160" y="1615633"/>
+            <a:ext cx="4512847" cy="2023785"/>
+          </a:xfrm>
+          <a:prstGeom prst="rect">
+            <a:avLst/>
+          </a:prstGeom>
+          <a:solidFill>
+            <a:schemeClr val="accent1">
+              <a:lumMod val="20000"/>
+              <a:lumOff val="80000"/>
+            </a:schemeClr>
+          </a:solidFill>
+          <a:ln>
+            <a:headEnd type="none" w="med" len="med"/>
+            <a:tailEnd type="none" w="med" len="med"/>
+          </a:ln>
+        </p:spPr>
+        <p:style>
+          <a:lnRef idx="1">
+            <a:schemeClr val="accent1"/>
+          </a:lnRef>
+          <a:fillRef idx="2">
+            <a:schemeClr val="accent1"/>
+          </a:fillRef>
+          <a:effectRef idx="1">
+            <a:schemeClr val="accent1"/>
+          </a:effectRef>
+          <a:fontRef idx="minor">
+            <a:schemeClr val="dk1"/>
+          </a:fontRef>
+        </p:style>
+        <p:txBody>
+          <a:bodyPr vert="horz" wrap="square" lIns="91440" tIns="45720" rIns="91440" bIns="45720" numCol="1" rtlCol="0" anchor="t" anchorCtr="0" compatLnSpc="1">
+            <a:prstTxWarp prst="textNoShape">
+              <a:avLst/>
+            </a:prstTxWarp>
+            <a:noAutofit/>
+          </a:bodyPr>
+          <a:lstStyle/>
+          <a:p>
+            <a:pPr marL="342900" indent="-342900" algn="ctr" defTabSz="914400" fontAlgn="base">
+              <a:lnSpc>
+                <a:spcPct val="80000"/>
+              </a:lnSpc>
+              <a:spcBef>
+                <a:spcPct val="20000"/>
+              </a:spcBef>
+              <a:spcAft>
+                <a:spcPct val="0"/>
+              </a:spcAft>
+              <a:buClr>
+                <a:srgbClr val="5BBDF9"/>
+              </a:buClr>
+              <a:buSzPct val="60000"/>
+              <a:buFont typeface="Arial Narrow" pitchFamily="34" charset="0"/>
+              <a:buNone/>
+            </a:pPr>
+            <a:r>
+              <a:rPr lang="en-CA" sz="2000" b="1" dirty="0">
+                <a:solidFill>
+                  <a:srgbClr val="000000"/>
+                </a:solidFill>
+              </a:rPr>
+              <a:t>BOSH VM</a:t>
+            </a:r>
+          </a:p>
+        </p:txBody>
+      </p:sp>
+      <p:grpSp>
+        <p:nvGrpSpPr>
+          <p:cNvPr id="63" name="Group 62">
+            <a:extLst>
+              <a:ext uri="{FF2B5EF4-FFF2-40B4-BE49-F238E27FC236}">
+                <a16:creationId xmlns:a16="http://schemas.microsoft.com/office/drawing/2014/main" id="{CD1B6681-F714-4700-83B8-200BBF0BEED2}"/>
+              </a:ext>
+            </a:extLst>
+          </p:cNvPr>
+          <p:cNvGrpSpPr/>
+          <p:nvPr/>
+        </p:nvGrpSpPr>
+        <p:grpSpPr>
+          <a:xfrm>
+            <a:off x="2078071" y="2639452"/>
+            <a:ext cx="2882004" cy="1153195"/>
+            <a:chOff x="1413937" y="2651985"/>
+            <a:chExt cx="2513344" cy="982329"/>
+          </a:xfrm>
+        </p:grpSpPr>
+        <p:sp>
+          <p:nvSpPr>
+            <p:cNvPr id="64" name="Rectangle 63">
+              <a:extLst>
+                <a:ext uri="{FF2B5EF4-FFF2-40B4-BE49-F238E27FC236}">
+                  <a16:creationId xmlns:a16="http://schemas.microsoft.com/office/drawing/2014/main" id="{03F62B1A-D8B5-47B4-827F-1C0EE26F56F3}"/>
+                </a:ext>
+              </a:extLst>
+            </p:cNvPr>
+            <p:cNvSpPr/>
+            <p:nvPr/>
+          </p:nvSpPr>
+          <p:spPr bwMode="auto">
+            <a:xfrm>
+              <a:off x="1413937" y="2651985"/>
+              <a:ext cx="2513344" cy="982329"/>
+            </a:xfrm>
+            <a:prstGeom prst="rect">
+              <a:avLst/>
+            </a:prstGeom>
+            <a:ln>
+              <a:headEnd type="none" w="med" len="med"/>
+              <a:tailEnd type="none" w="med" len="med"/>
+            </a:ln>
+          </p:spPr>
+          <p:style>
+            <a:lnRef idx="1">
+              <a:schemeClr val="accent3"/>
+            </a:lnRef>
+            <a:fillRef idx="3">
+              <a:schemeClr val="accent3"/>
+            </a:fillRef>
+            <a:effectRef idx="2">
+              <a:schemeClr val="accent3"/>
+            </a:effectRef>
+            <a:fontRef idx="minor">
+              <a:schemeClr val="lt1"/>
+            </a:fontRef>
+          </p:style>
+          <p:txBody>
+            <a:bodyPr vert="horz" wrap="square" lIns="91440" tIns="45720" rIns="91440" bIns="45720" numCol="1" rtlCol="0" anchor="t" anchorCtr="0" compatLnSpc="1">
+              <a:prstTxWarp prst="textNoShape">
+                <a:avLst/>
+              </a:prstTxWarp>
+              <a:noAutofit/>
+            </a:bodyPr>
+            <a:lstStyle/>
+            <a:p>
+              <a:pPr marL="342900" marR="0" indent="-342900" algn="l" defTabSz="914400" rtl="0" eaLnBrk="1" fontAlgn="base" latinLnBrk="0" hangingPunct="1">
+                <a:lnSpc>
+                  <a:spcPct val="80000"/>
+                </a:lnSpc>
+                <a:spcBef>
+                  <a:spcPct val="20000"/>
+                </a:spcBef>
+                <a:spcAft>
+                  <a:spcPct val="0"/>
+                </a:spcAft>
+                <a:buClr>
+                  <a:schemeClr val="hlink"/>
+                </a:buClr>
+                <a:buSzPct val="60000"/>
+                <a:buFont typeface="Arial Narrow" pitchFamily="34" charset="0"/>
+                <a:buNone/>
+                <a:tabLst/>
+              </a:pPr>
+              <a:endParaRPr kumimoji="0" lang="en-CA" sz="2000" b="1" i="0" u="none" strike="noStrike" cap="none" normalizeH="0" baseline="0">
+                <a:ln>
+                  <a:noFill/>
+                </a:ln>
+                <a:solidFill>
+                  <a:schemeClr val="tx1"/>
+                </a:solidFill>
+                <a:effectLst/>
+                <a:latin typeface="Arial" charset="0"/>
+              </a:endParaRPr>
+            </a:p>
+          </p:txBody>
+        </p:sp>
+        <p:sp>
+          <p:nvSpPr>
+            <p:cNvPr id="65" name="TextBox 64">
+              <a:extLst>
+                <a:ext uri="{FF2B5EF4-FFF2-40B4-BE49-F238E27FC236}">
+                  <a16:creationId xmlns:a16="http://schemas.microsoft.com/office/drawing/2014/main" id="{363CCE8B-6F58-48B3-9E7C-9E4BCDA5DC18}"/>
+                </a:ext>
+              </a:extLst>
+            </p:cNvPr>
+            <p:cNvSpPr txBox="1"/>
+            <p:nvPr/>
+          </p:nvSpPr>
+          <p:spPr>
+            <a:xfrm>
+              <a:off x="1512453" y="2682689"/>
+              <a:ext cx="2263141" cy="307777"/>
+            </a:xfrm>
+            <a:prstGeom prst="rect">
+              <a:avLst/>
+            </a:prstGeom>
+            <a:noFill/>
+          </p:spPr>
+          <p:txBody>
+            <a:bodyPr wrap="square" rtlCol="0">
+              <a:spAutoFit/>
+            </a:bodyPr>
+            <a:lstStyle/>
+            <a:p>
+              <a:pPr algn="ctr"/>
+              <a:r>
+                <a:rPr lang="en-CA" sz="1400"/>
+                <a:t>solace-messaging-cf-dev</a:t>
+              </a:r>
+            </a:p>
+          </p:txBody>
+        </p:sp>
+        <p:pic>
+          <p:nvPicPr>
+            <p:cNvPr id="66" name="Picture 65">
+              <a:extLst>
+                <a:ext uri="{FF2B5EF4-FFF2-40B4-BE49-F238E27FC236}">
+                  <a16:creationId xmlns:a16="http://schemas.microsoft.com/office/drawing/2014/main" id="{990FE416-3C44-4A07-A03B-2E89B1C43C83}"/>
+                </a:ext>
+              </a:extLst>
+            </p:cNvPr>
+            <p:cNvPicPr>
+              <a:picLocks noChangeAspect="1"/>
+            </p:cNvPicPr>
+            <p:nvPr/>
+          </p:nvPicPr>
+          <p:blipFill>
+            <a:blip r:embed="rId2"/>
+            <a:stretch>
+              <a:fillRect/>
+            </a:stretch>
+          </p:blipFill>
+          <p:spPr>
+            <a:xfrm>
+              <a:off x="1812193" y="3333947"/>
+              <a:ext cx="753787" cy="286439"/>
+            </a:xfrm>
+            <a:prstGeom prst="rect">
+              <a:avLst/>
+            </a:prstGeom>
+          </p:spPr>
+        </p:pic>
+      </p:grpSp>
+      <p:cxnSp>
+        <p:nvCxnSpPr>
+          <p:cNvPr id="3" name="Straight Arrow Connector 2">
+            <a:extLst>
+              <a:ext uri="{FF2B5EF4-FFF2-40B4-BE49-F238E27FC236}">
+                <a16:creationId xmlns:a16="http://schemas.microsoft.com/office/drawing/2014/main" id="{8813ED74-4DA1-483B-9CDD-89C78E74F3DF}"/>
+              </a:ext>
+            </a:extLst>
+          </p:cNvPr>
+          <p:cNvCxnSpPr/>
+          <p:nvPr/>
+        </p:nvCxnSpPr>
+        <p:spPr bwMode="auto">
+          <a:xfrm>
+            <a:off x="5432287" y="3761712"/>
+            <a:ext cx="1827470" cy="517100"/>
+          </a:xfrm>
+          <a:prstGeom prst="straightConnector1">
+            <a:avLst/>
+          </a:prstGeom>
+          <a:ln>
+            <a:headEnd type="none" w="med" len="med"/>
+            <a:tailEnd type="triangle"/>
+          </a:ln>
+        </p:spPr>
+        <p:style>
+          <a:lnRef idx="3">
+            <a:schemeClr val="accent5"/>
+          </a:lnRef>
+          <a:fillRef idx="0">
+            <a:schemeClr val="accent5"/>
+          </a:fillRef>
+          <a:effectRef idx="2">
+            <a:schemeClr val="accent5"/>
+          </a:effectRef>
+          <a:fontRef idx="minor">
+            <a:schemeClr val="tx1"/>
+          </a:fontRef>
+        </p:style>
+      </p:cxnSp>
+      <p:sp>
+        <p:nvSpPr>
+          <p:cNvPr id="4" name="Rectangle 3">
+            <a:extLst>
+              <a:ext uri="{FF2B5EF4-FFF2-40B4-BE49-F238E27FC236}">
+                <a16:creationId xmlns:a16="http://schemas.microsoft.com/office/drawing/2014/main" id="{309979AD-EC0C-4512-9F80-933F1C1469D2}"/>
+              </a:ext>
+            </a:extLst>
+          </p:cNvPr>
+          <p:cNvSpPr/>
+          <p:nvPr/>
+        </p:nvSpPr>
+        <p:spPr bwMode="auto">
+          <a:xfrm>
+            <a:off x="7319180" y="4225742"/>
+            <a:ext cx="2126827" cy="1841039"/>
+          </a:xfrm>
+          <a:prstGeom prst="rect">
+            <a:avLst/>
+          </a:prstGeom>
+          <a:solidFill>
+            <a:schemeClr val="accent1">
+              <a:lumMod val="20000"/>
+              <a:lumOff val="80000"/>
+            </a:schemeClr>
+          </a:solidFill>
+          <a:ln>
+            <a:headEnd type="none" w="med" len="med"/>
+            <a:tailEnd type="none" w="med" len="med"/>
+          </a:ln>
+        </p:spPr>
+        <p:style>
+          <a:lnRef idx="1">
+            <a:schemeClr val="accent1"/>
+          </a:lnRef>
+          <a:fillRef idx="2">
+            <a:schemeClr val="accent1"/>
+          </a:fillRef>
+          <a:effectRef idx="1">
+            <a:schemeClr val="accent1"/>
+          </a:effectRef>
+          <a:fontRef idx="minor">
+            <a:schemeClr val="dk1"/>
+          </a:fontRef>
+        </p:style>
+        <p:txBody>
+          <a:bodyPr vert="horz" wrap="square" lIns="91440" tIns="45720" rIns="91440" bIns="45720" numCol="1" rtlCol="0" anchor="b" anchorCtr="0" compatLnSpc="1">
+            <a:prstTxWarp prst="textNoShape">
+              <a:avLst/>
+            </a:prstTxWarp>
+            <a:noAutofit/>
+          </a:bodyPr>
+          <a:lstStyle/>
+          <a:p>
+            <a:pPr marL="342900" indent="-342900" algn="ctr" defTabSz="914400" fontAlgn="base">
+              <a:lnSpc>
+                <a:spcPct val="80000"/>
+              </a:lnSpc>
+              <a:spcBef>
+                <a:spcPct val="20000"/>
+              </a:spcBef>
+              <a:spcAft>
+                <a:spcPct val="0"/>
+              </a:spcAft>
+              <a:buClr>
+                <a:srgbClr val="5BBDF9"/>
+              </a:buClr>
+              <a:buSzPct val="60000"/>
+              <a:buFont typeface="Arial Narrow" pitchFamily="34" charset="0"/>
+              <a:buNone/>
+            </a:pPr>
+            <a:endParaRPr lang="en-CA">
+              <a:solidFill>
+                <a:srgbClr val="000000"/>
+              </a:solidFill>
+            </a:endParaRPr>
+          </a:p>
+        </p:txBody>
+      </p:sp>
+      <p:grpSp>
+        <p:nvGrpSpPr>
+          <p:cNvPr id="36" name="Group 35">
+            <a:extLst>
+              <a:ext uri="{FF2B5EF4-FFF2-40B4-BE49-F238E27FC236}">
+                <a16:creationId xmlns:a16="http://schemas.microsoft.com/office/drawing/2014/main" id="{3C81B786-EB68-4EA6-9F7F-4C5C89250BC0}"/>
+              </a:ext>
+            </a:extLst>
+          </p:cNvPr>
+          <p:cNvGrpSpPr/>
+          <p:nvPr/>
+        </p:nvGrpSpPr>
+        <p:grpSpPr>
+          <a:xfrm>
+            <a:off x="5074835" y="3414299"/>
+            <a:ext cx="318324" cy="369332"/>
+            <a:chOff x="2790018" y="5072988"/>
+            <a:chExt cx="318324" cy="369332"/>
+          </a:xfrm>
+        </p:grpSpPr>
+        <p:sp>
+          <p:nvSpPr>
+            <p:cNvPr id="37" name="Oval 36">
+              <a:extLst>
+                <a:ext uri="{FF2B5EF4-FFF2-40B4-BE49-F238E27FC236}">
+                  <a16:creationId xmlns:a16="http://schemas.microsoft.com/office/drawing/2014/main" id="{6A3FD9BD-AC7C-4E82-A2E0-8F940698C0C8}"/>
+                </a:ext>
+              </a:extLst>
+            </p:cNvPr>
+            <p:cNvSpPr/>
+            <p:nvPr/>
+          </p:nvSpPr>
+          <p:spPr bwMode="auto">
+            <a:xfrm>
+              <a:off x="2790018" y="5116682"/>
+              <a:ext cx="318324" cy="316259"/>
+            </a:xfrm>
+            <a:prstGeom prst="ellipse">
+              <a:avLst/>
+            </a:prstGeom>
+            <a:solidFill>
+              <a:schemeClr val="accent5">
+                <a:lumMod val="60000"/>
+                <a:lumOff val="40000"/>
+              </a:schemeClr>
+            </a:solidFill>
+            <a:ln>
+              <a:headEnd type="none" w="med" len="med"/>
+              <a:tailEnd type="none" w="med" len="med"/>
+            </a:ln>
+          </p:spPr>
+          <p:style>
+            <a:lnRef idx="0">
+              <a:schemeClr val="accent2"/>
+            </a:lnRef>
+            <a:fillRef idx="3">
+              <a:schemeClr val="accent2"/>
+            </a:fillRef>
+            <a:effectRef idx="3">
+              <a:schemeClr val="accent2"/>
+            </a:effectRef>
+            <a:fontRef idx="minor">
+              <a:schemeClr val="lt1"/>
+            </a:fontRef>
+          </p:style>
+          <p:txBody>
+            <a:bodyPr vert="horz" wrap="square" lIns="91440" tIns="45720" rIns="91440" bIns="45720" numCol="1" rtlCol="0" anchor="t" anchorCtr="0" compatLnSpc="1">
+              <a:prstTxWarp prst="textNoShape">
+                <a:avLst/>
+              </a:prstTxWarp>
+              <a:noAutofit/>
+            </a:bodyPr>
+            <a:lstStyle/>
+            <a:p>
+              <a:pPr marL="342900" marR="0" indent="-342900" algn="l" defTabSz="914400" rtl="0" eaLnBrk="1" fontAlgn="base" latinLnBrk="0" hangingPunct="1">
+                <a:lnSpc>
+                  <a:spcPct val="80000"/>
+                </a:lnSpc>
+                <a:spcBef>
+                  <a:spcPct val="20000"/>
+                </a:spcBef>
+                <a:spcAft>
+                  <a:spcPct val="0"/>
+                </a:spcAft>
+                <a:buClr>
+                  <a:schemeClr val="hlink"/>
+                </a:buClr>
+                <a:buSzPct val="60000"/>
+                <a:buFont typeface="Arial Narrow" pitchFamily="34" charset="0"/>
+                <a:buNone/>
+                <a:tabLst/>
+              </a:pPr>
+              <a:endParaRPr kumimoji="0" lang="en-CA" sz="2000" b="1" i="0" u="none" strike="noStrike" cap="none" normalizeH="0" baseline="0">
+                <a:ln>
+                  <a:noFill/>
+                </a:ln>
+                <a:solidFill>
+                  <a:schemeClr val="accent4">
+                    <a:lumMod val="95000"/>
+                    <a:lumOff val="5000"/>
+                  </a:schemeClr>
+                </a:solidFill>
+                <a:effectLst/>
+                <a:latin typeface="Arial" charset="0"/>
+              </a:endParaRPr>
+            </a:p>
+          </p:txBody>
+        </p:sp>
+        <p:sp>
+          <p:nvSpPr>
+            <p:cNvPr id="38" name="TextBox 37">
+              <a:extLst>
+                <a:ext uri="{FF2B5EF4-FFF2-40B4-BE49-F238E27FC236}">
+                  <a16:creationId xmlns:a16="http://schemas.microsoft.com/office/drawing/2014/main" id="{DC315CDA-7F48-4B66-9FC3-0E0BB55A8155}"/>
+                </a:ext>
+              </a:extLst>
+            </p:cNvPr>
+            <p:cNvSpPr txBox="1"/>
+            <p:nvPr/>
+          </p:nvSpPr>
+          <p:spPr>
+            <a:xfrm flipH="1">
+              <a:off x="2792489" y="5072988"/>
+              <a:ext cx="315853" cy="369332"/>
+            </a:xfrm>
+            <a:prstGeom prst="rect">
+              <a:avLst/>
+            </a:prstGeom>
+            <a:noFill/>
+          </p:spPr>
+          <p:txBody>
+            <a:bodyPr wrap="square" rtlCol="0">
+              <a:spAutoFit/>
+            </a:bodyPr>
+            <a:lstStyle/>
+            <a:p>
+              <a:r>
+                <a:rPr lang="en-CA"/>
+                <a:t>1</a:t>
+              </a:r>
+            </a:p>
+          </p:txBody>
+        </p:sp>
+      </p:grpSp>
+      <p:grpSp>
+        <p:nvGrpSpPr>
+          <p:cNvPr id="39" name="Group 38">
+            <a:extLst>
+              <a:ext uri="{FF2B5EF4-FFF2-40B4-BE49-F238E27FC236}">
+                <a16:creationId xmlns:a16="http://schemas.microsoft.com/office/drawing/2014/main" id="{F21797EB-1E99-4893-A56D-2C6B6C0FF814}"/>
+              </a:ext>
+            </a:extLst>
+          </p:cNvPr>
+          <p:cNvGrpSpPr/>
+          <p:nvPr/>
+        </p:nvGrpSpPr>
+        <p:grpSpPr>
+          <a:xfrm>
+            <a:off x="5093717" y="2943991"/>
+            <a:ext cx="318324" cy="369332"/>
+            <a:chOff x="2790018" y="5072988"/>
+            <a:chExt cx="318324" cy="369332"/>
+          </a:xfrm>
+        </p:grpSpPr>
+        <p:sp>
+          <p:nvSpPr>
+            <p:cNvPr id="40" name="Oval 39">
+              <a:extLst>
+                <a:ext uri="{FF2B5EF4-FFF2-40B4-BE49-F238E27FC236}">
+                  <a16:creationId xmlns:a16="http://schemas.microsoft.com/office/drawing/2014/main" id="{F1712A0D-09AF-474B-8168-9E3CAE31A032}"/>
+                </a:ext>
+              </a:extLst>
+            </p:cNvPr>
+            <p:cNvSpPr/>
+            <p:nvPr/>
+          </p:nvSpPr>
+          <p:spPr bwMode="auto">
+            <a:xfrm>
+              <a:off x="2790018" y="5116682"/>
+              <a:ext cx="318324" cy="316259"/>
+            </a:xfrm>
+            <a:prstGeom prst="ellipse">
+              <a:avLst/>
+            </a:prstGeom>
+            <a:solidFill>
+              <a:schemeClr val="accent5">
+                <a:lumMod val="60000"/>
+                <a:lumOff val="40000"/>
+              </a:schemeClr>
+            </a:solidFill>
+            <a:ln>
+              <a:headEnd type="none" w="med" len="med"/>
+              <a:tailEnd type="none" w="med" len="med"/>
+            </a:ln>
+          </p:spPr>
+          <p:style>
+            <a:lnRef idx="0">
+              <a:schemeClr val="accent2"/>
+            </a:lnRef>
+            <a:fillRef idx="3">
+              <a:schemeClr val="accent2"/>
+            </a:fillRef>
+            <a:effectRef idx="3">
+              <a:schemeClr val="accent2"/>
+            </a:effectRef>
+            <a:fontRef idx="minor">
+              <a:schemeClr val="lt1"/>
+            </a:fontRef>
+          </p:style>
+          <p:txBody>
+            <a:bodyPr vert="horz" wrap="square" lIns="91440" tIns="45720" rIns="91440" bIns="45720" numCol="1" rtlCol="0" anchor="t" anchorCtr="0" compatLnSpc="1">
+              <a:prstTxWarp prst="textNoShape">
+                <a:avLst/>
+              </a:prstTxWarp>
+              <a:noAutofit/>
+            </a:bodyPr>
+            <a:lstStyle/>
+            <a:p>
+              <a:pPr marL="342900" marR="0" indent="-342900" algn="l" defTabSz="914400" rtl="0" eaLnBrk="1" fontAlgn="base" latinLnBrk="0" hangingPunct="1">
+                <a:lnSpc>
+                  <a:spcPct val="80000"/>
+                </a:lnSpc>
+                <a:spcBef>
+                  <a:spcPct val="20000"/>
+                </a:spcBef>
+                <a:spcAft>
+                  <a:spcPct val="0"/>
+                </a:spcAft>
+                <a:buClr>
+                  <a:schemeClr val="hlink"/>
+                </a:buClr>
+                <a:buSzPct val="60000"/>
+                <a:buFont typeface="Arial Narrow" pitchFamily="34" charset="0"/>
+                <a:buNone/>
+                <a:tabLst/>
+              </a:pPr>
+              <a:endParaRPr kumimoji="0" lang="en-CA" sz="2000" b="1" i="0" u="none" strike="noStrike" cap="none" normalizeH="0" baseline="0">
+                <a:ln>
+                  <a:noFill/>
+                </a:ln>
+                <a:solidFill>
+                  <a:schemeClr val="accent4">
+                    <a:lumMod val="95000"/>
+                    <a:lumOff val="5000"/>
+                  </a:schemeClr>
+                </a:solidFill>
+                <a:effectLst/>
+                <a:latin typeface="Arial" charset="0"/>
+              </a:endParaRPr>
+            </a:p>
+          </p:txBody>
+        </p:sp>
+        <p:sp>
+          <p:nvSpPr>
+            <p:cNvPr id="41" name="TextBox 40">
+              <a:extLst>
+                <a:ext uri="{FF2B5EF4-FFF2-40B4-BE49-F238E27FC236}">
+                  <a16:creationId xmlns:a16="http://schemas.microsoft.com/office/drawing/2014/main" id="{A968649F-1586-49DC-B2F1-A421D732FFF4}"/>
+                </a:ext>
+              </a:extLst>
+            </p:cNvPr>
+            <p:cNvSpPr txBox="1"/>
+            <p:nvPr/>
+          </p:nvSpPr>
+          <p:spPr>
+            <a:xfrm flipH="1">
+              <a:off x="2792489" y="5072988"/>
+              <a:ext cx="315853" cy="369332"/>
+            </a:xfrm>
+            <a:prstGeom prst="rect">
+              <a:avLst/>
+            </a:prstGeom>
+            <a:noFill/>
+          </p:spPr>
+          <p:txBody>
+            <a:bodyPr wrap="square" rtlCol="0">
+              <a:spAutoFit/>
+            </a:bodyPr>
+            <a:lstStyle/>
+            <a:p>
+              <a:r>
+                <a:rPr lang="en-CA" dirty="0"/>
+                <a:t>2</a:t>
+              </a:r>
+            </a:p>
+          </p:txBody>
+        </p:sp>
+      </p:grpSp>
+      <p:pic>
+        <p:nvPicPr>
+          <p:cNvPr id="51" name="Picture 50">
+            <a:extLst>
+              <a:ext uri="{FF2B5EF4-FFF2-40B4-BE49-F238E27FC236}">
+                <a16:creationId xmlns:a16="http://schemas.microsoft.com/office/drawing/2014/main" id="{A097568C-9C3B-4CA9-ABB9-124B4001D7BE}"/>
+              </a:ext>
+            </a:extLst>
+          </p:cNvPr>
+          <p:cNvPicPr>
+            <a:picLocks noChangeAspect="1"/>
+          </p:cNvPicPr>
+          <p:nvPr/>
+        </p:nvPicPr>
+        <p:blipFill>
+          <a:blip r:embed="rId3"/>
+          <a:stretch>
+            <a:fillRect/>
+          </a:stretch>
+        </p:blipFill>
+        <p:spPr>
+          <a:xfrm>
+            <a:off x="7357074" y="5627381"/>
+            <a:ext cx="354135" cy="381080"/>
+          </a:xfrm>
+          <a:prstGeom prst="rect">
+            <a:avLst/>
+          </a:prstGeom>
+        </p:spPr>
+      </p:pic>
+      <p:sp>
+        <p:nvSpPr>
+          <p:cNvPr id="52" name="TextBox 51">
+            <a:extLst>
+              <a:ext uri="{FF2B5EF4-FFF2-40B4-BE49-F238E27FC236}">
+                <a16:creationId xmlns:a16="http://schemas.microsoft.com/office/drawing/2014/main" id="{F5204333-1804-43DF-A40C-91B8250B95D2}"/>
+              </a:ext>
+            </a:extLst>
+          </p:cNvPr>
+          <p:cNvSpPr txBox="1"/>
+          <p:nvPr/>
+        </p:nvSpPr>
+        <p:spPr>
+          <a:xfrm>
+            <a:off x="7662379" y="5664032"/>
+            <a:ext cx="583814" cy="307777"/>
+          </a:xfrm>
+          <a:prstGeom prst="rect">
+            <a:avLst/>
+          </a:prstGeom>
+          <a:noFill/>
+        </p:spPr>
+        <p:txBody>
+          <a:bodyPr wrap="none" rtlCol="0">
+            <a:spAutoFit/>
+          </a:bodyPr>
+          <a:lstStyle/>
+          <a:p>
+            <a:r>
+              <a:rPr lang="en-CA" sz="1400" b="1" dirty="0">
+                <a:solidFill>
+                  <a:srgbClr val="000000"/>
+                </a:solidFill>
+              </a:rPr>
+              <a:t>WSL</a:t>
+            </a:r>
+          </a:p>
+        </p:txBody>
+      </p:sp>
+      <p:sp>
+        <p:nvSpPr>
+          <p:cNvPr id="54" name="Rectangle 53">
+            <a:extLst>
+              <a:ext uri="{FF2B5EF4-FFF2-40B4-BE49-F238E27FC236}">
+                <a16:creationId xmlns:a16="http://schemas.microsoft.com/office/drawing/2014/main" id="{6035A5FB-803E-424B-BF4D-77A9D8983B4C}"/>
+              </a:ext>
+            </a:extLst>
+          </p:cNvPr>
+          <p:cNvSpPr/>
+          <p:nvPr/>
+        </p:nvSpPr>
+        <p:spPr bwMode="auto">
+          <a:xfrm>
+            <a:off x="3377781" y="3418257"/>
+            <a:ext cx="1132623" cy="398421"/>
+          </a:xfrm>
+          <a:prstGeom prst="rect">
+            <a:avLst/>
+          </a:prstGeom>
+          <a:noFill/>
+          <a:ln w="9525" cap="flat" cmpd="sng" algn="ctr">
+            <a:noFill/>
+            <a:prstDash val="solid"/>
+            <a:round/>
+            <a:headEnd type="none" w="med" len="med"/>
+            <a:tailEnd type="none" w="med" len="med"/>
+          </a:ln>
+          <a:effectLst/>
+        </p:spPr>
+        <p:txBody>
+          <a:bodyPr vert="horz" wrap="square" lIns="91440" tIns="45720" rIns="91440" bIns="45720" numCol="1" rtlCol="0" anchor="t" anchorCtr="0" compatLnSpc="1">
+            <a:prstTxWarp prst="textNoShape">
+              <a:avLst/>
+            </a:prstTxWarp>
+            <a:spAutoFit/>
+          </a:bodyPr>
+          <a:lstStyle/>
+          <a:p>
+            <a:pPr marL="342900" marR="0" indent="-342900" algn="l" defTabSz="914400" rtl="0" eaLnBrk="1" fontAlgn="base" latinLnBrk="0" hangingPunct="1">
+              <a:lnSpc>
+                <a:spcPct val="80000"/>
+              </a:lnSpc>
+              <a:spcBef>
+                <a:spcPct val="20000"/>
+              </a:spcBef>
+              <a:spcAft>
+                <a:spcPct val="0"/>
+              </a:spcAft>
+              <a:buClr>
+                <a:schemeClr val="hlink"/>
+              </a:buClr>
+              <a:buSzPct val="60000"/>
+              <a:buFont typeface="Arial Narrow" pitchFamily="34" charset="0"/>
+              <a:buNone/>
+              <a:tabLst/>
+            </a:pPr>
+            <a:endParaRPr kumimoji="0" lang="en-US" sz="2000" b="1" i="0" u="none" strike="noStrike" cap="none" normalizeH="0" baseline="0">
+              <a:ln>
+                <a:noFill/>
+              </a:ln>
+              <a:solidFill>
+                <a:schemeClr val="tx1"/>
+              </a:solidFill>
+              <a:effectLst/>
+              <a:latin typeface="Arial" charset="0"/>
+            </a:endParaRPr>
+          </a:p>
+        </p:txBody>
+      </p:sp>
+      <p:sp>
+        <p:nvSpPr>
+          <p:cNvPr id="55" name="Rectangle 54">
+            <a:extLst>
+              <a:ext uri="{FF2B5EF4-FFF2-40B4-BE49-F238E27FC236}">
+                <a16:creationId xmlns:a16="http://schemas.microsoft.com/office/drawing/2014/main" id="{A50695D7-6FD5-4CF6-AD3C-1BC5149D5DBB}"/>
+              </a:ext>
+            </a:extLst>
+          </p:cNvPr>
+          <p:cNvSpPr/>
+          <p:nvPr/>
+        </p:nvSpPr>
+        <p:spPr bwMode="auto">
+          <a:xfrm>
+            <a:off x="2255138" y="2994215"/>
+            <a:ext cx="2528033" cy="424732"/>
+          </a:xfrm>
+          <a:prstGeom prst="rect">
+            <a:avLst/>
+          </a:prstGeom>
+          <a:ln>
+            <a:headEnd type="none" w="med" len="med"/>
+            <a:tailEnd type="none" w="med" len="med"/>
+          </a:ln>
+        </p:spPr>
+        <p:style>
+          <a:lnRef idx="2">
+            <a:schemeClr val="accent5"/>
+          </a:lnRef>
+          <a:fillRef idx="1">
+            <a:schemeClr val="lt1"/>
+          </a:fillRef>
+          <a:effectRef idx="0">
+            <a:schemeClr val="accent5"/>
+          </a:effectRef>
+          <a:fontRef idx="minor">
+            <a:schemeClr val="dk1"/>
+          </a:fontRef>
+        </p:style>
+        <p:txBody>
+          <a:bodyPr vert="horz" wrap="square" lIns="91440" tIns="45720" rIns="91440" bIns="45720" numCol="1" rtlCol="0" anchor="t" anchorCtr="0" compatLnSpc="1">
+            <a:prstTxWarp prst="textNoShape">
+              <a:avLst/>
+            </a:prstTxWarp>
+            <a:spAutoFit/>
+          </a:bodyPr>
+          <a:lstStyle/>
+          <a:p>
+            <a:pPr marL="342900" marR="0" indent="-342900" algn="ctr" defTabSz="914400" rtl="0" eaLnBrk="1" fontAlgn="base" latinLnBrk="0" hangingPunct="1">
+              <a:lnSpc>
+                <a:spcPct val="80000"/>
+              </a:lnSpc>
+              <a:spcBef>
+                <a:spcPct val="20000"/>
+              </a:spcBef>
+              <a:spcAft>
+                <a:spcPct val="0"/>
+              </a:spcAft>
+              <a:buClr>
+                <a:schemeClr val="hlink"/>
+              </a:buClr>
+              <a:buSzPct val="60000"/>
+              <a:buFont typeface="Arial Narrow" pitchFamily="34" charset="0"/>
+              <a:buNone/>
+              <a:tabLst/>
+            </a:pPr>
+            <a:r>
+              <a:rPr kumimoji="0" lang="en-US" sz="1200" b="1" i="0" u="none" strike="noStrike" cap="none" normalizeH="0" baseline="0">
+                <a:ln>
+                  <a:noFill/>
+                </a:ln>
+                <a:solidFill>
+                  <a:schemeClr val="tx1"/>
+                </a:solidFill>
+                <a:effectLst/>
+                <a:latin typeface="Arial" charset="0"/>
+              </a:rPr>
+              <a:t>cf-solace-messaging</a:t>
+            </a:r>
+          </a:p>
+          <a:p>
+            <a:pPr marL="342900" marR="0" indent="-342900" algn="ctr" defTabSz="914400" rtl="0" eaLnBrk="1" fontAlgn="base" latinLnBrk="0" hangingPunct="1">
+              <a:lnSpc>
+                <a:spcPct val="80000"/>
+              </a:lnSpc>
+              <a:spcBef>
+                <a:spcPct val="20000"/>
+              </a:spcBef>
+              <a:spcAft>
+                <a:spcPct val="0"/>
+              </a:spcAft>
+              <a:buClr>
+                <a:schemeClr val="hlink"/>
+              </a:buClr>
+              <a:buSzPct val="60000"/>
+              <a:buFont typeface="Arial Narrow" pitchFamily="34" charset="0"/>
+              <a:buNone/>
+              <a:tabLst/>
+            </a:pPr>
+            <a:r>
+              <a:rPr kumimoji="0" lang="en-US" sz="1200" b="1" i="0" u="none" strike="noStrike" cap="none" normalizeH="0" baseline="0">
+                <a:ln>
+                  <a:noFill/>
+                </a:ln>
+                <a:solidFill>
+                  <a:schemeClr val="tx1"/>
+                </a:solidFill>
+                <a:effectLst/>
+                <a:latin typeface="Arial" charset="0"/>
+              </a:rPr>
+              <a:t>deployment</a:t>
+            </a:r>
+            <a:r>
+              <a:rPr lang="en-US" sz="1200" b="1">
+                <a:solidFill>
+                  <a:schemeClr val="tx1"/>
+                </a:solidFill>
+                <a:latin typeface="Arial" charset="0"/>
+              </a:rPr>
+              <a:t> (submodule)</a:t>
+            </a:r>
+          </a:p>
+        </p:txBody>
+      </p:sp>
+      <p:cxnSp>
+        <p:nvCxnSpPr>
+          <p:cNvPr id="56" name="Straight Arrow Connector 55">
+            <a:extLst>
+              <a:ext uri="{FF2B5EF4-FFF2-40B4-BE49-F238E27FC236}">
+                <a16:creationId xmlns:a16="http://schemas.microsoft.com/office/drawing/2014/main" id="{22A88802-C558-42E8-B6A2-2C36F7A28495}"/>
+              </a:ext>
+            </a:extLst>
+          </p:cNvPr>
+          <p:cNvCxnSpPr>
+            <a:cxnSpLocks/>
+          </p:cNvCxnSpPr>
+          <p:nvPr/>
+        </p:nvCxnSpPr>
+        <p:spPr bwMode="auto">
+          <a:xfrm flipV="1">
+            <a:off x="5506650" y="3096288"/>
+            <a:ext cx="2703202" cy="77263"/>
+          </a:xfrm>
+          <a:prstGeom prst="straightConnector1">
+            <a:avLst/>
+          </a:prstGeom>
+          <a:ln>
+            <a:headEnd type="none" w="med" len="med"/>
+            <a:tailEnd type="triangle"/>
+          </a:ln>
+        </p:spPr>
+        <p:style>
+          <a:lnRef idx="3">
+            <a:schemeClr val="accent5"/>
+          </a:lnRef>
+          <a:fillRef idx="0">
+            <a:schemeClr val="accent5"/>
+          </a:fillRef>
+          <a:effectRef idx="2">
+            <a:schemeClr val="accent5"/>
+          </a:effectRef>
+          <a:fontRef idx="minor">
+            <a:schemeClr val="tx1"/>
+          </a:fontRef>
+        </p:style>
+      </p:cxnSp>
+      <p:sp>
+        <p:nvSpPr>
+          <p:cNvPr id="57" name="Rectangle 56">
+            <a:extLst>
+              <a:ext uri="{FF2B5EF4-FFF2-40B4-BE49-F238E27FC236}">
+                <a16:creationId xmlns:a16="http://schemas.microsoft.com/office/drawing/2014/main" id="{C0247565-C00F-4427-8F15-E309C5FAD322}"/>
+              </a:ext>
+            </a:extLst>
+          </p:cNvPr>
+          <p:cNvSpPr/>
+          <p:nvPr/>
+        </p:nvSpPr>
+        <p:spPr bwMode="auto">
+          <a:xfrm>
+            <a:off x="8280508" y="2012731"/>
+            <a:ext cx="1412296" cy="1436204"/>
+          </a:xfrm>
+          <a:prstGeom prst="rect">
+            <a:avLst/>
+          </a:prstGeom>
+          <a:noFill/>
+          <a:ln>
+            <a:headEnd type="none" w="med" len="med"/>
+            <a:tailEnd type="none" w="med" len="med"/>
+          </a:ln>
+        </p:spPr>
+        <p:style>
+          <a:lnRef idx="2">
+            <a:schemeClr val="dk1"/>
+          </a:lnRef>
+          <a:fillRef idx="1">
+            <a:schemeClr val="lt1"/>
+          </a:fillRef>
+          <a:effectRef idx="0">
+            <a:schemeClr val="dk1"/>
+          </a:effectRef>
+          <a:fontRef idx="minor">
+            <a:schemeClr val="dk1"/>
+          </a:fontRef>
+        </p:style>
+        <p:txBody>
+          <a:bodyPr vert="horz" wrap="square" lIns="91440" tIns="45720" rIns="91440" bIns="45720" numCol="1" rtlCol="0" anchor="t" anchorCtr="0" compatLnSpc="1">
+            <a:prstTxWarp prst="textNoShape">
+              <a:avLst/>
+            </a:prstTxWarp>
+            <a:spAutoFit/>
+          </a:bodyPr>
+          <a:lstStyle/>
+          <a:p>
+            <a:pPr marL="342900" marR="0" indent="-342900" algn="l" defTabSz="914400" rtl="0" eaLnBrk="1" fontAlgn="base" latinLnBrk="0" hangingPunct="1">
+              <a:lnSpc>
+                <a:spcPct val="80000"/>
+              </a:lnSpc>
+              <a:spcBef>
+                <a:spcPct val="20000"/>
+              </a:spcBef>
+              <a:spcAft>
+                <a:spcPct val="0"/>
+              </a:spcAft>
+              <a:buClr>
+                <a:schemeClr val="hlink"/>
+              </a:buClr>
+              <a:buSzPct val="60000"/>
+              <a:buFont typeface="Arial Narrow" pitchFamily="34" charset="0"/>
+              <a:buNone/>
+              <a:tabLst/>
+            </a:pPr>
+            <a:endParaRPr kumimoji="0" lang="en-US" sz="2000" b="1" i="0" u="none" strike="noStrike" cap="none" normalizeH="0" baseline="0">
+              <a:ln>
+                <a:noFill/>
+              </a:ln>
+              <a:solidFill>
+                <a:schemeClr val="tx1"/>
+              </a:solidFill>
+              <a:effectLst/>
+              <a:latin typeface="Arial" charset="0"/>
+            </a:endParaRPr>
+          </a:p>
+        </p:txBody>
+      </p:sp>
+      <p:sp>
+        <p:nvSpPr>
+          <p:cNvPr id="58" name="TextBox 57">
+            <a:extLst>
+              <a:ext uri="{FF2B5EF4-FFF2-40B4-BE49-F238E27FC236}">
+                <a16:creationId xmlns:a16="http://schemas.microsoft.com/office/drawing/2014/main" id="{210B1777-4E1A-4D84-8BBD-9E88F557E5E4}"/>
+              </a:ext>
+            </a:extLst>
+          </p:cNvPr>
+          <p:cNvSpPr txBox="1"/>
+          <p:nvPr/>
+        </p:nvSpPr>
+        <p:spPr>
+          <a:xfrm>
+            <a:off x="8278901" y="1969030"/>
+            <a:ext cx="1925015" cy="369332"/>
+          </a:xfrm>
+          <a:prstGeom prst="rect">
+            <a:avLst/>
+          </a:prstGeom>
+          <a:noFill/>
+        </p:spPr>
+        <p:txBody>
+          <a:bodyPr wrap="square" rtlCol="0">
+            <a:spAutoFit/>
+          </a:bodyPr>
+          <a:lstStyle/>
+          <a:p>
+            <a:r>
+              <a:rPr lang="en-US" sz="1400"/>
+              <a:t>CF</a:t>
+            </a:r>
+            <a:r>
+              <a:rPr lang="en-US"/>
+              <a:t> </a:t>
+            </a:r>
+            <a:r>
+              <a:rPr lang="en-US" sz="1400"/>
+              <a:t>Deployment</a:t>
+            </a:r>
+          </a:p>
+        </p:txBody>
+      </p:sp>
+      <p:sp>
+        <p:nvSpPr>
+          <p:cNvPr id="59" name="Rectangle 58">
+            <a:extLst>
+              <a:ext uri="{FF2B5EF4-FFF2-40B4-BE49-F238E27FC236}">
+                <a16:creationId xmlns:a16="http://schemas.microsoft.com/office/drawing/2014/main" id="{3B3F741D-7036-4CCC-9AA6-CF888822C4D7}"/>
+              </a:ext>
+            </a:extLst>
+          </p:cNvPr>
+          <p:cNvSpPr/>
+          <p:nvPr/>
+        </p:nvSpPr>
+        <p:spPr bwMode="auto">
+          <a:xfrm>
+            <a:off x="7289600" y="2488778"/>
+            <a:ext cx="856393" cy="264688"/>
+          </a:xfrm>
+          <a:prstGeom prst="rect">
+            <a:avLst/>
+          </a:prstGeom>
+          <a:solidFill>
+            <a:schemeClr val="bg1"/>
+          </a:solidFill>
+          <a:ln>
+            <a:solidFill>
+              <a:schemeClr val="accent1">
+                <a:lumMod val="60000"/>
+                <a:lumOff val="40000"/>
+              </a:schemeClr>
+            </a:solidFill>
+            <a:headEnd type="none" w="med" len="med"/>
+            <a:tailEnd type="none" w="med" len="med"/>
+          </a:ln>
+        </p:spPr>
+        <p:style>
+          <a:lnRef idx="2">
+            <a:schemeClr val="accent4"/>
+          </a:lnRef>
+          <a:fillRef idx="1">
+            <a:schemeClr val="lt1"/>
+          </a:fillRef>
+          <a:effectRef idx="0">
+            <a:schemeClr val="accent4"/>
+          </a:effectRef>
+          <a:fontRef idx="minor">
+            <a:schemeClr val="dk1"/>
+          </a:fontRef>
+        </p:style>
+        <p:txBody>
+          <a:bodyPr vert="horz" wrap="square" lIns="91440" tIns="45720" rIns="91440" bIns="45720" numCol="1" rtlCol="0" anchor="t" anchorCtr="0" compatLnSpc="1">
+            <a:prstTxWarp prst="textNoShape">
+              <a:avLst/>
+            </a:prstTxWarp>
+            <a:spAutoFit/>
+          </a:bodyPr>
+          <a:lstStyle/>
+          <a:p>
+            <a:pPr marL="342900" marR="0" indent="-342900" algn="l" defTabSz="914400" rtl="0" eaLnBrk="1" fontAlgn="base" latinLnBrk="0" hangingPunct="1">
+              <a:lnSpc>
+                <a:spcPct val="80000"/>
+              </a:lnSpc>
+              <a:spcBef>
+                <a:spcPct val="20000"/>
+              </a:spcBef>
+              <a:spcAft>
+                <a:spcPct val="0"/>
+              </a:spcAft>
+              <a:buClr>
+                <a:schemeClr val="hlink"/>
+              </a:buClr>
+              <a:buSzPct val="60000"/>
+              <a:buFont typeface="Arial Narrow" pitchFamily="34" charset="0"/>
+              <a:buNone/>
+              <a:tabLst/>
+            </a:pPr>
+            <a:r>
+              <a:rPr kumimoji="0" lang="en-US" sz="1300" b="1" i="0" u="none" strike="noStrike" cap="none" normalizeH="0" baseline="0">
+                <a:ln>
+                  <a:noFill/>
+                </a:ln>
+                <a:solidFill>
+                  <a:schemeClr val="tx1"/>
+                </a:solidFill>
+                <a:effectLst/>
+                <a:latin typeface="Arial" charset="0"/>
+              </a:rPr>
+              <a:t>p-</a:t>
+            </a:r>
+            <a:r>
+              <a:rPr kumimoji="0" lang="en-US" sz="1300" b="1" i="0" u="none" strike="noStrike" cap="none" normalizeH="0" baseline="0" err="1">
+                <a:ln>
+                  <a:noFill/>
+                </a:ln>
+                <a:solidFill>
+                  <a:schemeClr val="tx1"/>
+                </a:solidFill>
+                <a:effectLst/>
+                <a:latin typeface="Arial" charset="0"/>
+              </a:rPr>
+              <a:t>mysql</a:t>
+            </a:r>
+            <a:r>
+              <a:rPr kumimoji="0" lang="en-US" sz="1400" b="1" i="0" u="none" strike="noStrike" cap="none" normalizeH="0" baseline="0">
+                <a:ln>
+                  <a:noFill/>
+                </a:ln>
+                <a:solidFill>
+                  <a:schemeClr val="tx1"/>
+                </a:solidFill>
+                <a:effectLst/>
+                <a:latin typeface="Arial" charset="0"/>
+              </a:rPr>
+              <a:t> </a:t>
+            </a:r>
+          </a:p>
+        </p:txBody>
+      </p:sp>
+      <p:cxnSp>
+        <p:nvCxnSpPr>
+          <p:cNvPr id="60" name="Straight Arrow Connector 59">
+            <a:extLst>
+              <a:ext uri="{FF2B5EF4-FFF2-40B4-BE49-F238E27FC236}">
+                <a16:creationId xmlns:a16="http://schemas.microsoft.com/office/drawing/2014/main" id="{255D9C90-7218-431C-B310-43ED35408785}"/>
+              </a:ext>
+            </a:extLst>
+          </p:cNvPr>
+          <p:cNvCxnSpPr>
+            <a:cxnSpLocks/>
+          </p:cNvCxnSpPr>
+          <p:nvPr/>
+        </p:nvCxnSpPr>
+        <p:spPr bwMode="auto">
+          <a:xfrm flipV="1">
+            <a:off x="5479650" y="2730833"/>
+            <a:ext cx="1752277" cy="300165"/>
+          </a:xfrm>
+          <a:prstGeom prst="straightConnector1">
+            <a:avLst/>
+          </a:prstGeom>
+          <a:ln>
+            <a:headEnd type="none" w="med" len="med"/>
+            <a:tailEnd type="triangle"/>
+          </a:ln>
+        </p:spPr>
+        <p:style>
+          <a:lnRef idx="3">
+            <a:schemeClr val="accent5"/>
+          </a:lnRef>
+          <a:fillRef idx="0">
+            <a:schemeClr val="accent5"/>
+          </a:fillRef>
+          <a:effectRef idx="2">
+            <a:schemeClr val="accent5"/>
+          </a:effectRef>
+          <a:fontRef idx="minor">
+            <a:schemeClr val="tx1"/>
+          </a:fontRef>
+        </p:style>
+      </p:cxnSp>
+      <p:cxnSp>
+        <p:nvCxnSpPr>
+          <p:cNvPr id="61" name="Straight Arrow Connector 60">
+            <a:extLst>
+              <a:ext uri="{FF2B5EF4-FFF2-40B4-BE49-F238E27FC236}">
+                <a16:creationId xmlns:a16="http://schemas.microsoft.com/office/drawing/2014/main" id="{B85B0896-47CC-43A4-B4A1-465CC5E802D9}"/>
+              </a:ext>
+            </a:extLst>
+          </p:cNvPr>
+          <p:cNvCxnSpPr/>
+          <p:nvPr/>
+        </p:nvCxnSpPr>
+        <p:spPr bwMode="auto">
+          <a:xfrm flipV="1">
+            <a:off x="1222851" y="3418257"/>
+            <a:ext cx="816063" cy="429606"/>
+          </a:xfrm>
+          <a:prstGeom prst="straightConnector1">
+            <a:avLst/>
+          </a:prstGeom>
+          <a:ln>
+            <a:headEnd type="none" w="med" len="med"/>
+            <a:tailEnd type="triangle"/>
+          </a:ln>
+        </p:spPr>
+        <p:style>
+          <a:lnRef idx="3">
+            <a:schemeClr val="accent5"/>
+          </a:lnRef>
+          <a:fillRef idx="0">
+            <a:schemeClr val="accent5"/>
+          </a:fillRef>
+          <a:effectRef idx="2">
+            <a:schemeClr val="accent5"/>
+          </a:effectRef>
+          <a:fontRef idx="minor">
+            <a:schemeClr val="tx1"/>
+          </a:fontRef>
+        </p:style>
+      </p:cxnSp>
+      <p:pic>
+        <p:nvPicPr>
+          <p:cNvPr id="62" name="Picture 61">
+            <a:extLst>
+              <a:ext uri="{FF2B5EF4-FFF2-40B4-BE49-F238E27FC236}">
+                <a16:creationId xmlns:a16="http://schemas.microsoft.com/office/drawing/2014/main" id="{001D2C3D-DE16-47A3-97BB-B7B0742E9804}"/>
+              </a:ext>
+            </a:extLst>
+          </p:cNvPr>
+          <p:cNvPicPr>
+            <a:picLocks noChangeAspect="1"/>
+          </p:cNvPicPr>
+          <p:nvPr/>
+        </p:nvPicPr>
+        <p:blipFill>
+          <a:blip r:embed="rId3"/>
+          <a:stretch>
+            <a:fillRect/>
+          </a:stretch>
+        </p:blipFill>
+        <p:spPr>
+          <a:xfrm>
+            <a:off x="2143068" y="3415257"/>
+            <a:ext cx="354135" cy="381080"/>
+          </a:xfrm>
+          <a:prstGeom prst="rect">
+            <a:avLst/>
+          </a:prstGeom>
+        </p:spPr>
+      </p:pic>
+      <p:pic>
+        <p:nvPicPr>
+          <p:cNvPr id="68" name="Picture 67">
+            <a:extLst>
+              <a:ext uri="{FF2B5EF4-FFF2-40B4-BE49-F238E27FC236}">
+                <a16:creationId xmlns:a16="http://schemas.microsoft.com/office/drawing/2014/main" id="{005B1B56-1DEC-465C-983C-353EF8C5C839}"/>
+              </a:ext>
+            </a:extLst>
+          </p:cNvPr>
+          <p:cNvPicPr>
+            <a:picLocks noChangeAspect="1"/>
+          </p:cNvPicPr>
+          <p:nvPr/>
+        </p:nvPicPr>
+        <p:blipFill>
+          <a:blip r:embed="rId4"/>
+          <a:stretch>
+            <a:fillRect/>
+          </a:stretch>
+        </p:blipFill>
+        <p:spPr>
+          <a:xfrm>
+            <a:off x="322698" y="3273741"/>
+            <a:ext cx="983480" cy="1446293"/>
+          </a:xfrm>
+          <a:prstGeom prst="rect">
+            <a:avLst/>
+          </a:prstGeom>
+        </p:spPr>
+      </p:pic>
+    </p:spTree>
+    <p:extLst>
+      <p:ext uri="{BB962C8B-B14F-4D97-AF65-F5344CB8AC3E}">
+        <p14:creationId xmlns:p14="http://schemas.microsoft.com/office/powerpoint/2010/main" val="4208568157"/>
+      </p:ext>
+    </p:extLst>
+  </p:cSld>
+  <p:clrMapOvr>
+    <a:masterClrMapping/>
+  </p:clrMapOvr>
+</p:sld>
+</file>
+
+<file path=ppt/slides/slide6.xml><?xml version="1.0" encoding="utf-8"?>
 <p:sld xmlns:a="http://schemas.openxmlformats.org/drawingml/2006/main" xmlns:r="http://schemas.openxmlformats.org/officeDocument/2006/relationships" xmlns:p="http://schemas.openxmlformats.org/presentationml/2006/main">
   <p:cSld>
     <p:spTree>

--- a/resources/diagrams.pptx
+++ b/resources/diagrams.pptx
@@ -11,20 +11,22 @@
     <p:sldMasterId id="2147483741" r:id="rId7"/>
   </p:sldMasterIdLst>
   <p:notesMasterIdLst>
-    <p:notesMasterId r:id="rId14"/>
+    <p:notesMasterId r:id="rId16"/>
   </p:notesMasterIdLst>
   <p:sldIdLst>
-    <p:sldId id="592" r:id="rId8"/>
-    <p:sldId id="595" r:id="rId9"/>
-    <p:sldId id="593" r:id="rId10"/>
-    <p:sldId id="596" r:id="rId11"/>
-    <p:sldId id="597" r:id="rId12"/>
-    <p:sldId id="594" r:id="rId13"/>
+    <p:sldId id="598" r:id="rId8"/>
+    <p:sldId id="592" r:id="rId9"/>
+    <p:sldId id="595" r:id="rId10"/>
+    <p:sldId id="599" r:id="rId11"/>
+    <p:sldId id="593" r:id="rId12"/>
+    <p:sldId id="596" r:id="rId13"/>
+    <p:sldId id="597" r:id="rId14"/>
+    <p:sldId id="594" r:id="rId15"/>
   </p:sldIdLst>
   <p:sldSz cx="12192000" cy="6858000"/>
   <p:notesSz cx="6858000" cy="9144000"/>
   <p:custDataLst>
-    <p:tags r:id="rId15"/>
+    <p:tags r:id="rId17"/>
   </p:custDataLst>
   <p:defaultTextStyle>
     <a:defPPr>
@@ -230,7 +232,7 @@
             <a:fld id="{8C4CD305-C8EB-014F-809E-A167267EBAE0}" type="datetimeFigureOut">
               <a:rPr lang="en-US" smtClean="0"/>
               <a:pPr/>
-              <a:t>9/11/2018</a:t>
+              <a:t>9/13/2018</a:t>
             </a:fld>
             <a:endParaRPr lang="en-US"/>
           </a:p>
@@ -572,7 +574,7 @@
                 </a:solidFill>
               </a:rPr>
               <a:pPr/>
-              <a:t>1</a:t>
+              <a:t>2</a:t>
             </a:fld>
             <a:endParaRPr lang="en-US">
               <a:solidFill>
@@ -667,7 +669,7 @@
                 </a:solidFill>
               </a:rPr>
               <a:pPr/>
-              <a:t>2</a:t>
+              <a:t>3</a:t>
             </a:fld>
             <a:endParaRPr lang="en-US">
               <a:solidFill>
@@ -736,7 +738,7 @@
           </a:bodyPr>
           <a:lstStyle/>
           <a:p>
-            <a:endParaRPr lang="en-US" dirty="0"/>
+            <a:endParaRPr lang="en-US"/>
           </a:p>
         </p:txBody>
       </p:sp>
@@ -762,7 +764,7 @@
                 </a:solidFill>
               </a:rPr>
               <a:pPr/>
-              <a:t>3</a:t>
+              <a:t>4</a:t>
             </a:fld>
             <a:endParaRPr lang="en-US">
               <a:solidFill>
@@ -775,7 +777,7 @@
     </p:spTree>
     <p:extLst>
       <p:ext uri="{BB962C8B-B14F-4D97-AF65-F5344CB8AC3E}">
-        <p14:creationId xmlns:p14="http://schemas.microsoft.com/office/powerpoint/2010/main" val="643510338"/>
+        <p14:creationId xmlns:p14="http://schemas.microsoft.com/office/powerpoint/2010/main" val="603069144"/>
       </p:ext>
     </p:extLst>
   </p:cSld>
@@ -857,7 +859,102 @@
                 </a:solidFill>
               </a:rPr>
               <a:pPr/>
-              <a:t>6</a:t>
+              <a:t>5</a:t>
+            </a:fld>
+            <a:endParaRPr lang="en-US">
+              <a:solidFill>
+                <a:prstClr val="black"/>
+              </a:solidFill>
+            </a:endParaRPr>
+          </a:p>
+        </p:txBody>
+      </p:sp>
+    </p:spTree>
+    <p:extLst>
+      <p:ext uri="{BB962C8B-B14F-4D97-AF65-F5344CB8AC3E}">
+        <p14:creationId xmlns:p14="http://schemas.microsoft.com/office/powerpoint/2010/main" val="643510338"/>
+      </p:ext>
+    </p:extLst>
+  </p:cSld>
+  <p:clrMapOvr>
+    <a:masterClrMapping/>
+  </p:clrMapOvr>
+</p:notes>
+</file>
+
+<file path=ppt/notesSlides/notesSlide5.xml><?xml version="1.0" encoding="utf-8"?>
+<p:notes xmlns:a="http://schemas.openxmlformats.org/drawingml/2006/main" xmlns:r="http://schemas.openxmlformats.org/officeDocument/2006/relationships" xmlns:p="http://schemas.openxmlformats.org/presentationml/2006/main">
+  <p:cSld>
+    <p:spTree>
+      <p:nvGrpSpPr>
+        <p:cNvPr id="1" name=""/>
+        <p:cNvGrpSpPr/>
+        <p:nvPr/>
+      </p:nvGrpSpPr>
+      <p:grpSpPr>
+        <a:xfrm>
+          <a:off x="0" y="0"/>
+          <a:ext cx="0" cy="0"/>
+          <a:chOff x="0" y="0"/>
+          <a:chExt cx="0" cy="0"/>
+        </a:xfrm>
+      </p:grpSpPr>
+      <p:sp>
+        <p:nvSpPr>
+          <p:cNvPr id="2" name="Slide Image Placeholder 1"/>
+          <p:cNvSpPr>
+            <a:spLocks noGrp="1" noRot="1" noChangeAspect="1"/>
+          </p:cNvSpPr>
+          <p:nvPr>
+            <p:ph type="sldImg"/>
+          </p:nvPr>
+        </p:nvSpPr>
+        <p:spPr/>
+      </p:sp>
+      <p:sp>
+        <p:nvSpPr>
+          <p:cNvPr id="3" name="Notes Placeholder 2"/>
+          <p:cNvSpPr>
+            <a:spLocks noGrp="1"/>
+          </p:cNvSpPr>
+          <p:nvPr>
+            <p:ph type="body" idx="1"/>
+          </p:nvPr>
+        </p:nvSpPr>
+        <p:spPr/>
+        <p:txBody>
+          <a:bodyPr>
+            <a:normAutofit/>
+          </a:bodyPr>
+          <a:lstStyle/>
+          <a:p>
+            <a:endParaRPr lang="en-US" dirty="0"/>
+          </a:p>
+        </p:txBody>
+      </p:sp>
+      <p:sp>
+        <p:nvSpPr>
+          <p:cNvPr id="4" name="Slide Number Placeholder 3"/>
+          <p:cNvSpPr>
+            <a:spLocks noGrp="1"/>
+          </p:cNvSpPr>
+          <p:nvPr>
+            <p:ph type="sldNum" sz="quarter" idx="10"/>
+          </p:nvPr>
+        </p:nvSpPr>
+        <p:spPr/>
+        <p:txBody>
+          <a:bodyPr/>
+          <a:lstStyle/>
+          <a:p>
+            <a:fld id="{242BA0F2-874B-FE43-A00D-0C6FADBDB50D}" type="slidenum">
+              <a:rPr lang="en-US" smtClean="0">
+                <a:solidFill>
+                  <a:prstClr val="black"/>
+                </a:solidFill>
+              </a:rPr>
+              <a:pPr/>
+              <a:t>8</a:t>
             </a:fld>
             <a:endParaRPr lang="en-US">
               <a:solidFill>
@@ -17298,6 +17395,141 @@
           <a:chExt cx="0" cy="0"/>
         </a:xfrm>
       </p:grpSpPr>
+      <p:sp>
+        <p:nvSpPr>
+          <p:cNvPr id="2" name="Title 1">
+            <a:extLst>
+              <a:ext uri="{FF2B5EF4-FFF2-40B4-BE49-F238E27FC236}">
+                <a16:creationId xmlns:a16="http://schemas.microsoft.com/office/drawing/2014/main" id="{A1D462F1-2466-4AFB-A95F-267D5DA5DE0A}"/>
+              </a:ext>
+            </a:extLst>
+          </p:cNvPr>
+          <p:cNvSpPr>
+            <a:spLocks noGrp="1"/>
+          </p:cNvSpPr>
+          <p:nvPr>
+            <p:ph type="title"/>
+          </p:nvPr>
+        </p:nvSpPr>
+        <p:spPr/>
+        <p:txBody>
+          <a:bodyPr/>
+          <a:lstStyle/>
+          <a:p>
+            <a:r>
+              <a:rPr lang="en-CA" dirty="0"/>
+              <a:t>Index</a:t>
+            </a:r>
+          </a:p>
+        </p:txBody>
+      </p:sp>
+      <p:sp>
+        <p:nvSpPr>
+          <p:cNvPr id="3" name="TextBox 2">
+            <a:extLst>
+              <a:ext uri="{FF2B5EF4-FFF2-40B4-BE49-F238E27FC236}">
+                <a16:creationId xmlns:a16="http://schemas.microsoft.com/office/drawing/2014/main" id="{6D2FB5F0-BEBA-4F88-9553-592368941165}"/>
+              </a:ext>
+            </a:extLst>
+          </p:cNvPr>
+          <p:cNvSpPr txBox="1"/>
+          <p:nvPr/>
+        </p:nvSpPr>
+        <p:spPr>
+          <a:xfrm>
+            <a:off x="771525" y="1571625"/>
+            <a:ext cx="10563414" cy="2308324"/>
+          </a:xfrm>
+          <a:prstGeom prst="rect">
+            <a:avLst/>
+          </a:prstGeom>
+          <a:noFill/>
+        </p:spPr>
+        <p:txBody>
+          <a:bodyPr wrap="square" rtlCol="0">
+            <a:spAutoFit/>
+          </a:bodyPr>
+          <a:lstStyle/>
+          <a:p>
+            <a:r>
+              <a:rPr lang="en-CA" dirty="0"/>
+              <a:t>Slide 1: This index</a:t>
+            </a:r>
+          </a:p>
+          <a:p>
+            <a:r>
+              <a:rPr lang="en-CA" dirty="0"/>
+              <a:t>Slide 2: overview.png: Overview of Windows Deployment (replaced by overview-wsl.png)</a:t>
+            </a:r>
+          </a:p>
+          <a:p>
+            <a:r>
+              <a:rPr lang="en-CA" dirty="0"/>
+              <a:t>Slide 3: Unused</a:t>
+            </a:r>
+          </a:p>
+          <a:p>
+            <a:r>
+              <a:rPr lang="en-CA" dirty="0"/>
+              <a:t>Slide 4: overview-wsl.png: Overview of WSL Deployment</a:t>
+            </a:r>
+          </a:p>
+          <a:p>
+            <a:r>
+              <a:rPr lang="en-CA" dirty="0"/>
+              <a:t>Slide 5: installation.png: Installation Steps on Windows (Unused)</a:t>
+            </a:r>
+          </a:p>
+          <a:p>
+            <a:r>
+              <a:rPr lang="en-CA" dirty="0"/>
+              <a:t>Slide 6: installation-linux.png: Overview of Linux Deployment</a:t>
+            </a:r>
+          </a:p>
+          <a:p>
+            <a:r>
+              <a:rPr lang="en-CA" dirty="0"/>
+              <a:t>Slide 7: Unused</a:t>
+            </a:r>
+          </a:p>
+          <a:p>
+            <a:r>
+              <a:rPr lang="en-CA" dirty="0"/>
+              <a:t>Slide 8: deployment.png: Solace Messaging Deployment</a:t>
+            </a:r>
+          </a:p>
+        </p:txBody>
+      </p:sp>
+    </p:spTree>
+    <p:extLst>
+      <p:ext uri="{BB962C8B-B14F-4D97-AF65-F5344CB8AC3E}">
+        <p14:creationId xmlns:p14="http://schemas.microsoft.com/office/powerpoint/2010/main" val="1182009562"/>
+      </p:ext>
+    </p:extLst>
+  </p:cSld>
+  <p:clrMapOvr>
+    <a:masterClrMapping/>
+  </p:clrMapOvr>
+</p:sld>
+</file>
+
+<file path=ppt/slides/slide2.xml><?xml version="1.0" encoding="utf-8"?>
+<p:sld xmlns:a="http://schemas.openxmlformats.org/drawingml/2006/main" xmlns:r="http://schemas.openxmlformats.org/officeDocument/2006/relationships" xmlns:p="http://schemas.openxmlformats.org/presentationml/2006/main">
+  <p:cSld>
+    <p:spTree>
+      <p:nvGrpSpPr>
+        <p:cNvPr id="1" name=""/>
+        <p:cNvGrpSpPr/>
+        <p:nvPr/>
+      </p:nvGrpSpPr>
+      <p:grpSpPr>
+        <a:xfrm>
+          <a:off x="0" y="0"/>
+          <a:ext cx="0" cy="0"/>
+          <a:chOff x="0" y="0"/>
+          <a:chExt cx="0" cy="0"/>
+        </a:xfrm>
+      </p:grpSpPr>
       <p:cxnSp>
         <p:nvCxnSpPr>
           <p:cNvPr id="71" name="Straight Arrow Connector 70"/>
@@ -20306,7 +20538,7 @@
 </p:sld>
 </file>
 
-<file path=ppt/slides/slide2.xml><?xml version="1.0" encoding="utf-8"?>
+<file path=ppt/slides/slide3.xml><?xml version="1.0" encoding="utf-8"?>
 <p:sld xmlns:a="http://schemas.openxmlformats.org/drawingml/2006/main" xmlns:r="http://schemas.openxmlformats.org/officeDocument/2006/relationships" xmlns:p="http://schemas.openxmlformats.org/presentationml/2006/main">
   <p:cSld>
     <p:spTree>
@@ -23696,7 +23928,3373 @@
 </p:sld>
 </file>
 
-<file path=ppt/slides/slide3.xml><?xml version="1.0" encoding="utf-8"?>
+<file path=ppt/slides/slide4.xml><?xml version="1.0" encoding="utf-8"?>
+<p:sld xmlns:a="http://schemas.openxmlformats.org/drawingml/2006/main" xmlns:r="http://schemas.openxmlformats.org/officeDocument/2006/relationships" xmlns:p="http://schemas.openxmlformats.org/presentationml/2006/main">
+  <p:cSld>
+    <p:spTree>
+      <p:nvGrpSpPr>
+        <p:cNvPr id="1" name=""/>
+        <p:cNvGrpSpPr/>
+        <p:nvPr/>
+      </p:nvGrpSpPr>
+      <p:grpSpPr>
+        <a:xfrm>
+          <a:off x="0" y="0"/>
+          <a:ext cx="0" cy="0"/>
+          <a:chOff x="0" y="0"/>
+          <a:chExt cx="0" cy="0"/>
+        </a:xfrm>
+      </p:grpSpPr>
+      <p:cxnSp>
+        <p:nvCxnSpPr>
+          <p:cNvPr id="71" name="Straight Arrow Connector 70"/>
+          <p:cNvCxnSpPr/>
+          <p:nvPr/>
+        </p:nvCxnSpPr>
+        <p:spPr bwMode="auto">
+          <a:xfrm>
+            <a:off x="5432287" y="3761712"/>
+            <a:ext cx="1827470" cy="517100"/>
+          </a:xfrm>
+          <a:prstGeom prst="straightConnector1">
+            <a:avLst/>
+          </a:prstGeom>
+          <a:ln>
+            <a:headEnd type="none" w="med" len="med"/>
+            <a:tailEnd type="triangle"/>
+          </a:ln>
+        </p:spPr>
+        <p:style>
+          <a:lnRef idx="3">
+            <a:schemeClr val="accent5"/>
+          </a:lnRef>
+          <a:fillRef idx="0">
+            <a:schemeClr val="accent5"/>
+          </a:fillRef>
+          <a:effectRef idx="2">
+            <a:schemeClr val="accent5"/>
+          </a:effectRef>
+          <a:fontRef idx="minor">
+            <a:schemeClr val="tx1"/>
+          </a:fontRef>
+        </p:style>
+      </p:cxnSp>
+      <p:sp>
+        <p:nvSpPr>
+          <p:cNvPr id="75" name="Rectangle 74"/>
+          <p:cNvSpPr/>
+          <p:nvPr/>
+        </p:nvSpPr>
+        <p:spPr bwMode="auto">
+          <a:xfrm>
+            <a:off x="7319180" y="4225742"/>
+            <a:ext cx="3405970" cy="1841039"/>
+          </a:xfrm>
+          <a:prstGeom prst="rect">
+            <a:avLst/>
+          </a:prstGeom>
+          <a:solidFill>
+            <a:schemeClr val="accent1">
+              <a:lumMod val="20000"/>
+              <a:lumOff val="80000"/>
+            </a:schemeClr>
+          </a:solidFill>
+          <a:ln>
+            <a:headEnd type="none" w="med" len="med"/>
+            <a:tailEnd type="none" w="med" len="med"/>
+          </a:ln>
+        </p:spPr>
+        <p:style>
+          <a:lnRef idx="1">
+            <a:schemeClr val="accent1"/>
+          </a:lnRef>
+          <a:fillRef idx="2">
+            <a:schemeClr val="accent1"/>
+          </a:fillRef>
+          <a:effectRef idx="1">
+            <a:schemeClr val="accent1"/>
+          </a:effectRef>
+          <a:fontRef idx="minor">
+            <a:schemeClr val="dk1"/>
+          </a:fontRef>
+        </p:style>
+        <p:txBody>
+          <a:bodyPr vert="horz" wrap="square" lIns="91440" tIns="45720" rIns="91440" bIns="45720" numCol="1" rtlCol="0" anchor="b" anchorCtr="0" compatLnSpc="1">
+            <a:prstTxWarp prst="textNoShape">
+              <a:avLst/>
+            </a:prstTxWarp>
+            <a:noAutofit/>
+          </a:bodyPr>
+          <a:lstStyle/>
+          <a:p>
+            <a:pPr marL="342900" indent="-342900" algn="ctr" defTabSz="914400" fontAlgn="base">
+              <a:lnSpc>
+                <a:spcPct val="80000"/>
+              </a:lnSpc>
+              <a:spcBef>
+                <a:spcPct val="20000"/>
+              </a:spcBef>
+              <a:spcAft>
+                <a:spcPct val="0"/>
+              </a:spcAft>
+              <a:buClr>
+                <a:srgbClr val="5BBDF9"/>
+              </a:buClr>
+              <a:buSzPct val="60000"/>
+              <a:buFont typeface="Arial Narrow" pitchFamily="34" charset="0"/>
+              <a:buNone/>
+            </a:pPr>
+            <a:endParaRPr lang="en-CA">
+              <a:solidFill>
+                <a:srgbClr val="000000"/>
+              </a:solidFill>
+            </a:endParaRPr>
+          </a:p>
+        </p:txBody>
+      </p:sp>
+      <p:cxnSp>
+        <p:nvCxnSpPr>
+          <p:cNvPr id="103" name="Straight Arrow Connector 102"/>
+          <p:cNvCxnSpPr/>
+          <p:nvPr/>
+        </p:nvCxnSpPr>
+        <p:spPr bwMode="auto">
+          <a:xfrm>
+            <a:off x="10925521" y="2639452"/>
+            <a:ext cx="914400" cy="914400"/>
+          </a:xfrm>
+          <a:prstGeom prst="straightConnector1">
+            <a:avLst/>
+          </a:prstGeom>
+          <a:noFill/>
+          <a:ln w="9525" cap="flat" cmpd="sng" algn="ctr">
+            <a:noFill/>
+            <a:prstDash val="solid"/>
+            <a:round/>
+            <a:headEnd type="none" w="med" len="med"/>
+            <a:tailEnd type="arrow"/>
+          </a:ln>
+          <a:effectLst/>
+        </p:spPr>
+      </p:cxnSp>
+      <p:sp>
+        <p:nvSpPr>
+          <p:cNvPr id="57" name="Rectangle 56"/>
+          <p:cNvSpPr/>
+          <p:nvPr/>
+        </p:nvSpPr>
+        <p:spPr bwMode="auto">
+          <a:xfrm>
+            <a:off x="6798842" y="881390"/>
+            <a:ext cx="4784862" cy="2532909"/>
+          </a:xfrm>
+          <a:prstGeom prst="rect">
+            <a:avLst/>
+          </a:prstGeom>
+          <a:solidFill>
+            <a:schemeClr val="accent1">
+              <a:lumMod val="20000"/>
+              <a:lumOff val="80000"/>
+            </a:schemeClr>
+          </a:solidFill>
+          <a:ln>
+            <a:headEnd type="none" w="med" len="med"/>
+            <a:tailEnd type="none" w="med" len="med"/>
+          </a:ln>
+        </p:spPr>
+        <p:style>
+          <a:lnRef idx="1">
+            <a:schemeClr val="accent1"/>
+          </a:lnRef>
+          <a:fillRef idx="2">
+            <a:schemeClr val="accent1"/>
+          </a:fillRef>
+          <a:effectRef idx="1">
+            <a:schemeClr val="accent1"/>
+          </a:effectRef>
+          <a:fontRef idx="minor">
+            <a:schemeClr val="dk1"/>
+          </a:fontRef>
+        </p:style>
+        <p:txBody>
+          <a:bodyPr vert="horz" wrap="square" lIns="91440" tIns="45720" rIns="91440" bIns="45720" numCol="1" rtlCol="0" anchor="t" anchorCtr="0" compatLnSpc="1">
+            <a:prstTxWarp prst="textNoShape">
+              <a:avLst/>
+            </a:prstTxWarp>
+            <a:noAutofit/>
+          </a:bodyPr>
+          <a:lstStyle/>
+          <a:p>
+            <a:pPr marL="342900" indent="-342900" algn="ctr" defTabSz="914400" fontAlgn="base">
+              <a:lnSpc>
+                <a:spcPct val="80000"/>
+              </a:lnSpc>
+              <a:spcBef>
+                <a:spcPct val="20000"/>
+              </a:spcBef>
+              <a:spcAft>
+                <a:spcPct val="0"/>
+              </a:spcAft>
+              <a:buClr>
+                <a:srgbClr val="5BBDF9"/>
+              </a:buClr>
+              <a:buSzPct val="60000"/>
+              <a:buFont typeface="Arial Narrow" pitchFamily="34" charset="0"/>
+              <a:buNone/>
+            </a:pPr>
+            <a:r>
+              <a:rPr lang="en-CA" sz="2000" b="1" dirty="0">
+                <a:solidFill>
+                  <a:srgbClr val="000000"/>
+                </a:solidFill>
+              </a:rPr>
+              <a:t>BOSH Lite VM</a:t>
+            </a:r>
+          </a:p>
+        </p:txBody>
+      </p:sp>
+      <p:grpSp>
+        <p:nvGrpSpPr>
+          <p:cNvPr id="59" name="Group 58"/>
+          <p:cNvGrpSpPr/>
+          <p:nvPr/>
+        </p:nvGrpSpPr>
+        <p:grpSpPr>
+          <a:xfrm>
+            <a:off x="8573914" y="1839014"/>
+            <a:ext cx="963575" cy="1025017"/>
+            <a:chOff x="10501577" y="2858636"/>
+            <a:chExt cx="593901" cy="593901"/>
+          </a:xfrm>
+        </p:grpSpPr>
+        <p:pic>
+          <p:nvPicPr>
+            <p:cNvPr id="60" name="Picture 59"/>
+            <p:cNvPicPr>
+              <a:picLocks noChangeAspect="1"/>
+            </p:cNvPicPr>
+            <p:nvPr/>
+          </p:nvPicPr>
+          <p:blipFill>
+            <a:blip r:embed="rId3" cstate="print">
+              <a:extLst>
+                <a:ext uri="{28A0092B-C50C-407E-A947-70E740481C1C}">
+                  <a14:useLocalDpi xmlns:a14="http://schemas.microsoft.com/office/drawing/2010/main"/>
+                </a:ext>
+              </a:extLst>
+            </a:blip>
+            <a:stretch>
+              <a:fillRect/>
+            </a:stretch>
+          </p:blipFill>
+          <p:spPr>
+            <a:xfrm>
+              <a:off x="10501577" y="2858636"/>
+              <a:ext cx="593901" cy="593901"/>
+            </a:xfrm>
+            <a:prstGeom prst="rect">
+              <a:avLst/>
+            </a:prstGeom>
+          </p:spPr>
+        </p:pic>
+        <p:sp>
+          <p:nvSpPr>
+            <p:cNvPr id="61" name="Oval 60"/>
+            <p:cNvSpPr/>
+            <p:nvPr/>
+          </p:nvSpPr>
+          <p:spPr bwMode="auto">
+            <a:xfrm>
+              <a:off x="10526250" y="2867825"/>
+              <a:ext cx="542235" cy="552698"/>
+            </a:xfrm>
+            <a:prstGeom prst="ellipse">
+              <a:avLst/>
+            </a:prstGeom>
+            <a:solidFill>
+              <a:schemeClr val="bg1"/>
+            </a:solidFill>
+            <a:ln w="9525" cap="flat" cmpd="sng" algn="ctr">
+              <a:noFill/>
+              <a:prstDash val="solid"/>
+              <a:round/>
+              <a:headEnd type="none" w="med" len="med"/>
+              <a:tailEnd type="none" w="med" len="med"/>
+            </a:ln>
+            <a:effectLst/>
+          </p:spPr>
+          <p:txBody>
+            <a:bodyPr vert="horz" wrap="none" lIns="91440" tIns="45720" rIns="91440" bIns="45720" numCol="1" rtlCol="0" anchor="ctr" anchorCtr="0" compatLnSpc="1">
+              <a:prstTxWarp prst="textNoShape">
+                <a:avLst/>
+              </a:prstTxWarp>
+              <a:noAutofit/>
+            </a:bodyPr>
+            <a:lstStyle/>
+            <a:p>
+              <a:pPr marL="342900" marR="0" indent="-342900" algn="ctr" defTabSz="914400" rtl="0" eaLnBrk="1" fontAlgn="base" latinLnBrk="0" hangingPunct="1">
+                <a:lnSpc>
+                  <a:spcPct val="80000"/>
+                </a:lnSpc>
+                <a:spcBef>
+                  <a:spcPct val="20000"/>
+                </a:spcBef>
+                <a:spcAft>
+                  <a:spcPct val="0"/>
+                </a:spcAft>
+                <a:buClr>
+                  <a:schemeClr val="hlink"/>
+                </a:buClr>
+                <a:buSzPct val="60000"/>
+                <a:buFont typeface="Arial Narrow" pitchFamily="34" charset="0"/>
+                <a:buNone/>
+                <a:tabLst/>
+              </a:pPr>
+              <a:r>
+                <a:rPr kumimoji="0" lang="en-CA" sz="1600" i="0" u="none" strike="noStrike" cap="none" normalizeH="0" baseline="0" dirty="0">
+                  <a:ln>
+                    <a:noFill/>
+                  </a:ln>
+                  <a:solidFill>
+                    <a:schemeClr val="tx1"/>
+                  </a:solidFill>
+                  <a:effectLst/>
+                  <a:latin typeface="Arial" charset="0"/>
+                </a:rPr>
+                <a:t>Solace</a:t>
+              </a:r>
+            </a:p>
+            <a:p>
+              <a:pPr marL="342900" marR="0" indent="-342900" algn="ctr" defTabSz="914400" rtl="0" eaLnBrk="1" fontAlgn="base" latinLnBrk="0" hangingPunct="1">
+                <a:lnSpc>
+                  <a:spcPct val="80000"/>
+                </a:lnSpc>
+                <a:spcBef>
+                  <a:spcPct val="20000"/>
+                </a:spcBef>
+                <a:spcAft>
+                  <a:spcPct val="0"/>
+                </a:spcAft>
+                <a:buClr>
+                  <a:schemeClr val="hlink"/>
+                </a:buClr>
+                <a:buSzPct val="60000"/>
+                <a:buFont typeface="Arial Narrow" pitchFamily="34" charset="0"/>
+                <a:buNone/>
+                <a:tabLst/>
+              </a:pPr>
+              <a:r>
+                <a:rPr lang="en-CA" sz="1600" dirty="0">
+                  <a:latin typeface="Arial" charset="0"/>
+                </a:rPr>
+                <a:t>Service</a:t>
+              </a:r>
+            </a:p>
+            <a:p>
+              <a:pPr marL="342900" marR="0" indent="-342900" algn="ctr" defTabSz="914400" rtl="0" eaLnBrk="1" fontAlgn="base" latinLnBrk="0" hangingPunct="1">
+                <a:lnSpc>
+                  <a:spcPct val="80000"/>
+                </a:lnSpc>
+                <a:spcBef>
+                  <a:spcPct val="20000"/>
+                </a:spcBef>
+                <a:spcAft>
+                  <a:spcPct val="0"/>
+                </a:spcAft>
+                <a:buClr>
+                  <a:schemeClr val="hlink"/>
+                </a:buClr>
+                <a:buSzPct val="60000"/>
+                <a:buFont typeface="Arial Narrow" pitchFamily="34" charset="0"/>
+                <a:buNone/>
+                <a:tabLst/>
+              </a:pPr>
+              <a:r>
+                <a:rPr kumimoji="0" lang="en-CA" sz="1600" i="0" u="none" strike="noStrike" cap="none" normalizeH="0" baseline="0" dirty="0">
+                  <a:ln>
+                    <a:noFill/>
+                  </a:ln>
+                  <a:solidFill>
+                    <a:schemeClr val="tx1"/>
+                  </a:solidFill>
+                  <a:effectLst/>
+                  <a:latin typeface="Arial" charset="0"/>
+                </a:rPr>
+                <a:t>Broker</a:t>
+              </a:r>
+            </a:p>
+          </p:txBody>
+        </p:sp>
+      </p:grpSp>
+      <p:grpSp>
+        <p:nvGrpSpPr>
+          <p:cNvPr id="3" name="Group 2"/>
+          <p:cNvGrpSpPr/>
+          <p:nvPr/>
+        </p:nvGrpSpPr>
+        <p:grpSpPr>
+          <a:xfrm>
+            <a:off x="4355494" y="4346936"/>
+            <a:ext cx="1919409" cy="1579809"/>
+            <a:chOff x="2997629" y="2156466"/>
+            <a:chExt cx="1919409" cy="1579809"/>
+          </a:xfrm>
+        </p:grpSpPr>
+        <p:sp>
+          <p:nvSpPr>
+            <p:cNvPr id="64" name="Rectangle 63"/>
+            <p:cNvSpPr/>
+            <p:nvPr/>
+          </p:nvSpPr>
+          <p:spPr bwMode="auto">
+            <a:xfrm>
+              <a:off x="2997629" y="2156466"/>
+              <a:ext cx="1919409" cy="1579809"/>
+            </a:xfrm>
+            <a:prstGeom prst="rect">
+              <a:avLst/>
+            </a:prstGeom>
+            <a:solidFill>
+              <a:schemeClr val="bg1"/>
+            </a:solidFill>
+            <a:ln>
+              <a:solidFill>
+                <a:schemeClr val="tx1"/>
+              </a:solidFill>
+              <a:headEnd type="none" w="med" len="med"/>
+              <a:tailEnd type="none" w="med" len="med"/>
+            </a:ln>
+          </p:spPr>
+          <p:style>
+            <a:lnRef idx="1">
+              <a:schemeClr val="accent2"/>
+            </a:lnRef>
+            <a:fillRef idx="2">
+              <a:schemeClr val="accent2"/>
+            </a:fillRef>
+            <a:effectRef idx="1">
+              <a:schemeClr val="accent2"/>
+            </a:effectRef>
+            <a:fontRef idx="minor">
+              <a:schemeClr val="dk1"/>
+            </a:fontRef>
+          </p:style>
+          <p:txBody>
+            <a:bodyPr vert="horz" wrap="none" lIns="91440" tIns="45720" rIns="91440" bIns="45720" numCol="1" rtlCol="0" anchor="b" anchorCtr="0" compatLnSpc="1">
+              <a:prstTxWarp prst="textNoShape">
+                <a:avLst/>
+              </a:prstTxWarp>
+              <a:noAutofit/>
+            </a:bodyPr>
+            <a:lstStyle/>
+            <a:p>
+              <a:pPr marL="342900" marR="0" indent="-342900" algn="ctr" defTabSz="914400" rtl="0" eaLnBrk="1" fontAlgn="base" latinLnBrk="0" hangingPunct="1">
+                <a:lnSpc>
+                  <a:spcPct val="80000"/>
+                </a:lnSpc>
+                <a:spcBef>
+                  <a:spcPct val="20000"/>
+                </a:spcBef>
+                <a:spcAft>
+                  <a:spcPct val="0"/>
+                </a:spcAft>
+                <a:buClr>
+                  <a:schemeClr val="hlink"/>
+                </a:buClr>
+                <a:buSzPct val="60000"/>
+                <a:buFont typeface="Arial Narrow" pitchFamily="34" charset="0"/>
+                <a:buNone/>
+                <a:tabLst/>
+              </a:pPr>
+              <a:endParaRPr kumimoji="0" lang="en-CA" sz="800" i="0" u="none" strike="noStrike" cap="none" normalizeH="0" baseline="0">
+                <a:ln>
+                  <a:noFill/>
+                </a:ln>
+                <a:solidFill>
+                  <a:schemeClr val="tx1"/>
+                </a:solidFill>
+                <a:effectLst/>
+                <a:latin typeface="Arial" charset="0"/>
+              </a:endParaRPr>
+            </a:p>
+          </p:txBody>
+        </p:sp>
+        <p:pic>
+          <p:nvPicPr>
+            <p:cNvPr id="65" name="Picture 64"/>
+            <p:cNvPicPr>
+              <a:picLocks noChangeAspect="1"/>
+            </p:cNvPicPr>
+            <p:nvPr/>
+          </p:nvPicPr>
+          <p:blipFill>
+            <a:blip r:embed="rId4" cstate="screen">
+              <a:extLst>
+                <a:ext uri="{28A0092B-C50C-407E-A947-70E740481C1C}">
+                  <a14:useLocalDpi xmlns:a14="http://schemas.microsoft.com/office/drawing/2010/main"/>
+                </a:ext>
+              </a:extLst>
+            </a:blip>
+            <a:stretch>
+              <a:fillRect/>
+            </a:stretch>
+          </p:blipFill>
+          <p:spPr>
+            <a:xfrm>
+              <a:off x="3076006" y="2225252"/>
+              <a:ext cx="1016611" cy="508305"/>
+            </a:xfrm>
+            <a:prstGeom prst="rect">
+              <a:avLst/>
+            </a:prstGeom>
+          </p:spPr>
+        </p:pic>
+      </p:grpSp>
+      <p:cxnSp>
+        <p:nvCxnSpPr>
+          <p:cNvPr id="5" name="Straight Arrow Connector 4"/>
+          <p:cNvCxnSpPr>
+            <a:cxnSpLocks/>
+          </p:cNvCxnSpPr>
+          <p:nvPr/>
+        </p:nvCxnSpPr>
+        <p:spPr bwMode="auto">
+          <a:xfrm>
+            <a:off x="6430093" y="5039672"/>
+            <a:ext cx="551052" cy="8219"/>
+          </a:xfrm>
+          <a:prstGeom prst="straightConnector1">
+            <a:avLst/>
+          </a:prstGeom>
+          <a:ln>
+            <a:headEnd type="none" w="med" len="med"/>
+            <a:tailEnd type="triangle"/>
+          </a:ln>
+        </p:spPr>
+        <p:style>
+          <a:lnRef idx="3">
+            <a:schemeClr val="accent2"/>
+          </a:lnRef>
+          <a:fillRef idx="0">
+            <a:schemeClr val="accent2"/>
+          </a:fillRef>
+          <a:effectRef idx="2">
+            <a:schemeClr val="accent2"/>
+          </a:effectRef>
+          <a:fontRef idx="minor">
+            <a:schemeClr val="tx1"/>
+          </a:fontRef>
+        </p:style>
+      </p:cxnSp>
+      <p:cxnSp>
+        <p:nvCxnSpPr>
+          <p:cNvPr id="70" name="Straight Arrow Connector 69"/>
+          <p:cNvCxnSpPr>
+            <a:cxnSpLocks/>
+            <a:stCxn id="136" idx="0"/>
+          </p:cNvCxnSpPr>
+          <p:nvPr/>
+        </p:nvCxnSpPr>
+        <p:spPr bwMode="auto">
+          <a:xfrm flipV="1">
+            <a:off x="8693542" y="3057783"/>
+            <a:ext cx="227240" cy="724478"/>
+          </a:xfrm>
+          <a:prstGeom prst="straightConnector1">
+            <a:avLst/>
+          </a:prstGeom>
+          <a:ln>
+            <a:headEnd type="none" w="med" len="med"/>
+            <a:tailEnd type="triangle"/>
+          </a:ln>
+        </p:spPr>
+        <p:style>
+          <a:lnRef idx="3">
+            <a:schemeClr val="accent2"/>
+          </a:lnRef>
+          <a:fillRef idx="0">
+            <a:schemeClr val="accent2"/>
+          </a:fillRef>
+          <a:effectRef idx="2">
+            <a:schemeClr val="accent2"/>
+          </a:effectRef>
+          <a:fontRef idx="minor">
+            <a:schemeClr val="tx1"/>
+          </a:fontRef>
+        </p:style>
+      </p:cxnSp>
+      <p:grpSp>
+        <p:nvGrpSpPr>
+          <p:cNvPr id="73" name="Group 72"/>
+          <p:cNvGrpSpPr/>
+          <p:nvPr/>
+        </p:nvGrpSpPr>
+        <p:grpSpPr>
+          <a:xfrm>
+            <a:off x="7120452" y="4848462"/>
+            <a:ext cx="318324" cy="369332"/>
+            <a:chOff x="2790018" y="5090145"/>
+            <a:chExt cx="318324" cy="369332"/>
+          </a:xfrm>
+        </p:grpSpPr>
+        <p:sp>
+          <p:nvSpPr>
+            <p:cNvPr id="74" name="Oval 73"/>
+            <p:cNvSpPr/>
+            <p:nvPr/>
+          </p:nvSpPr>
+          <p:spPr bwMode="auto">
+            <a:xfrm>
+              <a:off x="2790018" y="5116682"/>
+              <a:ext cx="318324" cy="316259"/>
+            </a:xfrm>
+            <a:prstGeom prst="ellipse">
+              <a:avLst/>
+            </a:prstGeom>
+            <a:solidFill>
+              <a:srgbClr val="C00000"/>
+            </a:solidFill>
+            <a:ln>
+              <a:headEnd type="none" w="med" len="med"/>
+              <a:tailEnd type="none" w="med" len="med"/>
+            </a:ln>
+          </p:spPr>
+          <p:style>
+            <a:lnRef idx="0">
+              <a:schemeClr val="accent2"/>
+            </a:lnRef>
+            <a:fillRef idx="3">
+              <a:schemeClr val="accent2"/>
+            </a:fillRef>
+            <a:effectRef idx="3">
+              <a:schemeClr val="accent2"/>
+            </a:effectRef>
+            <a:fontRef idx="minor">
+              <a:schemeClr val="lt1"/>
+            </a:fontRef>
+          </p:style>
+          <p:txBody>
+            <a:bodyPr vert="horz" wrap="square" lIns="91440" tIns="45720" rIns="91440" bIns="45720" numCol="1" rtlCol="0" anchor="t" anchorCtr="0" compatLnSpc="1">
+              <a:prstTxWarp prst="textNoShape">
+                <a:avLst/>
+              </a:prstTxWarp>
+              <a:noAutofit/>
+            </a:bodyPr>
+            <a:lstStyle/>
+            <a:p>
+              <a:pPr marL="342900" marR="0" indent="-342900" algn="l" defTabSz="914400" rtl="0" eaLnBrk="1" fontAlgn="base" latinLnBrk="0" hangingPunct="1">
+                <a:lnSpc>
+                  <a:spcPct val="80000"/>
+                </a:lnSpc>
+                <a:spcBef>
+                  <a:spcPct val="20000"/>
+                </a:spcBef>
+                <a:spcAft>
+                  <a:spcPct val="0"/>
+                </a:spcAft>
+                <a:buClr>
+                  <a:schemeClr val="hlink"/>
+                </a:buClr>
+                <a:buSzPct val="60000"/>
+                <a:buFont typeface="Arial Narrow" pitchFamily="34" charset="0"/>
+                <a:buNone/>
+                <a:tabLst/>
+              </a:pPr>
+              <a:endParaRPr kumimoji="0" lang="en-CA" sz="2000" b="1" i="0" u="none" strike="noStrike" cap="none" normalizeH="0" baseline="0">
+                <a:ln>
+                  <a:noFill/>
+                </a:ln>
+                <a:solidFill>
+                  <a:schemeClr val="accent4">
+                    <a:lumMod val="95000"/>
+                    <a:lumOff val="5000"/>
+                  </a:schemeClr>
+                </a:solidFill>
+                <a:effectLst/>
+                <a:latin typeface="Arial" charset="0"/>
+              </a:endParaRPr>
+            </a:p>
+          </p:txBody>
+        </p:sp>
+        <p:sp>
+          <p:nvSpPr>
+            <p:cNvPr id="93" name="TextBox 92"/>
+            <p:cNvSpPr txBox="1"/>
+            <p:nvPr/>
+          </p:nvSpPr>
+          <p:spPr>
+            <a:xfrm>
+              <a:off x="2790018" y="5090145"/>
+              <a:ext cx="312906" cy="369332"/>
+            </a:xfrm>
+            <a:prstGeom prst="rect">
+              <a:avLst/>
+            </a:prstGeom>
+            <a:noFill/>
+          </p:spPr>
+          <p:txBody>
+            <a:bodyPr wrap="none" rtlCol="0">
+              <a:spAutoFit/>
+            </a:bodyPr>
+            <a:lstStyle/>
+            <a:p>
+              <a:r>
+                <a:rPr lang="en-CA">
+                  <a:solidFill>
+                    <a:schemeClr val="bg1"/>
+                  </a:solidFill>
+                </a:rPr>
+                <a:t>1</a:t>
+              </a:r>
+            </a:p>
+          </p:txBody>
+        </p:sp>
+      </p:grpSp>
+      <p:grpSp>
+        <p:nvGrpSpPr>
+          <p:cNvPr id="120" name="Group 119"/>
+          <p:cNvGrpSpPr/>
+          <p:nvPr/>
+        </p:nvGrpSpPr>
+        <p:grpSpPr>
+          <a:xfrm>
+            <a:off x="8220489" y="4391884"/>
+            <a:ext cx="345913" cy="345913"/>
+            <a:chOff x="10438103" y="3127870"/>
+            <a:chExt cx="593901" cy="593901"/>
+          </a:xfrm>
+        </p:grpSpPr>
+        <p:pic>
+          <p:nvPicPr>
+            <p:cNvPr id="121" name="Picture 120"/>
+            <p:cNvPicPr>
+              <a:picLocks noChangeAspect="1"/>
+            </p:cNvPicPr>
+            <p:nvPr/>
+          </p:nvPicPr>
+          <p:blipFill>
+            <a:blip r:embed="rId3" cstate="print">
+              <a:extLst>
+                <a:ext uri="{28A0092B-C50C-407E-A947-70E740481C1C}">
+                  <a14:useLocalDpi xmlns:a14="http://schemas.microsoft.com/office/drawing/2010/main"/>
+                </a:ext>
+              </a:extLst>
+            </a:blip>
+            <a:stretch>
+              <a:fillRect/>
+            </a:stretch>
+          </p:blipFill>
+          <p:spPr>
+            <a:xfrm>
+              <a:off x="10438103" y="3127870"/>
+              <a:ext cx="593901" cy="593901"/>
+            </a:xfrm>
+            <a:prstGeom prst="rect">
+              <a:avLst/>
+            </a:prstGeom>
+          </p:spPr>
+        </p:pic>
+        <p:sp>
+          <p:nvSpPr>
+            <p:cNvPr id="122" name="Oval 121"/>
+            <p:cNvSpPr/>
+            <p:nvPr/>
+          </p:nvSpPr>
+          <p:spPr bwMode="auto">
+            <a:xfrm>
+              <a:off x="10475124" y="3155649"/>
+              <a:ext cx="517525" cy="531851"/>
+            </a:xfrm>
+            <a:prstGeom prst="ellipse">
+              <a:avLst/>
+            </a:prstGeom>
+            <a:solidFill>
+              <a:schemeClr val="bg1"/>
+            </a:solidFill>
+            <a:ln w="9525" cap="flat" cmpd="sng" algn="ctr">
+              <a:noFill/>
+              <a:prstDash val="solid"/>
+              <a:round/>
+              <a:headEnd type="none" w="med" len="med"/>
+              <a:tailEnd type="none" w="med" len="med"/>
+            </a:ln>
+            <a:effectLst/>
+          </p:spPr>
+          <p:txBody>
+            <a:bodyPr vert="horz" wrap="none" lIns="91440" tIns="45720" rIns="91440" bIns="45720" numCol="1" rtlCol="0" anchor="ctr" anchorCtr="0" compatLnSpc="1">
+              <a:prstTxWarp prst="textNoShape">
+                <a:avLst/>
+              </a:prstTxWarp>
+              <a:noAutofit/>
+            </a:bodyPr>
+            <a:lstStyle/>
+            <a:p>
+              <a:pPr marL="342900" marR="0" indent="-342900" algn="ctr" defTabSz="914400" rtl="0" eaLnBrk="1" fontAlgn="base" latinLnBrk="0" hangingPunct="1">
+                <a:lnSpc>
+                  <a:spcPct val="80000"/>
+                </a:lnSpc>
+                <a:spcBef>
+                  <a:spcPct val="20000"/>
+                </a:spcBef>
+                <a:spcAft>
+                  <a:spcPct val="0"/>
+                </a:spcAft>
+                <a:buClr>
+                  <a:schemeClr val="hlink"/>
+                </a:buClr>
+                <a:buSzPct val="60000"/>
+                <a:buFont typeface="Arial Narrow" pitchFamily="34" charset="0"/>
+                <a:buNone/>
+                <a:tabLst/>
+              </a:pPr>
+              <a:r>
+                <a:rPr kumimoji="0" lang="en-CA" sz="500" i="0" u="none" strike="noStrike" cap="none" normalizeH="0" baseline="0">
+                  <a:ln>
+                    <a:noFill/>
+                  </a:ln>
+                  <a:solidFill>
+                    <a:schemeClr val="tx1"/>
+                  </a:solidFill>
+                  <a:effectLst/>
+                  <a:latin typeface="Arial" charset="0"/>
+                </a:rPr>
+                <a:t>Solace</a:t>
+              </a:r>
+            </a:p>
+            <a:p>
+              <a:pPr marL="342900" marR="0" indent="-342900" algn="ctr" defTabSz="914400" rtl="0" eaLnBrk="1" fontAlgn="base" latinLnBrk="0" hangingPunct="1">
+                <a:lnSpc>
+                  <a:spcPct val="80000"/>
+                </a:lnSpc>
+                <a:spcBef>
+                  <a:spcPct val="20000"/>
+                </a:spcBef>
+                <a:spcAft>
+                  <a:spcPct val="0"/>
+                </a:spcAft>
+                <a:buClr>
+                  <a:schemeClr val="hlink"/>
+                </a:buClr>
+                <a:buSzPct val="60000"/>
+                <a:buFont typeface="Arial Narrow" pitchFamily="34" charset="0"/>
+                <a:buNone/>
+                <a:tabLst/>
+              </a:pPr>
+              <a:r>
+                <a:rPr lang="en-CA" sz="500">
+                  <a:latin typeface="Arial" charset="0"/>
+                </a:rPr>
+                <a:t>Service</a:t>
+              </a:r>
+            </a:p>
+            <a:p>
+              <a:pPr marL="342900" marR="0" indent="-342900" algn="ctr" defTabSz="914400" rtl="0" eaLnBrk="1" fontAlgn="base" latinLnBrk="0" hangingPunct="1">
+                <a:lnSpc>
+                  <a:spcPct val="80000"/>
+                </a:lnSpc>
+                <a:spcBef>
+                  <a:spcPct val="20000"/>
+                </a:spcBef>
+                <a:spcAft>
+                  <a:spcPct val="0"/>
+                </a:spcAft>
+                <a:buClr>
+                  <a:schemeClr val="hlink"/>
+                </a:buClr>
+                <a:buSzPct val="60000"/>
+                <a:buFont typeface="Arial Narrow" pitchFamily="34" charset="0"/>
+                <a:buNone/>
+                <a:tabLst/>
+              </a:pPr>
+              <a:r>
+                <a:rPr kumimoji="0" lang="en-CA" sz="500" i="0" u="none" strike="noStrike" cap="none" normalizeH="0" baseline="0">
+                  <a:ln>
+                    <a:noFill/>
+                  </a:ln>
+                  <a:solidFill>
+                    <a:schemeClr val="tx1"/>
+                  </a:solidFill>
+                  <a:effectLst/>
+                  <a:latin typeface="Arial" charset="0"/>
+                </a:rPr>
+                <a:t>Broker</a:t>
+              </a:r>
+            </a:p>
+          </p:txBody>
+        </p:sp>
+      </p:grpSp>
+      <p:sp>
+        <p:nvSpPr>
+          <p:cNvPr id="126" name="Rectangle 125"/>
+          <p:cNvSpPr/>
+          <p:nvPr/>
+        </p:nvSpPr>
+        <p:spPr bwMode="auto">
+          <a:xfrm>
+            <a:off x="8227719" y="4838483"/>
+            <a:ext cx="1871691" cy="629766"/>
+          </a:xfrm>
+          <a:prstGeom prst="rect">
+            <a:avLst/>
+          </a:prstGeom>
+          <a:ln w="3175">
+            <a:solidFill>
+              <a:schemeClr val="accent1"/>
+            </a:solidFill>
+            <a:headEnd type="none" w="med" len="med"/>
+            <a:tailEnd type="none" w="med" len="med"/>
+          </a:ln>
+        </p:spPr>
+        <p:style>
+          <a:lnRef idx="2">
+            <a:schemeClr val="accent1">
+              <a:shade val="50000"/>
+            </a:schemeClr>
+          </a:lnRef>
+          <a:fillRef idx="1">
+            <a:schemeClr val="accent1"/>
+          </a:fillRef>
+          <a:effectRef idx="0">
+            <a:schemeClr val="accent1"/>
+          </a:effectRef>
+          <a:fontRef idx="minor">
+            <a:schemeClr val="lt1"/>
+          </a:fontRef>
+        </p:style>
+        <p:txBody>
+          <a:bodyPr vert="horz" wrap="none" lIns="91440" tIns="45720" rIns="91440" bIns="45720" numCol="1" rtlCol="0" anchor="t" anchorCtr="0" compatLnSpc="1">
+            <a:prstTxWarp prst="textNoShape">
+              <a:avLst/>
+            </a:prstTxWarp>
+            <a:noAutofit/>
+          </a:bodyPr>
+          <a:lstStyle/>
+          <a:p>
+            <a:pPr marL="342900" marR="0" indent="-342900" algn="ctr" defTabSz="914400" rtl="0" eaLnBrk="1" fontAlgn="base" latinLnBrk="0" hangingPunct="1">
+              <a:lnSpc>
+                <a:spcPct val="80000"/>
+              </a:lnSpc>
+              <a:spcBef>
+                <a:spcPct val="20000"/>
+              </a:spcBef>
+              <a:spcAft>
+                <a:spcPct val="0"/>
+              </a:spcAft>
+              <a:buClr>
+                <a:schemeClr val="hlink"/>
+              </a:buClr>
+              <a:buSzPct val="60000"/>
+              <a:buFont typeface="Arial Narrow" pitchFamily="34" charset="0"/>
+              <a:buNone/>
+              <a:tabLst/>
+            </a:pPr>
+            <a:r>
+              <a:rPr kumimoji="0" lang="en-CA" sz="400" i="0" u="none" strike="noStrike" cap="none" normalizeH="0" baseline="0" dirty="0">
+                <a:ln>
+                  <a:noFill/>
+                </a:ln>
+                <a:solidFill>
+                  <a:schemeClr val="bg1"/>
+                </a:solidFill>
+                <a:effectLst/>
+                <a:latin typeface="Arial" charset="0"/>
+              </a:rPr>
+              <a:t>BOSH S</a:t>
+            </a:r>
+            <a:r>
+              <a:rPr lang="en-CA" sz="400" dirty="0">
+                <a:solidFill>
+                  <a:schemeClr val="bg1"/>
+                </a:solidFill>
+                <a:latin typeface="Arial" charset="0"/>
+              </a:rPr>
+              <a:t>olace </a:t>
+            </a:r>
+            <a:r>
+              <a:rPr kumimoji="0" lang="en-CA" sz="400" i="0" u="none" strike="noStrike" cap="none" normalizeH="0" dirty="0">
+                <a:ln>
+                  <a:noFill/>
+                </a:ln>
+                <a:solidFill>
+                  <a:schemeClr val="bg1"/>
+                </a:solidFill>
+                <a:effectLst/>
+                <a:latin typeface="Arial" charset="0"/>
+              </a:rPr>
+              <a:t>Release</a:t>
+            </a:r>
+          </a:p>
+        </p:txBody>
+      </p:sp>
+      <p:cxnSp>
+        <p:nvCxnSpPr>
+          <p:cNvPr id="127" name="Straight Arrow Connector 126"/>
+          <p:cNvCxnSpPr/>
+          <p:nvPr/>
+        </p:nvCxnSpPr>
+        <p:spPr bwMode="auto">
+          <a:xfrm flipV="1">
+            <a:off x="7498943" y="4558610"/>
+            <a:ext cx="693731" cy="333124"/>
+          </a:xfrm>
+          <a:prstGeom prst="straightConnector1">
+            <a:avLst/>
+          </a:prstGeom>
+          <a:ln>
+            <a:headEnd type="none" w="med" len="med"/>
+            <a:tailEnd type="triangle"/>
+          </a:ln>
+        </p:spPr>
+        <p:style>
+          <a:lnRef idx="3">
+            <a:schemeClr val="accent2"/>
+          </a:lnRef>
+          <a:fillRef idx="0">
+            <a:schemeClr val="accent2"/>
+          </a:fillRef>
+          <a:effectRef idx="2">
+            <a:schemeClr val="accent2"/>
+          </a:effectRef>
+          <a:fontRef idx="minor">
+            <a:schemeClr val="tx1"/>
+          </a:fontRef>
+        </p:style>
+      </p:cxnSp>
+      <p:cxnSp>
+        <p:nvCxnSpPr>
+          <p:cNvPr id="133" name="Straight Arrow Connector 132"/>
+          <p:cNvCxnSpPr/>
+          <p:nvPr/>
+        </p:nvCxnSpPr>
+        <p:spPr bwMode="auto">
+          <a:xfrm>
+            <a:off x="7515146" y="5039672"/>
+            <a:ext cx="631659" cy="3508"/>
+          </a:xfrm>
+          <a:prstGeom prst="straightConnector1">
+            <a:avLst/>
+          </a:prstGeom>
+          <a:ln>
+            <a:headEnd type="none" w="med" len="med"/>
+            <a:tailEnd type="triangle"/>
+          </a:ln>
+        </p:spPr>
+        <p:style>
+          <a:lnRef idx="3">
+            <a:schemeClr val="accent2"/>
+          </a:lnRef>
+          <a:fillRef idx="0">
+            <a:schemeClr val="accent2"/>
+          </a:fillRef>
+          <a:effectRef idx="2">
+            <a:schemeClr val="accent2"/>
+          </a:effectRef>
+          <a:fontRef idx="minor">
+            <a:schemeClr val="tx1"/>
+          </a:fontRef>
+        </p:style>
+      </p:cxnSp>
+      <p:grpSp>
+        <p:nvGrpSpPr>
+          <p:cNvPr id="134" name="Group 133"/>
+          <p:cNvGrpSpPr/>
+          <p:nvPr/>
+        </p:nvGrpSpPr>
+        <p:grpSpPr>
+          <a:xfrm>
+            <a:off x="8537089" y="3782261"/>
+            <a:ext cx="318324" cy="369332"/>
+            <a:chOff x="2790018" y="5090145"/>
+            <a:chExt cx="318324" cy="369332"/>
+          </a:xfrm>
+        </p:grpSpPr>
+        <p:sp>
+          <p:nvSpPr>
+            <p:cNvPr id="135" name="Oval 134"/>
+            <p:cNvSpPr/>
+            <p:nvPr/>
+          </p:nvSpPr>
+          <p:spPr bwMode="auto">
+            <a:xfrm>
+              <a:off x="2790018" y="5116682"/>
+              <a:ext cx="318324" cy="316259"/>
+            </a:xfrm>
+            <a:prstGeom prst="ellipse">
+              <a:avLst/>
+            </a:prstGeom>
+            <a:solidFill>
+              <a:srgbClr val="C00000"/>
+            </a:solidFill>
+            <a:ln>
+              <a:headEnd type="none" w="med" len="med"/>
+              <a:tailEnd type="none" w="med" len="med"/>
+            </a:ln>
+          </p:spPr>
+          <p:style>
+            <a:lnRef idx="0">
+              <a:schemeClr val="accent2"/>
+            </a:lnRef>
+            <a:fillRef idx="3">
+              <a:schemeClr val="accent2"/>
+            </a:fillRef>
+            <a:effectRef idx="3">
+              <a:schemeClr val="accent2"/>
+            </a:effectRef>
+            <a:fontRef idx="minor">
+              <a:schemeClr val="lt1"/>
+            </a:fontRef>
+          </p:style>
+          <p:txBody>
+            <a:bodyPr vert="horz" wrap="square" lIns="91440" tIns="45720" rIns="91440" bIns="45720" numCol="1" rtlCol="0" anchor="t" anchorCtr="0" compatLnSpc="1">
+              <a:prstTxWarp prst="textNoShape">
+                <a:avLst/>
+              </a:prstTxWarp>
+              <a:noAutofit/>
+            </a:bodyPr>
+            <a:lstStyle/>
+            <a:p>
+              <a:pPr marL="342900" marR="0" indent="-342900" algn="l" defTabSz="914400" rtl="0" eaLnBrk="1" fontAlgn="base" latinLnBrk="0" hangingPunct="1">
+                <a:lnSpc>
+                  <a:spcPct val="80000"/>
+                </a:lnSpc>
+                <a:spcBef>
+                  <a:spcPct val="20000"/>
+                </a:spcBef>
+                <a:spcAft>
+                  <a:spcPct val="0"/>
+                </a:spcAft>
+                <a:buClr>
+                  <a:schemeClr val="hlink"/>
+                </a:buClr>
+                <a:buSzPct val="60000"/>
+                <a:buFont typeface="Arial Narrow" pitchFamily="34" charset="0"/>
+                <a:buNone/>
+                <a:tabLst/>
+              </a:pPr>
+              <a:endParaRPr kumimoji="0" lang="en-CA" sz="2000" b="1" i="0" u="none" strike="noStrike" cap="none" normalizeH="0" baseline="0">
+                <a:ln>
+                  <a:noFill/>
+                </a:ln>
+                <a:solidFill>
+                  <a:schemeClr val="accent4">
+                    <a:lumMod val="95000"/>
+                    <a:lumOff val="5000"/>
+                  </a:schemeClr>
+                </a:solidFill>
+                <a:effectLst/>
+                <a:latin typeface="Arial" charset="0"/>
+              </a:endParaRPr>
+            </a:p>
+          </p:txBody>
+        </p:sp>
+        <p:sp>
+          <p:nvSpPr>
+            <p:cNvPr id="136" name="TextBox 135"/>
+            <p:cNvSpPr txBox="1"/>
+            <p:nvPr/>
+          </p:nvSpPr>
+          <p:spPr>
+            <a:xfrm>
+              <a:off x="2790018" y="5090145"/>
+              <a:ext cx="312906" cy="369332"/>
+            </a:xfrm>
+            <a:prstGeom prst="rect">
+              <a:avLst/>
+            </a:prstGeom>
+            <a:noFill/>
+          </p:spPr>
+          <p:txBody>
+            <a:bodyPr wrap="none" rtlCol="0">
+              <a:spAutoFit/>
+            </a:bodyPr>
+            <a:lstStyle/>
+            <a:p>
+              <a:r>
+                <a:rPr lang="en-CA">
+                  <a:solidFill>
+                    <a:schemeClr val="bg1"/>
+                  </a:solidFill>
+                </a:rPr>
+                <a:t>2</a:t>
+              </a:r>
+            </a:p>
+          </p:txBody>
+        </p:sp>
+      </p:grpSp>
+      <p:cxnSp>
+        <p:nvCxnSpPr>
+          <p:cNvPr id="137" name="Straight Arrow Connector 136"/>
+          <p:cNvCxnSpPr>
+            <a:cxnSpLocks/>
+            <a:endCxn id="86" idx="4"/>
+          </p:cNvCxnSpPr>
+          <p:nvPr/>
+        </p:nvCxnSpPr>
+        <p:spPr bwMode="auto">
+          <a:xfrm flipV="1">
+            <a:off x="9324219" y="2437372"/>
+            <a:ext cx="1343394" cy="2401111"/>
+          </a:xfrm>
+          <a:prstGeom prst="straightConnector1">
+            <a:avLst/>
+          </a:prstGeom>
+          <a:ln>
+            <a:headEnd type="none" w="med" len="med"/>
+            <a:tailEnd type="triangle"/>
+          </a:ln>
+        </p:spPr>
+        <p:style>
+          <a:lnRef idx="3">
+            <a:schemeClr val="accent2"/>
+          </a:lnRef>
+          <a:fillRef idx="0">
+            <a:schemeClr val="accent2"/>
+          </a:fillRef>
+          <a:effectRef idx="2">
+            <a:schemeClr val="accent2"/>
+          </a:effectRef>
+          <a:fontRef idx="minor">
+            <a:schemeClr val="tx1"/>
+          </a:fontRef>
+        </p:style>
+      </p:cxnSp>
+      <p:grpSp>
+        <p:nvGrpSpPr>
+          <p:cNvPr id="138" name="Group 137"/>
+          <p:cNvGrpSpPr/>
+          <p:nvPr/>
+        </p:nvGrpSpPr>
+        <p:grpSpPr>
+          <a:xfrm>
+            <a:off x="9643425" y="3836069"/>
+            <a:ext cx="318324" cy="369332"/>
+            <a:chOff x="2790018" y="5090145"/>
+            <a:chExt cx="318324" cy="369332"/>
+          </a:xfrm>
+        </p:grpSpPr>
+        <p:sp>
+          <p:nvSpPr>
+            <p:cNvPr id="139" name="Oval 138"/>
+            <p:cNvSpPr/>
+            <p:nvPr/>
+          </p:nvSpPr>
+          <p:spPr bwMode="auto">
+            <a:xfrm>
+              <a:off x="2790018" y="5116682"/>
+              <a:ext cx="318324" cy="316259"/>
+            </a:xfrm>
+            <a:prstGeom prst="ellipse">
+              <a:avLst/>
+            </a:prstGeom>
+            <a:solidFill>
+              <a:srgbClr val="C00000"/>
+            </a:solidFill>
+            <a:ln>
+              <a:headEnd type="none" w="med" len="med"/>
+              <a:tailEnd type="none" w="med" len="med"/>
+            </a:ln>
+          </p:spPr>
+          <p:style>
+            <a:lnRef idx="0">
+              <a:schemeClr val="accent2"/>
+            </a:lnRef>
+            <a:fillRef idx="3">
+              <a:schemeClr val="accent2"/>
+            </a:fillRef>
+            <a:effectRef idx="3">
+              <a:schemeClr val="accent2"/>
+            </a:effectRef>
+            <a:fontRef idx="minor">
+              <a:schemeClr val="lt1"/>
+            </a:fontRef>
+          </p:style>
+          <p:txBody>
+            <a:bodyPr vert="horz" wrap="square" lIns="91440" tIns="45720" rIns="91440" bIns="45720" numCol="1" rtlCol="0" anchor="t" anchorCtr="0" compatLnSpc="1">
+              <a:prstTxWarp prst="textNoShape">
+                <a:avLst/>
+              </a:prstTxWarp>
+              <a:noAutofit/>
+            </a:bodyPr>
+            <a:lstStyle/>
+            <a:p>
+              <a:pPr marL="342900" marR="0" indent="-342900" algn="l" defTabSz="914400" rtl="0" eaLnBrk="1" fontAlgn="base" latinLnBrk="0" hangingPunct="1">
+                <a:lnSpc>
+                  <a:spcPct val="80000"/>
+                </a:lnSpc>
+                <a:spcBef>
+                  <a:spcPct val="20000"/>
+                </a:spcBef>
+                <a:spcAft>
+                  <a:spcPct val="0"/>
+                </a:spcAft>
+                <a:buClr>
+                  <a:schemeClr val="hlink"/>
+                </a:buClr>
+                <a:buSzPct val="60000"/>
+                <a:buFont typeface="Arial Narrow" pitchFamily="34" charset="0"/>
+                <a:buNone/>
+                <a:tabLst/>
+              </a:pPr>
+              <a:endParaRPr kumimoji="0" lang="en-CA" sz="2000" b="1" i="0" u="none" strike="noStrike" cap="none" normalizeH="0" baseline="0">
+                <a:ln>
+                  <a:noFill/>
+                </a:ln>
+                <a:solidFill>
+                  <a:schemeClr val="accent4">
+                    <a:lumMod val="95000"/>
+                    <a:lumOff val="5000"/>
+                  </a:schemeClr>
+                </a:solidFill>
+                <a:effectLst/>
+                <a:latin typeface="Arial" charset="0"/>
+              </a:endParaRPr>
+            </a:p>
+          </p:txBody>
+        </p:sp>
+        <p:sp>
+          <p:nvSpPr>
+            <p:cNvPr id="140" name="TextBox 139"/>
+            <p:cNvSpPr txBox="1"/>
+            <p:nvPr/>
+          </p:nvSpPr>
+          <p:spPr>
+            <a:xfrm>
+              <a:off x="2790018" y="5090145"/>
+              <a:ext cx="312906" cy="369332"/>
+            </a:xfrm>
+            <a:prstGeom prst="rect">
+              <a:avLst/>
+            </a:prstGeom>
+            <a:noFill/>
+          </p:spPr>
+          <p:txBody>
+            <a:bodyPr wrap="none" rtlCol="0">
+              <a:spAutoFit/>
+            </a:bodyPr>
+            <a:lstStyle/>
+            <a:p>
+              <a:r>
+                <a:rPr lang="en-CA">
+                  <a:solidFill>
+                    <a:schemeClr val="bg1"/>
+                  </a:solidFill>
+                </a:rPr>
+                <a:t>3</a:t>
+              </a:r>
+            </a:p>
+          </p:txBody>
+        </p:sp>
+      </p:grpSp>
+      <p:pic>
+        <p:nvPicPr>
+          <p:cNvPr id="21" name="Picture 20"/>
+          <p:cNvPicPr>
+            <a:picLocks noChangeAspect="1"/>
+          </p:cNvPicPr>
+          <p:nvPr/>
+        </p:nvPicPr>
+        <p:blipFill>
+          <a:blip r:embed="rId5"/>
+          <a:stretch>
+            <a:fillRect/>
+          </a:stretch>
+        </p:blipFill>
+        <p:spPr>
+          <a:xfrm>
+            <a:off x="322698" y="3273741"/>
+            <a:ext cx="983480" cy="1446293"/>
+          </a:xfrm>
+          <a:prstGeom prst="rect">
+            <a:avLst/>
+          </a:prstGeom>
+        </p:spPr>
+      </p:pic>
+      <p:pic>
+        <p:nvPicPr>
+          <p:cNvPr id="24" name="Picture 23"/>
+          <p:cNvPicPr>
+            <a:picLocks noChangeAspect="1"/>
+          </p:cNvPicPr>
+          <p:nvPr/>
+        </p:nvPicPr>
+        <p:blipFill>
+          <a:blip r:embed="rId6">
+            <a:extLst>
+              <a:ext uri="{28A0092B-C50C-407E-A947-70E740481C1C}">
+                <a14:useLocalDpi xmlns:a14="http://schemas.microsoft.com/office/drawing/2010/main" val="0"/>
+              </a:ext>
+            </a:extLst>
+          </a:blip>
+          <a:stretch>
+            <a:fillRect/>
+          </a:stretch>
+        </p:blipFill>
+        <p:spPr>
+          <a:xfrm>
+            <a:off x="2092589" y="5109717"/>
+            <a:ext cx="1575804" cy="386375"/>
+          </a:xfrm>
+          <a:prstGeom prst="rect">
+            <a:avLst/>
+          </a:prstGeom>
+        </p:spPr>
+      </p:pic>
+      <p:cxnSp>
+        <p:nvCxnSpPr>
+          <p:cNvPr id="142" name="Straight Arrow Connector 141"/>
+          <p:cNvCxnSpPr/>
+          <p:nvPr/>
+        </p:nvCxnSpPr>
+        <p:spPr bwMode="auto">
+          <a:xfrm>
+            <a:off x="1243474" y="4568800"/>
+            <a:ext cx="768812" cy="633556"/>
+          </a:xfrm>
+          <a:prstGeom prst="straightConnector1">
+            <a:avLst/>
+          </a:prstGeom>
+          <a:ln>
+            <a:headEnd type="none" w="med" len="med"/>
+            <a:tailEnd type="triangle"/>
+          </a:ln>
+        </p:spPr>
+        <p:style>
+          <a:lnRef idx="3">
+            <a:schemeClr val="accent2"/>
+          </a:lnRef>
+          <a:fillRef idx="0">
+            <a:schemeClr val="accent2"/>
+          </a:fillRef>
+          <a:effectRef idx="2">
+            <a:schemeClr val="accent2"/>
+          </a:effectRef>
+          <a:fontRef idx="minor">
+            <a:schemeClr val="tx1"/>
+          </a:fontRef>
+        </p:style>
+      </p:cxnSp>
+      <p:cxnSp>
+        <p:nvCxnSpPr>
+          <p:cNvPr id="143" name="Straight Arrow Connector 142"/>
+          <p:cNvCxnSpPr/>
+          <p:nvPr/>
+        </p:nvCxnSpPr>
+        <p:spPr bwMode="auto">
+          <a:xfrm>
+            <a:off x="3792356" y="5266425"/>
+            <a:ext cx="490228" cy="4950"/>
+          </a:xfrm>
+          <a:prstGeom prst="straightConnector1">
+            <a:avLst/>
+          </a:prstGeom>
+          <a:ln>
+            <a:headEnd type="none" w="med" len="med"/>
+            <a:tailEnd type="triangle"/>
+          </a:ln>
+        </p:spPr>
+        <p:style>
+          <a:lnRef idx="3">
+            <a:schemeClr val="accent2"/>
+          </a:lnRef>
+          <a:fillRef idx="0">
+            <a:schemeClr val="accent2"/>
+          </a:fillRef>
+          <a:effectRef idx="2">
+            <a:schemeClr val="accent2"/>
+          </a:effectRef>
+          <a:fontRef idx="minor">
+            <a:schemeClr val="tx1"/>
+          </a:fontRef>
+        </p:style>
+      </p:cxnSp>
+      <p:grpSp>
+        <p:nvGrpSpPr>
+          <p:cNvPr id="10" name="Group 9"/>
+          <p:cNvGrpSpPr/>
+          <p:nvPr/>
+        </p:nvGrpSpPr>
+        <p:grpSpPr>
+          <a:xfrm>
+            <a:off x="2078071" y="2639452"/>
+            <a:ext cx="2882004" cy="1153195"/>
+            <a:chOff x="1413937" y="2651985"/>
+            <a:chExt cx="2513344" cy="982329"/>
+          </a:xfrm>
+        </p:grpSpPr>
+        <p:sp>
+          <p:nvSpPr>
+            <p:cNvPr id="9" name="Rectangle 8"/>
+            <p:cNvSpPr/>
+            <p:nvPr/>
+          </p:nvSpPr>
+          <p:spPr bwMode="auto">
+            <a:xfrm>
+              <a:off x="1413937" y="2651985"/>
+              <a:ext cx="2513344" cy="982329"/>
+            </a:xfrm>
+            <a:prstGeom prst="rect">
+              <a:avLst/>
+            </a:prstGeom>
+            <a:ln>
+              <a:headEnd type="none" w="med" len="med"/>
+              <a:tailEnd type="none" w="med" len="med"/>
+            </a:ln>
+          </p:spPr>
+          <p:style>
+            <a:lnRef idx="1">
+              <a:schemeClr val="accent3"/>
+            </a:lnRef>
+            <a:fillRef idx="3">
+              <a:schemeClr val="accent3"/>
+            </a:fillRef>
+            <a:effectRef idx="2">
+              <a:schemeClr val="accent3"/>
+            </a:effectRef>
+            <a:fontRef idx="minor">
+              <a:schemeClr val="lt1"/>
+            </a:fontRef>
+          </p:style>
+          <p:txBody>
+            <a:bodyPr vert="horz" wrap="square" lIns="91440" tIns="45720" rIns="91440" bIns="45720" numCol="1" rtlCol="0" anchor="t" anchorCtr="0" compatLnSpc="1">
+              <a:prstTxWarp prst="textNoShape">
+                <a:avLst/>
+              </a:prstTxWarp>
+              <a:noAutofit/>
+            </a:bodyPr>
+            <a:lstStyle/>
+            <a:p>
+              <a:pPr marL="342900" marR="0" indent="-342900" algn="l" defTabSz="914400" rtl="0" eaLnBrk="1" fontAlgn="base" latinLnBrk="0" hangingPunct="1">
+                <a:lnSpc>
+                  <a:spcPct val="80000"/>
+                </a:lnSpc>
+                <a:spcBef>
+                  <a:spcPct val="20000"/>
+                </a:spcBef>
+                <a:spcAft>
+                  <a:spcPct val="0"/>
+                </a:spcAft>
+                <a:buClr>
+                  <a:schemeClr val="hlink"/>
+                </a:buClr>
+                <a:buSzPct val="60000"/>
+                <a:buFont typeface="Arial Narrow" pitchFamily="34" charset="0"/>
+                <a:buNone/>
+                <a:tabLst/>
+              </a:pPr>
+              <a:endParaRPr kumimoji="0" lang="en-CA" sz="2000" b="1" i="0" u="none" strike="noStrike" cap="none" normalizeH="0" baseline="0">
+                <a:ln>
+                  <a:noFill/>
+                </a:ln>
+                <a:solidFill>
+                  <a:schemeClr val="tx1"/>
+                </a:solidFill>
+                <a:effectLst/>
+                <a:latin typeface="Arial" charset="0"/>
+              </a:endParaRPr>
+            </a:p>
+          </p:txBody>
+        </p:sp>
+        <p:sp>
+          <p:nvSpPr>
+            <p:cNvPr id="63" name="TextBox 62"/>
+            <p:cNvSpPr txBox="1"/>
+            <p:nvPr/>
+          </p:nvSpPr>
+          <p:spPr>
+            <a:xfrm>
+              <a:off x="1512453" y="2682689"/>
+              <a:ext cx="2263141" cy="307777"/>
+            </a:xfrm>
+            <a:prstGeom prst="rect">
+              <a:avLst/>
+            </a:prstGeom>
+            <a:noFill/>
+          </p:spPr>
+          <p:txBody>
+            <a:bodyPr wrap="square" rtlCol="0">
+              <a:spAutoFit/>
+            </a:bodyPr>
+            <a:lstStyle/>
+            <a:p>
+              <a:pPr algn="ctr"/>
+              <a:r>
+                <a:rPr lang="en-CA" sz="1400"/>
+                <a:t>solace-messaging-cf-dev</a:t>
+              </a:r>
+            </a:p>
+          </p:txBody>
+        </p:sp>
+        <p:pic>
+          <p:nvPicPr>
+            <p:cNvPr id="58" name="Picture 57"/>
+            <p:cNvPicPr>
+              <a:picLocks noChangeAspect="1"/>
+            </p:cNvPicPr>
+            <p:nvPr/>
+          </p:nvPicPr>
+          <p:blipFill>
+            <a:blip r:embed="rId7"/>
+            <a:stretch>
+              <a:fillRect/>
+            </a:stretch>
+          </p:blipFill>
+          <p:spPr>
+            <a:xfrm>
+              <a:off x="1812193" y="3333947"/>
+              <a:ext cx="753787" cy="286439"/>
+            </a:xfrm>
+            <a:prstGeom prst="rect">
+              <a:avLst/>
+            </a:prstGeom>
+          </p:spPr>
+        </p:pic>
+      </p:grpSp>
+      <p:cxnSp>
+        <p:nvCxnSpPr>
+          <p:cNvPr id="66" name="Straight Arrow Connector 65"/>
+          <p:cNvCxnSpPr/>
+          <p:nvPr/>
+        </p:nvCxnSpPr>
+        <p:spPr bwMode="auto">
+          <a:xfrm flipV="1">
+            <a:off x="1222851" y="3418257"/>
+            <a:ext cx="816063" cy="429606"/>
+          </a:xfrm>
+          <a:prstGeom prst="straightConnector1">
+            <a:avLst/>
+          </a:prstGeom>
+          <a:ln>
+            <a:headEnd type="none" w="med" len="med"/>
+            <a:tailEnd type="triangle"/>
+          </a:ln>
+        </p:spPr>
+        <p:style>
+          <a:lnRef idx="3">
+            <a:schemeClr val="accent5"/>
+          </a:lnRef>
+          <a:fillRef idx="0">
+            <a:schemeClr val="accent5"/>
+          </a:fillRef>
+          <a:effectRef idx="2">
+            <a:schemeClr val="accent5"/>
+          </a:effectRef>
+          <a:fontRef idx="minor">
+            <a:schemeClr val="tx1"/>
+          </a:fontRef>
+        </p:style>
+      </p:cxnSp>
+      <p:sp>
+        <p:nvSpPr>
+          <p:cNvPr id="23" name="TextBox 22"/>
+          <p:cNvSpPr txBox="1"/>
+          <p:nvPr/>
+        </p:nvSpPr>
+        <p:spPr>
+          <a:xfrm>
+            <a:off x="1243474" y="783152"/>
+            <a:ext cx="3385307" cy="646331"/>
+          </a:xfrm>
+          <a:prstGeom prst="rect">
+            <a:avLst/>
+          </a:prstGeom>
+          <a:noFill/>
+        </p:spPr>
+        <p:txBody>
+          <a:bodyPr wrap="square" rtlCol="0">
+            <a:spAutoFit/>
+          </a:bodyPr>
+          <a:lstStyle/>
+          <a:p>
+            <a:r>
+              <a:rPr lang="en-CA"/>
+              <a:t>Prepare required deployments</a:t>
+            </a:r>
+          </a:p>
+          <a:p>
+            <a:r>
+              <a:rPr lang="en-CA"/>
+              <a:t>Deploy Solace Messaging</a:t>
+            </a:r>
+          </a:p>
+        </p:txBody>
+      </p:sp>
+      <p:cxnSp>
+        <p:nvCxnSpPr>
+          <p:cNvPr id="80" name="Straight Arrow Connector 79"/>
+          <p:cNvCxnSpPr/>
+          <p:nvPr/>
+        </p:nvCxnSpPr>
+        <p:spPr bwMode="auto">
+          <a:xfrm>
+            <a:off x="610934" y="1252820"/>
+            <a:ext cx="632541" cy="2335"/>
+          </a:xfrm>
+          <a:prstGeom prst="straightConnector1">
+            <a:avLst/>
+          </a:prstGeom>
+          <a:ln>
+            <a:headEnd type="none" w="med" len="med"/>
+            <a:tailEnd type="triangle"/>
+          </a:ln>
+        </p:spPr>
+        <p:style>
+          <a:lnRef idx="3">
+            <a:schemeClr val="accent2"/>
+          </a:lnRef>
+          <a:fillRef idx="0">
+            <a:schemeClr val="accent2"/>
+          </a:fillRef>
+          <a:effectRef idx="2">
+            <a:schemeClr val="accent2"/>
+          </a:effectRef>
+          <a:fontRef idx="minor">
+            <a:schemeClr val="tx1"/>
+          </a:fontRef>
+        </p:style>
+      </p:cxnSp>
+      <p:grpSp>
+        <p:nvGrpSpPr>
+          <p:cNvPr id="82" name="Group 81"/>
+          <p:cNvGrpSpPr/>
+          <p:nvPr/>
+        </p:nvGrpSpPr>
+        <p:grpSpPr>
+          <a:xfrm>
+            <a:off x="7594653" y="3866108"/>
+            <a:ext cx="319243" cy="369332"/>
+            <a:chOff x="2790018" y="5099069"/>
+            <a:chExt cx="319243" cy="369332"/>
+          </a:xfrm>
+        </p:grpSpPr>
+        <p:sp>
+          <p:nvSpPr>
+            <p:cNvPr id="83" name="Oval 82"/>
+            <p:cNvSpPr/>
+            <p:nvPr/>
+          </p:nvSpPr>
+          <p:spPr bwMode="auto">
+            <a:xfrm>
+              <a:off x="2790018" y="5116682"/>
+              <a:ext cx="318324" cy="316259"/>
+            </a:xfrm>
+            <a:prstGeom prst="ellipse">
+              <a:avLst/>
+            </a:prstGeom>
+            <a:solidFill>
+              <a:schemeClr val="accent5">
+                <a:lumMod val="60000"/>
+                <a:lumOff val="40000"/>
+              </a:schemeClr>
+            </a:solidFill>
+            <a:ln>
+              <a:headEnd type="none" w="med" len="med"/>
+              <a:tailEnd type="none" w="med" len="med"/>
+            </a:ln>
+          </p:spPr>
+          <p:style>
+            <a:lnRef idx="0">
+              <a:schemeClr val="accent2"/>
+            </a:lnRef>
+            <a:fillRef idx="3">
+              <a:schemeClr val="accent2"/>
+            </a:fillRef>
+            <a:effectRef idx="3">
+              <a:schemeClr val="accent2"/>
+            </a:effectRef>
+            <a:fontRef idx="minor">
+              <a:schemeClr val="lt1"/>
+            </a:fontRef>
+          </p:style>
+          <p:txBody>
+            <a:bodyPr vert="horz" wrap="square" lIns="91440" tIns="45720" rIns="91440" bIns="45720" numCol="1" rtlCol="0" anchor="t" anchorCtr="0" compatLnSpc="1">
+              <a:prstTxWarp prst="textNoShape">
+                <a:avLst/>
+              </a:prstTxWarp>
+              <a:noAutofit/>
+            </a:bodyPr>
+            <a:lstStyle/>
+            <a:p>
+              <a:pPr marL="342900" marR="0" indent="-342900" algn="l" defTabSz="914400" rtl="0" eaLnBrk="1" fontAlgn="base" latinLnBrk="0" hangingPunct="1">
+                <a:lnSpc>
+                  <a:spcPct val="80000"/>
+                </a:lnSpc>
+                <a:spcBef>
+                  <a:spcPct val="20000"/>
+                </a:spcBef>
+                <a:spcAft>
+                  <a:spcPct val="0"/>
+                </a:spcAft>
+                <a:buClr>
+                  <a:schemeClr val="hlink"/>
+                </a:buClr>
+                <a:buSzPct val="60000"/>
+                <a:buFont typeface="Arial Narrow" pitchFamily="34" charset="0"/>
+                <a:buNone/>
+                <a:tabLst/>
+              </a:pPr>
+              <a:endParaRPr kumimoji="0" lang="en-CA" sz="2000" b="1" i="0" u="none" strike="noStrike" cap="none" normalizeH="0" baseline="0">
+                <a:ln>
+                  <a:noFill/>
+                </a:ln>
+                <a:solidFill>
+                  <a:schemeClr val="accent4">
+                    <a:lumMod val="95000"/>
+                    <a:lumOff val="5000"/>
+                  </a:schemeClr>
+                </a:solidFill>
+                <a:effectLst/>
+                <a:latin typeface="Arial" charset="0"/>
+              </a:endParaRPr>
+            </a:p>
+          </p:txBody>
+        </p:sp>
+        <p:sp>
+          <p:nvSpPr>
+            <p:cNvPr id="84" name="TextBox 83"/>
+            <p:cNvSpPr txBox="1"/>
+            <p:nvPr/>
+          </p:nvSpPr>
+          <p:spPr>
+            <a:xfrm flipH="1">
+              <a:off x="2793408" y="5099069"/>
+              <a:ext cx="315853" cy="369332"/>
+            </a:xfrm>
+            <a:prstGeom prst="rect">
+              <a:avLst/>
+            </a:prstGeom>
+            <a:noFill/>
+          </p:spPr>
+          <p:txBody>
+            <a:bodyPr wrap="square" rtlCol="0">
+              <a:spAutoFit/>
+            </a:bodyPr>
+            <a:lstStyle/>
+            <a:p>
+              <a:r>
+                <a:rPr lang="en-CA" dirty="0"/>
+                <a:t>2</a:t>
+              </a:r>
+            </a:p>
+          </p:txBody>
+        </p:sp>
+      </p:grpSp>
+      <p:grpSp>
+        <p:nvGrpSpPr>
+          <p:cNvPr id="53" name="Group 52"/>
+          <p:cNvGrpSpPr/>
+          <p:nvPr/>
+        </p:nvGrpSpPr>
+        <p:grpSpPr>
+          <a:xfrm>
+            <a:off x="5074835" y="3414299"/>
+            <a:ext cx="318324" cy="369332"/>
+            <a:chOff x="2790018" y="5072988"/>
+            <a:chExt cx="318324" cy="369332"/>
+          </a:xfrm>
+        </p:grpSpPr>
+        <p:sp>
+          <p:nvSpPr>
+            <p:cNvPr id="54" name="Oval 53"/>
+            <p:cNvSpPr/>
+            <p:nvPr/>
+          </p:nvSpPr>
+          <p:spPr bwMode="auto">
+            <a:xfrm>
+              <a:off x="2790018" y="5116682"/>
+              <a:ext cx="318324" cy="316259"/>
+            </a:xfrm>
+            <a:prstGeom prst="ellipse">
+              <a:avLst/>
+            </a:prstGeom>
+            <a:solidFill>
+              <a:schemeClr val="accent5">
+                <a:lumMod val="60000"/>
+                <a:lumOff val="40000"/>
+              </a:schemeClr>
+            </a:solidFill>
+            <a:ln>
+              <a:headEnd type="none" w="med" len="med"/>
+              <a:tailEnd type="none" w="med" len="med"/>
+            </a:ln>
+          </p:spPr>
+          <p:style>
+            <a:lnRef idx="0">
+              <a:schemeClr val="accent2"/>
+            </a:lnRef>
+            <a:fillRef idx="3">
+              <a:schemeClr val="accent2"/>
+            </a:fillRef>
+            <a:effectRef idx="3">
+              <a:schemeClr val="accent2"/>
+            </a:effectRef>
+            <a:fontRef idx="minor">
+              <a:schemeClr val="lt1"/>
+            </a:fontRef>
+          </p:style>
+          <p:txBody>
+            <a:bodyPr vert="horz" wrap="square" lIns="91440" tIns="45720" rIns="91440" bIns="45720" numCol="1" rtlCol="0" anchor="t" anchorCtr="0" compatLnSpc="1">
+              <a:prstTxWarp prst="textNoShape">
+                <a:avLst/>
+              </a:prstTxWarp>
+              <a:noAutofit/>
+            </a:bodyPr>
+            <a:lstStyle/>
+            <a:p>
+              <a:pPr marL="342900" marR="0" indent="-342900" algn="l" defTabSz="914400" rtl="0" eaLnBrk="1" fontAlgn="base" latinLnBrk="0" hangingPunct="1">
+                <a:lnSpc>
+                  <a:spcPct val="80000"/>
+                </a:lnSpc>
+                <a:spcBef>
+                  <a:spcPct val="20000"/>
+                </a:spcBef>
+                <a:spcAft>
+                  <a:spcPct val="0"/>
+                </a:spcAft>
+                <a:buClr>
+                  <a:schemeClr val="hlink"/>
+                </a:buClr>
+                <a:buSzPct val="60000"/>
+                <a:buFont typeface="Arial Narrow" pitchFamily="34" charset="0"/>
+                <a:buNone/>
+                <a:tabLst/>
+              </a:pPr>
+              <a:endParaRPr kumimoji="0" lang="en-CA" sz="2000" b="1" i="0" u="none" strike="noStrike" cap="none" normalizeH="0" baseline="0">
+                <a:ln>
+                  <a:noFill/>
+                </a:ln>
+                <a:solidFill>
+                  <a:schemeClr val="accent4">
+                    <a:lumMod val="95000"/>
+                    <a:lumOff val="5000"/>
+                  </a:schemeClr>
+                </a:solidFill>
+                <a:effectLst/>
+                <a:latin typeface="Arial" charset="0"/>
+              </a:endParaRPr>
+            </a:p>
+          </p:txBody>
+        </p:sp>
+        <p:sp>
+          <p:nvSpPr>
+            <p:cNvPr id="55" name="TextBox 54"/>
+            <p:cNvSpPr txBox="1"/>
+            <p:nvPr/>
+          </p:nvSpPr>
+          <p:spPr>
+            <a:xfrm flipH="1">
+              <a:off x="2792489" y="5072988"/>
+              <a:ext cx="315853" cy="369332"/>
+            </a:xfrm>
+            <a:prstGeom prst="rect">
+              <a:avLst/>
+            </a:prstGeom>
+            <a:noFill/>
+          </p:spPr>
+          <p:txBody>
+            <a:bodyPr wrap="square" rtlCol="0">
+              <a:spAutoFit/>
+            </a:bodyPr>
+            <a:lstStyle/>
+            <a:p>
+              <a:r>
+                <a:rPr lang="en-CA"/>
+                <a:t>1</a:t>
+              </a:r>
+            </a:p>
+          </p:txBody>
+        </p:sp>
+      </p:grpSp>
+      <p:cxnSp>
+        <p:nvCxnSpPr>
+          <p:cNvPr id="92" name="Straight Arrow Connector 91"/>
+          <p:cNvCxnSpPr/>
+          <p:nvPr/>
+        </p:nvCxnSpPr>
+        <p:spPr bwMode="auto">
+          <a:xfrm>
+            <a:off x="610934" y="995942"/>
+            <a:ext cx="632541" cy="2335"/>
+          </a:xfrm>
+          <a:prstGeom prst="straightConnector1">
+            <a:avLst/>
+          </a:prstGeom>
+          <a:ln>
+            <a:headEnd type="none" w="med" len="med"/>
+            <a:tailEnd type="triangle"/>
+          </a:ln>
+        </p:spPr>
+        <p:style>
+          <a:lnRef idx="3">
+            <a:schemeClr val="accent5"/>
+          </a:lnRef>
+          <a:fillRef idx="0">
+            <a:schemeClr val="accent5"/>
+          </a:fillRef>
+          <a:effectRef idx="2">
+            <a:schemeClr val="accent5"/>
+          </a:effectRef>
+          <a:fontRef idx="minor">
+            <a:schemeClr val="tx1"/>
+          </a:fontRef>
+        </p:style>
+      </p:cxnSp>
+      <p:sp>
+        <p:nvSpPr>
+          <p:cNvPr id="36" name="TextBox 35"/>
+          <p:cNvSpPr txBox="1"/>
+          <p:nvPr/>
+        </p:nvSpPr>
+        <p:spPr>
+          <a:xfrm>
+            <a:off x="4456362" y="5136840"/>
+            <a:ext cx="1050288" cy="695575"/>
+          </a:xfrm>
+          <a:prstGeom prst="rect">
+            <a:avLst/>
+          </a:prstGeom>
+          <a:noFill/>
+        </p:spPr>
+        <p:txBody>
+          <a:bodyPr wrap="none" rtlCol="0">
+            <a:spAutoFit/>
+          </a:bodyPr>
+          <a:lstStyle/>
+          <a:p>
+            <a:pPr marL="342900" indent="-342900" algn="ctr" defTabSz="914400" fontAlgn="base">
+              <a:lnSpc>
+                <a:spcPct val="80000"/>
+              </a:lnSpc>
+              <a:spcBef>
+                <a:spcPct val="20000"/>
+              </a:spcBef>
+              <a:spcAft>
+                <a:spcPct val="0"/>
+              </a:spcAft>
+              <a:buClr>
+                <a:schemeClr val="hlink"/>
+              </a:buClr>
+              <a:buSzPct val="60000"/>
+            </a:pPr>
+            <a:r>
+              <a:rPr lang="en-CA" sz="1400">
+                <a:latin typeface="Arial" charset="0"/>
+              </a:rPr>
+              <a:t>Solace</a:t>
+            </a:r>
+          </a:p>
+          <a:p>
+            <a:pPr marL="342900" indent="-342900" algn="ctr" defTabSz="914400" fontAlgn="base">
+              <a:lnSpc>
+                <a:spcPct val="80000"/>
+              </a:lnSpc>
+              <a:spcBef>
+                <a:spcPct val="20000"/>
+              </a:spcBef>
+              <a:spcAft>
+                <a:spcPct val="0"/>
+              </a:spcAft>
+              <a:buClr>
+                <a:schemeClr val="hlink"/>
+              </a:buClr>
+              <a:buSzPct val="60000"/>
+            </a:pPr>
+            <a:r>
+              <a:rPr lang="en-CA" sz="1400">
+                <a:latin typeface="Arial" charset="0"/>
+              </a:rPr>
+              <a:t>Messaging</a:t>
+            </a:r>
+          </a:p>
+          <a:p>
+            <a:pPr marL="342900" indent="-342900" algn="ctr" defTabSz="914400" fontAlgn="base">
+              <a:lnSpc>
+                <a:spcPct val="80000"/>
+              </a:lnSpc>
+              <a:spcBef>
+                <a:spcPct val="20000"/>
+              </a:spcBef>
+              <a:spcAft>
+                <a:spcPct val="0"/>
+              </a:spcAft>
+              <a:buClr>
+                <a:schemeClr val="hlink"/>
+              </a:buClr>
+              <a:buSzPct val="60000"/>
+            </a:pPr>
+            <a:r>
+              <a:rPr lang="en-CA" sz="1400">
+                <a:latin typeface="Arial" charset="0"/>
+              </a:rPr>
+              <a:t>PCF Tile</a:t>
+            </a:r>
+          </a:p>
+        </p:txBody>
+      </p:sp>
+      <p:sp>
+        <p:nvSpPr>
+          <p:cNvPr id="96" name="Rectangle 95"/>
+          <p:cNvSpPr/>
+          <p:nvPr/>
+        </p:nvSpPr>
+        <p:spPr bwMode="auto">
+          <a:xfrm>
+            <a:off x="5587564" y="5333776"/>
+            <a:ext cx="628139" cy="457010"/>
+          </a:xfrm>
+          <a:prstGeom prst="rect">
+            <a:avLst/>
+          </a:prstGeom>
+          <a:ln w="3175">
+            <a:solidFill>
+              <a:schemeClr val="accent1"/>
+            </a:solidFill>
+            <a:headEnd type="none" w="med" len="med"/>
+            <a:tailEnd type="none" w="med" len="med"/>
+          </a:ln>
+        </p:spPr>
+        <p:style>
+          <a:lnRef idx="2">
+            <a:schemeClr val="accent1">
+              <a:shade val="50000"/>
+            </a:schemeClr>
+          </a:lnRef>
+          <a:fillRef idx="1">
+            <a:schemeClr val="accent1"/>
+          </a:fillRef>
+          <a:effectRef idx="0">
+            <a:schemeClr val="accent1"/>
+          </a:effectRef>
+          <a:fontRef idx="minor">
+            <a:schemeClr val="lt1"/>
+          </a:fontRef>
+        </p:style>
+        <p:txBody>
+          <a:bodyPr vert="horz" wrap="none" lIns="91440" tIns="45720" rIns="91440" bIns="45720" numCol="1" rtlCol="0" anchor="t" anchorCtr="0" compatLnSpc="1">
+            <a:prstTxWarp prst="textNoShape">
+              <a:avLst/>
+            </a:prstTxWarp>
+            <a:noAutofit/>
+          </a:bodyPr>
+          <a:lstStyle/>
+          <a:p>
+            <a:pPr marL="342900" marR="0" indent="-342900" algn="ctr" defTabSz="914400" rtl="0" eaLnBrk="1" fontAlgn="base" latinLnBrk="0" hangingPunct="1">
+              <a:lnSpc>
+                <a:spcPct val="80000"/>
+              </a:lnSpc>
+              <a:spcBef>
+                <a:spcPct val="20000"/>
+              </a:spcBef>
+              <a:spcAft>
+                <a:spcPct val="0"/>
+              </a:spcAft>
+              <a:buClr>
+                <a:schemeClr val="hlink"/>
+              </a:buClr>
+              <a:buSzPct val="60000"/>
+              <a:buFont typeface="Arial Narrow" pitchFamily="34" charset="0"/>
+              <a:buNone/>
+              <a:tabLst/>
+            </a:pPr>
+            <a:r>
+              <a:rPr kumimoji="0" lang="en-CA" sz="400" i="0" u="none" strike="noStrike" cap="none" normalizeH="0" baseline="0" dirty="0">
+                <a:ln>
+                  <a:noFill/>
+                </a:ln>
+                <a:solidFill>
+                  <a:schemeClr val="bg1"/>
+                </a:solidFill>
+                <a:effectLst/>
+                <a:latin typeface="Arial" charset="0"/>
+              </a:rPr>
+              <a:t>BOSH </a:t>
+            </a:r>
+            <a:r>
+              <a:rPr lang="en-CA" sz="400" dirty="0">
+                <a:solidFill>
+                  <a:schemeClr val="bg1"/>
+                </a:solidFill>
+                <a:latin typeface="Arial" charset="0"/>
+              </a:rPr>
+              <a:t>Solace</a:t>
+            </a:r>
+            <a:r>
+              <a:rPr kumimoji="0" lang="en-CA" sz="400" i="0" u="none" strike="noStrike" cap="none" normalizeH="0" dirty="0">
+                <a:ln>
+                  <a:noFill/>
+                </a:ln>
+                <a:solidFill>
+                  <a:schemeClr val="bg1"/>
+                </a:solidFill>
+                <a:effectLst/>
+                <a:latin typeface="Arial" charset="0"/>
+              </a:rPr>
+              <a:t> Release</a:t>
+            </a:r>
+          </a:p>
+        </p:txBody>
+      </p:sp>
+      <p:grpSp>
+        <p:nvGrpSpPr>
+          <p:cNvPr id="98" name="Group 97"/>
+          <p:cNvGrpSpPr/>
+          <p:nvPr/>
+        </p:nvGrpSpPr>
+        <p:grpSpPr>
+          <a:xfrm>
+            <a:off x="5699379" y="4612431"/>
+            <a:ext cx="496055" cy="496055"/>
+            <a:chOff x="10438103" y="3127870"/>
+            <a:chExt cx="593901" cy="593901"/>
+          </a:xfrm>
+        </p:grpSpPr>
+        <p:pic>
+          <p:nvPicPr>
+            <p:cNvPr id="99" name="Picture 98"/>
+            <p:cNvPicPr>
+              <a:picLocks noChangeAspect="1"/>
+            </p:cNvPicPr>
+            <p:nvPr/>
+          </p:nvPicPr>
+          <p:blipFill>
+            <a:blip r:embed="rId3" cstate="print">
+              <a:extLst>
+                <a:ext uri="{28A0092B-C50C-407E-A947-70E740481C1C}">
+                  <a14:useLocalDpi xmlns:a14="http://schemas.microsoft.com/office/drawing/2010/main"/>
+                </a:ext>
+              </a:extLst>
+            </a:blip>
+            <a:stretch>
+              <a:fillRect/>
+            </a:stretch>
+          </p:blipFill>
+          <p:spPr>
+            <a:xfrm>
+              <a:off x="10438103" y="3127870"/>
+              <a:ext cx="593901" cy="593901"/>
+            </a:xfrm>
+            <a:prstGeom prst="rect">
+              <a:avLst/>
+            </a:prstGeom>
+          </p:spPr>
+        </p:pic>
+        <p:sp>
+          <p:nvSpPr>
+            <p:cNvPr id="100" name="Oval 99"/>
+            <p:cNvSpPr/>
+            <p:nvPr/>
+          </p:nvSpPr>
+          <p:spPr bwMode="auto">
+            <a:xfrm>
+              <a:off x="10475124" y="3155649"/>
+              <a:ext cx="517525" cy="531851"/>
+            </a:xfrm>
+            <a:prstGeom prst="ellipse">
+              <a:avLst/>
+            </a:prstGeom>
+            <a:solidFill>
+              <a:schemeClr val="bg1"/>
+            </a:solidFill>
+            <a:ln w="9525" cap="flat" cmpd="sng" algn="ctr">
+              <a:noFill/>
+              <a:prstDash val="solid"/>
+              <a:round/>
+              <a:headEnd type="none" w="med" len="med"/>
+              <a:tailEnd type="none" w="med" len="med"/>
+            </a:ln>
+            <a:effectLst/>
+          </p:spPr>
+          <p:txBody>
+            <a:bodyPr vert="horz" wrap="none" lIns="91440" tIns="45720" rIns="91440" bIns="45720" numCol="1" rtlCol="0" anchor="ctr" anchorCtr="0" compatLnSpc="1">
+              <a:prstTxWarp prst="textNoShape">
+                <a:avLst/>
+              </a:prstTxWarp>
+              <a:noAutofit/>
+            </a:bodyPr>
+            <a:lstStyle/>
+            <a:p>
+              <a:pPr marL="342900" marR="0" indent="-342900" algn="ctr" defTabSz="914400" rtl="0" eaLnBrk="1" fontAlgn="base" latinLnBrk="0" hangingPunct="1">
+                <a:lnSpc>
+                  <a:spcPct val="80000"/>
+                </a:lnSpc>
+                <a:spcBef>
+                  <a:spcPct val="20000"/>
+                </a:spcBef>
+                <a:spcAft>
+                  <a:spcPct val="0"/>
+                </a:spcAft>
+                <a:buClr>
+                  <a:schemeClr val="hlink"/>
+                </a:buClr>
+                <a:buSzPct val="60000"/>
+                <a:buFont typeface="Arial Narrow" pitchFamily="34" charset="0"/>
+                <a:buNone/>
+                <a:tabLst/>
+              </a:pPr>
+              <a:r>
+                <a:rPr kumimoji="0" lang="en-CA" sz="700" i="0" u="none" strike="noStrike" cap="none" normalizeH="0" baseline="0">
+                  <a:ln>
+                    <a:noFill/>
+                  </a:ln>
+                  <a:solidFill>
+                    <a:schemeClr val="tx1"/>
+                  </a:solidFill>
+                  <a:effectLst/>
+                  <a:latin typeface="Arial" charset="0"/>
+                </a:rPr>
+                <a:t>Solace</a:t>
+              </a:r>
+            </a:p>
+            <a:p>
+              <a:pPr marL="342900" marR="0" indent="-342900" algn="ctr" defTabSz="914400" rtl="0" eaLnBrk="1" fontAlgn="base" latinLnBrk="0" hangingPunct="1">
+                <a:lnSpc>
+                  <a:spcPct val="80000"/>
+                </a:lnSpc>
+                <a:spcBef>
+                  <a:spcPct val="20000"/>
+                </a:spcBef>
+                <a:spcAft>
+                  <a:spcPct val="0"/>
+                </a:spcAft>
+                <a:buClr>
+                  <a:schemeClr val="hlink"/>
+                </a:buClr>
+                <a:buSzPct val="60000"/>
+                <a:buFont typeface="Arial Narrow" pitchFamily="34" charset="0"/>
+                <a:buNone/>
+                <a:tabLst/>
+              </a:pPr>
+              <a:r>
+                <a:rPr lang="en-CA" sz="700">
+                  <a:latin typeface="Arial" charset="0"/>
+                </a:rPr>
+                <a:t>Service</a:t>
+              </a:r>
+            </a:p>
+            <a:p>
+              <a:pPr marL="342900" marR="0" indent="-342900" algn="ctr" defTabSz="914400" rtl="0" eaLnBrk="1" fontAlgn="base" latinLnBrk="0" hangingPunct="1">
+                <a:lnSpc>
+                  <a:spcPct val="80000"/>
+                </a:lnSpc>
+                <a:spcBef>
+                  <a:spcPct val="20000"/>
+                </a:spcBef>
+                <a:spcAft>
+                  <a:spcPct val="0"/>
+                </a:spcAft>
+                <a:buClr>
+                  <a:schemeClr val="hlink"/>
+                </a:buClr>
+                <a:buSzPct val="60000"/>
+                <a:buFont typeface="Arial Narrow" pitchFamily="34" charset="0"/>
+                <a:buNone/>
+                <a:tabLst/>
+              </a:pPr>
+              <a:r>
+                <a:rPr kumimoji="0" lang="en-CA" sz="700" i="0" u="none" strike="noStrike" cap="none" normalizeH="0" baseline="0">
+                  <a:ln>
+                    <a:noFill/>
+                  </a:ln>
+                  <a:solidFill>
+                    <a:schemeClr val="tx1"/>
+                  </a:solidFill>
+                  <a:effectLst/>
+                  <a:latin typeface="Arial" charset="0"/>
+                </a:rPr>
+                <a:t>Broker</a:t>
+              </a:r>
+            </a:p>
+          </p:txBody>
+        </p:sp>
+      </p:grpSp>
+      <p:cxnSp>
+        <p:nvCxnSpPr>
+          <p:cNvPr id="39" name="Straight Connector 38"/>
+          <p:cNvCxnSpPr/>
+          <p:nvPr/>
+        </p:nvCxnSpPr>
+        <p:spPr bwMode="auto">
+          <a:xfrm>
+            <a:off x="5528602" y="4433854"/>
+            <a:ext cx="0" cy="1439024"/>
+          </a:xfrm>
+          <a:prstGeom prst="line">
+            <a:avLst/>
+          </a:prstGeom>
+          <a:ln w="19050">
+            <a:solidFill>
+              <a:schemeClr val="tx1">
+                <a:lumMod val="75000"/>
+                <a:lumOff val="25000"/>
+              </a:schemeClr>
+            </a:solidFill>
+            <a:prstDash val="sysDot"/>
+            <a:headEnd type="none" w="med" len="med"/>
+            <a:tailEnd type="none" w="med" len="med"/>
+          </a:ln>
+        </p:spPr>
+        <p:style>
+          <a:lnRef idx="3">
+            <a:schemeClr val="dk1"/>
+          </a:lnRef>
+          <a:fillRef idx="0">
+            <a:schemeClr val="dk1"/>
+          </a:fillRef>
+          <a:effectRef idx="2">
+            <a:schemeClr val="dk1"/>
+          </a:effectRef>
+          <a:fontRef idx="minor">
+            <a:schemeClr val="tx1"/>
+          </a:fontRef>
+        </p:style>
+      </p:cxnSp>
+      <p:sp>
+        <p:nvSpPr>
+          <p:cNvPr id="44" name="Rectangle 43"/>
+          <p:cNvSpPr/>
+          <p:nvPr/>
+        </p:nvSpPr>
+        <p:spPr bwMode="auto">
+          <a:xfrm>
+            <a:off x="398213" y="639336"/>
+            <a:ext cx="4058149" cy="981307"/>
+          </a:xfrm>
+          <a:prstGeom prst="rect">
+            <a:avLst/>
+          </a:prstGeom>
+          <a:noFill/>
+          <a:ln w="9525" cap="flat" cmpd="sng" algn="ctr">
+            <a:solidFill>
+              <a:schemeClr val="tx1"/>
+            </a:solidFill>
+            <a:prstDash val="solid"/>
+            <a:round/>
+            <a:headEnd type="none" w="med" len="med"/>
+            <a:tailEnd type="none" w="med" len="med"/>
+          </a:ln>
+          <a:effectLst/>
+        </p:spPr>
+        <p:txBody>
+          <a:bodyPr vert="horz" wrap="square" lIns="91440" tIns="45720" rIns="91440" bIns="45720" numCol="1" rtlCol="0" anchor="t" anchorCtr="0" compatLnSpc="1">
+            <a:prstTxWarp prst="textNoShape">
+              <a:avLst/>
+            </a:prstTxWarp>
+            <a:spAutoFit/>
+          </a:bodyPr>
+          <a:lstStyle/>
+          <a:p>
+            <a:pPr marL="342900" marR="0" indent="-342900" algn="l" defTabSz="914400" rtl="0" eaLnBrk="1" fontAlgn="base" latinLnBrk="0" hangingPunct="1">
+              <a:lnSpc>
+                <a:spcPct val="80000"/>
+              </a:lnSpc>
+              <a:spcBef>
+                <a:spcPct val="20000"/>
+              </a:spcBef>
+              <a:spcAft>
+                <a:spcPct val="0"/>
+              </a:spcAft>
+              <a:buClr>
+                <a:schemeClr val="hlink"/>
+              </a:buClr>
+              <a:buSzPct val="60000"/>
+              <a:buFont typeface="Arial Narrow" pitchFamily="34" charset="0"/>
+              <a:buNone/>
+              <a:tabLst/>
+            </a:pPr>
+            <a:endParaRPr kumimoji="0" lang="en-CA" sz="2000" b="1" i="0" u="none" strike="noStrike" cap="none" normalizeH="0" baseline="0">
+              <a:ln>
+                <a:noFill/>
+              </a:ln>
+              <a:solidFill>
+                <a:schemeClr val="tx1"/>
+              </a:solidFill>
+              <a:effectLst/>
+              <a:latin typeface="Arial" charset="0"/>
+            </a:endParaRPr>
+          </a:p>
+        </p:txBody>
+      </p:sp>
+      <p:pic>
+        <p:nvPicPr>
+          <p:cNvPr id="46" name="Picture 45"/>
+          <p:cNvPicPr>
+            <a:picLocks noChangeAspect="1"/>
+          </p:cNvPicPr>
+          <p:nvPr/>
+        </p:nvPicPr>
+        <p:blipFill>
+          <a:blip r:embed="rId8"/>
+          <a:stretch>
+            <a:fillRect/>
+          </a:stretch>
+        </p:blipFill>
+        <p:spPr>
+          <a:xfrm>
+            <a:off x="2143068" y="3415257"/>
+            <a:ext cx="354135" cy="381080"/>
+          </a:xfrm>
+          <a:prstGeom prst="rect">
+            <a:avLst/>
+          </a:prstGeom>
+        </p:spPr>
+      </p:pic>
+      <p:sp>
+        <p:nvSpPr>
+          <p:cNvPr id="47" name="TextBox 46"/>
+          <p:cNvSpPr txBox="1"/>
+          <p:nvPr/>
+        </p:nvSpPr>
+        <p:spPr>
+          <a:xfrm>
+            <a:off x="7892716" y="5664032"/>
+            <a:ext cx="2787943" cy="307777"/>
+          </a:xfrm>
+          <a:prstGeom prst="rect">
+            <a:avLst/>
+          </a:prstGeom>
+          <a:noFill/>
+        </p:spPr>
+        <p:txBody>
+          <a:bodyPr wrap="none" rtlCol="0">
+            <a:spAutoFit/>
+          </a:bodyPr>
+          <a:lstStyle/>
+          <a:p>
+            <a:r>
+              <a:rPr lang="en-CA" sz="1400" b="1" dirty="0">
+                <a:solidFill>
+                  <a:srgbClr val="000000"/>
+                </a:solidFill>
+              </a:rPr>
+              <a:t>Windows Subsystem for Linux</a:t>
+            </a:r>
+          </a:p>
+        </p:txBody>
+      </p:sp>
+      <p:cxnSp>
+        <p:nvCxnSpPr>
+          <p:cNvPr id="114" name="Elbow Connector 113"/>
+          <p:cNvCxnSpPr>
+            <a:cxnSpLocks/>
+            <a:stCxn id="84" idx="0"/>
+          </p:cNvCxnSpPr>
+          <p:nvPr/>
+        </p:nvCxnSpPr>
+        <p:spPr bwMode="auto">
+          <a:xfrm rot="5400000" flipH="1" flipV="1">
+            <a:off x="7550513" y="3652378"/>
+            <a:ext cx="419186" cy="8274"/>
+          </a:xfrm>
+          <a:prstGeom prst="bentConnector3">
+            <a:avLst>
+              <a:gd name="adj1" fmla="val 50000"/>
+            </a:avLst>
+          </a:prstGeom>
+          <a:ln>
+            <a:headEnd type="none" w="med" len="med"/>
+            <a:tailEnd type="triangle"/>
+          </a:ln>
+        </p:spPr>
+        <p:style>
+          <a:lnRef idx="3">
+            <a:schemeClr val="accent5"/>
+          </a:lnRef>
+          <a:fillRef idx="0">
+            <a:schemeClr val="accent5"/>
+          </a:fillRef>
+          <a:effectRef idx="2">
+            <a:schemeClr val="accent5"/>
+          </a:effectRef>
+          <a:fontRef idx="minor">
+            <a:schemeClr val="tx1"/>
+          </a:fontRef>
+        </p:style>
+      </p:cxnSp>
+      <p:sp>
+        <p:nvSpPr>
+          <p:cNvPr id="6" name="Rectangle 5">
+            <a:extLst>
+              <a:ext uri="{FF2B5EF4-FFF2-40B4-BE49-F238E27FC236}">
+                <a16:creationId xmlns:a16="http://schemas.microsoft.com/office/drawing/2014/main" id="{BDAFD141-FDB7-49E3-A676-58A7E3209ED1}"/>
+              </a:ext>
+            </a:extLst>
+          </p:cNvPr>
+          <p:cNvSpPr/>
+          <p:nvPr/>
+        </p:nvSpPr>
+        <p:spPr bwMode="auto">
+          <a:xfrm>
+            <a:off x="3377781" y="3418257"/>
+            <a:ext cx="1132623" cy="398421"/>
+          </a:xfrm>
+          <a:prstGeom prst="rect">
+            <a:avLst/>
+          </a:prstGeom>
+          <a:noFill/>
+          <a:ln w="9525" cap="flat" cmpd="sng" algn="ctr">
+            <a:noFill/>
+            <a:prstDash val="solid"/>
+            <a:round/>
+            <a:headEnd type="none" w="med" len="med"/>
+            <a:tailEnd type="none" w="med" len="med"/>
+          </a:ln>
+          <a:effectLst/>
+        </p:spPr>
+        <p:txBody>
+          <a:bodyPr vert="horz" wrap="square" lIns="91440" tIns="45720" rIns="91440" bIns="45720" numCol="1" rtlCol="0" anchor="t" anchorCtr="0" compatLnSpc="1">
+            <a:prstTxWarp prst="textNoShape">
+              <a:avLst/>
+            </a:prstTxWarp>
+            <a:spAutoFit/>
+          </a:bodyPr>
+          <a:lstStyle/>
+          <a:p>
+            <a:pPr marL="342900" marR="0" indent="-342900" algn="l" defTabSz="914400" rtl="0" eaLnBrk="1" fontAlgn="base" latinLnBrk="0" hangingPunct="1">
+              <a:lnSpc>
+                <a:spcPct val="80000"/>
+              </a:lnSpc>
+              <a:spcBef>
+                <a:spcPct val="20000"/>
+              </a:spcBef>
+              <a:spcAft>
+                <a:spcPct val="0"/>
+              </a:spcAft>
+              <a:buClr>
+                <a:schemeClr val="hlink"/>
+              </a:buClr>
+              <a:buSzPct val="60000"/>
+              <a:buFont typeface="Arial Narrow" pitchFamily="34" charset="0"/>
+              <a:buNone/>
+              <a:tabLst/>
+            </a:pPr>
+            <a:endParaRPr kumimoji="0" lang="en-US" sz="2000" b="1" i="0" u="none" strike="noStrike" cap="none" normalizeH="0" baseline="0">
+              <a:ln>
+                <a:noFill/>
+              </a:ln>
+              <a:solidFill>
+                <a:schemeClr val="tx1"/>
+              </a:solidFill>
+              <a:effectLst/>
+              <a:latin typeface="Arial" charset="0"/>
+            </a:endParaRPr>
+          </a:p>
+        </p:txBody>
+      </p:sp>
+      <p:sp>
+        <p:nvSpPr>
+          <p:cNvPr id="7" name="Rectangle 6">
+            <a:extLst>
+              <a:ext uri="{FF2B5EF4-FFF2-40B4-BE49-F238E27FC236}">
+                <a16:creationId xmlns:a16="http://schemas.microsoft.com/office/drawing/2014/main" id="{C5AF59DF-9222-4206-9B1D-23D50F21E709}"/>
+              </a:ext>
+            </a:extLst>
+          </p:cNvPr>
+          <p:cNvSpPr/>
+          <p:nvPr/>
+        </p:nvSpPr>
+        <p:spPr bwMode="auto">
+          <a:xfrm>
+            <a:off x="2255138" y="2994215"/>
+            <a:ext cx="2528033" cy="424732"/>
+          </a:xfrm>
+          <a:prstGeom prst="rect">
+            <a:avLst/>
+          </a:prstGeom>
+          <a:ln>
+            <a:headEnd type="none" w="med" len="med"/>
+            <a:tailEnd type="none" w="med" len="med"/>
+          </a:ln>
+        </p:spPr>
+        <p:style>
+          <a:lnRef idx="2">
+            <a:schemeClr val="accent5"/>
+          </a:lnRef>
+          <a:fillRef idx="1">
+            <a:schemeClr val="lt1"/>
+          </a:fillRef>
+          <a:effectRef idx="0">
+            <a:schemeClr val="accent5"/>
+          </a:effectRef>
+          <a:fontRef idx="minor">
+            <a:schemeClr val="dk1"/>
+          </a:fontRef>
+        </p:style>
+        <p:txBody>
+          <a:bodyPr vert="horz" wrap="square" lIns="91440" tIns="45720" rIns="91440" bIns="45720" numCol="1" rtlCol="0" anchor="t" anchorCtr="0" compatLnSpc="1">
+            <a:prstTxWarp prst="textNoShape">
+              <a:avLst/>
+            </a:prstTxWarp>
+            <a:spAutoFit/>
+          </a:bodyPr>
+          <a:lstStyle/>
+          <a:p>
+            <a:pPr marL="342900" marR="0" indent="-342900" algn="ctr" defTabSz="914400" rtl="0" eaLnBrk="1" fontAlgn="base" latinLnBrk="0" hangingPunct="1">
+              <a:lnSpc>
+                <a:spcPct val="80000"/>
+              </a:lnSpc>
+              <a:spcBef>
+                <a:spcPct val="20000"/>
+              </a:spcBef>
+              <a:spcAft>
+                <a:spcPct val="0"/>
+              </a:spcAft>
+              <a:buClr>
+                <a:schemeClr val="hlink"/>
+              </a:buClr>
+              <a:buSzPct val="60000"/>
+              <a:buFont typeface="Arial Narrow" pitchFamily="34" charset="0"/>
+              <a:buNone/>
+              <a:tabLst/>
+            </a:pPr>
+            <a:r>
+              <a:rPr kumimoji="0" lang="en-US" sz="1200" b="1" i="0" u="none" strike="noStrike" cap="none" normalizeH="0" baseline="0">
+                <a:ln>
+                  <a:noFill/>
+                </a:ln>
+                <a:solidFill>
+                  <a:schemeClr val="tx1"/>
+                </a:solidFill>
+                <a:effectLst/>
+                <a:latin typeface="Arial" charset="0"/>
+              </a:rPr>
+              <a:t>cf-solace-messaging</a:t>
+            </a:r>
+          </a:p>
+          <a:p>
+            <a:pPr marL="342900" marR="0" indent="-342900" algn="ctr" defTabSz="914400" rtl="0" eaLnBrk="1" fontAlgn="base" latinLnBrk="0" hangingPunct="1">
+              <a:lnSpc>
+                <a:spcPct val="80000"/>
+              </a:lnSpc>
+              <a:spcBef>
+                <a:spcPct val="20000"/>
+              </a:spcBef>
+              <a:spcAft>
+                <a:spcPct val="0"/>
+              </a:spcAft>
+              <a:buClr>
+                <a:schemeClr val="hlink"/>
+              </a:buClr>
+              <a:buSzPct val="60000"/>
+              <a:buFont typeface="Arial Narrow" pitchFamily="34" charset="0"/>
+              <a:buNone/>
+              <a:tabLst/>
+            </a:pPr>
+            <a:r>
+              <a:rPr kumimoji="0" lang="en-US" sz="1200" b="1" i="0" u="none" strike="noStrike" cap="none" normalizeH="0" baseline="0">
+                <a:ln>
+                  <a:noFill/>
+                </a:ln>
+                <a:solidFill>
+                  <a:schemeClr val="tx1"/>
+                </a:solidFill>
+                <a:effectLst/>
+                <a:latin typeface="Arial" charset="0"/>
+              </a:rPr>
+              <a:t>deployment</a:t>
+            </a:r>
+            <a:r>
+              <a:rPr lang="en-US" sz="1200" b="1">
+                <a:solidFill>
+                  <a:schemeClr val="tx1"/>
+                </a:solidFill>
+                <a:latin typeface="Arial" charset="0"/>
+              </a:rPr>
+              <a:t> (submodule)</a:t>
+            </a:r>
+          </a:p>
+        </p:txBody>
+      </p:sp>
+      <p:sp>
+        <p:nvSpPr>
+          <p:cNvPr id="26" name="Rectangle 25">
+            <a:extLst>
+              <a:ext uri="{FF2B5EF4-FFF2-40B4-BE49-F238E27FC236}">
+                <a16:creationId xmlns:a16="http://schemas.microsoft.com/office/drawing/2014/main" id="{E81ADFC3-9692-4D3F-AE3B-EBE879532513}"/>
+              </a:ext>
+            </a:extLst>
+          </p:cNvPr>
+          <p:cNvSpPr/>
+          <p:nvPr/>
+        </p:nvSpPr>
+        <p:spPr bwMode="auto">
+          <a:xfrm>
+            <a:off x="8329595" y="1584798"/>
+            <a:ext cx="1412296" cy="1436204"/>
+          </a:xfrm>
+          <a:prstGeom prst="rect">
+            <a:avLst/>
+          </a:prstGeom>
+          <a:noFill/>
+          <a:ln>
+            <a:headEnd type="none" w="med" len="med"/>
+            <a:tailEnd type="none" w="med" len="med"/>
+          </a:ln>
+        </p:spPr>
+        <p:style>
+          <a:lnRef idx="2">
+            <a:schemeClr val="dk1"/>
+          </a:lnRef>
+          <a:fillRef idx="1">
+            <a:schemeClr val="lt1"/>
+          </a:fillRef>
+          <a:effectRef idx="0">
+            <a:schemeClr val="dk1"/>
+          </a:effectRef>
+          <a:fontRef idx="minor">
+            <a:schemeClr val="dk1"/>
+          </a:fontRef>
+        </p:style>
+        <p:txBody>
+          <a:bodyPr vert="horz" wrap="square" lIns="91440" tIns="45720" rIns="91440" bIns="45720" numCol="1" rtlCol="0" anchor="t" anchorCtr="0" compatLnSpc="1">
+            <a:prstTxWarp prst="textNoShape">
+              <a:avLst/>
+            </a:prstTxWarp>
+            <a:spAutoFit/>
+          </a:bodyPr>
+          <a:lstStyle/>
+          <a:p>
+            <a:pPr marL="342900" marR="0" indent="-342900" algn="l" defTabSz="914400" rtl="0" eaLnBrk="1" fontAlgn="base" latinLnBrk="0" hangingPunct="1">
+              <a:lnSpc>
+                <a:spcPct val="80000"/>
+              </a:lnSpc>
+              <a:spcBef>
+                <a:spcPct val="20000"/>
+              </a:spcBef>
+              <a:spcAft>
+                <a:spcPct val="0"/>
+              </a:spcAft>
+              <a:buClr>
+                <a:schemeClr val="hlink"/>
+              </a:buClr>
+              <a:buSzPct val="60000"/>
+              <a:buFont typeface="Arial Narrow" pitchFamily="34" charset="0"/>
+              <a:buNone/>
+              <a:tabLst/>
+            </a:pPr>
+            <a:endParaRPr kumimoji="0" lang="en-US" sz="2000" b="1" i="0" u="none" strike="noStrike" cap="none" normalizeH="0" baseline="0">
+              <a:ln>
+                <a:noFill/>
+              </a:ln>
+              <a:solidFill>
+                <a:schemeClr val="tx1"/>
+              </a:solidFill>
+              <a:effectLst/>
+              <a:latin typeface="Arial" charset="0"/>
+            </a:endParaRPr>
+          </a:p>
+        </p:txBody>
+      </p:sp>
+      <p:sp>
+        <p:nvSpPr>
+          <p:cNvPr id="30" name="TextBox 29">
+            <a:extLst>
+              <a:ext uri="{FF2B5EF4-FFF2-40B4-BE49-F238E27FC236}">
+                <a16:creationId xmlns:a16="http://schemas.microsoft.com/office/drawing/2014/main" id="{245943FF-E6BA-4C83-9FBA-BE6E1E1D021E}"/>
+              </a:ext>
+            </a:extLst>
+          </p:cNvPr>
+          <p:cNvSpPr txBox="1"/>
+          <p:nvPr/>
+        </p:nvSpPr>
+        <p:spPr>
+          <a:xfrm>
+            <a:off x="8231486" y="1217285"/>
+            <a:ext cx="1925015" cy="369332"/>
+          </a:xfrm>
+          <a:prstGeom prst="rect">
+            <a:avLst/>
+          </a:prstGeom>
+          <a:noFill/>
+        </p:spPr>
+        <p:txBody>
+          <a:bodyPr wrap="square" rtlCol="0">
+            <a:spAutoFit/>
+          </a:bodyPr>
+          <a:lstStyle/>
+          <a:p>
+            <a:r>
+              <a:rPr lang="en-US" sz="1400" dirty="0"/>
+              <a:t>CF</a:t>
+            </a:r>
+            <a:r>
+              <a:rPr lang="en-US" dirty="0"/>
+              <a:t> </a:t>
+            </a:r>
+            <a:r>
+              <a:rPr lang="en-US" sz="1400" dirty="0"/>
+              <a:t>Deployment</a:t>
+            </a:r>
+          </a:p>
+        </p:txBody>
+      </p:sp>
+      <p:sp>
+        <p:nvSpPr>
+          <p:cNvPr id="2" name="AutoShape 2" descr="https://assets.ubuntu.com/v1/3899d03f-choosingacloud.svg">
+            <a:extLst>
+              <a:ext uri="{FF2B5EF4-FFF2-40B4-BE49-F238E27FC236}">
+                <a16:creationId xmlns:a16="http://schemas.microsoft.com/office/drawing/2014/main" id="{86A7A068-E84F-475E-BB70-47674CE0CAAE}"/>
+              </a:ext>
+            </a:extLst>
+          </p:cNvPr>
+          <p:cNvSpPr>
+            <a:spLocks noChangeAspect="1" noChangeArrowheads="1"/>
+          </p:cNvSpPr>
+          <p:nvPr/>
+        </p:nvSpPr>
+        <p:spPr bwMode="auto">
+          <a:xfrm>
+            <a:off x="5943600" y="3276600"/>
+            <a:ext cx="304800" cy="304800"/>
+          </a:xfrm>
+          <a:prstGeom prst="rect">
+            <a:avLst/>
+          </a:prstGeom>
+          <a:noFill/>
+          <a:extLst>
+            <a:ext uri="{909E8E84-426E-40DD-AFC4-6F175D3DCCD1}">
+              <a14:hiddenFill xmlns:a14="http://schemas.microsoft.com/office/drawing/2010/main">
+                <a:solidFill>
+                  <a:srgbClr val="FFFFFF"/>
+                </a:solidFill>
+              </a14:hiddenFill>
+            </a:ext>
+          </a:extLst>
+        </p:spPr>
+        <p:txBody>
+          <a:bodyPr vert="horz" wrap="square" lIns="91440" tIns="45720" rIns="91440" bIns="45720" numCol="1" anchor="t" anchorCtr="0" compatLnSpc="1">
+            <a:prstTxWarp prst="textNoShape">
+              <a:avLst/>
+            </a:prstTxWarp>
+          </a:bodyPr>
+          <a:lstStyle/>
+          <a:p>
+            <a:endParaRPr lang="en-CA"/>
+          </a:p>
+        </p:txBody>
+      </p:sp>
+      <p:pic>
+        <p:nvPicPr>
+          <p:cNvPr id="1028" name="Picture 4" descr="Image result for ubuntu logo">
+            <a:extLst>
+              <a:ext uri="{FF2B5EF4-FFF2-40B4-BE49-F238E27FC236}">
+                <a16:creationId xmlns:a16="http://schemas.microsoft.com/office/drawing/2014/main" id="{E4BF3C13-4432-4D94-985E-E8F55E983EE7}"/>
+              </a:ext>
+            </a:extLst>
+          </p:cNvPr>
+          <p:cNvPicPr>
+            <a:picLocks noChangeAspect="1" noChangeArrowheads="1"/>
+          </p:cNvPicPr>
+          <p:nvPr/>
+        </p:nvPicPr>
+        <p:blipFill>
+          <a:blip r:embed="rId9">
+            <a:extLst>
+              <a:ext uri="{28A0092B-C50C-407E-A947-70E740481C1C}">
+                <a14:useLocalDpi xmlns:a14="http://schemas.microsoft.com/office/drawing/2010/main" val="0"/>
+              </a:ext>
+            </a:extLst>
+          </a:blip>
+          <a:srcRect/>
+          <a:stretch>
+            <a:fillRect/>
+          </a:stretch>
+        </p:blipFill>
+        <p:spPr bwMode="auto">
+          <a:xfrm>
+            <a:off x="7455859" y="5616425"/>
+            <a:ext cx="333124" cy="333124"/>
+          </a:xfrm>
+          <a:prstGeom prst="rect">
+            <a:avLst/>
+          </a:prstGeom>
+          <a:noFill/>
+          <a:extLst>
+            <a:ext uri="{909E8E84-426E-40DD-AFC4-6F175D3DCCD1}">
+              <a14:hiddenFill xmlns:a14="http://schemas.microsoft.com/office/drawing/2010/main">
+                <a:solidFill>
+                  <a:srgbClr val="FFFFFF"/>
+                </a:solidFill>
+              </a14:hiddenFill>
+            </a:ext>
+          </a:extLst>
+        </p:spPr>
+      </p:pic>
+      <p:grpSp>
+        <p:nvGrpSpPr>
+          <p:cNvPr id="85" name="Group 84">
+            <a:extLst>
+              <a:ext uri="{FF2B5EF4-FFF2-40B4-BE49-F238E27FC236}">
+                <a16:creationId xmlns:a16="http://schemas.microsoft.com/office/drawing/2014/main" id="{BFB9DC73-FB1A-456A-9CE9-B84D686FBFF9}"/>
+              </a:ext>
+            </a:extLst>
+          </p:cNvPr>
+          <p:cNvGrpSpPr/>
+          <p:nvPr/>
+        </p:nvGrpSpPr>
+        <p:grpSpPr>
+          <a:xfrm>
+            <a:off x="9961069" y="2066464"/>
+            <a:ext cx="1413088" cy="370907"/>
+            <a:chOff x="7665720" y="1839457"/>
+            <a:chExt cx="1973816" cy="459593"/>
+          </a:xfrm>
+        </p:grpSpPr>
+        <p:sp>
+          <p:nvSpPr>
+            <p:cNvPr id="86" name="Can 4">
+              <a:extLst>
+                <a:ext uri="{FF2B5EF4-FFF2-40B4-BE49-F238E27FC236}">
+                  <a16:creationId xmlns:a16="http://schemas.microsoft.com/office/drawing/2014/main" id="{A5FDE831-2433-4F28-A6A0-94B945A27DBC}"/>
+                </a:ext>
+              </a:extLst>
+            </p:cNvPr>
+            <p:cNvSpPr/>
+            <p:nvPr/>
+          </p:nvSpPr>
+          <p:spPr bwMode="auto">
+            <a:xfrm rot="5400000">
+              <a:off x="8422831" y="1082346"/>
+              <a:ext cx="459593" cy="1973816"/>
+            </a:xfrm>
+            <a:prstGeom prst="can">
+              <a:avLst/>
+            </a:prstGeom>
+            <a:solidFill>
+              <a:srgbClr val="E6E6E6"/>
+            </a:solidFill>
+            <a:ln w="9525" cap="flat" cmpd="sng" algn="ctr">
+              <a:solidFill>
+                <a:srgbClr val="F26F26"/>
+              </a:solidFill>
+              <a:prstDash val="solid"/>
+              <a:round/>
+              <a:headEnd type="none" w="med" len="med"/>
+              <a:tailEnd type="none" w="med" len="med"/>
+            </a:ln>
+            <a:effectLst/>
+          </p:spPr>
+          <p:txBody>
+            <a:bodyPr vert="vert270" wrap="square" lIns="0" tIns="0" rIns="0" bIns="0" numCol="1" rtlCol="0" anchor="ctr" anchorCtr="0" compatLnSpc="1">
+              <a:prstTxWarp prst="textNoShape">
+                <a:avLst/>
+              </a:prstTxWarp>
+              <a:noAutofit/>
+            </a:bodyPr>
+            <a:lstStyle/>
+            <a:p>
+              <a:pPr marL="342900" indent="-342900" algn="ctr" defTabSz="914400" fontAlgn="base">
+                <a:lnSpc>
+                  <a:spcPct val="80000"/>
+                </a:lnSpc>
+                <a:spcBef>
+                  <a:spcPct val="20000"/>
+                </a:spcBef>
+                <a:spcAft>
+                  <a:spcPct val="0"/>
+                </a:spcAft>
+                <a:buClr>
+                  <a:srgbClr val="FADF6C"/>
+                </a:buClr>
+                <a:buSzPct val="60000"/>
+                <a:buFont typeface="Arial Narrow" pitchFamily="34" charset="0"/>
+                <a:buNone/>
+              </a:pPr>
+              <a:endParaRPr lang="en-US" sz="900" b="1" dirty="0">
+                <a:solidFill>
+                  <a:srgbClr val="000000"/>
+                </a:solidFill>
+                <a:latin typeface="Calibri" panose="020F0502020204030204" pitchFamily="34" charset="0"/>
+                <a:cs typeface="Calibri" panose="020F0502020204030204" pitchFamily="34" charset="0"/>
+              </a:endParaRPr>
+            </a:p>
+          </p:txBody>
+        </p:sp>
+        <p:pic>
+          <p:nvPicPr>
+            <p:cNvPr id="87" name="Picture 86">
+              <a:extLst>
+                <a:ext uri="{FF2B5EF4-FFF2-40B4-BE49-F238E27FC236}">
+                  <a16:creationId xmlns:a16="http://schemas.microsoft.com/office/drawing/2014/main" id="{6FF6E906-968F-42CA-92B6-C22B8D8374E4}"/>
+                </a:ext>
+              </a:extLst>
+            </p:cNvPr>
+            <p:cNvPicPr>
+              <a:picLocks noChangeAspect="1"/>
+            </p:cNvPicPr>
+            <p:nvPr/>
+          </p:nvPicPr>
+          <p:blipFill>
+            <a:blip r:embed="rId10"/>
+            <a:stretch>
+              <a:fillRect/>
+            </a:stretch>
+          </p:blipFill>
+          <p:spPr>
+            <a:xfrm>
+              <a:off x="8090461" y="1897150"/>
+              <a:ext cx="1088418" cy="304758"/>
+            </a:xfrm>
+            <a:prstGeom prst="rect">
+              <a:avLst/>
+            </a:prstGeom>
+          </p:spPr>
+        </p:pic>
+      </p:grpSp>
+      <p:grpSp>
+        <p:nvGrpSpPr>
+          <p:cNvPr id="88" name="Group 87">
+            <a:extLst>
+              <a:ext uri="{FF2B5EF4-FFF2-40B4-BE49-F238E27FC236}">
+                <a16:creationId xmlns:a16="http://schemas.microsoft.com/office/drawing/2014/main" id="{B065FC6D-CFA8-49E0-BE70-513F8751195C}"/>
+              </a:ext>
+            </a:extLst>
+          </p:cNvPr>
+          <p:cNvGrpSpPr/>
+          <p:nvPr/>
+        </p:nvGrpSpPr>
+        <p:grpSpPr>
+          <a:xfrm>
+            <a:off x="8484538" y="5009780"/>
+            <a:ext cx="1413088" cy="370907"/>
+            <a:chOff x="7665720" y="1839457"/>
+            <a:chExt cx="1973816" cy="459593"/>
+          </a:xfrm>
+        </p:grpSpPr>
+        <p:sp>
+          <p:nvSpPr>
+            <p:cNvPr id="89" name="Can 4">
+              <a:extLst>
+                <a:ext uri="{FF2B5EF4-FFF2-40B4-BE49-F238E27FC236}">
+                  <a16:creationId xmlns:a16="http://schemas.microsoft.com/office/drawing/2014/main" id="{20EC8049-B006-4786-A5FF-2072FAEFC0E5}"/>
+                </a:ext>
+              </a:extLst>
+            </p:cNvPr>
+            <p:cNvSpPr/>
+            <p:nvPr/>
+          </p:nvSpPr>
+          <p:spPr bwMode="auto">
+            <a:xfrm rot="5400000">
+              <a:off x="8422831" y="1082346"/>
+              <a:ext cx="459593" cy="1973816"/>
+            </a:xfrm>
+            <a:prstGeom prst="can">
+              <a:avLst/>
+            </a:prstGeom>
+            <a:solidFill>
+              <a:srgbClr val="E6E6E6"/>
+            </a:solidFill>
+            <a:ln w="9525" cap="flat" cmpd="sng" algn="ctr">
+              <a:solidFill>
+                <a:srgbClr val="F26F26"/>
+              </a:solidFill>
+              <a:prstDash val="solid"/>
+              <a:round/>
+              <a:headEnd type="none" w="med" len="med"/>
+              <a:tailEnd type="none" w="med" len="med"/>
+            </a:ln>
+            <a:effectLst/>
+          </p:spPr>
+          <p:txBody>
+            <a:bodyPr vert="vert270" wrap="square" lIns="0" tIns="0" rIns="0" bIns="0" numCol="1" rtlCol="0" anchor="ctr" anchorCtr="0" compatLnSpc="1">
+              <a:prstTxWarp prst="textNoShape">
+                <a:avLst/>
+              </a:prstTxWarp>
+              <a:noAutofit/>
+            </a:bodyPr>
+            <a:lstStyle/>
+            <a:p>
+              <a:pPr marL="342900" indent="-342900" algn="ctr" defTabSz="914400" fontAlgn="base">
+                <a:lnSpc>
+                  <a:spcPct val="80000"/>
+                </a:lnSpc>
+                <a:spcBef>
+                  <a:spcPct val="20000"/>
+                </a:spcBef>
+                <a:spcAft>
+                  <a:spcPct val="0"/>
+                </a:spcAft>
+                <a:buClr>
+                  <a:srgbClr val="FADF6C"/>
+                </a:buClr>
+                <a:buSzPct val="60000"/>
+                <a:buFont typeface="Arial Narrow" pitchFamily="34" charset="0"/>
+                <a:buNone/>
+              </a:pPr>
+              <a:endParaRPr lang="en-US" sz="900" b="1" dirty="0">
+                <a:solidFill>
+                  <a:srgbClr val="000000"/>
+                </a:solidFill>
+                <a:latin typeface="Calibri" panose="020F0502020204030204" pitchFamily="34" charset="0"/>
+                <a:cs typeface="Calibri" panose="020F0502020204030204" pitchFamily="34" charset="0"/>
+              </a:endParaRPr>
+            </a:p>
+          </p:txBody>
+        </p:sp>
+        <p:pic>
+          <p:nvPicPr>
+            <p:cNvPr id="90" name="Picture 89">
+              <a:extLst>
+                <a:ext uri="{FF2B5EF4-FFF2-40B4-BE49-F238E27FC236}">
+                  <a16:creationId xmlns:a16="http://schemas.microsoft.com/office/drawing/2014/main" id="{26DFCBD1-FB6C-45C1-BFB6-5581EF51411A}"/>
+                </a:ext>
+              </a:extLst>
+            </p:cNvPr>
+            <p:cNvPicPr>
+              <a:picLocks noChangeAspect="1"/>
+            </p:cNvPicPr>
+            <p:nvPr/>
+          </p:nvPicPr>
+          <p:blipFill>
+            <a:blip r:embed="rId10"/>
+            <a:stretch>
+              <a:fillRect/>
+            </a:stretch>
+          </p:blipFill>
+          <p:spPr>
+            <a:xfrm>
+              <a:off x="8090461" y="1897150"/>
+              <a:ext cx="1088418" cy="304758"/>
+            </a:xfrm>
+            <a:prstGeom prst="rect">
+              <a:avLst/>
+            </a:prstGeom>
+          </p:spPr>
+        </p:pic>
+      </p:grpSp>
+      <p:grpSp>
+        <p:nvGrpSpPr>
+          <p:cNvPr id="91" name="Group 90">
+            <a:extLst>
+              <a:ext uri="{FF2B5EF4-FFF2-40B4-BE49-F238E27FC236}">
+                <a16:creationId xmlns:a16="http://schemas.microsoft.com/office/drawing/2014/main" id="{7D3610BC-106A-4CF4-ADC0-1D38E0C21E7D}"/>
+              </a:ext>
+            </a:extLst>
+          </p:cNvPr>
+          <p:cNvGrpSpPr/>
+          <p:nvPr/>
+        </p:nvGrpSpPr>
+        <p:grpSpPr>
+          <a:xfrm>
+            <a:off x="5683781" y="5516419"/>
+            <a:ext cx="412219" cy="164751"/>
+            <a:chOff x="7665720" y="1839457"/>
+            <a:chExt cx="1973816" cy="459593"/>
+          </a:xfrm>
+        </p:grpSpPr>
+        <p:sp>
+          <p:nvSpPr>
+            <p:cNvPr id="94" name="Can 4">
+              <a:extLst>
+                <a:ext uri="{FF2B5EF4-FFF2-40B4-BE49-F238E27FC236}">
+                  <a16:creationId xmlns:a16="http://schemas.microsoft.com/office/drawing/2014/main" id="{37E7DA9E-7911-422F-A3BD-92A104659F06}"/>
+                </a:ext>
+              </a:extLst>
+            </p:cNvPr>
+            <p:cNvSpPr/>
+            <p:nvPr/>
+          </p:nvSpPr>
+          <p:spPr bwMode="auto">
+            <a:xfrm rot="5400000">
+              <a:off x="8422831" y="1082346"/>
+              <a:ext cx="459593" cy="1973816"/>
+            </a:xfrm>
+            <a:prstGeom prst="can">
+              <a:avLst/>
+            </a:prstGeom>
+            <a:solidFill>
+              <a:srgbClr val="E6E6E6"/>
+            </a:solidFill>
+            <a:ln w="9525" cap="flat" cmpd="sng" algn="ctr">
+              <a:solidFill>
+                <a:srgbClr val="F26F26"/>
+              </a:solidFill>
+              <a:prstDash val="solid"/>
+              <a:round/>
+              <a:headEnd type="none" w="med" len="med"/>
+              <a:tailEnd type="none" w="med" len="med"/>
+            </a:ln>
+            <a:effectLst/>
+          </p:spPr>
+          <p:txBody>
+            <a:bodyPr vert="vert270" wrap="square" lIns="0" tIns="0" rIns="0" bIns="0" numCol="1" rtlCol="0" anchor="ctr" anchorCtr="0" compatLnSpc="1">
+              <a:prstTxWarp prst="textNoShape">
+                <a:avLst/>
+              </a:prstTxWarp>
+              <a:noAutofit/>
+            </a:bodyPr>
+            <a:lstStyle/>
+            <a:p>
+              <a:pPr marL="342900" indent="-342900" algn="ctr" defTabSz="914400" fontAlgn="base">
+                <a:lnSpc>
+                  <a:spcPct val="80000"/>
+                </a:lnSpc>
+                <a:spcBef>
+                  <a:spcPct val="20000"/>
+                </a:spcBef>
+                <a:spcAft>
+                  <a:spcPct val="0"/>
+                </a:spcAft>
+                <a:buClr>
+                  <a:srgbClr val="FADF6C"/>
+                </a:buClr>
+                <a:buSzPct val="60000"/>
+                <a:buFont typeface="Arial Narrow" pitchFamily="34" charset="0"/>
+                <a:buNone/>
+              </a:pPr>
+              <a:endParaRPr lang="en-US" sz="900" b="1" dirty="0">
+                <a:solidFill>
+                  <a:srgbClr val="000000"/>
+                </a:solidFill>
+                <a:latin typeface="Calibri" panose="020F0502020204030204" pitchFamily="34" charset="0"/>
+                <a:cs typeface="Calibri" panose="020F0502020204030204" pitchFamily="34" charset="0"/>
+              </a:endParaRPr>
+            </a:p>
+          </p:txBody>
+        </p:sp>
+        <p:pic>
+          <p:nvPicPr>
+            <p:cNvPr id="102" name="Picture 101">
+              <a:extLst>
+                <a:ext uri="{FF2B5EF4-FFF2-40B4-BE49-F238E27FC236}">
+                  <a16:creationId xmlns:a16="http://schemas.microsoft.com/office/drawing/2014/main" id="{7F6EC0E6-A586-48C7-85DC-9A35A4C1BEA8}"/>
+                </a:ext>
+              </a:extLst>
+            </p:cNvPr>
+            <p:cNvPicPr>
+              <a:picLocks noChangeAspect="1"/>
+            </p:cNvPicPr>
+            <p:nvPr/>
+          </p:nvPicPr>
+          <p:blipFill>
+            <a:blip r:embed="rId10"/>
+            <a:stretch>
+              <a:fillRect/>
+            </a:stretch>
+          </p:blipFill>
+          <p:spPr>
+            <a:xfrm>
+              <a:off x="8090461" y="1897150"/>
+              <a:ext cx="1088418" cy="304758"/>
+            </a:xfrm>
+            <a:prstGeom prst="rect">
+              <a:avLst/>
+            </a:prstGeom>
+          </p:spPr>
+        </p:pic>
+      </p:grpSp>
+    </p:spTree>
+    <p:extLst>
+      <p:ext uri="{BB962C8B-B14F-4D97-AF65-F5344CB8AC3E}">
+        <p14:creationId xmlns:p14="http://schemas.microsoft.com/office/powerpoint/2010/main" val="1842420839"/>
+      </p:ext>
+    </p:extLst>
+  </p:cSld>
+  <p:clrMapOvr>
+    <a:masterClrMapping/>
+  </p:clrMapOvr>
+</p:sld>
+</file>
+
+<file path=ppt/slides/slide5.xml><?xml version="1.0" encoding="utf-8"?>
 <p:sld xmlns:a="http://schemas.openxmlformats.org/drawingml/2006/main" xmlns:r="http://schemas.openxmlformats.org/officeDocument/2006/relationships" xmlns:p="http://schemas.openxmlformats.org/presentationml/2006/main">
   <p:cSld>
     <p:spTree>
@@ -24819,7 +28417,7 @@
 </p:sld>
 </file>
 
-<file path=ppt/slides/slide4.xml><?xml version="1.0" encoding="utf-8"?>
+<file path=ppt/slides/slide6.xml><?xml version="1.0" encoding="utf-8"?>
 <p:sld xmlns:a="http://schemas.openxmlformats.org/drawingml/2006/main" xmlns:r="http://schemas.openxmlformats.org/officeDocument/2006/relationships" xmlns:p="http://schemas.openxmlformats.org/presentationml/2006/main">
   <p:cSld>
     <p:spTree>
@@ -24850,8 +28448,8 @@
         </p:nvSpPr>
         <p:spPr bwMode="auto">
           <a:xfrm>
-            <a:off x="7134160" y="1615633"/>
-            <a:ext cx="4512847" cy="2023785"/>
+            <a:off x="6412615" y="742124"/>
+            <a:ext cx="4512847" cy="2345357"/>
           </a:xfrm>
           <a:prstGeom prst="rect">
             <a:avLst/>
@@ -25093,13 +28691,15 @@
               </a:ext>
             </a:extLst>
           </p:cNvPr>
-          <p:cNvCxnSpPr/>
+          <p:cNvCxnSpPr>
+            <a:cxnSpLocks/>
+          </p:cNvCxnSpPr>
           <p:nvPr/>
         </p:nvCxnSpPr>
         <p:spPr bwMode="auto">
           <a:xfrm>
             <a:off x="5432287" y="3761712"/>
-            <a:ext cx="1827470" cy="517100"/>
+            <a:ext cx="1690302" cy="683150"/>
           </a:xfrm>
           <a:prstGeom prst="straightConnector1">
             <a:avLst/>
@@ -25138,8 +28738,8 @@
         </p:nvSpPr>
         <p:spPr bwMode="auto">
           <a:xfrm>
-            <a:off x="7319180" y="4225742"/>
-            <a:ext cx="2126827" cy="1841039"/>
+            <a:off x="7134161" y="4448366"/>
+            <a:ext cx="3069756" cy="1841039"/>
           </a:xfrm>
           <a:prstGeom prst="rect">
             <a:avLst/>
@@ -25217,7 +28817,7 @@
         </p:nvGrpSpPr>
         <p:grpSpPr>
           <a:xfrm>
-            <a:off x="5074835" y="2096857"/>
+            <a:off x="7868824" y="4094656"/>
             <a:ext cx="329994" cy="369332"/>
             <a:chOff x="2790018" y="5082735"/>
             <a:chExt cx="329994" cy="369332"/>
@@ -25505,7 +29105,7 @@
         </p:nvGrpSpPr>
         <p:grpSpPr>
           <a:xfrm>
-            <a:off x="5093717" y="2943991"/>
+            <a:off x="9139358" y="4090632"/>
             <a:ext cx="318324" cy="369332"/>
             <a:chOff x="2790018" y="5072988"/>
             <a:chExt cx="318324" cy="369332"/>
@@ -25637,41 +29237,6 @@
       </p:grpSp>
       <p:pic>
         <p:nvPicPr>
-          <p:cNvPr id="42" name="Picture 41">
-            <a:extLst>
-              <a:ext uri="{FF2B5EF4-FFF2-40B4-BE49-F238E27FC236}">
-                <a16:creationId xmlns:a16="http://schemas.microsoft.com/office/drawing/2014/main" id="{AACA8A2B-EE0E-40DD-819B-C138EE555F5D}"/>
-              </a:ext>
-            </a:extLst>
-          </p:cNvPr>
-          <p:cNvPicPr>
-            <a:picLocks noChangeAspect="1"/>
-          </p:cNvPicPr>
-          <p:nvPr/>
-        </p:nvPicPr>
-        <p:blipFill>
-          <a:blip r:embed="rId2"/>
-          <a:stretch>
-            <a:fillRect/>
-          </a:stretch>
-        </p:blipFill>
-        <p:spPr>
-          <a:xfrm>
-            <a:off x="3714249" y="2047193"/>
-            <a:ext cx="1227927" cy="466612"/>
-          </a:xfrm>
-          <a:prstGeom prst="rect">
-            <a:avLst/>
-          </a:prstGeom>
-          <a:ln>
-            <a:solidFill>
-              <a:schemeClr val="tx1"/>
-            </a:solidFill>
-          </a:ln>
-        </p:spPr>
-      </p:pic>
-      <p:pic>
-        <p:nvPicPr>
           <p:cNvPr id="51" name="Picture 50">
             <a:extLst>
               <a:ext uri="{FF2B5EF4-FFF2-40B4-BE49-F238E27FC236}">
@@ -25729,7 +29294,7 @@
           <a:lstStyle/>
           <a:p>
             <a:r>
-              <a:rPr lang="en-CA" sz="1400" b="1">
+              <a:rPr lang="en-CA" sz="1400" b="1" dirty="0">
                 <a:solidFill>
                   <a:srgbClr val="000000"/>
                 </a:solidFill>
@@ -25750,18 +29315,17 @@
           </p:cNvPr>
           <p:cNvCxnSpPr>
             <a:cxnSpLocks/>
-            <a:stCxn id="35" idx="0"/>
           </p:cNvCxnSpPr>
           <p:nvPr/>
         </p:nvCxnSpPr>
         <p:spPr bwMode="auto">
           <a:xfrm rot="5400000" flipH="1" flipV="1">
-            <a:off x="7078131" y="-215596"/>
-            <a:ext cx="481224" cy="4143682"/>
+            <a:off x="7563826" y="3608039"/>
+            <a:ext cx="997483" cy="6"/>
           </a:xfrm>
           <a:prstGeom prst="bentConnector3">
             <a:avLst>
-              <a:gd name="adj1" fmla="val 147504"/>
+              <a:gd name="adj1" fmla="val 50000"/>
             </a:avLst>
           </a:prstGeom>
           <a:ln>
@@ -25989,13 +29553,14 @@
           </p:cNvPr>
           <p:cNvCxnSpPr>
             <a:cxnSpLocks/>
+            <a:stCxn id="41" idx="0"/>
           </p:cNvCxnSpPr>
           <p:nvPr/>
         </p:nvCxnSpPr>
         <p:spPr bwMode="auto">
-          <a:xfrm flipV="1">
-            <a:off x="5506650" y="3096288"/>
-            <a:ext cx="2703202" cy="77263"/>
+          <a:xfrm flipH="1" flipV="1">
+            <a:off x="9285849" y="2584233"/>
+            <a:ext cx="13906" cy="1506399"/>
           </a:xfrm>
           <a:prstGeom prst="straightConnector1">
             <a:avLst/>
@@ -26034,7 +29599,7 @@
         </p:nvSpPr>
         <p:spPr bwMode="auto">
           <a:xfrm>
-            <a:off x="8280508" y="2012731"/>
+            <a:off x="7938676" y="1148029"/>
             <a:ext cx="1412296" cy="1436204"/>
           </a:xfrm>
           <a:prstGeom prst="rect">
@@ -26114,7 +29679,7 @@
         </p:nvSpPr>
         <p:spPr>
           <a:xfrm>
-            <a:off x="8278901" y="1969030"/>
+            <a:off x="7937069" y="1104328"/>
             <a:ext cx="1925015" cy="369332"/>
           </a:xfrm>
           <a:prstGeom prst="rect">
@@ -26129,179 +29694,20 @@
           <a:lstStyle/>
           <a:p>
             <a:r>
-              <a:rPr lang="en-US" sz="1400"/>
+              <a:rPr lang="en-US" sz="1400" dirty="0"/>
               <a:t>CF</a:t>
             </a:r>
             <a:r>
-              <a:rPr lang="en-US"/>
+              <a:rPr lang="en-US" dirty="0"/>
               <a:t> </a:t>
             </a:r>
             <a:r>
-              <a:rPr lang="en-US" sz="1400"/>
+              <a:rPr lang="en-US" sz="1400" dirty="0"/>
               <a:t>Deployment</a:t>
             </a:r>
           </a:p>
         </p:txBody>
       </p:sp>
-      <p:sp>
-        <p:nvSpPr>
-          <p:cNvPr id="59" name="Rectangle 58">
-            <a:extLst>
-              <a:ext uri="{FF2B5EF4-FFF2-40B4-BE49-F238E27FC236}">
-                <a16:creationId xmlns:a16="http://schemas.microsoft.com/office/drawing/2014/main" id="{3B3F741D-7036-4CCC-9AA6-CF888822C4D7}"/>
-              </a:ext>
-            </a:extLst>
-          </p:cNvPr>
-          <p:cNvSpPr/>
-          <p:nvPr/>
-        </p:nvSpPr>
-        <p:spPr bwMode="auto">
-          <a:xfrm>
-            <a:off x="7289600" y="2488778"/>
-            <a:ext cx="856393" cy="264688"/>
-          </a:xfrm>
-          <a:prstGeom prst="rect">
-            <a:avLst/>
-          </a:prstGeom>
-          <a:solidFill>
-            <a:schemeClr val="bg1"/>
-          </a:solidFill>
-          <a:ln>
-            <a:solidFill>
-              <a:schemeClr val="accent1">
-                <a:lumMod val="60000"/>
-                <a:lumOff val="40000"/>
-              </a:schemeClr>
-            </a:solidFill>
-            <a:headEnd type="none" w="med" len="med"/>
-            <a:tailEnd type="none" w="med" len="med"/>
-          </a:ln>
-        </p:spPr>
-        <p:style>
-          <a:lnRef idx="2">
-            <a:schemeClr val="accent4"/>
-          </a:lnRef>
-          <a:fillRef idx="1">
-            <a:schemeClr val="lt1"/>
-          </a:fillRef>
-          <a:effectRef idx="0">
-            <a:schemeClr val="accent4"/>
-          </a:effectRef>
-          <a:fontRef idx="minor">
-            <a:schemeClr val="dk1"/>
-          </a:fontRef>
-        </p:style>
-        <p:txBody>
-          <a:bodyPr vert="horz" wrap="square" lIns="91440" tIns="45720" rIns="91440" bIns="45720" numCol="1" rtlCol="0" anchor="t" anchorCtr="0" compatLnSpc="1">
-            <a:prstTxWarp prst="textNoShape">
-              <a:avLst/>
-            </a:prstTxWarp>
-            <a:spAutoFit/>
-          </a:bodyPr>
-          <a:lstStyle/>
-          <a:p>
-            <a:pPr marL="342900" marR="0" indent="-342900" algn="l" defTabSz="914400" rtl="0" eaLnBrk="1" fontAlgn="base" latinLnBrk="0" hangingPunct="1">
-              <a:lnSpc>
-                <a:spcPct val="80000"/>
-              </a:lnSpc>
-              <a:spcBef>
-                <a:spcPct val="20000"/>
-              </a:spcBef>
-              <a:spcAft>
-                <a:spcPct val="0"/>
-              </a:spcAft>
-              <a:buClr>
-                <a:schemeClr val="hlink"/>
-              </a:buClr>
-              <a:buSzPct val="60000"/>
-              <a:buFont typeface="Arial Narrow" pitchFamily="34" charset="0"/>
-              <a:buNone/>
-              <a:tabLst/>
-            </a:pPr>
-            <a:r>
-              <a:rPr kumimoji="0" lang="en-US" sz="1300" b="1" i="0" u="none" strike="noStrike" cap="none" normalizeH="0" baseline="0">
-                <a:ln>
-                  <a:noFill/>
-                </a:ln>
-                <a:solidFill>
-                  <a:schemeClr val="tx1"/>
-                </a:solidFill>
-                <a:effectLst/>
-                <a:latin typeface="Arial" charset="0"/>
-              </a:rPr>
-              <a:t>p-</a:t>
-            </a:r>
-            <a:r>
-              <a:rPr kumimoji="0" lang="en-US" sz="1300" b="1" i="0" u="none" strike="noStrike" cap="none" normalizeH="0" baseline="0" err="1">
-                <a:ln>
-                  <a:noFill/>
-                </a:ln>
-                <a:solidFill>
-                  <a:schemeClr val="tx1"/>
-                </a:solidFill>
-                <a:effectLst/>
-                <a:latin typeface="Arial" charset="0"/>
-              </a:rPr>
-              <a:t>mysql</a:t>
-            </a:r>
-            <a:r>
-              <a:rPr kumimoji="0" lang="en-US" sz="1400" b="1" i="0" u="none" strike="noStrike" cap="none" normalizeH="0" baseline="0">
-                <a:ln>
-                  <a:noFill/>
-                </a:ln>
-                <a:solidFill>
-                  <a:schemeClr val="tx1"/>
-                </a:solidFill>
-                <a:effectLst/>
-                <a:latin typeface="Arial" charset="0"/>
-              </a:rPr>
-              <a:t> </a:t>
-            </a:r>
-          </a:p>
-        </p:txBody>
-      </p:sp>
-      <p:cxnSp>
-        <p:nvCxnSpPr>
-          <p:cNvPr id="60" name="Straight Arrow Connector 59">
-            <a:extLst>
-              <a:ext uri="{FF2B5EF4-FFF2-40B4-BE49-F238E27FC236}">
-                <a16:creationId xmlns:a16="http://schemas.microsoft.com/office/drawing/2014/main" id="{255D9C90-7218-431C-B310-43ED35408785}"/>
-              </a:ext>
-            </a:extLst>
-          </p:cNvPr>
-          <p:cNvCxnSpPr>
-            <a:cxnSpLocks/>
-          </p:cNvCxnSpPr>
-          <p:nvPr/>
-        </p:nvCxnSpPr>
-        <p:spPr bwMode="auto">
-          <a:xfrm flipV="1">
-            <a:off x="5479650" y="2730833"/>
-            <a:ext cx="1752277" cy="300165"/>
-          </a:xfrm>
-          <a:prstGeom prst="straightConnector1">
-            <a:avLst/>
-          </a:prstGeom>
-          <a:ln>
-            <a:headEnd type="none" w="med" len="med"/>
-            <a:tailEnd type="triangle"/>
-          </a:ln>
-        </p:spPr>
-        <p:style>
-          <a:lnRef idx="3">
-            <a:schemeClr val="accent5"/>
-          </a:lnRef>
-          <a:fillRef idx="0">
-            <a:schemeClr val="accent5"/>
-          </a:fillRef>
-          <a:effectRef idx="2">
-            <a:schemeClr val="accent5"/>
-          </a:effectRef>
-          <a:fontRef idx="minor">
-            <a:schemeClr val="tx1"/>
-          </a:fontRef>
-        </p:style>
-      </p:cxnSp>
       <p:cxnSp>
         <p:nvCxnSpPr>
           <p:cNvPr id="61" name="Straight Arrow Connector 60">
@@ -26415,7 +29821,7 @@
 </p:sld>
 </file>
 
-<file path=ppt/slides/slide5.xml><?xml version="1.0" encoding="utf-8"?>
+<file path=ppt/slides/slide7.xml><?xml version="1.0" encoding="utf-8"?>
 <p:sld xmlns:a="http://schemas.openxmlformats.org/drawingml/2006/main" xmlns:r="http://schemas.openxmlformats.org/officeDocument/2006/relationships" xmlns:p="http://schemas.openxmlformats.org/presentationml/2006/main">
   <p:cSld>
     <p:spTree>
@@ -26446,7 +29852,7 @@
         </p:nvSpPr>
         <p:spPr bwMode="auto">
           <a:xfrm>
-            <a:off x="7134160" y="1615633"/>
+            <a:off x="6730232" y="541369"/>
             <a:ext cx="4512847" cy="2023785"/>
           </a:xfrm>
           <a:prstGeom prst="rect">
@@ -26689,13 +30095,15 @@
               </a:ext>
             </a:extLst>
           </p:cNvPr>
-          <p:cNvCxnSpPr/>
+          <p:cNvCxnSpPr>
+            <a:cxnSpLocks/>
+          </p:cNvCxnSpPr>
           <p:nvPr/>
         </p:nvCxnSpPr>
         <p:spPr bwMode="auto">
           <a:xfrm>
-            <a:off x="5432287" y="3761712"/>
-            <a:ext cx="1827470" cy="517100"/>
+            <a:off x="5315940" y="3761712"/>
+            <a:ext cx="2517590" cy="705513"/>
           </a:xfrm>
           <a:prstGeom prst="straightConnector1">
             <a:avLst/>
@@ -26734,7 +30142,7 @@
         </p:nvSpPr>
         <p:spPr bwMode="auto">
           <a:xfrm>
-            <a:off x="7319180" y="4225742"/>
+            <a:off x="7833530" y="4216363"/>
             <a:ext cx="2126827" cy="1841039"/>
           </a:xfrm>
           <a:prstGeom prst="rect">
@@ -26813,7 +30221,7 @@
         </p:nvGrpSpPr>
         <p:grpSpPr>
           <a:xfrm>
-            <a:off x="5074835" y="3414299"/>
+            <a:off x="4997616" y="3432801"/>
             <a:ext cx="318324" cy="369332"/>
             <a:chOff x="2790018" y="5072988"/>
             <a:chExt cx="318324" cy="369332"/>
@@ -26957,7 +30365,7 @@
         </p:nvGrpSpPr>
         <p:grpSpPr>
           <a:xfrm>
-            <a:off x="5093717" y="2943991"/>
+            <a:off x="8737781" y="3835596"/>
             <a:ext cx="318324" cy="369332"/>
             <a:chOff x="2790018" y="5072988"/>
             <a:chExt cx="318324" cy="369332"/>
@@ -27109,7 +30517,7 @@
         </p:blipFill>
         <p:spPr>
           <a:xfrm>
-            <a:off x="7357074" y="5627381"/>
+            <a:off x="8320353" y="5282952"/>
             <a:ext cx="354135" cy="381080"/>
           </a:xfrm>
           <a:prstGeom prst="rect">
@@ -27131,7 +30539,7 @@
         </p:nvSpPr>
         <p:spPr>
           <a:xfrm>
-            <a:off x="7662379" y="5664032"/>
+            <a:off x="8818473" y="5332916"/>
             <a:ext cx="583814" cy="307777"/>
           </a:xfrm>
           <a:prstGeom prst="rect">
@@ -27361,13 +30769,14 @@
           </p:cNvPr>
           <p:cNvCxnSpPr>
             <a:cxnSpLocks/>
+            <a:stCxn id="41" idx="0"/>
           </p:cNvCxnSpPr>
           <p:nvPr/>
         </p:nvCxnSpPr>
         <p:spPr bwMode="auto">
           <a:xfrm flipV="1">
-            <a:off x="5506650" y="3096288"/>
-            <a:ext cx="2703202" cy="77263"/>
+            <a:off x="8898178" y="2554748"/>
+            <a:ext cx="0" cy="1280848"/>
           </a:xfrm>
           <a:prstGeom prst="straightConnector1">
             <a:avLst/>
@@ -27406,7 +30815,7 @@
         </p:nvSpPr>
         <p:spPr bwMode="auto">
           <a:xfrm>
-            <a:off x="8280508" y="2012731"/>
+            <a:off x="8280508" y="915504"/>
             <a:ext cx="1412296" cy="1436204"/>
           </a:xfrm>
           <a:prstGeom prst="rect">
@@ -27486,7 +30895,7 @@
         </p:nvSpPr>
         <p:spPr>
           <a:xfrm>
-            <a:off x="8278901" y="1969030"/>
+            <a:off x="8280508" y="1051258"/>
             <a:ext cx="1925015" cy="369332"/>
           </a:xfrm>
           <a:prstGeom prst="rect">
@@ -27515,165 +30924,6 @@
           </a:p>
         </p:txBody>
       </p:sp>
-      <p:sp>
-        <p:nvSpPr>
-          <p:cNvPr id="59" name="Rectangle 58">
-            <a:extLst>
-              <a:ext uri="{FF2B5EF4-FFF2-40B4-BE49-F238E27FC236}">
-                <a16:creationId xmlns:a16="http://schemas.microsoft.com/office/drawing/2014/main" id="{3B3F741D-7036-4CCC-9AA6-CF888822C4D7}"/>
-              </a:ext>
-            </a:extLst>
-          </p:cNvPr>
-          <p:cNvSpPr/>
-          <p:nvPr/>
-        </p:nvSpPr>
-        <p:spPr bwMode="auto">
-          <a:xfrm>
-            <a:off x="7289600" y="2488778"/>
-            <a:ext cx="856393" cy="264688"/>
-          </a:xfrm>
-          <a:prstGeom prst="rect">
-            <a:avLst/>
-          </a:prstGeom>
-          <a:solidFill>
-            <a:schemeClr val="bg1"/>
-          </a:solidFill>
-          <a:ln>
-            <a:solidFill>
-              <a:schemeClr val="accent1">
-                <a:lumMod val="60000"/>
-                <a:lumOff val="40000"/>
-              </a:schemeClr>
-            </a:solidFill>
-            <a:headEnd type="none" w="med" len="med"/>
-            <a:tailEnd type="none" w="med" len="med"/>
-          </a:ln>
-        </p:spPr>
-        <p:style>
-          <a:lnRef idx="2">
-            <a:schemeClr val="accent4"/>
-          </a:lnRef>
-          <a:fillRef idx="1">
-            <a:schemeClr val="lt1"/>
-          </a:fillRef>
-          <a:effectRef idx="0">
-            <a:schemeClr val="accent4"/>
-          </a:effectRef>
-          <a:fontRef idx="minor">
-            <a:schemeClr val="dk1"/>
-          </a:fontRef>
-        </p:style>
-        <p:txBody>
-          <a:bodyPr vert="horz" wrap="square" lIns="91440" tIns="45720" rIns="91440" bIns="45720" numCol="1" rtlCol="0" anchor="t" anchorCtr="0" compatLnSpc="1">
-            <a:prstTxWarp prst="textNoShape">
-              <a:avLst/>
-            </a:prstTxWarp>
-            <a:spAutoFit/>
-          </a:bodyPr>
-          <a:lstStyle/>
-          <a:p>
-            <a:pPr marL="342900" marR="0" indent="-342900" algn="l" defTabSz="914400" rtl="0" eaLnBrk="1" fontAlgn="base" latinLnBrk="0" hangingPunct="1">
-              <a:lnSpc>
-                <a:spcPct val="80000"/>
-              </a:lnSpc>
-              <a:spcBef>
-                <a:spcPct val="20000"/>
-              </a:spcBef>
-              <a:spcAft>
-                <a:spcPct val="0"/>
-              </a:spcAft>
-              <a:buClr>
-                <a:schemeClr val="hlink"/>
-              </a:buClr>
-              <a:buSzPct val="60000"/>
-              <a:buFont typeface="Arial Narrow" pitchFamily="34" charset="0"/>
-              <a:buNone/>
-              <a:tabLst/>
-            </a:pPr>
-            <a:r>
-              <a:rPr kumimoji="0" lang="en-US" sz="1300" b="1" i="0" u="none" strike="noStrike" cap="none" normalizeH="0" baseline="0">
-                <a:ln>
-                  <a:noFill/>
-                </a:ln>
-                <a:solidFill>
-                  <a:schemeClr val="tx1"/>
-                </a:solidFill>
-                <a:effectLst/>
-                <a:latin typeface="Arial" charset="0"/>
-              </a:rPr>
-              <a:t>p-</a:t>
-            </a:r>
-            <a:r>
-              <a:rPr kumimoji="0" lang="en-US" sz="1300" b="1" i="0" u="none" strike="noStrike" cap="none" normalizeH="0" baseline="0" err="1">
-                <a:ln>
-                  <a:noFill/>
-                </a:ln>
-                <a:solidFill>
-                  <a:schemeClr val="tx1"/>
-                </a:solidFill>
-                <a:effectLst/>
-                <a:latin typeface="Arial" charset="0"/>
-              </a:rPr>
-              <a:t>mysql</a:t>
-            </a:r>
-            <a:r>
-              <a:rPr kumimoji="0" lang="en-US" sz="1400" b="1" i="0" u="none" strike="noStrike" cap="none" normalizeH="0" baseline="0">
-                <a:ln>
-                  <a:noFill/>
-                </a:ln>
-                <a:solidFill>
-                  <a:schemeClr val="tx1"/>
-                </a:solidFill>
-                <a:effectLst/>
-                <a:latin typeface="Arial" charset="0"/>
-              </a:rPr>
-              <a:t> </a:t>
-            </a:r>
-          </a:p>
-        </p:txBody>
-      </p:sp>
-      <p:cxnSp>
-        <p:nvCxnSpPr>
-          <p:cNvPr id="60" name="Straight Arrow Connector 59">
-            <a:extLst>
-              <a:ext uri="{FF2B5EF4-FFF2-40B4-BE49-F238E27FC236}">
-                <a16:creationId xmlns:a16="http://schemas.microsoft.com/office/drawing/2014/main" id="{255D9C90-7218-431C-B310-43ED35408785}"/>
-              </a:ext>
-            </a:extLst>
-          </p:cNvPr>
-          <p:cNvCxnSpPr>
-            <a:cxnSpLocks/>
-          </p:cNvCxnSpPr>
-          <p:nvPr/>
-        </p:nvCxnSpPr>
-        <p:spPr bwMode="auto">
-          <a:xfrm flipV="1">
-            <a:off x="5479650" y="2730833"/>
-            <a:ext cx="1752277" cy="300165"/>
-          </a:xfrm>
-          <a:prstGeom prst="straightConnector1">
-            <a:avLst/>
-          </a:prstGeom>
-          <a:ln>
-            <a:headEnd type="none" w="med" len="med"/>
-            <a:tailEnd type="triangle"/>
-          </a:ln>
-        </p:spPr>
-        <p:style>
-          <a:lnRef idx="3">
-            <a:schemeClr val="accent5"/>
-          </a:lnRef>
-          <a:fillRef idx="0">
-            <a:schemeClr val="accent5"/>
-          </a:fillRef>
-          <a:effectRef idx="2">
-            <a:schemeClr val="accent5"/>
-          </a:effectRef>
-          <a:fontRef idx="minor">
-            <a:schemeClr val="tx1"/>
-          </a:fontRef>
-        </p:style>
-      </p:cxnSp>
       <p:cxnSp>
         <p:nvCxnSpPr>
           <p:cNvPr id="61" name="Straight Arrow Connector 60">
@@ -27787,7 +31037,7 @@
 </p:sld>
 </file>
 
-<file path=ppt/slides/slide6.xml><?xml version="1.0" encoding="utf-8"?>
+<file path=ppt/slides/slide8.xml><?xml version="1.0" encoding="utf-8"?>
 <p:sld xmlns:a="http://schemas.openxmlformats.org/drawingml/2006/main" xmlns:r="http://schemas.openxmlformats.org/officeDocument/2006/relationships" xmlns:p="http://schemas.openxmlformats.org/presentationml/2006/main">
   <p:cSld>
     <p:spTree>
@@ -27806,6 +31056,82 @@
       </p:grpSpPr>
       <p:sp>
         <p:nvSpPr>
+          <p:cNvPr id="57" name="Rectangle 56"/>
+          <p:cNvSpPr/>
+          <p:nvPr/>
+        </p:nvSpPr>
+        <p:spPr bwMode="auto">
+          <a:xfrm>
+            <a:off x="5337395" y="414811"/>
+            <a:ext cx="6431824" cy="2796718"/>
+          </a:xfrm>
+          <a:prstGeom prst="rect">
+            <a:avLst/>
+          </a:prstGeom>
+          <a:solidFill>
+            <a:schemeClr val="accent1">
+              <a:lumMod val="20000"/>
+              <a:lumOff val="80000"/>
+            </a:schemeClr>
+          </a:solidFill>
+          <a:ln>
+            <a:headEnd type="none" w="med" len="med"/>
+            <a:tailEnd type="none" w="med" len="med"/>
+          </a:ln>
+        </p:spPr>
+        <p:style>
+          <a:lnRef idx="1">
+            <a:schemeClr val="accent1"/>
+          </a:lnRef>
+          <a:fillRef idx="2">
+            <a:schemeClr val="accent1"/>
+          </a:fillRef>
+          <a:effectRef idx="1">
+            <a:schemeClr val="accent1"/>
+          </a:effectRef>
+          <a:fontRef idx="minor">
+            <a:schemeClr val="dk1"/>
+          </a:fontRef>
+        </p:style>
+        <p:txBody>
+          <a:bodyPr vert="horz" wrap="square" lIns="91440" tIns="45720" rIns="91440" bIns="45720" numCol="1" rtlCol="0" anchor="t" anchorCtr="0" compatLnSpc="1">
+            <a:prstTxWarp prst="textNoShape">
+              <a:avLst/>
+            </a:prstTxWarp>
+            <a:noAutofit/>
+          </a:bodyPr>
+          <a:lstStyle/>
+          <a:p>
+            <a:pPr marL="342900" indent="-342900" algn="ctr" defTabSz="914400" fontAlgn="base">
+              <a:lnSpc>
+                <a:spcPct val="80000"/>
+              </a:lnSpc>
+              <a:spcBef>
+                <a:spcPct val="20000"/>
+              </a:spcBef>
+              <a:spcAft>
+                <a:spcPct val="0"/>
+              </a:spcAft>
+              <a:buClr>
+                <a:srgbClr val="5BBDF9"/>
+              </a:buClr>
+              <a:buSzPct val="60000"/>
+              <a:buFont typeface="Arial Narrow" pitchFamily="34" charset="0"/>
+              <a:buNone/>
+            </a:pPr>
+            <a:r>
+              <a:rPr lang="en-CA" sz="2000" b="1" dirty="0">
+                <a:solidFill>
+                  <a:srgbClr val="000000"/>
+                </a:solidFill>
+              </a:rPr>
+              <a:t>BOSH Lite VM</a:t>
+            </a:r>
+          </a:p>
+        </p:txBody>
+      </p:sp>
+      <p:sp>
+        <p:nvSpPr>
           <p:cNvPr id="75" name="Rectangle 74"/>
           <p:cNvSpPr/>
           <p:nvPr/>
@@ -27813,7 +31139,7 @@
         <p:spPr bwMode="auto">
           <a:xfrm>
             <a:off x="7018211" y="4252112"/>
-            <a:ext cx="2126827" cy="1841039"/>
+            <a:ext cx="4027017" cy="1841039"/>
           </a:xfrm>
           <a:prstGeom prst="rect">
             <a:avLst/>
@@ -27877,82 +31203,6 @@
           </a:p>
         </p:txBody>
       </p:sp>
-      <p:sp>
-        <p:nvSpPr>
-          <p:cNvPr id="86" name="Rectangle 85"/>
-          <p:cNvSpPr/>
-          <p:nvPr/>
-        </p:nvSpPr>
-        <p:spPr bwMode="auto">
-          <a:xfrm>
-            <a:off x="7014502" y="1715525"/>
-            <a:ext cx="2147554" cy="2012448"/>
-          </a:xfrm>
-          <a:prstGeom prst="rect">
-            <a:avLst/>
-          </a:prstGeom>
-          <a:solidFill>
-            <a:schemeClr val="accent1">
-              <a:lumMod val="20000"/>
-              <a:lumOff val="80000"/>
-            </a:schemeClr>
-          </a:solidFill>
-          <a:ln>
-            <a:headEnd type="none" w="med" len="med"/>
-            <a:tailEnd type="none" w="med" len="med"/>
-          </a:ln>
-        </p:spPr>
-        <p:style>
-          <a:lnRef idx="1">
-            <a:schemeClr val="accent1"/>
-          </a:lnRef>
-          <a:fillRef idx="2">
-            <a:schemeClr val="accent1"/>
-          </a:fillRef>
-          <a:effectRef idx="1">
-            <a:schemeClr val="accent1"/>
-          </a:effectRef>
-          <a:fontRef idx="minor">
-            <a:schemeClr val="dk1"/>
-          </a:fontRef>
-        </p:style>
-        <p:txBody>
-          <a:bodyPr vert="horz" wrap="square" lIns="91440" tIns="45720" rIns="91440" bIns="45720" numCol="1" rtlCol="0" anchor="t" anchorCtr="0" compatLnSpc="1">
-            <a:prstTxWarp prst="textNoShape">
-              <a:avLst/>
-            </a:prstTxWarp>
-            <a:noAutofit/>
-          </a:bodyPr>
-          <a:lstStyle/>
-          <a:p>
-            <a:pPr marL="342900" indent="-342900" algn="ctr" defTabSz="914400" fontAlgn="base">
-              <a:lnSpc>
-                <a:spcPct val="80000"/>
-              </a:lnSpc>
-              <a:spcBef>
-                <a:spcPct val="20000"/>
-              </a:spcBef>
-              <a:spcAft>
-                <a:spcPct val="0"/>
-              </a:spcAft>
-              <a:buClr>
-                <a:srgbClr val="5BBDF9"/>
-              </a:buClr>
-              <a:buSzPct val="60000"/>
-              <a:buFont typeface="Arial Narrow" pitchFamily="34" charset="0"/>
-              <a:buNone/>
-            </a:pPr>
-            <a:r>
-              <a:rPr lang="en-CA" sz="2000" b="1">
-                <a:solidFill>
-                  <a:srgbClr val="000000"/>
-                </a:solidFill>
-              </a:rPr>
-              <a:t>CF Deployment</a:t>
-            </a:r>
-          </a:p>
-        </p:txBody>
-      </p:sp>
       <p:cxnSp>
         <p:nvCxnSpPr>
           <p:cNvPr id="103" name="Straight Arrow Connector 102"/>
@@ -27978,285 +31228,6 @@
           <a:effectLst/>
         </p:spPr>
       </p:cxnSp>
-      <p:sp>
-        <p:nvSpPr>
-          <p:cNvPr id="57" name="Rectangle 56"/>
-          <p:cNvSpPr/>
-          <p:nvPr/>
-        </p:nvSpPr>
-        <p:spPr bwMode="auto">
-          <a:xfrm>
-            <a:off x="9531934" y="1704188"/>
-            <a:ext cx="1999124" cy="2023785"/>
-          </a:xfrm>
-          <a:prstGeom prst="rect">
-            <a:avLst/>
-          </a:prstGeom>
-          <a:solidFill>
-            <a:schemeClr val="accent1">
-              <a:lumMod val="20000"/>
-              <a:lumOff val="80000"/>
-            </a:schemeClr>
-          </a:solidFill>
-          <a:ln>
-            <a:headEnd type="none" w="med" len="med"/>
-            <a:tailEnd type="none" w="med" len="med"/>
-          </a:ln>
-        </p:spPr>
-        <p:style>
-          <a:lnRef idx="1">
-            <a:schemeClr val="accent1"/>
-          </a:lnRef>
-          <a:fillRef idx="2">
-            <a:schemeClr val="accent1"/>
-          </a:fillRef>
-          <a:effectRef idx="1">
-            <a:schemeClr val="accent1"/>
-          </a:effectRef>
-          <a:fontRef idx="minor">
-            <a:schemeClr val="dk1"/>
-          </a:fontRef>
-        </p:style>
-        <p:txBody>
-          <a:bodyPr vert="horz" wrap="square" lIns="91440" tIns="45720" rIns="91440" bIns="45720" numCol="1" rtlCol="0" anchor="t" anchorCtr="0" compatLnSpc="1">
-            <a:prstTxWarp prst="textNoShape">
-              <a:avLst/>
-            </a:prstTxWarp>
-            <a:noAutofit/>
-          </a:bodyPr>
-          <a:lstStyle/>
-          <a:p>
-            <a:pPr marL="342900" indent="-342900" algn="ctr" defTabSz="914400" fontAlgn="base">
-              <a:lnSpc>
-                <a:spcPct val="80000"/>
-              </a:lnSpc>
-              <a:spcBef>
-                <a:spcPct val="20000"/>
-              </a:spcBef>
-              <a:spcAft>
-                <a:spcPct val="0"/>
-              </a:spcAft>
-              <a:buClr>
-                <a:srgbClr val="5BBDF9"/>
-              </a:buClr>
-              <a:buSzPct val="60000"/>
-              <a:buFont typeface="Arial Narrow" pitchFamily="34" charset="0"/>
-              <a:buNone/>
-            </a:pPr>
-            <a:r>
-              <a:rPr lang="en-CA" sz="2000" b="1" dirty="0">
-                <a:solidFill>
-                  <a:srgbClr val="000000"/>
-                </a:solidFill>
-              </a:rPr>
-              <a:t>BOSH Lite VM</a:t>
-            </a:r>
-          </a:p>
-        </p:txBody>
-      </p:sp>
-      <p:grpSp>
-        <p:nvGrpSpPr>
-          <p:cNvPr id="59" name="Group 58"/>
-          <p:cNvGrpSpPr/>
-          <p:nvPr/>
-        </p:nvGrpSpPr>
-        <p:grpSpPr>
-          <a:xfrm>
-            <a:off x="7519723" y="2203083"/>
-            <a:ext cx="1171599" cy="1171599"/>
-            <a:chOff x="10438103" y="3127870"/>
-            <a:chExt cx="593901" cy="593901"/>
-          </a:xfrm>
-        </p:grpSpPr>
-        <p:pic>
-          <p:nvPicPr>
-            <p:cNvPr id="60" name="Picture 59"/>
-            <p:cNvPicPr>
-              <a:picLocks noChangeAspect="1"/>
-            </p:cNvPicPr>
-            <p:nvPr/>
-          </p:nvPicPr>
-          <p:blipFill>
-            <a:blip r:embed="rId3" cstate="print">
-              <a:extLst>
-                <a:ext uri="{28A0092B-C50C-407E-A947-70E740481C1C}">
-                  <a14:useLocalDpi xmlns:a14="http://schemas.microsoft.com/office/drawing/2010/main"/>
-                </a:ext>
-              </a:extLst>
-            </a:blip>
-            <a:stretch>
-              <a:fillRect/>
-            </a:stretch>
-          </p:blipFill>
-          <p:spPr>
-            <a:xfrm>
-              <a:off x="10438103" y="3127870"/>
-              <a:ext cx="593901" cy="593901"/>
-            </a:xfrm>
-            <a:prstGeom prst="rect">
-              <a:avLst/>
-            </a:prstGeom>
-          </p:spPr>
-        </p:pic>
-        <p:sp>
-          <p:nvSpPr>
-            <p:cNvPr id="61" name="Oval 60"/>
-            <p:cNvSpPr/>
-            <p:nvPr/>
-          </p:nvSpPr>
-          <p:spPr bwMode="auto">
-            <a:xfrm>
-              <a:off x="10475122" y="3155649"/>
-              <a:ext cx="517525" cy="531851"/>
-            </a:xfrm>
-            <a:prstGeom prst="ellipse">
-              <a:avLst/>
-            </a:prstGeom>
-            <a:solidFill>
-              <a:schemeClr val="bg1"/>
-            </a:solidFill>
-            <a:ln w="9525" cap="flat" cmpd="sng" algn="ctr">
-              <a:noFill/>
-              <a:prstDash val="solid"/>
-              <a:round/>
-              <a:headEnd type="none" w="med" len="med"/>
-              <a:tailEnd type="none" w="med" len="med"/>
-            </a:ln>
-            <a:effectLst/>
-          </p:spPr>
-          <p:txBody>
-            <a:bodyPr vert="horz" wrap="none" lIns="91440" tIns="45720" rIns="91440" bIns="45720" numCol="1" rtlCol="0" anchor="ctr" anchorCtr="0" compatLnSpc="1">
-              <a:prstTxWarp prst="textNoShape">
-                <a:avLst/>
-              </a:prstTxWarp>
-              <a:noAutofit/>
-            </a:bodyPr>
-            <a:lstStyle/>
-            <a:p>
-              <a:pPr marL="342900" marR="0" indent="-342900" algn="ctr" defTabSz="914400" rtl="0" eaLnBrk="1" fontAlgn="base" latinLnBrk="0" hangingPunct="1">
-                <a:lnSpc>
-                  <a:spcPct val="80000"/>
-                </a:lnSpc>
-                <a:spcBef>
-                  <a:spcPct val="20000"/>
-                </a:spcBef>
-                <a:spcAft>
-                  <a:spcPct val="0"/>
-                </a:spcAft>
-                <a:buClr>
-                  <a:schemeClr val="hlink"/>
-                </a:buClr>
-                <a:buSzPct val="60000"/>
-                <a:buFont typeface="Arial Narrow" pitchFamily="34" charset="0"/>
-                <a:buNone/>
-                <a:tabLst/>
-              </a:pPr>
-              <a:r>
-                <a:rPr kumimoji="0" lang="en-CA" sz="1600" i="0" u="none" strike="noStrike" cap="none" normalizeH="0" baseline="0" dirty="0">
-                  <a:ln>
-                    <a:noFill/>
-                  </a:ln>
-                  <a:solidFill>
-                    <a:schemeClr val="tx1"/>
-                  </a:solidFill>
-                  <a:effectLst/>
-                  <a:latin typeface="Arial" charset="0"/>
-                </a:rPr>
-                <a:t>Solace</a:t>
-              </a:r>
-            </a:p>
-            <a:p>
-              <a:pPr marL="342900" marR="0" indent="-342900" algn="ctr" defTabSz="914400" rtl="0" eaLnBrk="1" fontAlgn="base" latinLnBrk="0" hangingPunct="1">
-                <a:lnSpc>
-                  <a:spcPct val="80000"/>
-                </a:lnSpc>
-                <a:spcBef>
-                  <a:spcPct val="20000"/>
-                </a:spcBef>
-                <a:spcAft>
-                  <a:spcPct val="0"/>
-                </a:spcAft>
-                <a:buClr>
-                  <a:schemeClr val="hlink"/>
-                </a:buClr>
-                <a:buSzPct val="60000"/>
-                <a:buFont typeface="Arial Narrow" pitchFamily="34" charset="0"/>
-                <a:buNone/>
-                <a:tabLst/>
-              </a:pPr>
-              <a:r>
-                <a:rPr lang="en-CA" sz="1600" dirty="0">
-                  <a:latin typeface="Arial" charset="0"/>
-                </a:rPr>
-                <a:t>Service</a:t>
-              </a:r>
-            </a:p>
-            <a:p>
-              <a:pPr marL="342900" marR="0" indent="-342900" algn="ctr" defTabSz="914400" rtl="0" eaLnBrk="1" fontAlgn="base" latinLnBrk="0" hangingPunct="1">
-                <a:lnSpc>
-                  <a:spcPct val="80000"/>
-                </a:lnSpc>
-                <a:spcBef>
-                  <a:spcPct val="20000"/>
-                </a:spcBef>
-                <a:spcAft>
-                  <a:spcPct val="0"/>
-                </a:spcAft>
-                <a:buClr>
-                  <a:schemeClr val="hlink"/>
-                </a:buClr>
-                <a:buSzPct val="60000"/>
-                <a:buFont typeface="Arial Narrow" pitchFamily="34" charset="0"/>
-                <a:buNone/>
-                <a:tabLst/>
-              </a:pPr>
-              <a:r>
-                <a:rPr kumimoji="0" lang="en-CA" sz="1600" i="0" u="none" strike="noStrike" cap="none" normalizeH="0" baseline="0" dirty="0">
-                  <a:ln>
-                    <a:noFill/>
-                  </a:ln>
-                  <a:solidFill>
-                    <a:schemeClr val="tx1"/>
-                  </a:solidFill>
-                  <a:effectLst/>
-                  <a:latin typeface="Arial" charset="0"/>
-                </a:rPr>
-                <a:t>Broker</a:t>
-              </a:r>
-            </a:p>
-          </p:txBody>
-        </p:sp>
-      </p:grpSp>
-      <p:pic>
-        <p:nvPicPr>
-          <p:cNvPr id="62" name="Picture 61"/>
-          <p:cNvPicPr>
-            <a:picLocks noChangeAspect="1"/>
-          </p:cNvPicPr>
-          <p:nvPr/>
-        </p:nvPicPr>
-        <p:blipFill>
-          <a:blip r:embed="rId3" cstate="print">
-            <a:extLst>
-              <a:ext uri="{28A0092B-C50C-407E-A947-70E740481C1C}">
-                <a14:useLocalDpi xmlns:a14="http://schemas.microsoft.com/office/drawing/2010/main"/>
-              </a:ext>
-            </a:extLst>
-          </a:blip>
-          <a:stretch>
-            <a:fillRect/>
-          </a:stretch>
-        </p:blipFill>
-        <p:spPr>
-          <a:xfrm>
-            <a:off x="9933949" y="2250563"/>
-            <a:ext cx="1167694" cy="1167694"/>
-          </a:xfrm>
-          <a:prstGeom prst="rect">
-            <a:avLst/>
-          </a:prstGeom>
-        </p:spPr>
-      </p:pic>
       <p:grpSp>
         <p:nvGrpSpPr>
           <p:cNvPr id="3" name="Group 2"/>
@@ -28265,8 +31236,8 @@
         </p:nvGrpSpPr>
         <p:grpSpPr>
           <a:xfrm>
-            <a:off x="4355494" y="4346936"/>
-            <a:ext cx="1919409" cy="1579809"/>
+            <a:off x="3826510" y="4346936"/>
+            <a:ext cx="2448393" cy="1579809"/>
             <a:chOff x="2997629" y="2156466"/>
             <a:chExt cx="1919409" cy="1579809"/>
           </a:xfrm>
@@ -28359,7 +31330,7 @@
             <p:nvPr/>
           </p:nvPicPr>
           <p:blipFill>
-            <a:blip r:embed="rId4" cstate="screen">
+            <a:blip r:embed="rId3" cstate="screen">
               <a:extLst>
                 <a:ext uri="{28A0092B-C50C-407E-A947-70E740481C1C}">
                   <a14:useLocalDpi xmlns:a14="http://schemas.microsoft.com/office/drawing/2010/main"/>
@@ -28418,13 +31389,16 @@
       <p:cxnSp>
         <p:nvCxnSpPr>
           <p:cNvPr id="70" name="Straight Arrow Connector 69"/>
-          <p:cNvCxnSpPr/>
+          <p:cNvCxnSpPr>
+            <a:cxnSpLocks/>
+            <a:stCxn id="136" idx="0"/>
+          </p:cNvCxnSpPr>
           <p:nvPr/>
         </p:nvCxnSpPr>
         <p:spPr bwMode="auto">
           <a:xfrm flipH="1" flipV="1">
-            <a:off x="8103216" y="3489924"/>
-            <a:ext cx="27256" cy="822791"/>
+            <a:off x="7859725" y="3001870"/>
+            <a:ext cx="254410" cy="814808"/>
           </a:xfrm>
           <a:prstGeom prst="straightConnector1">
             <a:avLst/>
@@ -28599,7 +31573,7 @@
             <p:nvPr/>
           </p:nvPicPr>
           <p:blipFill>
-            <a:blip r:embed="rId3" cstate="print">
+            <a:blip r:embed="rId4" cstate="print">
               <a:extLst>
                 <a:ext uri="{28A0092B-C50C-407E-A947-70E740481C1C}">
                   <a14:useLocalDpi xmlns:a14="http://schemas.microsoft.com/office/drawing/2010/main"/>
@@ -28749,145 +31723,100 @@
           </p:txBody>
         </p:sp>
       </p:grpSp>
-      <p:grpSp>
-        <p:nvGrpSpPr>
-          <p:cNvPr id="11" name="Group 10"/>
-          <p:cNvGrpSpPr/>
+      <p:sp>
+        <p:nvSpPr>
+          <p:cNvPr id="126" name="Rectangle 125"/>
+          <p:cNvSpPr/>
           <p:nvPr/>
-        </p:nvGrpSpPr>
-        <p:grpSpPr>
-          <a:xfrm>
-            <a:off x="7889403" y="4940176"/>
-            <a:ext cx="590410" cy="524361"/>
-            <a:chOff x="9753600" y="5620662"/>
-            <a:chExt cx="590410" cy="524361"/>
-          </a:xfrm>
-        </p:grpSpPr>
-        <p:sp>
-          <p:nvSpPr>
-            <p:cNvPr id="126" name="Rectangle 125"/>
-            <p:cNvSpPr/>
-            <p:nvPr/>
-          </p:nvSpPr>
-          <p:spPr bwMode="auto">
-            <a:xfrm>
-              <a:off x="9753600" y="5620662"/>
-              <a:ext cx="590410" cy="524361"/>
-            </a:xfrm>
-            <a:prstGeom prst="rect">
+        </p:nvSpPr>
+        <p:spPr bwMode="auto">
+          <a:xfrm>
+            <a:off x="9245081" y="4926071"/>
+            <a:ext cx="1331782" cy="524361"/>
+          </a:xfrm>
+          <a:prstGeom prst="rect">
+            <a:avLst/>
+          </a:prstGeom>
+          <a:ln w="3175">
+            <a:solidFill>
+              <a:schemeClr val="accent1"/>
+            </a:solidFill>
+            <a:headEnd type="none" w="med" len="med"/>
+            <a:tailEnd type="none" w="med" len="med"/>
+          </a:ln>
+        </p:spPr>
+        <p:style>
+          <a:lnRef idx="2">
+            <a:schemeClr val="accent1">
+              <a:shade val="50000"/>
+            </a:schemeClr>
+          </a:lnRef>
+          <a:fillRef idx="1">
+            <a:schemeClr val="accent1"/>
+          </a:fillRef>
+          <a:effectRef idx="0">
+            <a:schemeClr val="accent1"/>
+          </a:effectRef>
+          <a:fontRef idx="minor">
+            <a:schemeClr val="lt1"/>
+          </a:fontRef>
+        </p:style>
+        <p:txBody>
+          <a:bodyPr vert="horz" wrap="none" lIns="91440" tIns="45720" rIns="91440" bIns="45720" numCol="1" rtlCol="0" anchor="t" anchorCtr="0" compatLnSpc="1">
+            <a:prstTxWarp prst="textNoShape">
               <a:avLst/>
-            </a:prstGeom>
-            <a:ln w="3175">
-              <a:solidFill>
-                <a:schemeClr val="accent1"/>
-              </a:solidFill>
-              <a:headEnd type="none" w="med" len="med"/>
-              <a:tailEnd type="none" w="med" len="med"/>
-            </a:ln>
-          </p:spPr>
-          <p:style>
-            <a:lnRef idx="2">
-              <a:schemeClr val="accent1">
-                <a:shade val="50000"/>
-              </a:schemeClr>
-            </a:lnRef>
-            <a:fillRef idx="1">
-              <a:schemeClr val="accent1"/>
-            </a:fillRef>
-            <a:effectRef idx="0">
-              <a:schemeClr val="accent1"/>
-            </a:effectRef>
-            <a:fontRef idx="minor">
-              <a:schemeClr val="lt1"/>
-            </a:fontRef>
-          </p:style>
-          <p:txBody>
-            <a:bodyPr vert="horz" wrap="none" lIns="91440" tIns="45720" rIns="91440" bIns="45720" numCol="1" rtlCol="0" anchor="t" anchorCtr="0" compatLnSpc="1">
-              <a:prstTxWarp prst="textNoShape">
-                <a:avLst/>
-              </a:prstTxWarp>
-              <a:noAutofit/>
-            </a:bodyPr>
-            <a:lstStyle/>
-            <a:p>
-              <a:pPr marL="342900" marR="0" indent="-342900" algn="ctr" defTabSz="914400" rtl="0" eaLnBrk="1" fontAlgn="base" latinLnBrk="0" hangingPunct="1">
-                <a:lnSpc>
-                  <a:spcPct val="80000"/>
-                </a:lnSpc>
-                <a:spcBef>
-                  <a:spcPct val="20000"/>
-                </a:spcBef>
-                <a:spcAft>
-                  <a:spcPct val="0"/>
-                </a:spcAft>
-                <a:buClr>
-                  <a:schemeClr val="hlink"/>
-                </a:buClr>
-                <a:buSzPct val="60000"/>
-                <a:buFont typeface="Arial Narrow" pitchFamily="34" charset="0"/>
-                <a:buNone/>
-                <a:tabLst/>
-              </a:pPr>
-              <a:r>
-                <a:rPr kumimoji="0" lang="en-CA" sz="400" i="0" u="none" strike="noStrike" cap="none" normalizeH="0" baseline="0" dirty="0">
-                  <a:ln>
-                    <a:noFill/>
-                  </a:ln>
-                  <a:solidFill>
-                    <a:schemeClr val="bg1"/>
-                  </a:solidFill>
-                  <a:effectLst/>
-                  <a:latin typeface="Arial" charset="0"/>
-                </a:rPr>
-                <a:t>BOSH VMR</a:t>
-              </a:r>
-              <a:r>
-                <a:rPr kumimoji="0" lang="en-CA" sz="400" i="0" u="none" strike="noStrike" cap="none" normalizeH="0" dirty="0">
-                  <a:ln>
-                    <a:noFill/>
-                  </a:ln>
-                  <a:solidFill>
-                    <a:schemeClr val="bg1"/>
-                  </a:solidFill>
-                  <a:effectLst/>
-                  <a:latin typeface="Arial" charset="0"/>
-                </a:rPr>
-                <a:t> Release</a:t>
-              </a:r>
-            </a:p>
-          </p:txBody>
-        </p:sp>
-        <p:pic>
-          <p:nvPicPr>
-            <p:cNvPr id="123" name="Picture 122"/>
-            <p:cNvPicPr>
-              <a:picLocks noChangeAspect="1"/>
-            </p:cNvPicPr>
-            <p:nvPr/>
-          </p:nvPicPr>
-          <p:blipFill>
-            <a:blip r:embed="rId3" cstate="print">
-              <a:extLst>
-                <a:ext uri="{28A0092B-C50C-407E-A947-70E740481C1C}">
-                  <a14:useLocalDpi xmlns:a14="http://schemas.microsoft.com/office/drawing/2010/main"/>
-                </a:ext>
-              </a:extLst>
-            </a:blip>
-            <a:stretch>
-              <a:fillRect/>
-            </a:stretch>
-          </p:blipFill>
-          <p:spPr>
-            <a:xfrm>
-              <a:off x="9871252" y="5752866"/>
-              <a:ext cx="355106" cy="355106"/>
-            </a:xfrm>
-            <a:prstGeom prst="rect">
-              <a:avLst/>
-            </a:prstGeom>
-          </p:spPr>
-        </p:pic>
-      </p:grpSp>
+            </a:prstTxWarp>
+            <a:noAutofit/>
+          </a:bodyPr>
+          <a:lstStyle/>
+          <a:p>
+            <a:pPr marL="342900" marR="0" indent="-342900" algn="ctr" defTabSz="914400" rtl="0" eaLnBrk="1" fontAlgn="base" latinLnBrk="0" hangingPunct="1">
+              <a:lnSpc>
+                <a:spcPct val="80000"/>
+              </a:lnSpc>
+              <a:spcBef>
+                <a:spcPct val="20000"/>
+              </a:spcBef>
+              <a:spcAft>
+                <a:spcPct val="0"/>
+              </a:spcAft>
+              <a:buClr>
+                <a:schemeClr val="hlink"/>
+              </a:buClr>
+              <a:buSzPct val="60000"/>
+              <a:buFont typeface="Arial Narrow" pitchFamily="34" charset="0"/>
+              <a:buNone/>
+              <a:tabLst/>
+            </a:pPr>
+            <a:r>
+              <a:rPr kumimoji="0" lang="en-CA" sz="400" i="0" u="none" strike="noStrike" cap="none" normalizeH="0" baseline="0" dirty="0">
+                <a:ln>
+                  <a:noFill/>
+                </a:ln>
+                <a:solidFill>
+                  <a:schemeClr val="bg1"/>
+                </a:solidFill>
+                <a:effectLst/>
+                <a:latin typeface="Arial" charset="0"/>
+              </a:rPr>
+              <a:t>BOSH Solace</a:t>
+            </a:r>
+            <a:r>
+              <a:rPr kumimoji="0" lang="en-CA" sz="400" i="0" u="none" strike="noStrike" cap="none" normalizeH="0" dirty="0">
+                <a:ln>
+                  <a:noFill/>
+                </a:ln>
+                <a:solidFill>
+                  <a:schemeClr val="bg1"/>
+                </a:solidFill>
+                <a:effectLst/>
+                <a:latin typeface="Arial" charset="0"/>
+              </a:rPr>
+              <a:t> Release</a:t>
+            </a:r>
+          </a:p>
+        </p:txBody>
+      </p:sp>
       <p:cxnSp>
         <p:nvCxnSpPr>
           <p:cNvPr id="127" name="Straight Arrow Connector 126"/>
@@ -28925,13 +31854,15 @@
       <p:cxnSp>
         <p:nvCxnSpPr>
           <p:cNvPr id="133" name="Straight Arrow Connector 132"/>
-          <p:cNvCxnSpPr/>
+          <p:cNvCxnSpPr>
+            <a:cxnSpLocks/>
+          </p:cNvCxnSpPr>
           <p:nvPr/>
         </p:nvCxnSpPr>
         <p:spPr bwMode="auto">
           <a:xfrm>
             <a:off x="7257744" y="5104979"/>
-            <a:ext cx="631659" cy="3508"/>
+            <a:ext cx="1940866" cy="4711"/>
           </a:xfrm>
           <a:prstGeom prst="straightConnector1">
             <a:avLst/>
@@ -29086,13 +32017,15 @@
       <p:cxnSp>
         <p:nvCxnSpPr>
           <p:cNvPr id="137" name="Straight Arrow Connector 136"/>
-          <p:cNvCxnSpPr/>
+          <p:cNvCxnSpPr>
+            <a:cxnSpLocks/>
+          </p:cNvCxnSpPr>
           <p:nvPr/>
         </p:nvCxnSpPr>
         <p:spPr bwMode="auto">
           <a:xfrm flipV="1">
-            <a:off x="8564000" y="3380299"/>
-            <a:ext cx="1589628" cy="1532234"/>
+            <a:off x="9971005" y="2153541"/>
+            <a:ext cx="506139" cy="2632104"/>
           </a:xfrm>
           <a:prstGeom prst="straightConnector1">
             <a:avLst/>
@@ -29125,7 +32058,7 @@
         </p:nvGrpSpPr>
         <p:grpSpPr>
           <a:xfrm>
-            <a:off x="9221185" y="4098822"/>
+            <a:off x="10033252" y="3533650"/>
             <a:ext cx="318324" cy="369332"/>
             <a:chOff x="2790018" y="5090145"/>
             <a:chExt cx="318324" cy="369332"/>
@@ -29290,7 +32223,7 @@
         </p:blipFill>
         <p:spPr>
           <a:xfrm>
-            <a:off x="2092589" y="5109717"/>
+            <a:off x="1696560" y="5089913"/>
             <a:ext cx="1575804" cy="386375"/>
           </a:xfrm>
           <a:prstGeom prst="rect">
@@ -29301,13 +32234,15 @@
       <p:cxnSp>
         <p:nvCxnSpPr>
           <p:cNvPr id="142" name="Straight Arrow Connector 141"/>
-          <p:cNvCxnSpPr/>
+          <p:cNvCxnSpPr>
+            <a:cxnSpLocks/>
+          </p:cNvCxnSpPr>
           <p:nvPr/>
         </p:nvCxnSpPr>
         <p:spPr bwMode="auto">
           <a:xfrm>
             <a:off x="1243474" y="4568800"/>
-            <a:ext cx="768812" cy="633556"/>
+            <a:ext cx="496232" cy="388241"/>
           </a:xfrm>
           <a:prstGeom prst="straightConnector1">
             <a:avLst/>
@@ -29340,7 +32275,7 @@
         </p:nvCxnSpPr>
         <p:spPr bwMode="auto">
           <a:xfrm>
-            <a:off x="3792356" y="5266425"/>
+            <a:off x="3304323" y="5261475"/>
             <a:ext cx="490228" cy="4950"/>
           </a:xfrm>
           <a:prstGeom prst="straightConnector1">
@@ -29374,7 +32309,7 @@
         </p:nvSpPr>
         <p:spPr>
           <a:xfrm>
-            <a:off x="4456362" y="5136840"/>
+            <a:off x="3977436" y="5062919"/>
             <a:ext cx="1050288" cy="695575"/>
           </a:xfrm>
           <a:prstGeom prst="rect">
@@ -29458,124 +32393,133 @@
           </a:p>
         </p:txBody>
       </p:sp>
+      <p:sp>
+        <p:nvSpPr>
+          <p:cNvPr id="96" name="Rectangle 95"/>
+          <p:cNvSpPr/>
+          <p:nvPr/>
+        </p:nvSpPr>
+        <p:spPr bwMode="auto">
+          <a:xfrm>
+            <a:off x="5361352" y="5333776"/>
+            <a:ext cx="850011" cy="457010"/>
+          </a:xfrm>
+          <a:prstGeom prst="rect">
+            <a:avLst/>
+          </a:prstGeom>
+          <a:ln w="3175">
+            <a:solidFill>
+              <a:schemeClr val="accent1"/>
+            </a:solidFill>
+            <a:headEnd type="none" w="med" len="med"/>
+            <a:tailEnd type="none" w="med" len="med"/>
+          </a:ln>
+        </p:spPr>
+        <p:style>
+          <a:lnRef idx="2">
+            <a:schemeClr val="accent1">
+              <a:shade val="50000"/>
+            </a:schemeClr>
+          </a:lnRef>
+          <a:fillRef idx="1">
+            <a:schemeClr val="accent1"/>
+          </a:fillRef>
+          <a:effectRef idx="0">
+            <a:schemeClr val="accent1"/>
+          </a:effectRef>
+          <a:fontRef idx="minor">
+            <a:schemeClr val="lt1"/>
+          </a:fontRef>
+        </p:style>
+        <p:txBody>
+          <a:bodyPr vert="horz" wrap="none" lIns="91440" tIns="45720" rIns="91440" bIns="45720" numCol="1" rtlCol="0" anchor="t" anchorCtr="0" compatLnSpc="1">
+            <a:prstTxWarp prst="textNoShape">
+              <a:avLst/>
+            </a:prstTxWarp>
+            <a:noAutofit/>
+          </a:bodyPr>
+          <a:lstStyle/>
+          <a:p>
+            <a:pPr marL="342900" marR="0" indent="-342900" algn="ctr" defTabSz="914400" rtl="0" eaLnBrk="1" fontAlgn="base" latinLnBrk="0" hangingPunct="1">
+              <a:lnSpc>
+                <a:spcPct val="80000"/>
+              </a:lnSpc>
+              <a:spcBef>
+                <a:spcPct val="20000"/>
+              </a:spcBef>
+              <a:spcAft>
+                <a:spcPct val="0"/>
+              </a:spcAft>
+              <a:buClr>
+                <a:schemeClr val="hlink"/>
+              </a:buClr>
+              <a:buSzPct val="60000"/>
+              <a:buFont typeface="Arial Narrow" pitchFamily="34" charset="0"/>
+              <a:buNone/>
+              <a:tabLst/>
+            </a:pPr>
+            <a:r>
+              <a:rPr kumimoji="0" lang="en-CA" sz="400" i="0" u="none" strike="noStrike" cap="none" normalizeH="0" baseline="0" dirty="0">
+                <a:ln>
+                  <a:noFill/>
+                </a:ln>
+                <a:solidFill>
+                  <a:schemeClr val="bg1"/>
+                </a:solidFill>
+                <a:effectLst/>
+                <a:latin typeface="Arial" charset="0"/>
+              </a:rPr>
+              <a:t>BOSH </a:t>
+            </a:r>
+            <a:r>
+              <a:rPr lang="en-CA" sz="400" dirty="0">
+                <a:solidFill>
+                  <a:schemeClr val="bg1"/>
+                </a:solidFill>
+                <a:latin typeface="Arial" charset="0"/>
+              </a:rPr>
+              <a:t>Solace</a:t>
+            </a:r>
+            <a:r>
+              <a:rPr kumimoji="0" lang="en-CA" sz="400" i="0" u="none" strike="noStrike" cap="none" normalizeH="0" dirty="0">
+                <a:ln>
+                  <a:noFill/>
+                </a:ln>
+                <a:solidFill>
+                  <a:schemeClr val="bg1"/>
+                </a:solidFill>
+                <a:effectLst/>
+                <a:latin typeface="Arial" charset="0"/>
+              </a:rPr>
+              <a:t> Release</a:t>
+            </a:r>
+          </a:p>
+        </p:txBody>
+      </p:sp>
       <p:grpSp>
         <p:nvGrpSpPr>
-          <p:cNvPr id="95" name="Group 94"/>
+          <p:cNvPr id="98" name="Group 97"/>
           <p:cNvGrpSpPr/>
           <p:nvPr/>
         </p:nvGrpSpPr>
         <p:grpSpPr>
           <a:xfrm>
-            <a:off x="5696788" y="5333776"/>
-            <a:ext cx="514575" cy="457010"/>
-            <a:chOff x="9753600" y="5620662"/>
-            <a:chExt cx="590410" cy="524361"/>
+            <a:off x="5557468" y="4499674"/>
+            <a:ext cx="496055" cy="496055"/>
+            <a:chOff x="10268200" y="2992872"/>
+            <a:chExt cx="593901" cy="593901"/>
           </a:xfrm>
         </p:grpSpPr>
-        <p:sp>
-          <p:nvSpPr>
-            <p:cNvPr id="96" name="Rectangle 95"/>
-            <p:cNvSpPr/>
-            <p:nvPr/>
-          </p:nvSpPr>
-          <p:spPr bwMode="auto">
-            <a:xfrm>
-              <a:off x="9753600" y="5620662"/>
-              <a:ext cx="590410" cy="524361"/>
-            </a:xfrm>
-            <a:prstGeom prst="rect">
-              <a:avLst/>
-            </a:prstGeom>
-            <a:ln w="3175">
-              <a:solidFill>
-                <a:schemeClr val="accent1"/>
-              </a:solidFill>
-              <a:headEnd type="none" w="med" len="med"/>
-              <a:tailEnd type="none" w="med" len="med"/>
-            </a:ln>
-          </p:spPr>
-          <p:style>
-            <a:lnRef idx="2">
-              <a:schemeClr val="accent1">
-                <a:shade val="50000"/>
-              </a:schemeClr>
-            </a:lnRef>
-            <a:fillRef idx="1">
-              <a:schemeClr val="accent1"/>
-            </a:fillRef>
-            <a:effectRef idx="0">
-              <a:schemeClr val="accent1"/>
-            </a:effectRef>
-            <a:fontRef idx="minor">
-              <a:schemeClr val="lt1"/>
-            </a:fontRef>
-          </p:style>
-          <p:txBody>
-            <a:bodyPr vert="horz" wrap="none" lIns="91440" tIns="45720" rIns="91440" bIns="45720" numCol="1" rtlCol="0" anchor="t" anchorCtr="0" compatLnSpc="1">
-              <a:prstTxWarp prst="textNoShape">
-                <a:avLst/>
-              </a:prstTxWarp>
-              <a:noAutofit/>
-            </a:bodyPr>
-            <a:lstStyle/>
-            <a:p>
-              <a:pPr marL="342900" marR="0" indent="-342900" algn="ctr" defTabSz="914400" rtl="0" eaLnBrk="1" fontAlgn="base" latinLnBrk="0" hangingPunct="1">
-                <a:lnSpc>
-                  <a:spcPct val="80000"/>
-                </a:lnSpc>
-                <a:spcBef>
-                  <a:spcPct val="20000"/>
-                </a:spcBef>
-                <a:spcAft>
-                  <a:spcPct val="0"/>
-                </a:spcAft>
-                <a:buClr>
-                  <a:schemeClr val="hlink"/>
-                </a:buClr>
-                <a:buSzPct val="60000"/>
-                <a:buFont typeface="Arial Narrow" pitchFamily="34" charset="0"/>
-                <a:buNone/>
-                <a:tabLst/>
-              </a:pPr>
-              <a:r>
-                <a:rPr kumimoji="0" lang="en-CA" sz="400" i="0" u="none" strike="noStrike" cap="none" normalizeH="0" baseline="0" dirty="0">
-                  <a:ln>
-                    <a:noFill/>
-                  </a:ln>
-                  <a:solidFill>
-                    <a:schemeClr val="bg1"/>
-                  </a:solidFill>
-                  <a:effectLst/>
-                  <a:latin typeface="Arial" charset="0"/>
-                </a:rPr>
-                <a:t>BOSH VMR</a:t>
-              </a:r>
-              <a:r>
-                <a:rPr kumimoji="0" lang="en-CA" sz="400" i="0" u="none" strike="noStrike" cap="none" normalizeH="0" dirty="0">
-                  <a:ln>
-                    <a:noFill/>
-                  </a:ln>
-                  <a:solidFill>
-                    <a:schemeClr val="bg1"/>
-                  </a:solidFill>
-                  <a:effectLst/>
-                  <a:latin typeface="Arial" charset="0"/>
-                </a:rPr>
-                <a:t> Release</a:t>
-              </a:r>
-            </a:p>
-          </p:txBody>
-        </p:sp>
         <p:pic>
           <p:nvPicPr>
-            <p:cNvPr id="97" name="Picture 96"/>
+            <p:cNvPr id="99" name="Picture 98"/>
             <p:cNvPicPr>
               <a:picLocks noChangeAspect="1"/>
             </p:cNvPicPr>
             <p:nvPr/>
           </p:nvPicPr>
           <p:blipFill>
-            <a:blip r:embed="rId3" cstate="print">
+            <a:blip r:embed="rId4" cstate="print">
               <a:extLst>
                 <a:ext uri="{28A0092B-C50C-407E-A947-70E740481C1C}">
                   <a14:useLocalDpi xmlns:a14="http://schemas.microsoft.com/office/drawing/2010/main"/>
@@ -29588,52 +32532,7 @@
           </p:blipFill>
           <p:spPr>
             <a:xfrm>
-              <a:off x="9871252" y="5752866"/>
-              <a:ext cx="355106" cy="355106"/>
-            </a:xfrm>
-            <a:prstGeom prst="rect">
-              <a:avLst/>
-            </a:prstGeom>
-          </p:spPr>
-        </p:pic>
-      </p:grpSp>
-      <p:grpSp>
-        <p:nvGrpSpPr>
-          <p:cNvPr id="98" name="Group 97"/>
-          <p:cNvGrpSpPr/>
-          <p:nvPr/>
-        </p:nvGrpSpPr>
-        <p:grpSpPr>
-          <a:xfrm>
-            <a:off x="5699379" y="4612431"/>
-            <a:ext cx="496055" cy="496055"/>
-            <a:chOff x="10438103" y="3127870"/>
-            <a:chExt cx="593901" cy="593901"/>
-          </a:xfrm>
-        </p:grpSpPr>
-        <p:pic>
-          <p:nvPicPr>
-            <p:cNvPr id="99" name="Picture 98"/>
-            <p:cNvPicPr>
-              <a:picLocks noChangeAspect="1"/>
-            </p:cNvPicPr>
-            <p:nvPr/>
-          </p:nvPicPr>
-          <p:blipFill>
-            <a:blip r:embed="rId3" cstate="print">
-              <a:extLst>
-                <a:ext uri="{28A0092B-C50C-407E-A947-70E740481C1C}">
-                  <a14:useLocalDpi xmlns:a14="http://schemas.microsoft.com/office/drawing/2010/main"/>
-                </a:ext>
-              </a:extLst>
-            </a:blip>
-            <a:stretch>
-              <a:fillRect/>
-            </a:stretch>
-          </p:blipFill>
-          <p:spPr>
-            <a:xfrm>
-              <a:off x="10438103" y="3127870"/>
+              <a:off x="10268200" y="2992872"/>
               <a:ext cx="593901" cy="593901"/>
             </a:xfrm>
             <a:prstGeom prst="rect">
@@ -29649,7 +32548,7 @@
           </p:nvSpPr>
           <p:spPr bwMode="auto">
             <a:xfrm>
-              <a:off x="10475124" y="3155649"/>
+              <a:off x="10304565" y="3015707"/>
               <a:ext cx="517525" cy="531851"/>
             </a:xfrm>
             <a:prstGeom prst="ellipse">
@@ -29778,7 +32677,7 @@
         </p:nvCxnSpPr>
         <p:spPr bwMode="auto">
           <a:xfrm>
-            <a:off x="5628932" y="4426750"/>
+            <a:off x="5292312" y="4385467"/>
             <a:ext cx="0" cy="1439024"/>
           </a:xfrm>
           <a:prstGeom prst="line">
@@ -29811,6 +32710,82 @@
           </a:fontRef>
         </p:style>
       </p:cxnSp>
+      <p:sp>
+        <p:nvSpPr>
+          <p:cNvPr id="86" name="Rectangle 85"/>
+          <p:cNvSpPr/>
+          <p:nvPr/>
+        </p:nvSpPr>
+        <p:spPr bwMode="auto">
+          <a:xfrm>
+            <a:off x="6355190" y="941340"/>
+            <a:ext cx="2589633" cy="2012448"/>
+          </a:xfrm>
+          <a:prstGeom prst="rect">
+            <a:avLst/>
+          </a:prstGeom>
+          <a:solidFill>
+            <a:schemeClr val="accent1">
+              <a:lumMod val="20000"/>
+              <a:lumOff val="80000"/>
+            </a:schemeClr>
+          </a:solidFill>
+          <a:ln>
+            <a:headEnd type="none" w="med" len="med"/>
+            <a:tailEnd type="none" w="med" len="med"/>
+          </a:ln>
+        </p:spPr>
+        <p:style>
+          <a:lnRef idx="1">
+            <a:schemeClr val="accent1"/>
+          </a:lnRef>
+          <a:fillRef idx="2">
+            <a:schemeClr val="accent1"/>
+          </a:fillRef>
+          <a:effectRef idx="1">
+            <a:schemeClr val="accent1"/>
+          </a:effectRef>
+          <a:fontRef idx="minor">
+            <a:schemeClr val="dk1"/>
+          </a:fontRef>
+        </p:style>
+        <p:txBody>
+          <a:bodyPr vert="horz" wrap="square" lIns="91440" tIns="45720" rIns="91440" bIns="45720" numCol="1" rtlCol="0" anchor="t" anchorCtr="0" compatLnSpc="1">
+            <a:prstTxWarp prst="textNoShape">
+              <a:avLst/>
+            </a:prstTxWarp>
+            <a:noAutofit/>
+          </a:bodyPr>
+          <a:lstStyle/>
+          <a:p>
+            <a:pPr marL="342900" indent="-342900" algn="ctr" defTabSz="914400" fontAlgn="base">
+              <a:lnSpc>
+                <a:spcPct val="80000"/>
+              </a:lnSpc>
+              <a:spcBef>
+                <a:spcPct val="20000"/>
+              </a:spcBef>
+              <a:spcAft>
+                <a:spcPct val="0"/>
+              </a:spcAft>
+              <a:buClr>
+                <a:srgbClr val="5BBDF9"/>
+              </a:buClr>
+              <a:buSzPct val="60000"/>
+              <a:buFont typeface="Arial Narrow" pitchFamily="34" charset="0"/>
+              <a:buNone/>
+            </a:pPr>
+            <a:r>
+              <a:rPr lang="en-CA" sz="2000" b="1">
+                <a:solidFill>
+                  <a:srgbClr val="000000"/>
+                </a:solidFill>
+              </a:rPr>
+              <a:t>CF Deployment</a:t>
+            </a:r>
+          </a:p>
+        </p:txBody>
+      </p:sp>
       <p:pic>
         <p:nvPicPr>
           <p:cNvPr id="110" name="Picture 109"/>
@@ -29868,6 +32843,497 @@
           </a:p>
         </p:txBody>
       </p:sp>
+      <p:sp>
+        <p:nvSpPr>
+          <p:cNvPr id="61" name="Oval 60"/>
+          <p:cNvSpPr/>
+          <p:nvPr/>
+        </p:nvSpPr>
+        <p:spPr bwMode="auto">
+          <a:xfrm>
+            <a:off x="7139540" y="1584264"/>
+            <a:ext cx="1020931" cy="1049192"/>
+          </a:xfrm>
+          <a:prstGeom prst="ellipse">
+            <a:avLst/>
+          </a:prstGeom>
+          <a:solidFill>
+            <a:schemeClr val="bg1"/>
+          </a:solidFill>
+          <a:ln w="9525" cap="flat" cmpd="sng" algn="ctr">
+            <a:noFill/>
+            <a:prstDash val="solid"/>
+            <a:round/>
+            <a:headEnd type="none" w="med" len="med"/>
+            <a:tailEnd type="none" w="med" len="med"/>
+          </a:ln>
+          <a:effectLst/>
+        </p:spPr>
+        <p:txBody>
+          <a:bodyPr vert="horz" wrap="none" lIns="91440" tIns="45720" rIns="91440" bIns="45720" numCol="1" rtlCol="0" anchor="ctr" anchorCtr="0" compatLnSpc="1">
+            <a:prstTxWarp prst="textNoShape">
+              <a:avLst/>
+            </a:prstTxWarp>
+            <a:noAutofit/>
+          </a:bodyPr>
+          <a:lstStyle/>
+          <a:p>
+            <a:pPr marL="342900" marR="0" indent="-342900" algn="ctr" defTabSz="914400" rtl="0" eaLnBrk="1" fontAlgn="base" latinLnBrk="0" hangingPunct="1">
+              <a:lnSpc>
+                <a:spcPct val="80000"/>
+              </a:lnSpc>
+              <a:spcBef>
+                <a:spcPct val="20000"/>
+              </a:spcBef>
+              <a:spcAft>
+                <a:spcPct val="0"/>
+              </a:spcAft>
+              <a:buClr>
+                <a:schemeClr val="hlink"/>
+              </a:buClr>
+              <a:buSzPct val="60000"/>
+              <a:buFont typeface="Arial Narrow" pitchFamily="34" charset="0"/>
+              <a:buNone/>
+              <a:tabLst/>
+            </a:pPr>
+            <a:r>
+              <a:rPr kumimoji="0" lang="en-CA" sz="1600" i="0" u="none" strike="noStrike" cap="none" normalizeH="0" baseline="0" dirty="0">
+                <a:ln>
+                  <a:noFill/>
+                </a:ln>
+                <a:solidFill>
+                  <a:schemeClr val="tx1"/>
+                </a:solidFill>
+                <a:effectLst/>
+                <a:latin typeface="Arial" charset="0"/>
+              </a:rPr>
+              <a:t>Solace</a:t>
+            </a:r>
+          </a:p>
+          <a:p>
+            <a:pPr marL="342900" marR="0" indent="-342900" algn="ctr" defTabSz="914400" rtl="0" eaLnBrk="1" fontAlgn="base" latinLnBrk="0" hangingPunct="1">
+              <a:lnSpc>
+                <a:spcPct val="80000"/>
+              </a:lnSpc>
+              <a:spcBef>
+                <a:spcPct val="20000"/>
+              </a:spcBef>
+              <a:spcAft>
+                <a:spcPct val="0"/>
+              </a:spcAft>
+              <a:buClr>
+                <a:schemeClr val="hlink"/>
+              </a:buClr>
+              <a:buSzPct val="60000"/>
+              <a:buFont typeface="Arial Narrow" pitchFamily="34" charset="0"/>
+              <a:buNone/>
+              <a:tabLst/>
+            </a:pPr>
+            <a:r>
+              <a:rPr lang="en-CA" sz="1600" dirty="0">
+                <a:latin typeface="Arial" charset="0"/>
+              </a:rPr>
+              <a:t>Service</a:t>
+            </a:r>
+          </a:p>
+          <a:p>
+            <a:pPr marL="342900" marR="0" indent="-342900" algn="ctr" defTabSz="914400" rtl="0" eaLnBrk="1" fontAlgn="base" latinLnBrk="0" hangingPunct="1">
+              <a:lnSpc>
+                <a:spcPct val="80000"/>
+              </a:lnSpc>
+              <a:spcBef>
+                <a:spcPct val="20000"/>
+              </a:spcBef>
+              <a:spcAft>
+                <a:spcPct val="0"/>
+              </a:spcAft>
+              <a:buClr>
+                <a:schemeClr val="hlink"/>
+              </a:buClr>
+              <a:buSzPct val="60000"/>
+              <a:buFont typeface="Arial Narrow" pitchFamily="34" charset="0"/>
+              <a:buNone/>
+              <a:tabLst/>
+            </a:pPr>
+            <a:r>
+              <a:rPr kumimoji="0" lang="en-CA" sz="1600" i="0" u="none" strike="noStrike" cap="none" normalizeH="0" baseline="0" dirty="0">
+                <a:ln>
+                  <a:noFill/>
+                </a:ln>
+                <a:solidFill>
+                  <a:schemeClr val="tx1"/>
+                </a:solidFill>
+                <a:effectLst/>
+                <a:latin typeface="Arial" charset="0"/>
+              </a:rPr>
+              <a:t>Broker</a:t>
+            </a:r>
+          </a:p>
+        </p:txBody>
+      </p:sp>
+      <p:grpSp>
+        <p:nvGrpSpPr>
+          <p:cNvPr id="48" name="Group 47">
+            <a:extLst>
+              <a:ext uri="{FF2B5EF4-FFF2-40B4-BE49-F238E27FC236}">
+                <a16:creationId xmlns:a16="http://schemas.microsoft.com/office/drawing/2014/main" id="{6AC6FE94-5387-4BB3-A2D4-B33BE0983640}"/>
+              </a:ext>
+            </a:extLst>
+          </p:cNvPr>
+          <p:cNvGrpSpPr/>
+          <p:nvPr/>
+        </p:nvGrpSpPr>
+        <p:grpSpPr>
+          <a:xfrm>
+            <a:off x="9729173" y="1637192"/>
+            <a:ext cx="1413088" cy="370907"/>
+            <a:chOff x="7665720" y="1839457"/>
+            <a:chExt cx="1973816" cy="459593"/>
+          </a:xfrm>
+        </p:grpSpPr>
+        <p:sp>
+          <p:nvSpPr>
+            <p:cNvPr id="49" name="Can 4">
+              <a:extLst>
+                <a:ext uri="{FF2B5EF4-FFF2-40B4-BE49-F238E27FC236}">
+                  <a16:creationId xmlns:a16="http://schemas.microsoft.com/office/drawing/2014/main" id="{0BB35004-EA38-45C0-8742-01F36A40DD21}"/>
+                </a:ext>
+              </a:extLst>
+            </p:cNvPr>
+            <p:cNvSpPr/>
+            <p:nvPr/>
+          </p:nvSpPr>
+          <p:spPr bwMode="auto">
+            <a:xfrm rot="5400000">
+              <a:off x="8422831" y="1082346"/>
+              <a:ext cx="459593" cy="1973816"/>
+            </a:xfrm>
+            <a:prstGeom prst="can">
+              <a:avLst/>
+            </a:prstGeom>
+            <a:solidFill>
+              <a:srgbClr val="E6E6E6"/>
+            </a:solidFill>
+            <a:ln w="9525" cap="flat" cmpd="sng" algn="ctr">
+              <a:solidFill>
+                <a:srgbClr val="F26F26"/>
+              </a:solidFill>
+              <a:prstDash val="solid"/>
+              <a:round/>
+              <a:headEnd type="none" w="med" len="med"/>
+              <a:tailEnd type="none" w="med" len="med"/>
+            </a:ln>
+            <a:effectLst/>
+          </p:spPr>
+          <p:txBody>
+            <a:bodyPr vert="vert270" wrap="square" lIns="0" tIns="0" rIns="0" bIns="0" numCol="1" rtlCol="0" anchor="ctr" anchorCtr="0" compatLnSpc="1">
+              <a:prstTxWarp prst="textNoShape">
+                <a:avLst/>
+              </a:prstTxWarp>
+              <a:noAutofit/>
+            </a:bodyPr>
+            <a:lstStyle/>
+            <a:p>
+              <a:pPr marL="342900" indent="-342900" algn="ctr" defTabSz="914400" fontAlgn="base">
+                <a:lnSpc>
+                  <a:spcPct val="80000"/>
+                </a:lnSpc>
+                <a:spcBef>
+                  <a:spcPct val="20000"/>
+                </a:spcBef>
+                <a:spcAft>
+                  <a:spcPct val="0"/>
+                </a:spcAft>
+                <a:buClr>
+                  <a:srgbClr val="FADF6C"/>
+                </a:buClr>
+                <a:buSzPct val="60000"/>
+                <a:buFont typeface="Arial Narrow" pitchFamily="34" charset="0"/>
+                <a:buNone/>
+              </a:pPr>
+              <a:endParaRPr lang="en-US" sz="900" b="1" dirty="0">
+                <a:solidFill>
+                  <a:srgbClr val="000000"/>
+                </a:solidFill>
+                <a:latin typeface="Calibri" panose="020F0502020204030204" pitchFamily="34" charset="0"/>
+                <a:cs typeface="Calibri" panose="020F0502020204030204" pitchFamily="34" charset="0"/>
+              </a:endParaRPr>
+            </a:p>
+          </p:txBody>
+        </p:sp>
+        <p:pic>
+          <p:nvPicPr>
+            <p:cNvPr id="50" name="Picture 49">
+              <a:extLst>
+                <a:ext uri="{FF2B5EF4-FFF2-40B4-BE49-F238E27FC236}">
+                  <a16:creationId xmlns:a16="http://schemas.microsoft.com/office/drawing/2014/main" id="{2A2AF7F6-F2DF-45A5-AC8F-55815AD061D8}"/>
+                </a:ext>
+              </a:extLst>
+            </p:cNvPr>
+            <p:cNvPicPr>
+              <a:picLocks noChangeAspect="1"/>
+            </p:cNvPicPr>
+            <p:nvPr/>
+          </p:nvPicPr>
+          <p:blipFill>
+            <a:blip r:embed="rId8"/>
+            <a:stretch>
+              <a:fillRect/>
+            </a:stretch>
+          </p:blipFill>
+          <p:spPr>
+            <a:xfrm>
+              <a:off x="8090461" y="1897150"/>
+              <a:ext cx="1088418" cy="304758"/>
+            </a:xfrm>
+            <a:prstGeom prst="rect">
+              <a:avLst/>
+            </a:prstGeom>
+          </p:spPr>
+        </p:pic>
+      </p:grpSp>
+      <p:grpSp>
+        <p:nvGrpSpPr>
+          <p:cNvPr id="51" name="Group 50">
+            <a:extLst>
+              <a:ext uri="{FF2B5EF4-FFF2-40B4-BE49-F238E27FC236}">
+                <a16:creationId xmlns:a16="http://schemas.microsoft.com/office/drawing/2014/main" id="{658F950B-1853-4CDD-8BA2-06FF00515174}"/>
+              </a:ext>
+            </a:extLst>
+          </p:cNvPr>
+          <p:cNvGrpSpPr/>
+          <p:nvPr/>
+        </p:nvGrpSpPr>
+        <p:grpSpPr>
+          <a:xfrm>
+            <a:off x="9417490" y="5079478"/>
+            <a:ext cx="979050" cy="292510"/>
+            <a:chOff x="7665720" y="1839457"/>
+            <a:chExt cx="1973816" cy="459593"/>
+          </a:xfrm>
+        </p:grpSpPr>
+        <p:sp>
+          <p:nvSpPr>
+            <p:cNvPr id="52" name="Can 4">
+              <a:extLst>
+                <a:ext uri="{FF2B5EF4-FFF2-40B4-BE49-F238E27FC236}">
+                  <a16:creationId xmlns:a16="http://schemas.microsoft.com/office/drawing/2014/main" id="{8CE38C74-70A1-42E9-B3CE-EF65AA4E4CCD}"/>
+                </a:ext>
+              </a:extLst>
+            </p:cNvPr>
+            <p:cNvSpPr/>
+            <p:nvPr/>
+          </p:nvSpPr>
+          <p:spPr bwMode="auto">
+            <a:xfrm rot="5400000">
+              <a:off x="8422831" y="1082346"/>
+              <a:ext cx="459593" cy="1973816"/>
+            </a:xfrm>
+            <a:prstGeom prst="can">
+              <a:avLst/>
+            </a:prstGeom>
+            <a:solidFill>
+              <a:srgbClr val="E6E6E6"/>
+            </a:solidFill>
+            <a:ln w="9525" cap="flat" cmpd="sng" algn="ctr">
+              <a:solidFill>
+                <a:srgbClr val="F26F26"/>
+              </a:solidFill>
+              <a:prstDash val="solid"/>
+              <a:round/>
+              <a:headEnd type="none" w="med" len="med"/>
+              <a:tailEnd type="none" w="med" len="med"/>
+            </a:ln>
+            <a:effectLst/>
+          </p:spPr>
+          <p:txBody>
+            <a:bodyPr vert="vert270" wrap="square" lIns="0" tIns="0" rIns="0" bIns="0" numCol="1" rtlCol="0" anchor="ctr" anchorCtr="0" compatLnSpc="1">
+              <a:prstTxWarp prst="textNoShape">
+                <a:avLst/>
+              </a:prstTxWarp>
+              <a:noAutofit/>
+            </a:bodyPr>
+            <a:lstStyle/>
+            <a:p>
+              <a:pPr marL="342900" indent="-342900" algn="ctr" defTabSz="914400" fontAlgn="base">
+                <a:lnSpc>
+                  <a:spcPct val="80000"/>
+                </a:lnSpc>
+                <a:spcBef>
+                  <a:spcPct val="20000"/>
+                </a:spcBef>
+                <a:spcAft>
+                  <a:spcPct val="0"/>
+                </a:spcAft>
+                <a:buClr>
+                  <a:srgbClr val="FADF6C"/>
+                </a:buClr>
+                <a:buSzPct val="60000"/>
+                <a:buFont typeface="Arial Narrow" pitchFamily="34" charset="0"/>
+                <a:buNone/>
+              </a:pPr>
+              <a:endParaRPr lang="en-US" sz="900" b="1" dirty="0">
+                <a:solidFill>
+                  <a:srgbClr val="000000"/>
+                </a:solidFill>
+                <a:latin typeface="Calibri" panose="020F0502020204030204" pitchFamily="34" charset="0"/>
+                <a:cs typeface="Calibri" panose="020F0502020204030204" pitchFamily="34" charset="0"/>
+              </a:endParaRPr>
+            </a:p>
+          </p:txBody>
+        </p:sp>
+        <p:pic>
+          <p:nvPicPr>
+            <p:cNvPr id="53" name="Picture 52">
+              <a:extLst>
+                <a:ext uri="{FF2B5EF4-FFF2-40B4-BE49-F238E27FC236}">
+                  <a16:creationId xmlns:a16="http://schemas.microsoft.com/office/drawing/2014/main" id="{3BBBFE47-4BC3-4647-9D18-4CEEE254E4AC}"/>
+                </a:ext>
+              </a:extLst>
+            </p:cNvPr>
+            <p:cNvPicPr>
+              <a:picLocks noChangeAspect="1"/>
+            </p:cNvPicPr>
+            <p:nvPr/>
+          </p:nvPicPr>
+          <p:blipFill>
+            <a:blip r:embed="rId8"/>
+            <a:stretch>
+              <a:fillRect/>
+            </a:stretch>
+          </p:blipFill>
+          <p:spPr>
+            <a:xfrm>
+              <a:off x="8090461" y="1897150"/>
+              <a:ext cx="1088418" cy="304758"/>
+            </a:xfrm>
+            <a:prstGeom prst="rect">
+              <a:avLst/>
+            </a:prstGeom>
+          </p:spPr>
+        </p:pic>
+      </p:grpSp>
+      <p:grpSp>
+        <p:nvGrpSpPr>
+          <p:cNvPr id="54" name="Group 53">
+            <a:extLst>
+              <a:ext uri="{FF2B5EF4-FFF2-40B4-BE49-F238E27FC236}">
+                <a16:creationId xmlns:a16="http://schemas.microsoft.com/office/drawing/2014/main" id="{25963E4E-8C3E-4CDD-B208-0423B8D2DDCB}"/>
+              </a:ext>
+            </a:extLst>
+          </p:cNvPr>
+          <p:cNvGrpSpPr/>
+          <p:nvPr/>
+        </p:nvGrpSpPr>
+        <p:grpSpPr>
+          <a:xfrm>
+            <a:off x="5447474" y="5486892"/>
+            <a:ext cx="667853" cy="242447"/>
+            <a:chOff x="7665720" y="1839457"/>
+            <a:chExt cx="1973816" cy="459593"/>
+          </a:xfrm>
+        </p:grpSpPr>
+        <p:sp>
+          <p:nvSpPr>
+            <p:cNvPr id="55" name="Can 4">
+              <a:extLst>
+                <a:ext uri="{FF2B5EF4-FFF2-40B4-BE49-F238E27FC236}">
+                  <a16:creationId xmlns:a16="http://schemas.microsoft.com/office/drawing/2014/main" id="{C2B726F8-71D6-4027-A80F-9A77884E5E5D}"/>
+                </a:ext>
+              </a:extLst>
+            </p:cNvPr>
+            <p:cNvSpPr/>
+            <p:nvPr/>
+          </p:nvSpPr>
+          <p:spPr bwMode="auto">
+            <a:xfrm rot="5400000">
+              <a:off x="8422831" y="1082346"/>
+              <a:ext cx="459593" cy="1973816"/>
+            </a:xfrm>
+            <a:prstGeom prst="can">
+              <a:avLst/>
+            </a:prstGeom>
+            <a:solidFill>
+              <a:srgbClr val="E6E6E6"/>
+            </a:solidFill>
+            <a:ln w="9525" cap="flat" cmpd="sng" algn="ctr">
+              <a:solidFill>
+                <a:srgbClr val="F26F26"/>
+              </a:solidFill>
+              <a:prstDash val="solid"/>
+              <a:round/>
+              <a:headEnd type="none" w="med" len="med"/>
+              <a:tailEnd type="none" w="med" len="med"/>
+            </a:ln>
+            <a:effectLst/>
+          </p:spPr>
+          <p:txBody>
+            <a:bodyPr vert="vert270" wrap="square" lIns="0" tIns="0" rIns="0" bIns="0" numCol="1" rtlCol="0" anchor="ctr" anchorCtr="0" compatLnSpc="1">
+              <a:prstTxWarp prst="textNoShape">
+                <a:avLst/>
+              </a:prstTxWarp>
+              <a:noAutofit/>
+            </a:bodyPr>
+            <a:lstStyle/>
+            <a:p>
+              <a:pPr marL="342900" indent="-342900" algn="ctr" defTabSz="914400" fontAlgn="base">
+                <a:lnSpc>
+                  <a:spcPct val="80000"/>
+                </a:lnSpc>
+                <a:spcBef>
+                  <a:spcPct val="20000"/>
+                </a:spcBef>
+                <a:spcAft>
+                  <a:spcPct val="0"/>
+                </a:spcAft>
+                <a:buClr>
+                  <a:srgbClr val="FADF6C"/>
+                </a:buClr>
+                <a:buSzPct val="60000"/>
+                <a:buFont typeface="Arial Narrow" pitchFamily="34" charset="0"/>
+                <a:buNone/>
+              </a:pPr>
+              <a:endParaRPr lang="en-US" sz="900" b="1" dirty="0">
+                <a:solidFill>
+                  <a:srgbClr val="000000"/>
+                </a:solidFill>
+                <a:latin typeface="Calibri" panose="020F0502020204030204" pitchFamily="34" charset="0"/>
+                <a:cs typeface="Calibri" panose="020F0502020204030204" pitchFamily="34" charset="0"/>
+              </a:endParaRPr>
+            </a:p>
+          </p:txBody>
+        </p:sp>
+        <p:pic>
+          <p:nvPicPr>
+            <p:cNvPr id="56" name="Picture 55">
+              <a:extLst>
+                <a:ext uri="{FF2B5EF4-FFF2-40B4-BE49-F238E27FC236}">
+                  <a16:creationId xmlns:a16="http://schemas.microsoft.com/office/drawing/2014/main" id="{09889520-682F-4518-8CB3-F7A7927E4CBB}"/>
+                </a:ext>
+              </a:extLst>
+            </p:cNvPr>
+            <p:cNvPicPr>
+              <a:picLocks noChangeAspect="1"/>
+            </p:cNvPicPr>
+            <p:nvPr/>
+          </p:nvPicPr>
+          <p:blipFill>
+            <a:blip r:embed="rId8"/>
+            <a:stretch>
+              <a:fillRect/>
+            </a:stretch>
+          </p:blipFill>
+          <p:spPr>
+            <a:xfrm>
+              <a:off x="8090461" y="1897150"/>
+              <a:ext cx="1088418" cy="304758"/>
+            </a:xfrm>
+            <a:prstGeom prst="rect">
+              <a:avLst/>
+            </a:prstGeom>
+          </p:spPr>
+        </p:pic>
+      </p:grpSp>
     </p:spTree>
     <p:extLst>
       <p:ext uri="{BB962C8B-B14F-4D97-AF65-F5344CB8AC3E}">

--- a/resources/diagrams.pptx
+++ b/resources/diagrams.pptx
@@ -24492,13 +24492,14 @@
           <p:cNvCxnSpPr>
             <a:cxnSpLocks/>
             <a:stCxn id="136" idx="0"/>
+            <a:endCxn id="61" idx="4"/>
           </p:cNvCxnSpPr>
           <p:nvPr/>
         </p:nvCxnSpPr>
         <p:spPr bwMode="auto">
           <a:xfrm flipV="1">
-            <a:off x="8693542" y="3057783"/>
-            <a:ext cx="227240" cy="724478"/>
+            <a:off x="8693542" y="2808778"/>
+            <a:ext cx="360278" cy="973483"/>
           </a:xfrm>
           <a:prstGeom prst="straightConnector1">
             <a:avLst/>
@@ -27281,6 +27282,49 @@
           </p:spPr>
         </p:pic>
       </p:grpSp>
+      <p:cxnSp>
+        <p:nvCxnSpPr>
+          <p:cNvPr id="106" name="Straight Arrow Connector 105">
+            <a:extLst>
+              <a:ext uri="{FF2B5EF4-FFF2-40B4-BE49-F238E27FC236}">
+                <a16:creationId xmlns:a16="http://schemas.microsoft.com/office/drawing/2014/main" id="{E08D65A2-29A8-4E41-A60F-B12C44E6B57B}"/>
+              </a:ext>
+            </a:extLst>
+          </p:cNvPr>
+          <p:cNvCxnSpPr>
+            <a:cxnSpLocks/>
+            <a:stCxn id="84" idx="0"/>
+          </p:cNvCxnSpPr>
+          <p:nvPr/>
+        </p:nvCxnSpPr>
+        <p:spPr bwMode="auto">
+          <a:xfrm flipV="1">
+            <a:off x="7755969" y="3036810"/>
+            <a:ext cx="676896" cy="829298"/>
+          </a:xfrm>
+          <a:prstGeom prst="straightConnector1">
+            <a:avLst/>
+          </a:prstGeom>
+          <a:ln>
+            <a:headEnd type="none" w="med" len="med"/>
+            <a:tailEnd type="triangle"/>
+          </a:ln>
+        </p:spPr>
+        <p:style>
+          <a:lnRef idx="3">
+            <a:schemeClr val="accent5"/>
+          </a:lnRef>
+          <a:fillRef idx="0">
+            <a:schemeClr val="accent5"/>
+          </a:fillRef>
+          <a:effectRef idx="2">
+            <a:schemeClr val="accent5"/>
+          </a:effectRef>
+          <a:fontRef idx="minor">
+            <a:schemeClr val="tx1"/>
+          </a:fontRef>
+        </p:style>
+      </p:cxnSp>
     </p:spTree>
     <p:extLst>
       <p:ext uri="{BB962C8B-B14F-4D97-AF65-F5344CB8AC3E}">

--- a/resources/diagrams.pptx
+++ b/resources/diagrams.pptx
@@ -232,7 +232,7 @@
             <a:fld id="{8C4CD305-C8EB-014F-809E-A167267EBAE0}" type="datetimeFigureOut">
               <a:rPr lang="en-US" smtClean="0"/>
               <a:pPr/>
-              <a:t>9/13/2018</a:t>
+              <a:t>9/18/2018</a:t>
             </a:fld>
             <a:endParaRPr lang="en-US"/>
           </a:p>
@@ -24326,130 +24326,85 @@
           </p:txBody>
         </p:sp>
       </p:grpSp>
-      <p:grpSp>
-        <p:nvGrpSpPr>
-          <p:cNvPr id="3" name="Group 2"/>
-          <p:cNvGrpSpPr/>
+      <p:sp>
+        <p:nvSpPr>
+          <p:cNvPr id="64" name="Rectangle 63"/>
+          <p:cNvSpPr/>
           <p:nvPr/>
-        </p:nvGrpSpPr>
-        <p:grpSpPr>
+        </p:nvSpPr>
+        <p:spPr bwMode="auto">
           <a:xfrm>
             <a:off x="4355494" y="4346936"/>
             <a:ext cx="1919409" cy="1579809"/>
-            <a:chOff x="2997629" y="2156466"/>
-            <a:chExt cx="1919409" cy="1579809"/>
-          </a:xfrm>
-        </p:grpSpPr>
-        <p:sp>
-          <p:nvSpPr>
-            <p:cNvPr id="64" name="Rectangle 63"/>
-            <p:cNvSpPr/>
-            <p:nvPr/>
-          </p:nvSpPr>
-          <p:spPr bwMode="auto">
-            <a:xfrm>
-              <a:off x="2997629" y="2156466"/>
-              <a:ext cx="1919409" cy="1579809"/>
-            </a:xfrm>
-            <a:prstGeom prst="rect">
+          </a:xfrm>
+          <a:prstGeom prst="rect">
+            <a:avLst/>
+          </a:prstGeom>
+          <a:solidFill>
+            <a:schemeClr val="bg1"/>
+          </a:solidFill>
+          <a:ln>
+            <a:solidFill>
+              <a:schemeClr val="tx1"/>
+            </a:solidFill>
+            <a:headEnd type="none" w="med" len="med"/>
+            <a:tailEnd type="none" w="med" len="med"/>
+          </a:ln>
+        </p:spPr>
+        <p:style>
+          <a:lnRef idx="1">
+            <a:schemeClr val="accent2"/>
+          </a:lnRef>
+          <a:fillRef idx="2">
+            <a:schemeClr val="accent2"/>
+          </a:fillRef>
+          <a:effectRef idx="1">
+            <a:schemeClr val="accent2"/>
+          </a:effectRef>
+          <a:fontRef idx="minor">
+            <a:schemeClr val="dk1"/>
+          </a:fontRef>
+        </p:style>
+        <p:txBody>
+          <a:bodyPr vert="horz" wrap="none" lIns="91440" tIns="45720" rIns="91440" bIns="45720" numCol="1" rtlCol="0" anchor="b" anchorCtr="0" compatLnSpc="1">
+            <a:prstTxWarp prst="textNoShape">
               <a:avLst/>
-            </a:prstGeom>
-            <a:solidFill>
-              <a:schemeClr val="bg1"/>
-            </a:solidFill>
-            <a:ln>
+            </a:prstTxWarp>
+            <a:noAutofit/>
+          </a:bodyPr>
+          <a:lstStyle/>
+          <a:p>
+            <a:pPr marL="342900" marR="0" indent="-342900" algn="ctr" defTabSz="914400" rtl="0" eaLnBrk="1" fontAlgn="base" latinLnBrk="0" hangingPunct="1">
+              <a:lnSpc>
+                <a:spcPct val="80000"/>
+              </a:lnSpc>
+              <a:spcBef>
+                <a:spcPct val="20000"/>
+              </a:spcBef>
+              <a:spcAft>
+                <a:spcPct val="0"/>
+              </a:spcAft>
+              <a:buClr>
+                <a:schemeClr val="hlink"/>
+              </a:buClr>
+              <a:buSzPct val="60000"/>
+              <a:buFont typeface="Arial Narrow" pitchFamily="34" charset="0"/>
+              <a:buNone/>
+              <a:tabLst/>
+            </a:pPr>
+            <a:endParaRPr kumimoji="0" lang="en-CA" sz="800" i="0" u="none" strike="noStrike" cap="none" normalizeH="0" baseline="0">
+              <a:ln>
+                <a:noFill/>
+              </a:ln>
               <a:solidFill>
                 <a:schemeClr val="tx1"/>
               </a:solidFill>
-              <a:headEnd type="none" w="med" len="med"/>
-              <a:tailEnd type="none" w="med" len="med"/>
-            </a:ln>
-          </p:spPr>
-          <p:style>
-            <a:lnRef idx="1">
-              <a:schemeClr val="accent2"/>
-            </a:lnRef>
-            <a:fillRef idx="2">
-              <a:schemeClr val="accent2"/>
-            </a:fillRef>
-            <a:effectRef idx="1">
-              <a:schemeClr val="accent2"/>
-            </a:effectRef>
-            <a:fontRef idx="minor">
-              <a:schemeClr val="dk1"/>
-            </a:fontRef>
-          </p:style>
-          <p:txBody>
-            <a:bodyPr vert="horz" wrap="none" lIns="91440" tIns="45720" rIns="91440" bIns="45720" numCol="1" rtlCol="0" anchor="b" anchorCtr="0" compatLnSpc="1">
-              <a:prstTxWarp prst="textNoShape">
-                <a:avLst/>
-              </a:prstTxWarp>
-              <a:noAutofit/>
-            </a:bodyPr>
-            <a:lstStyle/>
-            <a:p>
-              <a:pPr marL="342900" marR="0" indent="-342900" algn="ctr" defTabSz="914400" rtl="0" eaLnBrk="1" fontAlgn="base" latinLnBrk="0" hangingPunct="1">
-                <a:lnSpc>
-                  <a:spcPct val="80000"/>
-                </a:lnSpc>
-                <a:spcBef>
-                  <a:spcPct val="20000"/>
-                </a:spcBef>
-                <a:spcAft>
-                  <a:spcPct val="0"/>
-                </a:spcAft>
-                <a:buClr>
-                  <a:schemeClr val="hlink"/>
-                </a:buClr>
-                <a:buSzPct val="60000"/>
-                <a:buFont typeface="Arial Narrow" pitchFamily="34" charset="0"/>
-                <a:buNone/>
-                <a:tabLst/>
-              </a:pPr>
-              <a:endParaRPr kumimoji="0" lang="en-CA" sz="800" i="0" u="none" strike="noStrike" cap="none" normalizeH="0" baseline="0">
-                <a:ln>
-                  <a:noFill/>
-                </a:ln>
-                <a:solidFill>
-                  <a:schemeClr val="tx1"/>
-                </a:solidFill>
-                <a:effectLst/>
-                <a:latin typeface="Arial" charset="0"/>
-              </a:endParaRPr>
-            </a:p>
-          </p:txBody>
-        </p:sp>
-        <p:pic>
-          <p:nvPicPr>
-            <p:cNvPr id="65" name="Picture 64"/>
-            <p:cNvPicPr>
-              <a:picLocks noChangeAspect="1"/>
-            </p:cNvPicPr>
-            <p:nvPr/>
-          </p:nvPicPr>
-          <p:blipFill>
-            <a:blip r:embed="rId4" cstate="screen">
-              <a:extLst>
-                <a:ext uri="{28A0092B-C50C-407E-A947-70E740481C1C}">
-                  <a14:useLocalDpi xmlns:a14="http://schemas.microsoft.com/office/drawing/2010/main"/>
-                </a:ext>
-              </a:extLst>
-            </a:blip>
-            <a:stretch>
-              <a:fillRect/>
-            </a:stretch>
-          </p:blipFill>
-          <p:spPr>
-            <a:xfrm>
-              <a:off x="3076006" y="2225252"/>
-              <a:ext cx="1016611" cy="508305"/>
-            </a:xfrm>
-            <a:prstGeom prst="rect">
-              <a:avLst/>
-            </a:prstGeom>
-          </p:spPr>
-        </p:pic>
-      </p:grpSp>
+              <a:effectLst/>
+              <a:latin typeface="Arial" charset="0"/>
+            </a:endParaRPr>
+          </a:p>
+        </p:txBody>
+      </p:sp>
       <p:cxnSp>
         <p:nvCxnSpPr>
           <p:cNvPr id="5" name="Straight Arrow Connector 4"/>
@@ -25295,7 +25250,7 @@
           <p:nvPr/>
         </p:nvPicPr>
         <p:blipFill>
-          <a:blip r:embed="rId5"/>
+          <a:blip r:embed="rId4"/>
           <a:stretch>
             <a:fillRect/>
           </a:stretch>
@@ -25319,7 +25274,7 @@
           <p:nvPr/>
         </p:nvPicPr>
         <p:blipFill>
-          <a:blip r:embed="rId6">
+          <a:blip r:embed="rId5">
             <a:extLst>
               <a:ext uri="{28A0092B-C50C-407E-A947-70E740481C1C}">
                 <a14:useLocalDpi xmlns:a14="http://schemas.microsoft.com/office/drawing/2010/main" val="0"/>
@@ -25534,7 +25489,7 @@
             <p:nvPr/>
           </p:nvPicPr>
           <p:blipFill>
-            <a:blip r:embed="rId7"/>
+            <a:blip r:embed="rId6"/>
             <a:stretch>
               <a:fillRect/>
             </a:stretch>
@@ -26232,7 +26187,7 @@
                 <a:tabLst/>
               </a:pPr>
               <a:r>
-                <a:rPr kumimoji="0" lang="en-CA" sz="700" i="0" u="none" strike="noStrike" cap="none" normalizeH="0" baseline="0">
+                <a:rPr kumimoji="0" lang="en-CA" sz="700" i="0" u="none" strike="noStrike" cap="none" normalizeH="0" baseline="0" dirty="0">
                   <a:ln>
                     <a:noFill/>
                   </a:ln>
@@ -26265,7 +26220,7 @@
                 <a:tabLst/>
               </a:pPr>
               <a:r>
-                <a:rPr lang="en-CA" sz="700">
+                <a:rPr lang="en-CA" sz="700" dirty="0">
                   <a:latin typeface="Arial" charset="0"/>
                 </a:rPr>
                 <a:t>Service</a:t>
@@ -26291,7 +26246,7 @@
                 <a:tabLst/>
               </a:pPr>
               <a:r>
-                <a:rPr kumimoji="0" lang="en-CA" sz="700" i="0" u="none" strike="noStrike" cap="none" normalizeH="0" baseline="0">
+                <a:rPr kumimoji="0" lang="en-CA" sz="700" i="0" u="none" strike="noStrike" cap="none" normalizeH="0" baseline="0" dirty="0">
                   <a:ln>
                     <a:noFill/>
                   </a:ln>
@@ -26423,7 +26378,7 @@
           <p:nvPr/>
         </p:nvPicPr>
         <p:blipFill>
-          <a:blip r:embed="rId8"/>
+          <a:blip r:embed="rId7"/>
           <a:stretch>
             <a:fillRect/>
           </a:stretch>
@@ -26887,7 +26842,7 @@
           <p:nvPr/>
         </p:nvPicPr>
         <p:blipFill>
-          <a:blip r:embed="rId9">
+          <a:blip r:embed="rId8">
             <a:extLst>
               <a:ext uri="{28A0092B-C50C-407E-A947-70E740481C1C}">
                 <a14:useLocalDpi xmlns:a14="http://schemas.microsoft.com/office/drawing/2010/main" val="0"/>
@@ -27024,7 +26979,7 @@
             <p:nvPr/>
           </p:nvPicPr>
           <p:blipFill>
-            <a:blip r:embed="rId10"/>
+            <a:blip r:embed="rId9"/>
             <a:stretch>
               <a:fillRect/>
             </a:stretch>
@@ -27145,7 +27100,7 @@
             <p:nvPr/>
           </p:nvPicPr>
           <p:blipFill>
-            <a:blip r:embed="rId10"/>
+            <a:blip r:embed="rId9"/>
             <a:stretch>
               <a:fillRect/>
             </a:stretch>
@@ -27266,7 +27221,7 @@
             <p:nvPr/>
           </p:nvPicPr>
           <p:blipFill>
-            <a:blip r:embed="rId10"/>
+            <a:blip r:embed="rId9"/>
             <a:stretch>
               <a:fillRect/>
             </a:stretch>
@@ -27325,6 +27280,36 @@
           </a:fontRef>
         </p:style>
       </p:cxnSp>
+      <p:pic>
+        <p:nvPicPr>
+          <p:cNvPr id="76" name="Picture 75">
+            <a:extLst>
+              <a:ext uri="{FF2B5EF4-FFF2-40B4-BE49-F238E27FC236}">
+                <a16:creationId xmlns:a16="http://schemas.microsoft.com/office/drawing/2014/main" id="{126CEADC-9027-40E3-A9C4-A1C51F740106}"/>
+              </a:ext>
+            </a:extLst>
+          </p:cNvPr>
+          <p:cNvPicPr>
+            <a:picLocks noChangeAspect="1"/>
+          </p:cNvPicPr>
+          <p:nvPr/>
+        </p:nvPicPr>
+        <p:blipFill>
+          <a:blip r:embed="rId9"/>
+          <a:stretch>
+            <a:fillRect/>
+          </a:stretch>
+        </p:blipFill>
+        <p:spPr>
+          <a:xfrm>
+            <a:off x="4590744" y="4686219"/>
+            <a:ext cx="779217" cy="245950"/>
+          </a:xfrm>
+          <a:prstGeom prst="rect">
+            <a:avLst/>
+          </a:prstGeom>
+        </p:spPr>
+      </p:pic>
     </p:spTree>
     <p:extLst>
       <p:ext uri="{BB962C8B-B14F-4D97-AF65-F5344CB8AC3E}">
@@ -31272,130 +31257,85 @@
           <a:effectLst/>
         </p:spPr>
       </p:cxnSp>
-      <p:grpSp>
-        <p:nvGrpSpPr>
-          <p:cNvPr id="3" name="Group 2"/>
-          <p:cNvGrpSpPr/>
+      <p:sp>
+        <p:nvSpPr>
+          <p:cNvPr id="64" name="Rectangle 63"/>
+          <p:cNvSpPr/>
           <p:nvPr/>
-        </p:nvGrpSpPr>
-        <p:grpSpPr>
+        </p:nvSpPr>
+        <p:spPr bwMode="auto">
           <a:xfrm>
             <a:off x="3826510" y="4346936"/>
             <a:ext cx="2448393" cy="1579809"/>
-            <a:chOff x="2997629" y="2156466"/>
-            <a:chExt cx="1919409" cy="1579809"/>
-          </a:xfrm>
-        </p:grpSpPr>
-        <p:sp>
-          <p:nvSpPr>
-            <p:cNvPr id="64" name="Rectangle 63"/>
-            <p:cNvSpPr/>
-            <p:nvPr/>
-          </p:nvSpPr>
-          <p:spPr bwMode="auto">
-            <a:xfrm>
-              <a:off x="2997629" y="2156466"/>
-              <a:ext cx="1919409" cy="1579809"/>
-            </a:xfrm>
-            <a:prstGeom prst="rect">
+          </a:xfrm>
+          <a:prstGeom prst="rect">
+            <a:avLst/>
+          </a:prstGeom>
+          <a:solidFill>
+            <a:schemeClr val="bg1"/>
+          </a:solidFill>
+          <a:ln>
+            <a:solidFill>
+              <a:schemeClr val="tx1"/>
+            </a:solidFill>
+            <a:headEnd type="none" w="med" len="med"/>
+            <a:tailEnd type="none" w="med" len="med"/>
+          </a:ln>
+        </p:spPr>
+        <p:style>
+          <a:lnRef idx="1">
+            <a:schemeClr val="accent2"/>
+          </a:lnRef>
+          <a:fillRef idx="2">
+            <a:schemeClr val="accent2"/>
+          </a:fillRef>
+          <a:effectRef idx="1">
+            <a:schemeClr val="accent2"/>
+          </a:effectRef>
+          <a:fontRef idx="minor">
+            <a:schemeClr val="dk1"/>
+          </a:fontRef>
+        </p:style>
+        <p:txBody>
+          <a:bodyPr vert="horz" wrap="none" lIns="91440" tIns="45720" rIns="91440" bIns="45720" numCol="1" rtlCol="0" anchor="b" anchorCtr="0" compatLnSpc="1">
+            <a:prstTxWarp prst="textNoShape">
               <a:avLst/>
-            </a:prstGeom>
-            <a:solidFill>
-              <a:schemeClr val="bg1"/>
-            </a:solidFill>
-            <a:ln>
+            </a:prstTxWarp>
+            <a:noAutofit/>
+          </a:bodyPr>
+          <a:lstStyle/>
+          <a:p>
+            <a:pPr marL="342900" marR="0" indent="-342900" algn="ctr" defTabSz="914400" rtl="0" eaLnBrk="1" fontAlgn="base" latinLnBrk="0" hangingPunct="1">
+              <a:lnSpc>
+                <a:spcPct val="80000"/>
+              </a:lnSpc>
+              <a:spcBef>
+                <a:spcPct val="20000"/>
+              </a:spcBef>
+              <a:spcAft>
+                <a:spcPct val="0"/>
+              </a:spcAft>
+              <a:buClr>
+                <a:schemeClr val="hlink"/>
+              </a:buClr>
+              <a:buSzPct val="60000"/>
+              <a:buFont typeface="Arial Narrow" pitchFamily="34" charset="0"/>
+              <a:buNone/>
+              <a:tabLst/>
+            </a:pPr>
+            <a:endParaRPr kumimoji="0" lang="en-CA" sz="800" i="0" u="none" strike="noStrike" cap="none" normalizeH="0" baseline="0" dirty="0">
+              <a:ln>
+                <a:noFill/>
+              </a:ln>
               <a:solidFill>
                 <a:schemeClr val="tx1"/>
               </a:solidFill>
-              <a:headEnd type="none" w="med" len="med"/>
-              <a:tailEnd type="none" w="med" len="med"/>
-            </a:ln>
-          </p:spPr>
-          <p:style>
-            <a:lnRef idx="1">
-              <a:schemeClr val="accent2"/>
-            </a:lnRef>
-            <a:fillRef idx="2">
-              <a:schemeClr val="accent2"/>
-            </a:fillRef>
-            <a:effectRef idx="1">
-              <a:schemeClr val="accent2"/>
-            </a:effectRef>
-            <a:fontRef idx="minor">
-              <a:schemeClr val="dk1"/>
-            </a:fontRef>
-          </p:style>
-          <p:txBody>
-            <a:bodyPr vert="horz" wrap="none" lIns="91440" tIns="45720" rIns="91440" bIns="45720" numCol="1" rtlCol="0" anchor="b" anchorCtr="0" compatLnSpc="1">
-              <a:prstTxWarp prst="textNoShape">
-                <a:avLst/>
-              </a:prstTxWarp>
-              <a:noAutofit/>
-            </a:bodyPr>
-            <a:lstStyle/>
-            <a:p>
-              <a:pPr marL="342900" marR="0" indent="-342900" algn="ctr" defTabSz="914400" rtl="0" eaLnBrk="1" fontAlgn="base" latinLnBrk="0" hangingPunct="1">
-                <a:lnSpc>
-                  <a:spcPct val="80000"/>
-                </a:lnSpc>
-                <a:spcBef>
-                  <a:spcPct val="20000"/>
-                </a:spcBef>
-                <a:spcAft>
-                  <a:spcPct val="0"/>
-                </a:spcAft>
-                <a:buClr>
-                  <a:schemeClr val="hlink"/>
-                </a:buClr>
-                <a:buSzPct val="60000"/>
-                <a:buFont typeface="Arial Narrow" pitchFamily="34" charset="0"/>
-                <a:buNone/>
-                <a:tabLst/>
-              </a:pPr>
-              <a:endParaRPr kumimoji="0" lang="en-CA" sz="800" i="0" u="none" strike="noStrike" cap="none" normalizeH="0" baseline="0" dirty="0">
-                <a:ln>
-                  <a:noFill/>
-                </a:ln>
-                <a:solidFill>
-                  <a:schemeClr val="tx1"/>
-                </a:solidFill>
-                <a:effectLst/>
-                <a:latin typeface="Arial" charset="0"/>
-              </a:endParaRPr>
-            </a:p>
-          </p:txBody>
-        </p:sp>
-        <p:pic>
-          <p:nvPicPr>
-            <p:cNvPr id="65" name="Picture 64"/>
-            <p:cNvPicPr>
-              <a:picLocks noChangeAspect="1"/>
-            </p:cNvPicPr>
-            <p:nvPr/>
-          </p:nvPicPr>
-          <p:blipFill>
-            <a:blip r:embed="rId3" cstate="screen">
-              <a:extLst>
-                <a:ext uri="{28A0092B-C50C-407E-A947-70E740481C1C}">
-                  <a14:useLocalDpi xmlns:a14="http://schemas.microsoft.com/office/drawing/2010/main"/>
-                </a:ext>
-              </a:extLst>
-            </a:blip>
-            <a:stretch>
-              <a:fillRect/>
-            </a:stretch>
-          </p:blipFill>
-          <p:spPr>
-            <a:xfrm>
-              <a:off x="3076006" y="2225252"/>
-              <a:ext cx="1016611" cy="508305"/>
-            </a:xfrm>
-            <a:prstGeom prst="rect">
-              <a:avLst/>
-            </a:prstGeom>
-          </p:spPr>
-        </p:pic>
-      </p:grpSp>
+              <a:effectLst/>
+              <a:latin typeface="Arial" charset="0"/>
+            </a:endParaRPr>
+          </a:p>
+        </p:txBody>
+      </p:sp>
       <p:cxnSp>
         <p:nvCxnSpPr>
           <p:cNvPr id="5" name="Straight Arrow Connector 4"/>
@@ -31617,7 +31557,7 @@
             <p:nvPr/>
           </p:nvPicPr>
           <p:blipFill>
-            <a:blip r:embed="rId4" cstate="print">
+            <a:blip r:embed="rId3" cstate="print">
               <a:extLst>
                 <a:ext uri="{28A0092B-C50C-407E-A947-70E740481C1C}">
                   <a14:useLocalDpi xmlns:a14="http://schemas.microsoft.com/office/drawing/2010/main"/>
@@ -32230,7 +32170,7 @@
           <p:nvPr/>
         </p:nvPicPr>
         <p:blipFill>
-          <a:blip r:embed="rId5"/>
+          <a:blip r:embed="rId4"/>
           <a:stretch>
             <a:fillRect/>
           </a:stretch>
@@ -32254,7 +32194,7 @@
           <p:nvPr/>
         </p:nvPicPr>
         <p:blipFill>
-          <a:blip r:embed="rId6">
+          <a:blip r:embed="rId5">
             <a:extLst>
               <a:ext uri="{28A0092B-C50C-407E-A947-70E740481C1C}">
                 <a14:useLocalDpi xmlns:a14="http://schemas.microsoft.com/office/drawing/2010/main" val="0"/>
@@ -32563,7 +32503,7 @@
             <p:nvPr/>
           </p:nvPicPr>
           <p:blipFill>
-            <a:blip r:embed="rId4" cstate="print">
+            <a:blip r:embed="rId3" cstate="print">
               <a:extLst>
                 <a:ext uri="{28A0092B-C50C-407E-A947-70E740481C1C}">
                   <a14:useLocalDpi xmlns:a14="http://schemas.microsoft.com/office/drawing/2010/main"/>
@@ -32839,7 +32779,7 @@
           <p:nvPr/>
         </p:nvPicPr>
         <p:blipFill>
-          <a:blip r:embed="rId7"/>
+          <a:blip r:embed="rId6"/>
           <a:stretch>
             <a:fillRect/>
           </a:stretch>
@@ -33120,7 +33060,7 @@
             <p:nvPr/>
           </p:nvPicPr>
           <p:blipFill>
-            <a:blip r:embed="rId8"/>
+            <a:blip r:embed="rId7"/>
             <a:stretch>
               <a:fillRect/>
             </a:stretch>
@@ -33241,7 +33181,7 @@
             <p:nvPr/>
           </p:nvPicPr>
           <p:blipFill>
-            <a:blip r:embed="rId8"/>
+            <a:blip r:embed="rId7"/>
             <a:stretch>
               <a:fillRect/>
             </a:stretch>
@@ -33362,7 +33302,7 @@
             <p:nvPr/>
           </p:nvPicPr>
           <p:blipFill>
-            <a:blip r:embed="rId8"/>
+            <a:blip r:embed="rId7"/>
             <a:stretch>
               <a:fillRect/>
             </a:stretch>
@@ -33378,6 +33318,36 @@
           </p:spPr>
         </p:pic>
       </p:grpSp>
+      <p:pic>
+        <p:nvPicPr>
+          <p:cNvPr id="58" name="Picture 57">
+            <a:extLst>
+              <a:ext uri="{FF2B5EF4-FFF2-40B4-BE49-F238E27FC236}">
+                <a16:creationId xmlns:a16="http://schemas.microsoft.com/office/drawing/2014/main" id="{1BDA7528-1D2C-4633-B01C-83AF3891D6C7}"/>
+              </a:ext>
+            </a:extLst>
+          </p:cNvPr>
+          <p:cNvPicPr>
+            <a:picLocks noChangeAspect="1"/>
+          </p:cNvPicPr>
+          <p:nvPr/>
+        </p:nvPicPr>
+        <p:blipFill>
+          <a:blip r:embed="rId7"/>
+          <a:stretch>
+            <a:fillRect/>
+          </a:stretch>
+        </p:blipFill>
+        <p:spPr>
+          <a:xfrm>
+            <a:off x="4232642" y="4704927"/>
+            <a:ext cx="539876" cy="193965"/>
+          </a:xfrm>
+          <a:prstGeom prst="rect">
+            <a:avLst/>
+          </a:prstGeom>
+        </p:spPr>
+      </p:pic>
     </p:spTree>
     <p:extLst>
       <p:ext uri="{BB962C8B-B14F-4D97-AF65-F5344CB8AC3E}">

--- a/resources/diagrams.pptx
+++ b/resources/diagrams.pptx
@@ -232,7 +232,7 @@
             <a:fld id="{8C4CD305-C8EB-014F-809E-A167267EBAE0}" type="datetimeFigureOut">
               <a:rPr lang="en-US" smtClean="0"/>
               <a:pPr/>
-              <a:t>9/18/2018</a:t>
+              <a:t>4/22/20</a:t>
             </a:fld>
             <a:endParaRPr lang="en-US"/>
           </a:p>
@@ -1080,7 +1080,6 @@
         </p:txBody>
       </p:sp>
     </p:spTree>
-    <p:extLst/>
   </p:cSld>
   <p:clrMapOvr>
     <a:masterClrMapping/>
@@ -1513,7 +1512,6 @@
         </p:txBody>
       </p:sp>
     </p:spTree>
-    <p:extLst/>
   </p:cSld>
   <p:clrMapOvr>
     <a:masterClrMapping/>
@@ -1955,7 +1953,6 @@
         </p:txBody>
       </p:sp>
     </p:spTree>
-    <p:extLst/>
   </p:cSld>
   <p:clrMapOvr>
     <a:masterClrMapping/>
@@ -2066,7 +2063,6 @@
         </p:txBody>
       </p:sp>
     </p:spTree>
-    <p:extLst/>
   </p:cSld>
   <p:clrMapOvr>
     <a:masterClrMapping/>
@@ -2270,7 +2266,6 @@
         </p:txBody>
       </p:sp>
     </p:spTree>
-    <p:extLst/>
   </p:cSld>
   <p:clrMapOvr>
     <a:masterClrMapping/>
@@ -2334,7 +2329,6 @@
         </p:txBody>
       </p:sp>
     </p:spTree>
-    <p:extLst/>
   </p:cSld>
   <p:clrMapOvr>
     <a:masterClrMapping/>
@@ -2892,7 +2886,6 @@
         </p:txBody>
       </p:sp>
     </p:spTree>
-    <p:extLst/>
   </p:cSld>
   <p:clrMapOvr>
     <a:masterClrMapping/>
@@ -3096,7 +3089,6 @@
         </p:txBody>
       </p:sp>
     </p:spTree>
-    <p:extLst/>
   </p:cSld>
   <p:clrMapOvr>
     <a:masterClrMapping/>
@@ -3160,7 +3152,6 @@
         </p:txBody>
       </p:sp>
     </p:spTree>
-    <p:extLst/>
   </p:cSld>
   <p:clrMapOvr>
     <a:masterClrMapping/>
@@ -3224,7 +3215,6 @@
         </p:txBody>
       </p:sp>
     </p:spTree>
-    <p:extLst/>
   </p:cSld>
   <p:clrMapOvr>
     <a:masterClrMapping/>
@@ -3379,7 +3369,6 @@
         </p:txBody>
       </p:sp>
     </p:spTree>
-    <p:extLst/>
   </p:cSld>
   <p:clrMapOvr>
     <a:masterClrMapping/>
@@ -3490,7 +3479,6 @@
         </p:txBody>
       </p:sp>
     </p:spTree>
-    <p:extLst/>
   </p:cSld>
   <p:clrMapOvr>
     <a:masterClrMapping/>
@@ -3644,7 +3632,6 @@
         </p:txBody>
       </p:sp>
     </p:spTree>
-    <p:extLst/>
   </p:cSld>
   <p:clrMapOvr>
     <a:masterClrMapping/>
@@ -3798,7 +3785,6 @@
         </p:txBody>
       </p:sp>
     </p:spTree>
-    <p:extLst/>
   </p:cSld>
   <p:clrMapOvr>
     <a:masterClrMapping/>
@@ -3862,7 +3848,6 @@
         </p:txBody>
       </p:sp>
     </p:spTree>
-    <p:extLst/>
   </p:cSld>
   <p:clrMapOvr>
     <a:masterClrMapping/>
@@ -4303,7 +4288,6 @@
         </p:txBody>
       </p:sp>
     </p:spTree>
-    <p:extLst/>
   </p:cSld>
   <p:clrMapOvr>
     <a:masterClrMapping/>
@@ -4806,7 +4790,6 @@
         </p:spPr>
       </p:pic>
     </p:spTree>
-    <p:extLst/>
   </p:cSld>
   <p:clrMapOvr>
     <a:masterClrMapping/>
@@ -5513,7 +5496,6 @@
         </p:txBody>
       </p:sp>
     </p:spTree>
-    <p:extLst/>
   </p:cSld>
   <p:clrMapOvr>
     <a:masterClrMapping/>
@@ -5954,7 +5936,6 @@
         </p:txBody>
       </p:sp>
     </p:spTree>
-    <p:extLst/>
   </p:cSld>
   <p:clrMapOvr>
     <a:masterClrMapping/>
@@ -6403,7 +6384,6 @@
         </p:txBody>
       </p:sp>
     </p:spTree>
-    <p:extLst/>
   </p:cSld>
   <p:clrMapOvr>
     <a:masterClrMapping/>
@@ -6514,7 +6494,6 @@
         </p:txBody>
       </p:sp>
     </p:spTree>
-    <p:extLst/>
   </p:cSld>
   <p:clrMapOvr>
     <a:masterClrMapping/>
@@ -6579,7 +6558,6 @@
         </p:txBody>
       </p:sp>
     </p:spTree>
-    <p:extLst/>
   </p:cSld>
   <p:clrMapOvr>
     <a:masterClrMapping/>
@@ -6733,7 +6711,6 @@
         </p:txBody>
       </p:sp>
     </p:spTree>
-    <p:extLst/>
   </p:cSld>
   <p:clrMapOvr>
     <a:masterClrMapping/>
@@ -6887,7 +6864,6 @@
         </p:txBody>
       </p:sp>
     </p:spTree>
-    <p:extLst/>
   </p:cSld>
   <p:clrMapOvr>
     <a:masterClrMapping/>
@@ -6951,7 +6927,6 @@
         </p:txBody>
       </p:sp>
     </p:spTree>
-    <p:extLst/>
   </p:cSld>
   <p:clrMapOvr>
     <a:masterClrMapping/>
@@ -7402,7 +7377,6 @@
         </p:txBody>
       </p:sp>
     </p:spTree>
-    <p:extLst/>
   </p:cSld>
   <p:clrMapOvr>
     <a:masterClrMapping/>
@@ -7915,7 +7889,6 @@
         </p:spPr>
       </p:pic>
     </p:spTree>
-    <p:extLst/>
   </p:cSld>
   <p:clrMapOvr>
     <a:masterClrMapping/>
@@ -8632,7 +8605,6 @@
         </p:txBody>
       </p:sp>
     </p:spTree>
-    <p:extLst/>
   </p:cSld>
   <p:clrMapOvr>
     <a:masterClrMapping/>
@@ -9083,7 +9055,6 @@
         </p:txBody>
       </p:sp>
     </p:spTree>
-    <p:extLst/>
   </p:cSld>
   <p:clrMapOvr>
     <a:masterClrMapping/>
@@ -9542,7 +9513,6 @@
         </p:txBody>
       </p:sp>
     </p:spTree>
-    <p:extLst/>
   </p:cSld>
   <p:clrMapOvr>
     <a:masterClrMapping/>
@@ -9719,7 +9689,6 @@
     <p:custDataLst>
       <p:tags r:id="rId1"/>
     </p:custDataLst>
-    <p:extLst/>
   </p:cSld>
   <p:clrMapOvr>
     <a:masterClrMapping/>
@@ -9830,7 +9799,6 @@
         </p:txBody>
       </p:sp>
     </p:spTree>
-    <p:extLst/>
   </p:cSld>
   <p:clrMapOvr>
     <a:masterClrMapping/>
@@ -10264,7 +10232,6 @@
         </p:txBody>
       </p:sp>
     </p:spTree>
-    <p:extLst/>
   </p:cSld>
   <p:clrMapOvr>
     <a:masterClrMapping/>
@@ -10419,7 +10386,6 @@
         </p:txBody>
       </p:sp>
     </p:spTree>
-    <p:extLst/>
   </p:cSld>
   <p:clrMapOvr>
     <a:masterClrMapping/>
@@ -10484,7 +10450,6 @@
         </p:txBody>
       </p:sp>
     </p:spTree>
-    <p:extLst/>
   </p:cSld>
   <p:clrMapOvr>
     <a:masterClrMapping/>
@@ -10918,7 +10883,6 @@
         </p:txBody>
       </p:sp>
     </p:spTree>
-    <p:extLst/>
   </p:cSld>
   <p:clrMapOvr>
     <a:masterClrMapping/>
@@ -11361,7 +11325,6 @@
         </p:txBody>
       </p:sp>
     </p:spTree>
-    <p:extLst/>
   </p:cSld>
   <p:clrMapOvr>
     <a:masterClrMapping/>
@@ -11472,7 +11435,6 @@
         </p:txBody>
       </p:sp>
     </p:spTree>
-    <p:extLst/>
   </p:cSld>
   <p:clrMapOvr>
     <a:masterClrMapping/>
@@ -11915,7 +11877,6 @@
         </p:txBody>
       </p:sp>
     </p:spTree>
-    <p:extLst/>
   </p:cSld>
   <p:clrMapOvr>
     <a:masterClrMapping/>
@@ -12141,7 +12102,6 @@
         </p:txBody>
       </p:sp>
     </p:spTree>
-    <p:extLst/>
   </p:cSld>
   <p:clrMapOvr>
     <a:masterClrMapping/>
@@ -12295,7 +12255,6 @@
         </p:txBody>
       </p:sp>
     </p:spTree>
-    <p:extLst/>
   </p:cSld>
   <p:clrMapOvr>
     <a:masterClrMapping/>
@@ -12359,7 +12318,6 @@
         </p:txBody>
       </p:sp>
     </p:spTree>
-    <p:extLst/>
   </p:cSld>
   <p:clrMapOvr>
     <a:masterClrMapping/>
@@ -17703,20 +17661,12 @@
               <a:buNone/>
             </a:pPr>
             <a:r>
-              <a:rPr lang="en-CA" sz="2000" b="1" dirty="0" err="1">
-                <a:solidFill>
-                  <a:srgbClr val="000000"/>
-                </a:solidFill>
-              </a:rPr>
-              <a:t>PCFDev</a:t>
-            </a:r>
-            <a:r>
               <a:rPr lang="en-CA" sz="2000" b="1" dirty="0">
                 <a:solidFill>
                   <a:srgbClr val="000000"/>
                 </a:solidFill>
               </a:rPr>
-              <a:t> VM</a:t>
+              <a:t>CF Dev VM</a:t>
             </a:r>
           </a:p>
         </p:txBody>
@@ -19036,36 +18986,6 @@
           </a:prstGeom>
         </p:spPr>
       </p:pic>
-      <p:pic>
-        <p:nvPicPr>
-          <p:cNvPr id="24" name="Picture 23"/>
-          <p:cNvPicPr>
-            <a:picLocks noChangeAspect="1"/>
-          </p:cNvPicPr>
-          <p:nvPr/>
-        </p:nvPicPr>
-        <p:blipFill>
-          <a:blip r:embed="rId6">
-            <a:extLst>
-              <a:ext uri="{28A0092B-C50C-407E-A947-70E740481C1C}">
-                <a14:useLocalDpi xmlns:a14="http://schemas.microsoft.com/office/drawing/2010/main" val="0"/>
-              </a:ext>
-            </a:extLst>
-          </a:blip>
-          <a:stretch>
-            <a:fillRect/>
-          </a:stretch>
-        </p:blipFill>
-        <p:spPr>
-          <a:xfrm>
-            <a:off x="2092589" y="5109717"/>
-            <a:ext cx="1575804" cy="386375"/>
-          </a:xfrm>
-          <a:prstGeom prst="rect">
-            <a:avLst/>
-          </a:prstGeom>
-        </p:spPr>
-      </p:pic>
       <p:cxnSp>
         <p:nvCxnSpPr>
           <p:cNvPr id="142" name="Straight Arrow Connector 141"/>
@@ -19230,7 +19150,7 @@
             <p:nvPr/>
           </p:nvPicPr>
           <p:blipFill>
-            <a:blip r:embed="rId7"/>
+            <a:blip r:embed="rId6"/>
             <a:stretch>
               <a:fillRect/>
             </a:stretch>
@@ -19810,7 +19730,7 @@
           <p:nvPr/>
         </p:nvPicPr>
         <p:blipFill>
-          <a:blip r:embed="rId7"/>
+          <a:blip r:embed="rId6"/>
           <a:stretch>
             <a:fillRect/>
           </a:stretch>
@@ -19828,36 +19748,6 @@
               <a:schemeClr val="tx1"/>
             </a:solidFill>
           </a:ln>
-        </p:spPr>
-      </p:pic>
-      <p:pic>
-        <p:nvPicPr>
-          <p:cNvPr id="87" name="Picture 86"/>
-          <p:cNvPicPr>
-            <a:picLocks noChangeAspect="1"/>
-          </p:cNvPicPr>
-          <p:nvPr/>
-        </p:nvPicPr>
-        <p:blipFill>
-          <a:blip r:embed="rId6">
-            <a:extLst>
-              <a:ext uri="{28A0092B-C50C-407E-A947-70E740481C1C}">
-                <a14:useLocalDpi xmlns:a14="http://schemas.microsoft.com/office/drawing/2010/main" val="0"/>
-              </a:ext>
-            </a:extLst>
-          </a:blip>
-          <a:stretch>
-            <a:fillRect/>
-          </a:stretch>
-        </p:blipFill>
-        <p:spPr>
-          <a:xfrm>
-            <a:off x="3087947" y="2639269"/>
-            <a:ext cx="1575804" cy="386375"/>
-          </a:xfrm>
-          <a:prstGeom prst="rect">
-            <a:avLst/>
-          </a:prstGeom>
         </p:spPr>
       </p:pic>
       <p:cxnSp>
@@ -19902,8 +19792,8 @@
         </p:nvSpPr>
         <p:spPr>
           <a:xfrm>
-            <a:off x="4456362" y="5136840"/>
-            <a:ext cx="1050288" cy="695575"/>
+            <a:off x="4486498" y="5136840"/>
+            <a:ext cx="990015" cy="695575"/>
           </a:xfrm>
           <a:prstGeom prst="rect">
             <a:avLst/>
@@ -19958,7 +19848,7 @@
               <a:rPr lang="en-CA" sz="1400" dirty="0">
                 <a:latin typeface="Arial" charset="0"/>
               </a:rPr>
-              <a:t>Messaging</a:t>
+              <a:t>VMware </a:t>
             </a:r>
           </a:p>
           <a:p>
@@ -19978,10 +19868,16 @@
               <a:buSzPct val="60000"/>
             </a:pPr>
             <a:r>
+              <a:rPr lang="en-CA" sz="1400" dirty="0" err="1">
+                <a:latin typeface="Arial" charset="0"/>
+              </a:rPr>
+              <a:t>Tanzu</a:t>
+            </a:r>
+            <a:r>
               <a:rPr lang="en-CA" sz="1400" dirty="0">
                 <a:latin typeface="Arial" charset="0"/>
               </a:rPr>
-              <a:t>PCF Tile</a:t>
+              <a:t> Tile</a:t>
             </a:r>
           </a:p>
         </p:txBody>
@@ -20414,7 +20310,7 @@
           <p:nvPr/>
         </p:nvPicPr>
         <p:blipFill>
-          <a:blip r:embed="rId8"/>
+          <a:blip r:embed="rId7"/>
           <a:stretch>
             <a:fillRect/>
           </a:stretch>
@@ -20438,7 +20334,7 @@
           <p:nvPr/>
         </p:nvPicPr>
         <p:blipFill>
-          <a:blip r:embed="rId8"/>
+          <a:blip r:embed="rId7"/>
           <a:stretch>
             <a:fillRect/>
           </a:stretch>
@@ -20525,6 +20421,104 @@
           </a:fontRef>
         </p:style>
       </p:cxnSp>
+      <p:pic>
+        <p:nvPicPr>
+          <p:cNvPr id="2" name="Picture 1">
+            <a:extLst>
+              <a:ext uri="{FF2B5EF4-FFF2-40B4-BE49-F238E27FC236}">
+                <a16:creationId xmlns:a16="http://schemas.microsoft.com/office/drawing/2014/main" id="{A02E43EF-17E9-394F-B792-66B3980AFFD1}"/>
+              </a:ext>
+            </a:extLst>
+          </p:cNvPr>
+          <p:cNvPicPr>
+            <a:picLocks noChangeAspect="1"/>
+          </p:cNvPicPr>
+          <p:nvPr/>
+        </p:nvPicPr>
+        <p:blipFill>
+          <a:blip r:embed="rId8"/>
+          <a:stretch>
+            <a:fillRect/>
+          </a:stretch>
+        </p:blipFill>
+        <p:spPr>
+          <a:xfrm>
+            <a:off x="2109310" y="5114929"/>
+            <a:ext cx="1716480" cy="262631"/>
+          </a:xfrm>
+          <a:prstGeom prst="rect">
+            <a:avLst/>
+          </a:prstGeom>
+          <a:ln w="12700">
+            <a:solidFill>
+              <a:schemeClr val="tx1"/>
+            </a:solidFill>
+          </a:ln>
+        </p:spPr>
+        <p:style>
+          <a:lnRef idx="2">
+            <a:schemeClr val="dk1"/>
+          </a:lnRef>
+          <a:fillRef idx="1">
+            <a:schemeClr val="lt1"/>
+          </a:fillRef>
+          <a:effectRef idx="0">
+            <a:schemeClr val="dk1"/>
+          </a:effectRef>
+          <a:fontRef idx="minor">
+            <a:schemeClr val="dk1"/>
+          </a:fontRef>
+        </p:style>
+      </p:pic>
+      <p:pic>
+        <p:nvPicPr>
+          <p:cNvPr id="72" name="Picture 71">
+            <a:extLst>
+              <a:ext uri="{FF2B5EF4-FFF2-40B4-BE49-F238E27FC236}">
+                <a16:creationId xmlns:a16="http://schemas.microsoft.com/office/drawing/2014/main" id="{282B0B3B-5721-6147-967E-BFC4F4F558E5}"/>
+              </a:ext>
+            </a:extLst>
+          </p:cNvPr>
+          <p:cNvPicPr>
+            <a:picLocks noChangeAspect="1"/>
+          </p:cNvPicPr>
+          <p:nvPr/>
+        </p:nvPicPr>
+        <p:blipFill>
+          <a:blip r:embed="rId8"/>
+          <a:stretch>
+            <a:fillRect/>
+          </a:stretch>
+        </p:blipFill>
+        <p:spPr>
+          <a:xfrm>
+            <a:off x="2964443" y="2673967"/>
+            <a:ext cx="1716480" cy="262631"/>
+          </a:xfrm>
+          <a:prstGeom prst="rect">
+            <a:avLst/>
+          </a:prstGeom>
+          <a:ln w="12700">
+            <a:solidFill>
+              <a:schemeClr val="tx1"/>
+            </a:solidFill>
+          </a:ln>
+        </p:spPr>
+        <p:style>
+          <a:lnRef idx="2">
+            <a:schemeClr val="dk1"/>
+          </a:lnRef>
+          <a:fillRef idx="1">
+            <a:schemeClr val="lt1"/>
+          </a:fillRef>
+          <a:effectRef idx="0">
+            <a:schemeClr val="dk1"/>
+          </a:effectRef>
+          <a:fontRef idx="minor">
+            <a:schemeClr val="dk1"/>
+          </a:fontRef>
+        </p:style>
+      </p:pic>
     </p:spTree>
     <p:extLst>
       <p:ext uri="{BB962C8B-B14F-4D97-AF65-F5344CB8AC3E}">
@@ -21981,36 +21975,6 @@
           </a:prstGeom>
         </p:spPr>
       </p:pic>
-      <p:pic>
-        <p:nvPicPr>
-          <p:cNvPr id="24" name="Picture 23"/>
-          <p:cNvPicPr>
-            <a:picLocks noChangeAspect="1"/>
-          </p:cNvPicPr>
-          <p:nvPr/>
-        </p:nvPicPr>
-        <p:blipFill>
-          <a:blip r:embed="rId6">
-            <a:extLst>
-              <a:ext uri="{28A0092B-C50C-407E-A947-70E740481C1C}">
-                <a14:useLocalDpi xmlns:a14="http://schemas.microsoft.com/office/drawing/2010/main" val="0"/>
-              </a:ext>
-            </a:extLst>
-          </a:blip>
-          <a:stretch>
-            <a:fillRect/>
-          </a:stretch>
-        </p:blipFill>
-        <p:spPr>
-          <a:xfrm>
-            <a:off x="2092589" y="5109717"/>
-            <a:ext cx="1575804" cy="386375"/>
-          </a:xfrm>
-          <a:prstGeom prst="rect">
-            <a:avLst/>
-          </a:prstGeom>
-        </p:spPr>
-      </p:pic>
       <p:cxnSp>
         <p:nvCxnSpPr>
           <p:cNvPr id="142" name="Straight Arrow Connector 141"/>
@@ -22205,7 +22169,7 @@
             <p:nvPr/>
           </p:nvPicPr>
           <p:blipFill>
-            <a:blip r:embed="rId7"/>
+            <a:blip r:embed="rId6"/>
             <a:stretch>
               <a:fillRect/>
             </a:stretch>
@@ -22711,7 +22675,7 @@
           <p:nvPr/>
         </p:nvPicPr>
         <p:blipFill>
-          <a:blip r:embed="rId7"/>
+          <a:blip r:embed="rId6"/>
           <a:stretch>
             <a:fillRect/>
           </a:stretch>
@@ -22773,8 +22737,8 @@
         </p:nvSpPr>
         <p:spPr>
           <a:xfrm>
-            <a:off x="4456362" y="5136840"/>
-            <a:ext cx="1050288" cy="695575"/>
+            <a:off x="4486499" y="5136840"/>
+            <a:ext cx="990016" cy="695575"/>
           </a:xfrm>
           <a:prstGeom prst="rect">
             <a:avLst/>
@@ -22803,7 +22767,7 @@
               <a:buSzPct val="60000"/>
             </a:pPr>
             <a:r>
-              <a:rPr lang="en-CA" sz="1400">
+              <a:rPr lang="en-CA" sz="1400" dirty="0">
                 <a:latin typeface="Arial" charset="0"/>
               </a:rPr>
               <a:t>Solace</a:t>
@@ -22826,10 +22790,10 @@
               <a:buSzPct val="60000"/>
             </a:pPr>
             <a:r>
-              <a:rPr lang="en-CA" sz="1400">
+              <a:rPr lang="en-CA" sz="1400" dirty="0">
                 <a:latin typeface="Arial" charset="0"/>
               </a:rPr>
-              <a:t>Messaging</a:t>
+              <a:t>VMware </a:t>
             </a:r>
           </a:p>
           <a:p>
@@ -22849,10 +22813,16 @@
               <a:buSzPct val="60000"/>
             </a:pPr>
             <a:r>
-              <a:rPr lang="en-CA" sz="1400">
+              <a:rPr lang="en-CA" sz="1400" dirty="0" err="1">
                 <a:latin typeface="Arial" charset="0"/>
               </a:rPr>
-              <a:t>PCF Tile</a:t>
+              <a:t>Tanzu</a:t>
+            </a:r>
+            <a:r>
+              <a:rPr lang="en-CA" sz="1400" dirty="0">
+                <a:latin typeface="Arial" charset="0"/>
+              </a:rPr>
+              <a:t> Tile</a:t>
             </a:r>
           </a:p>
         </p:txBody>
@@ -23285,7 +23255,7 @@
           <p:nvPr/>
         </p:nvPicPr>
         <p:blipFill>
-          <a:blip r:embed="rId8"/>
+          <a:blip r:embed="rId7"/>
           <a:stretch>
             <a:fillRect/>
           </a:stretch>
@@ -23309,7 +23279,7 @@
           <p:nvPr/>
         </p:nvPicPr>
         <p:blipFill>
-          <a:blip r:embed="rId8"/>
+          <a:blip r:embed="rId7"/>
           <a:stretch>
             <a:fillRect/>
           </a:stretch>
@@ -23915,6 +23885,55 @@
           </a:fontRef>
         </p:style>
       </p:cxnSp>
+      <p:pic>
+        <p:nvPicPr>
+          <p:cNvPr id="76" name="Picture 75">
+            <a:extLst>
+              <a:ext uri="{FF2B5EF4-FFF2-40B4-BE49-F238E27FC236}">
+                <a16:creationId xmlns:a16="http://schemas.microsoft.com/office/drawing/2014/main" id="{50BB53F6-6689-C545-AB73-A0FF0EA33657}"/>
+              </a:ext>
+            </a:extLst>
+          </p:cNvPr>
+          <p:cNvPicPr>
+            <a:picLocks noChangeAspect="1"/>
+          </p:cNvPicPr>
+          <p:nvPr/>
+        </p:nvPicPr>
+        <p:blipFill>
+          <a:blip r:embed="rId8"/>
+          <a:stretch>
+            <a:fillRect/>
+          </a:stretch>
+        </p:blipFill>
+        <p:spPr>
+          <a:xfrm>
+            <a:off x="2109310" y="5114929"/>
+            <a:ext cx="1716480" cy="262631"/>
+          </a:xfrm>
+          <a:prstGeom prst="rect">
+            <a:avLst/>
+          </a:prstGeom>
+          <a:ln w="12700">
+            <a:solidFill>
+              <a:schemeClr val="tx1"/>
+            </a:solidFill>
+          </a:ln>
+        </p:spPr>
+        <p:style>
+          <a:lnRef idx="2">
+            <a:schemeClr val="dk1"/>
+          </a:lnRef>
+          <a:fillRef idx="1">
+            <a:schemeClr val="lt1"/>
+          </a:fillRef>
+          <a:effectRef idx="0">
+            <a:schemeClr val="dk1"/>
+          </a:effectRef>
+          <a:fontRef idx="minor">
+            <a:schemeClr val="dk1"/>
+          </a:fontRef>
+        </p:style>
+      </p:pic>
     </p:spTree>
     <p:extLst>
       <p:ext uri="{BB962C8B-B14F-4D97-AF65-F5344CB8AC3E}">
@@ -25265,36 +25284,6 @@
           </a:prstGeom>
         </p:spPr>
       </p:pic>
-      <p:pic>
-        <p:nvPicPr>
-          <p:cNvPr id="24" name="Picture 23"/>
-          <p:cNvPicPr>
-            <a:picLocks noChangeAspect="1"/>
-          </p:cNvPicPr>
-          <p:nvPr/>
-        </p:nvPicPr>
-        <p:blipFill>
-          <a:blip r:embed="rId5">
-            <a:extLst>
-              <a:ext uri="{28A0092B-C50C-407E-A947-70E740481C1C}">
-                <a14:useLocalDpi xmlns:a14="http://schemas.microsoft.com/office/drawing/2010/main" val="0"/>
-              </a:ext>
-            </a:extLst>
-          </a:blip>
-          <a:stretch>
-            <a:fillRect/>
-          </a:stretch>
-        </p:blipFill>
-        <p:spPr>
-          <a:xfrm>
-            <a:off x="2092589" y="5109717"/>
-            <a:ext cx="1575804" cy="386375"/>
-          </a:xfrm>
-          <a:prstGeom prst="rect">
-            <a:avLst/>
-          </a:prstGeom>
-        </p:spPr>
-      </p:pic>
       <p:cxnSp>
         <p:nvCxnSpPr>
           <p:cNvPr id="142" name="Straight Arrow Connector 141"/>
@@ -25489,7 +25478,7 @@
             <p:nvPr/>
           </p:nvPicPr>
           <p:blipFill>
-            <a:blip r:embed="rId6"/>
+            <a:blip r:embed="rId5"/>
             <a:stretch>
               <a:fillRect/>
             </a:stretch>
@@ -26378,7 +26367,7 @@
           <p:nvPr/>
         </p:nvPicPr>
         <p:blipFill>
-          <a:blip r:embed="rId7"/>
+          <a:blip r:embed="rId6"/>
           <a:stretch>
             <a:fillRect/>
           </a:stretch>
@@ -26842,7 +26831,7 @@
           <p:nvPr/>
         </p:nvPicPr>
         <p:blipFill>
-          <a:blip r:embed="rId8">
+          <a:blip r:embed="rId7">
             <a:extLst>
               <a:ext uri="{28A0092B-C50C-407E-A947-70E740481C1C}">
                 <a14:useLocalDpi xmlns:a14="http://schemas.microsoft.com/office/drawing/2010/main" val="0"/>
@@ -26979,7 +26968,7 @@
             <p:nvPr/>
           </p:nvPicPr>
           <p:blipFill>
-            <a:blip r:embed="rId9"/>
+            <a:blip r:embed="rId8"/>
             <a:stretch>
               <a:fillRect/>
             </a:stretch>
@@ -27100,7 +27089,7 @@
             <p:nvPr/>
           </p:nvPicPr>
           <p:blipFill>
-            <a:blip r:embed="rId9"/>
+            <a:blip r:embed="rId8"/>
             <a:stretch>
               <a:fillRect/>
             </a:stretch>
@@ -27221,7 +27210,7 @@
             <p:nvPr/>
           </p:nvPicPr>
           <p:blipFill>
-            <a:blip r:embed="rId9"/>
+            <a:blip r:embed="rId8"/>
             <a:stretch>
               <a:fillRect/>
             </a:stretch>
@@ -27295,6 +27284,36 @@
           <p:nvPr/>
         </p:nvPicPr>
         <p:blipFill>
+          <a:blip r:embed="rId8"/>
+          <a:stretch>
+            <a:fillRect/>
+          </a:stretch>
+        </p:blipFill>
+        <p:spPr>
+          <a:xfrm>
+            <a:off x="4590744" y="4686219"/>
+            <a:ext cx="779217" cy="245950"/>
+          </a:xfrm>
+          <a:prstGeom prst="rect">
+            <a:avLst/>
+          </a:prstGeom>
+        </p:spPr>
+      </p:pic>
+      <p:pic>
+        <p:nvPicPr>
+          <p:cNvPr id="77" name="Picture 76">
+            <a:extLst>
+              <a:ext uri="{FF2B5EF4-FFF2-40B4-BE49-F238E27FC236}">
+                <a16:creationId xmlns:a16="http://schemas.microsoft.com/office/drawing/2014/main" id="{E81717AF-12FB-F341-935E-17A8DEE970F7}"/>
+              </a:ext>
+            </a:extLst>
+          </p:cNvPr>
+          <p:cNvPicPr>
+            <a:picLocks noChangeAspect="1"/>
+          </p:cNvPicPr>
+          <p:nvPr/>
+        </p:nvPicPr>
+        <p:blipFill>
           <a:blip r:embed="rId9"/>
           <a:stretch>
             <a:fillRect/>
@@ -27302,13 +27321,32 @@
         </p:blipFill>
         <p:spPr>
           <a:xfrm>
-            <a:off x="4590744" y="4686219"/>
-            <a:ext cx="779217" cy="245950"/>
+            <a:off x="2109310" y="5114929"/>
+            <a:ext cx="1704572" cy="260809"/>
           </a:xfrm>
           <a:prstGeom prst="rect">
             <a:avLst/>
           </a:prstGeom>
-        </p:spPr>
+          <a:ln w="12700">
+            <a:solidFill>
+              <a:schemeClr val="tx1"/>
+            </a:solidFill>
+          </a:ln>
+        </p:spPr>
+        <p:style>
+          <a:lnRef idx="2">
+            <a:schemeClr val="dk1"/>
+          </a:lnRef>
+          <a:fillRef idx="1">
+            <a:schemeClr val="lt1"/>
+          </a:fillRef>
+          <a:effectRef idx="0">
+            <a:schemeClr val="dk1"/>
+          </a:effectRef>
+          <a:fontRef idx="minor">
+            <a:schemeClr val="dk1"/>
+          </a:fontRef>
+        </p:style>
       </p:pic>
     </p:spTree>
     <p:extLst>
@@ -27513,20 +27551,12 @@
               <a:buNone/>
             </a:pPr>
             <a:r>
-              <a:rPr lang="en-CA" sz="2000" b="1" dirty="0" err="1">
-                <a:solidFill>
-                  <a:srgbClr val="000000"/>
-                </a:solidFill>
-              </a:rPr>
-              <a:t>PCFDev</a:t>
-            </a:r>
-            <a:r>
               <a:rPr lang="en-CA" sz="2000" b="1" dirty="0">
                 <a:solidFill>
                   <a:srgbClr val="000000"/>
                 </a:solidFill>
               </a:rPr>
-              <a:t> VM</a:t>
+              <a:t>CF Dev VM</a:t>
             </a:r>
           </a:p>
         </p:txBody>
@@ -28285,36 +28315,6 @@
       </p:pic>
       <p:pic>
         <p:nvPicPr>
-          <p:cNvPr id="87" name="Picture 86"/>
-          <p:cNvPicPr>
-            <a:picLocks noChangeAspect="1"/>
-          </p:cNvPicPr>
-          <p:nvPr/>
-        </p:nvPicPr>
-        <p:blipFill>
-          <a:blip r:embed="rId5">
-            <a:extLst>
-              <a:ext uri="{28A0092B-C50C-407E-A947-70E740481C1C}">
-                <a14:useLocalDpi xmlns:a14="http://schemas.microsoft.com/office/drawing/2010/main" val="0"/>
-              </a:ext>
-            </a:extLst>
-          </a:blip>
-          <a:stretch>
-            <a:fillRect/>
-          </a:stretch>
-        </p:blipFill>
-        <p:spPr>
-          <a:xfrm>
-            <a:off x="3087947" y="2639269"/>
-            <a:ext cx="1575804" cy="386375"/>
-          </a:xfrm>
-          <a:prstGeom prst="rect">
-            <a:avLst/>
-          </a:prstGeom>
-        </p:spPr>
-      </p:pic>
-      <p:pic>
-        <p:nvPicPr>
           <p:cNvPr id="46" name="Picture 45"/>
           <p:cNvPicPr>
             <a:picLocks noChangeAspect="1"/>
@@ -28322,7 +28322,7 @@
           <p:nvPr/>
         </p:nvPicPr>
         <p:blipFill>
-          <a:blip r:embed="rId6"/>
+          <a:blip r:embed="rId5"/>
           <a:stretch>
             <a:fillRect/>
           </a:stretch>
@@ -28346,7 +28346,7 @@
           <p:nvPr/>
         </p:nvPicPr>
         <p:blipFill>
-          <a:blip r:embed="rId6"/>
+          <a:blip r:embed="rId5"/>
           <a:stretch>
             <a:fillRect/>
           </a:stretch>
@@ -28433,6 +28433,55 @@
           </a:fontRef>
         </p:style>
       </p:cxnSp>
+      <p:pic>
+        <p:nvPicPr>
+          <p:cNvPr id="29" name="Picture 28">
+            <a:extLst>
+              <a:ext uri="{FF2B5EF4-FFF2-40B4-BE49-F238E27FC236}">
+                <a16:creationId xmlns:a16="http://schemas.microsoft.com/office/drawing/2014/main" id="{3001B750-FE2B-A146-84B5-C71A41769E45}"/>
+              </a:ext>
+            </a:extLst>
+          </p:cNvPr>
+          <p:cNvPicPr>
+            <a:picLocks noChangeAspect="1"/>
+          </p:cNvPicPr>
+          <p:nvPr/>
+        </p:nvPicPr>
+        <p:blipFill>
+          <a:blip r:embed="rId6"/>
+          <a:stretch>
+            <a:fillRect/>
+          </a:stretch>
+        </p:blipFill>
+        <p:spPr>
+          <a:xfrm>
+            <a:off x="2945210" y="2704557"/>
+            <a:ext cx="1704572" cy="260809"/>
+          </a:xfrm>
+          <a:prstGeom prst="rect">
+            <a:avLst/>
+          </a:prstGeom>
+          <a:ln w="12700">
+            <a:solidFill>
+              <a:schemeClr val="tx1"/>
+            </a:solidFill>
+          </a:ln>
+        </p:spPr>
+        <p:style>
+          <a:lnRef idx="2">
+            <a:schemeClr val="dk1"/>
+          </a:lnRef>
+          <a:fillRef idx="1">
+            <a:schemeClr val="lt1"/>
+          </a:fillRef>
+          <a:effectRef idx="0">
+            <a:schemeClr val="dk1"/>
+          </a:effectRef>
+          <a:fontRef idx="minor">
+            <a:schemeClr val="dk1"/>
+          </a:fontRef>
+        </p:style>
+      </p:pic>
     </p:spTree>
     <p:extLst>
       <p:ext uri="{BB962C8B-B14F-4D97-AF65-F5344CB8AC3E}">
@@ -32185,36 +32234,6 @@
           </a:prstGeom>
         </p:spPr>
       </p:pic>
-      <p:pic>
-        <p:nvPicPr>
-          <p:cNvPr id="24" name="Picture 23"/>
-          <p:cNvPicPr>
-            <a:picLocks noChangeAspect="1"/>
-          </p:cNvPicPr>
-          <p:nvPr/>
-        </p:nvPicPr>
-        <p:blipFill>
-          <a:blip r:embed="rId5">
-            <a:extLst>
-              <a:ext uri="{28A0092B-C50C-407E-A947-70E740481C1C}">
-                <a14:useLocalDpi xmlns:a14="http://schemas.microsoft.com/office/drawing/2010/main" val="0"/>
-              </a:ext>
-            </a:extLst>
-          </a:blip>
-          <a:stretch>
-            <a:fillRect/>
-          </a:stretch>
-        </p:blipFill>
-        <p:spPr>
-          <a:xfrm>
-            <a:off x="1696560" y="5089913"/>
-            <a:ext cx="1575804" cy="386375"/>
-          </a:xfrm>
-          <a:prstGeom prst="rect">
-            <a:avLst/>
-          </a:prstGeom>
-        </p:spPr>
-      </p:pic>
       <p:cxnSp>
         <p:nvCxnSpPr>
           <p:cNvPr id="142" name="Straight Arrow Connector 141"/>
@@ -32293,8 +32312,8 @@
         </p:nvSpPr>
         <p:spPr>
           <a:xfrm>
-            <a:off x="3977436" y="5062919"/>
-            <a:ext cx="1050288" cy="695575"/>
+            <a:off x="4007573" y="5062919"/>
+            <a:ext cx="990016" cy="695575"/>
           </a:xfrm>
           <a:prstGeom prst="rect">
             <a:avLst/>
@@ -32349,7 +32368,7 @@
               <a:rPr lang="en-CA" sz="1400" dirty="0">
                 <a:latin typeface="Arial" charset="0"/>
               </a:rPr>
-              <a:t>Messaging</a:t>
+              <a:t>VMware </a:t>
             </a:r>
           </a:p>
           <a:p>
@@ -32369,10 +32388,16 @@
               <a:buSzPct val="60000"/>
             </a:pPr>
             <a:r>
+              <a:rPr lang="en-CA" sz="1400" dirty="0" err="1">
+                <a:latin typeface="Arial" charset="0"/>
+              </a:rPr>
+              <a:t>Tanzu</a:t>
+            </a:r>
+            <a:r>
               <a:rPr lang="en-CA" sz="1400" dirty="0">
                 <a:latin typeface="Arial" charset="0"/>
               </a:rPr>
-              <a:t>PCF Tile</a:t>
+              <a:t> Tile</a:t>
             </a:r>
           </a:p>
         </p:txBody>
@@ -32779,7 +32804,7 @@
           <p:nvPr/>
         </p:nvPicPr>
         <p:blipFill>
-          <a:blip r:embed="rId6"/>
+          <a:blip r:embed="rId5"/>
           <a:stretch>
             <a:fillRect/>
           </a:stretch>
@@ -33060,7 +33085,7 @@
             <p:nvPr/>
           </p:nvPicPr>
           <p:blipFill>
-            <a:blip r:embed="rId7"/>
+            <a:blip r:embed="rId6"/>
             <a:stretch>
               <a:fillRect/>
             </a:stretch>
@@ -33181,7 +33206,7 @@
             <p:nvPr/>
           </p:nvPicPr>
           <p:blipFill>
-            <a:blip r:embed="rId7"/>
+            <a:blip r:embed="rId6"/>
             <a:stretch>
               <a:fillRect/>
             </a:stretch>
@@ -33302,7 +33327,7 @@
             <p:nvPr/>
           </p:nvPicPr>
           <p:blipFill>
-            <a:blip r:embed="rId7"/>
+            <a:blip r:embed="rId6"/>
             <a:stretch>
               <a:fillRect/>
             </a:stretch>
@@ -33333,6 +33358,36 @@
           <p:nvPr/>
         </p:nvPicPr>
         <p:blipFill>
+          <a:blip r:embed="rId6"/>
+          <a:stretch>
+            <a:fillRect/>
+          </a:stretch>
+        </p:blipFill>
+        <p:spPr>
+          <a:xfrm>
+            <a:off x="4232642" y="4704927"/>
+            <a:ext cx="539876" cy="193965"/>
+          </a:xfrm>
+          <a:prstGeom prst="rect">
+            <a:avLst/>
+          </a:prstGeom>
+        </p:spPr>
+      </p:pic>
+      <p:pic>
+        <p:nvPicPr>
+          <p:cNvPr id="59" name="Picture 58">
+            <a:extLst>
+              <a:ext uri="{FF2B5EF4-FFF2-40B4-BE49-F238E27FC236}">
+                <a16:creationId xmlns:a16="http://schemas.microsoft.com/office/drawing/2014/main" id="{EFF6DA14-DAA6-1E4C-8D0B-71657F5052B8}"/>
+              </a:ext>
+            </a:extLst>
+          </p:cNvPr>
+          <p:cNvPicPr>
+            <a:picLocks noChangeAspect="1"/>
+          </p:cNvPicPr>
+          <p:nvPr/>
+        </p:nvPicPr>
+        <p:blipFill>
           <a:blip r:embed="rId7"/>
           <a:stretch>
             <a:fillRect/>
@@ -33340,13 +33395,32 @@
         </p:blipFill>
         <p:spPr>
           <a:xfrm>
-            <a:off x="4232642" y="4704927"/>
-            <a:ext cx="539876" cy="193965"/>
+            <a:off x="1482099" y="5126160"/>
+            <a:ext cx="1704572" cy="260809"/>
           </a:xfrm>
           <a:prstGeom prst="rect">
             <a:avLst/>
           </a:prstGeom>
-        </p:spPr>
+          <a:ln w="12700">
+            <a:solidFill>
+              <a:schemeClr val="tx1"/>
+            </a:solidFill>
+          </a:ln>
+        </p:spPr>
+        <p:style>
+          <a:lnRef idx="2">
+            <a:schemeClr val="dk1"/>
+          </a:lnRef>
+          <a:fillRef idx="1">
+            <a:schemeClr val="lt1"/>
+          </a:fillRef>
+          <a:effectRef idx="0">
+            <a:schemeClr val="dk1"/>
+          </a:effectRef>
+          <a:fontRef idx="minor">
+            <a:schemeClr val="dk1"/>
+          </a:fontRef>
+        </p:style>
       </p:pic>
     </p:spTree>
     <p:extLst>
